--- a/119/NMOP/draft-netana-nmop-network-anomaly-semantics-and-lifecycle.pptx
+++ b/119/NMOP/draft-netana-nmop-network-anomaly-semantics-and-lifecycle.pptx
@@ -5,27 +5,24 @@
     <p:sldMasterId id="2147483648" r:id="rId1"/>
   </p:sldMasterIdLst>
   <p:notesMasterIdLst>
-    <p:notesMasterId r:id="rId20"/>
+    <p:notesMasterId r:id="rId17"/>
   </p:notesMasterIdLst>
   <p:sldIdLst>
     <p:sldId id="1041" r:id="rId2"/>
     <p:sldId id="2145706200" r:id="rId3"/>
-    <p:sldId id="2145706223" r:id="rId4"/>
-    <p:sldId id="2145706225" r:id="rId5"/>
-    <p:sldId id="2145706226" r:id="rId6"/>
-    <p:sldId id="2145706234" r:id="rId7"/>
-    <p:sldId id="2145706236" r:id="rId8"/>
-    <p:sldId id="2145706232" r:id="rId9"/>
-    <p:sldId id="2145706233" r:id="rId10"/>
-    <p:sldId id="2145706227" r:id="rId11"/>
-    <p:sldId id="26425" r:id="rId12"/>
-    <p:sldId id="26415" r:id="rId13"/>
-    <p:sldId id="2145706239" r:id="rId14"/>
-    <p:sldId id="2145706241" r:id="rId15"/>
-    <p:sldId id="2145706240" r:id="rId16"/>
-    <p:sldId id="2145706237" r:id="rId17"/>
-    <p:sldId id="2145706238" r:id="rId18"/>
-    <p:sldId id="2145706242" r:id="rId19"/>
+    <p:sldId id="2145706225" r:id="rId4"/>
+    <p:sldId id="2145706236" r:id="rId5"/>
+    <p:sldId id="2145706232" r:id="rId6"/>
+    <p:sldId id="2145706233" r:id="rId7"/>
+    <p:sldId id="2145706227" r:id="rId8"/>
+    <p:sldId id="26425" r:id="rId9"/>
+    <p:sldId id="26415" r:id="rId10"/>
+    <p:sldId id="2145706239" r:id="rId11"/>
+    <p:sldId id="2145706241" r:id="rId12"/>
+    <p:sldId id="2145706240" r:id="rId13"/>
+    <p:sldId id="2145706237" r:id="rId14"/>
+    <p:sldId id="2145706238" r:id="rId15"/>
+    <p:sldId id="2145706242" r:id="rId16"/>
   </p:sldIdLst>
   <p:sldSz cx="12192000" cy="6858000"/>
   <p:notesSz cx="6858000" cy="9144000"/>
@@ -136,7 +133,7 @@
 <p1510:revInfo xmlns:a="http://schemas.openxmlformats.org/drawingml/2006/main" xmlns:r="http://schemas.openxmlformats.org/officeDocument/2006/relationships" xmlns:p1510="http://schemas.microsoft.com/office/powerpoint/2015/10/main">
   <p1510:revLst>
     <p1510:client id="{01AC2C85-998E-4AD4-9ACA-8A8578A23497}" v="2" dt="2024-03-05T13:33:40.669"/>
-    <p1510:client id="{A47D5A21-D820-4251-9DE3-0EE7A7287481}" v="9" dt="2024-03-06T08:29:02.983"/>
+    <p1510:client id="{A47D5A21-D820-4251-9DE3-0EE7A7287481}" v="11" dt="2024-03-06T12:13:37.180"/>
   </p1510:revLst>
 </p1510:revInfo>
 </file>
@@ -309,8 +306,8 @@
   </pc:docChgLst>
   <pc:docChgLst>
     <pc:chgData name="Graf Thomas, INI-NET-VNC-HCS" userId="487bc3e3-9ce7-4cdd-b7b4-8899ea88d289" providerId="ADAL" clId="{A47D5A21-D820-4251-9DE3-0EE7A7287481}"/>
-    <pc:docChg chg="undo custSel addSld modSld sldOrd">
-      <pc:chgData name="Graf Thomas, INI-NET-VNC-HCS" userId="487bc3e3-9ce7-4cdd-b7b4-8899ea88d289" providerId="ADAL" clId="{A47D5A21-D820-4251-9DE3-0EE7A7287481}" dt="2024-03-06T08:42:50.020" v="1458"/>
+    <pc:docChg chg="undo custSel addSld delSld modSld sldOrd">
+      <pc:chgData name="Graf Thomas, INI-NET-VNC-HCS" userId="487bc3e3-9ce7-4cdd-b7b4-8899ea88d289" providerId="ADAL" clId="{A47D5A21-D820-4251-9DE3-0EE7A7287481}" dt="2024-03-06T12:16:50.226" v="1740"/>
       <pc:docMkLst>
         <pc:docMk/>
       </pc:docMkLst>
@@ -367,6 +364,298 @@
           </ac:spMkLst>
         </pc:spChg>
       </pc:sldChg>
+      <pc:sldChg chg="del">
+        <pc:chgData name="Graf Thomas, INI-NET-VNC-HCS" userId="487bc3e3-9ce7-4cdd-b7b4-8899ea88d289" providerId="ADAL" clId="{A47D5A21-D820-4251-9DE3-0EE7A7287481}" dt="2024-03-06T11:45:24.047" v="1460" actId="47"/>
+        <pc:sldMkLst>
+          <pc:docMk/>
+          <pc:sldMk cId="4069880896" sldId="2145706223"/>
+        </pc:sldMkLst>
+      </pc:sldChg>
+      <pc:sldChg chg="addSp delSp modSp mod">
+        <pc:chgData name="Graf Thomas, INI-NET-VNC-HCS" userId="487bc3e3-9ce7-4cdd-b7b4-8899ea88d289" providerId="ADAL" clId="{A47D5A21-D820-4251-9DE3-0EE7A7287481}" dt="2024-03-06T12:13:48.225" v="1739" actId="1076"/>
+        <pc:sldMkLst>
+          <pc:docMk/>
+          <pc:sldMk cId="1081037514" sldId="2145706225"/>
+        </pc:sldMkLst>
+        <pc:spChg chg="add mod">
+          <ac:chgData name="Graf Thomas, INI-NET-VNC-HCS" userId="487bc3e3-9ce7-4cdd-b7b4-8899ea88d289" providerId="ADAL" clId="{A47D5A21-D820-4251-9DE3-0EE7A7287481}" dt="2024-03-06T12:13:10.597" v="1731" actId="1076"/>
+          <ac:spMkLst>
+            <pc:docMk/>
+            <pc:sldMk cId="1081037514" sldId="2145706225"/>
+            <ac:spMk id="14" creationId="{A1EA8359-DC79-8122-1266-D00A47BFEBE7}"/>
+          </ac:spMkLst>
+        </pc:spChg>
+        <pc:spChg chg="mod">
+          <ac:chgData name="Graf Thomas, INI-NET-VNC-HCS" userId="487bc3e3-9ce7-4cdd-b7b4-8899ea88d289" providerId="ADAL" clId="{A47D5A21-D820-4251-9DE3-0EE7A7287481}" dt="2024-03-06T12:07:28.243" v="1658" actId="20577"/>
+          <ac:spMkLst>
+            <pc:docMk/>
+            <pc:sldMk cId="1081037514" sldId="2145706225"/>
+            <ac:spMk id="29" creationId="{5DF5E834-66E3-AE49-4040-1D628970A3FC}"/>
+          </ac:spMkLst>
+        </pc:spChg>
+        <pc:spChg chg="mod">
+          <ac:chgData name="Graf Thomas, INI-NET-VNC-HCS" userId="487bc3e3-9ce7-4cdd-b7b4-8899ea88d289" providerId="ADAL" clId="{A47D5A21-D820-4251-9DE3-0EE7A7287481}" dt="2024-03-06T12:04:20.645" v="1575" actId="1037"/>
+          <ac:spMkLst>
+            <pc:docMk/>
+            <pc:sldMk cId="1081037514" sldId="2145706225"/>
+            <ac:spMk id="30" creationId="{BA1C20F7-8218-7EF6-0AE8-992862F0E030}"/>
+          </ac:spMkLst>
+        </pc:spChg>
+        <pc:spChg chg="mod">
+          <ac:chgData name="Graf Thomas, INI-NET-VNC-HCS" userId="487bc3e3-9ce7-4cdd-b7b4-8899ea88d289" providerId="ADAL" clId="{A47D5A21-D820-4251-9DE3-0EE7A7287481}" dt="2024-03-06T12:13:30.735" v="1732" actId="21"/>
+          <ac:spMkLst>
+            <pc:docMk/>
+            <pc:sldMk cId="1081037514" sldId="2145706225"/>
+            <ac:spMk id="39" creationId="{E2C5DAC4-E571-363C-E57D-8F3EA7B6E611}"/>
+          </ac:spMkLst>
+        </pc:spChg>
+        <pc:spChg chg="mod">
+          <ac:chgData name="Graf Thomas, INI-NET-VNC-HCS" userId="487bc3e3-9ce7-4cdd-b7b4-8899ea88d289" providerId="ADAL" clId="{A47D5A21-D820-4251-9DE3-0EE7A7287481}" dt="2024-03-06T12:12:32.871" v="1715" actId="1076"/>
+          <ac:spMkLst>
+            <pc:docMk/>
+            <pc:sldMk cId="1081037514" sldId="2145706225"/>
+            <ac:spMk id="41" creationId="{1686B893-78A4-3D56-EECA-A2AEF814D57E}"/>
+          </ac:spMkLst>
+        </pc:spChg>
+        <pc:spChg chg="del">
+          <ac:chgData name="Graf Thomas, INI-NET-VNC-HCS" userId="487bc3e3-9ce7-4cdd-b7b4-8899ea88d289" providerId="ADAL" clId="{A47D5A21-D820-4251-9DE3-0EE7A7287481}" dt="2024-03-06T12:04:05.930" v="1531" actId="478"/>
+          <ac:spMkLst>
+            <pc:docMk/>
+            <pc:sldMk cId="1081037514" sldId="2145706225"/>
+            <ac:spMk id="44" creationId="{0633B95D-D798-3465-C482-2E6F7E2DFE46}"/>
+          </ac:spMkLst>
+        </pc:spChg>
+        <pc:spChg chg="del">
+          <ac:chgData name="Graf Thomas, INI-NET-VNC-HCS" userId="487bc3e3-9ce7-4cdd-b7b4-8899ea88d289" providerId="ADAL" clId="{A47D5A21-D820-4251-9DE3-0EE7A7287481}" dt="2024-03-06T12:04:05.930" v="1531" actId="478"/>
+          <ac:spMkLst>
+            <pc:docMk/>
+            <pc:sldMk cId="1081037514" sldId="2145706225"/>
+            <ac:spMk id="46" creationId="{910C6A2B-4068-DF2D-9256-79E34275A27E}"/>
+          </ac:spMkLst>
+        </pc:spChg>
+        <pc:spChg chg="mod">
+          <ac:chgData name="Graf Thomas, INI-NET-VNC-HCS" userId="487bc3e3-9ce7-4cdd-b7b4-8899ea88d289" providerId="ADAL" clId="{A47D5A21-D820-4251-9DE3-0EE7A7287481}" dt="2024-03-06T12:04:09.459" v="1533" actId="1076"/>
+          <ac:spMkLst>
+            <pc:docMk/>
+            <pc:sldMk cId="1081037514" sldId="2145706225"/>
+            <ac:spMk id="48" creationId="{A48B1DB7-BCDC-5D18-F56D-8A1447F1B8BA}"/>
+          </ac:spMkLst>
+        </pc:spChg>
+        <pc:spChg chg="add mod">
+          <ac:chgData name="Graf Thomas, INI-NET-VNC-HCS" userId="487bc3e3-9ce7-4cdd-b7b4-8899ea88d289" providerId="ADAL" clId="{A47D5A21-D820-4251-9DE3-0EE7A7287481}" dt="2024-03-06T12:13:00.466" v="1730" actId="20577"/>
+          <ac:spMkLst>
+            <pc:docMk/>
+            <pc:sldMk cId="1081037514" sldId="2145706225"/>
+            <ac:spMk id="49" creationId="{9DA38AA2-A8F2-8D1B-FF42-9920ACF088FF}"/>
+          </ac:spMkLst>
+        </pc:spChg>
+        <pc:spChg chg="add mod">
+          <ac:chgData name="Graf Thomas, INI-NET-VNC-HCS" userId="487bc3e3-9ce7-4cdd-b7b4-8899ea88d289" providerId="ADAL" clId="{A47D5A21-D820-4251-9DE3-0EE7A7287481}" dt="2024-03-06T12:13:48.225" v="1739" actId="1076"/>
+          <ac:spMkLst>
+            <pc:docMk/>
+            <pc:sldMk cId="1081037514" sldId="2145706225"/>
+            <ac:spMk id="50" creationId="{E6F4D9EF-7813-54D5-B0A7-BB6DFF65B9B1}"/>
+          </ac:spMkLst>
+        </pc:spChg>
+        <pc:grpChg chg="mod">
+          <ac:chgData name="Graf Thomas, INI-NET-VNC-HCS" userId="487bc3e3-9ce7-4cdd-b7b4-8899ea88d289" providerId="ADAL" clId="{A47D5A21-D820-4251-9DE3-0EE7A7287481}" dt="2024-03-06T12:06:24.309" v="1640" actId="1038"/>
+          <ac:grpSpMkLst>
+            <pc:docMk/>
+            <pc:sldMk cId="1081037514" sldId="2145706225"/>
+            <ac:grpSpMk id="2" creationId="{593A3D2C-AF3C-4647-1B02-6C5086C62287}"/>
+          </ac:grpSpMkLst>
+        </pc:grpChg>
+        <pc:grpChg chg="mod">
+          <ac:chgData name="Graf Thomas, INI-NET-VNC-HCS" userId="487bc3e3-9ce7-4cdd-b7b4-8899ea88d289" providerId="ADAL" clId="{A47D5A21-D820-4251-9DE3-0EE7A7287481}" dt="2024-03-06T12:04:20.645" v="1575" actId="1037"/>
+          <ac:grpSpMkLst>
+            <pc:docMk/>
+            <pc:sldMk cId="1081037514" sldId="2145706225"/>
+            <ac:grpSpMk id="7" creationId="{746914D8-DC97-6FCE-CCEC-831AF8343A92}"/>
+          </ac:grpSpMkLst>
+        </pc:grpChg>
+        <pc:grpChg chg="mod">
+          <ac:chgData name="Graf Thomas, INI-NET-VNC-HCS" userId="487bc3e3-9ce7-4cdd-b7b4-8899ea88d289" providerId="ADAL" clId="{A47D5A21-D820-4251-9DE3-0EE7A7287481}" dt="2024-03-06T12:04:20.645" v="1575" actId="1037"/>
+          <ac:grpSpMkLst>
+            <pc:docMk/>
+            <pc:sldMk cId="1081037514" sldId="2145706225"/>
+            <ac:grpSpMk id="10" creationId="{2A39462A-F04D-B596-7A41-2767D485510C}"/>
+          </ac:grpSpMkLst>
+        </pc:grpChg>
+        <pc:grpChg chg="mod">
+          <ac:chgData name="Graf Thomas, INI-NET-VNC-HCS" userId="487bc3e3-9ce7-4cdd-b7b4-8899ea88d289" providerId="ADAL" clId="{A47D5A21-D820-4251-9DE3-0EE7A7287481}" dt="2024-03-06T12:04:20.645" v="1575" actId="1037"/>
+          <ac:grpSpMkLst>
+            <pc:docMk/>
+            <pc:sldMk cId="1081037514" sldId="2145706225"/>
+            <ac:grpSpMk id="13" creationId="{C27136FF-F3FA-F76D-A713-2F31CB874934}"/>
+          </ac:grpSpMkLst>
+        </pc:grpChg>
+        <pc:grpChg chg="mod">
+          <ac:chgData name="Graf Thomas, INI-NET-VNC-HCS" userId="487bc3e3-9ce7-4cdd-b7b4-8899ea88d289" providerId="ADAL" clId="{A47D5A21-D820-4251-9DE3-0EE7A7287481}" dt="2024-03-06T12:04:20.645" v="1575" actId="1037"/>
+          <ac:grpSpMkLst>
+            <pc:docMk/>
+            <pc:sldMk cId="1081037514" sldId="2145706225"/>
+            <ac:grpSpMk id="17" creationId="{CEB0384D-AE7F-401C-F7FF-BDAEA866A31A}"/>
+          </ac:grpSpMkLst>
+        </pc:grpChg>
+        <pc:grpChg chg="mod">
+          <ac:chgData name="Graf Thomas, INI-NET-VNC-HCS" userId="487bc3e3-9ce7-4cdd-b7b4-8899ea88d289" providerId="ADAL" clId="{A47D5A21-D820-4251-9DE3-0EE7A7287481}" dt="2024-03-06T12:04:20.645" v="1575" actId="1037"/>
+          <ac:grpSpMkLst>
+            <pc:docMk/>
+            <pc:sldMk cId="1081037514" sldId="2145706225"/>
+            <ac:grpSpMk id="20" creationId="{1B5435B3-AE86-5E3B-7DD7-612D9AD30695}"/>
+          </ac:grpSpMkLst>
+        </pc:grpChg>
+        <pc:grpChg chg="mod">
+          <ac:chgData name="Graf Thomas, INI-NET-VNC-HCS" userId="487bc3e3-9ce7-4cdd-b7b4-8899ea88d289" providerId="ADAL" clId="{A47D5A21-D820-4251-9DE3-0EE7A7287481}" dt="2024-03-06T12:04:20.645" v="1575" actId="1037"/>
+          <ac:grpSpMkLst>
+            <pc:docMk/>
+            <pc:sldMk cId="1081037514" sldId="2145706225"/>
+            <ac:grpSpMk id="23" creationId="{43DA79DF-E42D-79DA-2E63-37571E43F0EB}"/>
+          </ac:grpSpMkLst>
+        </pc:grpChg>
+        <pc:picChg chg="mod">
+          <ac:chgData name="Graf Thomas, INI-NET-VNC-HCS" userId="487bc3e3-9ce7-4cdd-b7b4-8899ea88d289" providerId="ADAL" clId="{A47D5A21-D820-4251-9DE3-0EE7A7287481}" dt="2024-03-06T12:04:20.645" v="1575" actId="1037"/>
+          <ac:picMkLst>
+            <pc:docMk/>
+            <pc:sldMk cId="1081037514" sldId="2145706225"/>
+            <ac:picMk id="27" creationId="{2C9830F3-CBF4-D372-DBC5-8AB3BCB5DD2A}"/>
+          </ac:picMkLst>
+        </pc:picChg>
+        <pc:picChg chg="mod">
+          <ac:chgData name="Graf Thomas, INI-NET-VNC-HCS" userId="487bc3e3-9ce7-4cdd-b7b4-8899ea88d289" providerId="ADAL" clId="{A47D5A21-D820-4251-9DE3-0EE7A7287481}" dt="2024-03-06T12:04:20.645" v="1575" actId="1037"/>
+          <ac:picMkLst>
+            <pc:docMk/>
+            <pc:sldMk cId="1081037514" sldId="2145706225"/>
+            <ac:picMk id="28" creationId="{17EB060B-2351-6AC0-7856-F33CB052400F}"/>
+          </ac:picMkLst>
+        </pc:picChg>
+        <pc:picChg chg="mod">
+          <ac:chgData name="Graf Thomas, INI-NET-VNC-HCS" userId="487bc3e3-9ce7-4cdd-b7b4-8899ea88d289" providerId="ADAL" clId="{A47D5A21-D820-4251-9DE3-0EE7A7287481}" dt="2024-03-06T12:04:20.645" v="1575" actId="1037"/>
+          <ac:picMkLst>
+            <pc:docMk/>
+            <pc:sldMk cId="1081037514" sldId="2145706225"/>
+            <ac:picMk id="31" creationId="{17DF8467-9125-3982-1295-79F29C9B0DC8}"/>
+          </ac:picMkLst>
+        </pc:picChg>
+        <pc:picChg chg="mod">
+          <ac:chgData name="Graf Thomas, INI-NET-VNC-HCS" userId="487bc3e3-9ce7-4cdd-b7b4-8899ea88d289" providerId="ADAL" clId="{A47D5A21-D820-4251-9DE3-0EE7A7287481}" dt="2024-03-06T12:06:24.309" v="1640" actId="1038"/>
+          <ac:picMkLst>
+            <pc:docMk/>
+            <pc:sldMk cId="1081037514" sldId="2145706225"/>
+            <ac:picMk id="32" creationId="{C770A491-1DB5-77FC-712B-35F7A47E2F99}"/>
+          </ac:picMkLst>
+        </pc:picChg>
+        <pc:picChg chg="mod">
+          <ac:chgData name="Graf Thomas, INI-NET-VNC-HCS" userId="487bc3e3-9ce7-4cdd-b7b4-8899ea88d289" providerId="ADAL" clId="{A47D5A21-D820-4251-9DE3-0EE7A7287481}" dt="2024-03-06T12:04:20.645" v="1575" actId="1037"/>
+          <ac:picMkLst>
+            <pc:docMk/>
+            <pc:sldMk cId="1081037514" sldId="2145706225"/>
+            <ac:picMk id="33" creationId="{17CD1AF5-AD78-AA80-9E26-C4515CC45BFA}"/>
+          </ac:picMkLst>
+        </pc:picChg>
+        <pc:picChg chg="mod">
+          <ac:chgData name="Graf Thomas, INI-NET-VNC-HCS" userId="487bc3e3-9ce7-4cdd-b7b4-8899ea88d289" providerId="ADAL" clId="{A47D5A21-D820-4251-9DE3-0EE7A7287481}" dt="2024-03-06T12:04:20.645" v="1575" actId="1037"/>
+          <ac:picMkLst>
+            <pc:docMk/>
+            <pc:sldMk cId="1081037514" sldId="2145706225"/>
+            <ac:picMk id="34" creationId="{0DF49D5E-4B86-6869-98D7-DE092FC30B18}"/>
+          </ac:picMkLst>
+        </pc:picChg>
+        <pc:picChg chg="mod">
+          <ac:chgData name="Graf Thomas, INI-NET-VNC-HCS" userId="487bc3e3-9ce7-4cdd-b7b4-8899ea88d289" providerId="ADAL" clId="{A47D5A21-D820-4251-9DE3-0EE7A7287481}" dt="2024-03-06T12:04:20.645" v="1575" actId="1037"/>
+          <ac:picMkLst>
+            <pc:docMk/>
+            <pc:sldMk cId="1081037514" sldId="2145706225"/>
+            <ac:picMk id="35" creationId="{76768564-2BA7-E325-FE43-6D4CE762CDAA}"/>
+          </ac:picMkLst>
+        </pc:picChg>
+        <pc:picChg chg="mod">
+          <ac:chgData name="Graf Thomas, INI-NET-VNC-HCS" userId="487bc3e3-9ce7-4cdd-b7b4-8899ea88d289" providerId="ADAL" clId="{A47D5A21-D820-4251-9DE3-0EE7A7287481}" dt="2024-03-06T12:04:20.645" v="1575" actId="1037"/>
+          <ac:picMkLst>
+            <pc:docMk/>
+            <pc:sldMk cId="1081037514" sldId="2145706225"/>
+            <ac:picMk id="36" creationId="{BA0A7074-FC27-6B8B-F899-8DDE2533BB10}"/>
+          </ac:picMkLst>
+        </pc:picChg>
+        <pc:picChg chg="mod">
+          <ac:chgData name="Graf Thomas, INI-NET-VNC-HCS" userId="487bc3e3-9ce7-4cdd-b7b4-8899ea88d289" providerId="ADAL" clId="{A47D5A21-D820-4251-9DE3-0EE7A7287481}" dt="2024-03-06T12:04:20.645" v="1575" actId="1037"/>
+          <ac:picMkLst>
+            <pc:docMk/>
+            <pc:sldMk cId="1081037514" sldId="2145706225"/>
+            <ac:picMk id="37" creationId="{D966A7CE-25D4-DED2-6D45-788D6CB73BA2}"/>
+          </ac:picMkLst>
+        </pc:picChg>
+        <pc:picChg chg="del">
+          <ac:chgData name="Graf Thomas, INI-NET-VNC-HCS" userId="487bc3e3-9ce7-4cdd-b7b4-8899ea88d289" providerId="ADAL" clId="{A47D5A21-D820-4251-9DE3-0EE7A7287481}" dt="2024-03-06T12:04:05.930" v="1531" actId="478"/>
+          <ac:picMkLst>
+            <pc:docMk/>
+            <pc:sldMk cId="1081037514" sldId="2145706225"/>
+            <ac:picMk id="43" creationId="{D8C02CC5-A9C9-F866-A5DB-BA4EC3307654}"/>
+          </ac:picMkLst>
+        </pc:picChg>
+        <pc:picChg chg="del">
+          <ac:chgData name="Graf Thomas, INI-NET-VNC-HCS" userId="487bc3e3-9ce7-4cdd-b7b4-8899ea88d289" providerId="ADAL" clId="{A47D5A21-D820-4251-9DE3-0EE7A7287481}" dt="2024-03-06T12:04:05.930" v="1531" actId="478"/>
+          <ac:picMkLst>
+            <pc:docMk/>
+            <pc:sldMk cId="1081037514" sldId="2145706225"/>
+            <ac:picMk id="45" creationId="{EFDD0C3B-512D-293E-E727-46B89BD86D4B}"/>
+          </ac:picMkLst>
+        </pc:picChg>
+        <pc:cxnChg chg="mod">
+          <ac:chgData name="Graf Thomas, INI-NET-VNC-HCS" userId="487bc3e3-9ce7-4cdd-b7b4-8899ea88d289" providerId="ADAL" clId="{A47D5A21-D820-4251-9DE3-0EE7A7287481}" dt="2024-03-06T12:04:20.645" v="1575" actId="1037"/>
+          <ac:cxnSpMkLst>
+            <pc:docMk/>
+            <pc:sldMk cId="1081037514" sldId="2145706225"/>
+            <ac:cxnSpMk id="26" creationId="{E14B17EC-9407-E3A2-1F7C-D47095BE2DDB}"/>
+          </ac:cxnSpMkLst>
+        </pc:cxnChg>
+        <pc:cxnChg chg="mod">
+          <ac:chgData name="Graf Thomas, INI-NET-VNC-HCS" userId="487bc3e3-9ce7-4cdd-b7b4-8899ea88d289" providerId="ADAL" clId="{A47D5A21-D820-4251-9DE3-0EE7A7287481}" dt="2024-03-06T12:04:20.645" v="1575" actId="1037"/>
+          <ac:cxnSpMkLst>
+            <pc:docMk/>
+            <pc:sldMk cId="1081037514" sldId="2145706225"/>
+            <ac:cxnSpMk id="38" creationId="{10DC3853-02C8-D495-EDB1-B0129F6F9E30}"/>
+          </ac:cxnSpMkLst>
+        </pc:cxnChg>
+        <pc:cxnChg chg="mod">
+          <ac:chgData name="Graf Thomas, INI-NET-VNC-HCS" userId="487bc3e3-9ce7-4cdd-b7b4-8899ea88d289" providerId="ADAL" clId="{A47D5A21-D820-4251-9DE3-0EE7A7287481}" dt="2024-03-06T12:04:20.645" v="1575" actId="1037"/>
+          <ac:cxnSpMkLst>
+            <pc:docMk/>
+            <pc:sldMk cId="1081037514" sldId="2145706225"/>
+            <ac:cxnSpMk id="40" creationId="{9BC6E6D7-2688-CCDB-6A6C-7880291A8339}"/>
+          </ac:cxnSpMkLst>
+        </pc:cxnChg>
+        <pc:cxnChg chg="mod">
+          <ac:chgData name="Graf Thomas, INI-NET-VNC-HCS" userId="487bc3e3-9ce7-4cdd-b7b4-8899ea88d289" providerId="ADAL" clId="{A47D5A21-D820-4251-9DE3-0EE7A7287481}" dt="2024-03-06T12:04:20.645" v="1575" actId="1037"/>
+          <ac:cxnSpMkLst>
+            <pc:docMk/>
+            <pc:sldMk cId="1081037514" sldId="2145706225"/>
+            <ac:cxnSpMk id="42" creationId="{3CD8EA4A-314A-BB28-E712-414D5F01E35F}"/>
+          </ac:cxnSpMkLst>
+        </pc:cxnChg>
+        <pc:cxnChg chg="mod">
+          <ac:chgData name="Graf Thomas, INI-NET-VNC-HCS" userId="487bc3e3-9ce7-4cdd-b7b4-8899ea88d289" providerId="ADAL" clId="{A47D5A21-D820-4251-9DE3-0EE7A7287481}" dt="2024-03-06T12:06:24.309" v="1640" actId="1038"/>
+          <ac:cxnSpMkLst>
+            <pc:docMk/>
+            <pc:sldMk cId="1081037514" sldId="2145706225"/>
+            <ac:cxnSpMk id="47" creationId="{1E3CC50D-6BF1-E751-D746-D130EE998D4B}"/>
+          </ac:cxnSpMkLst>
+        </pc:cxnChg>
+      </pc:sldChg>
+      <pc:sldChg chg="del">
+        <pc:chgData name="Graf Thomas, INI-NET-VNC-HCS" userId="487bc3e3-9ce7-4cdd-b7b4-8899ea88d289" providerId="ADAL" clId="{A47D5A21-D820-4251-9DE3-0EE7A7287481}" dt="2024-03-06T11:45:20.570" v="1459" actId="47"/>
+        <pc:sldMkLst>
+          <pc:docMk/>
+          <pc:sldMk cId="3384652948" sldId="2145706226"/>
+        </pc:sldMkLst>
+      </pc:sldChg>
+      <pc:sldChg chg="del">
+        <pc:chgData name="Graf Thomas, INI-NET-VNC-HCS" userId="487bc3e3-9ce7-4cdd-b7b4-8899ea88d289" providerId="ADAL" clId="{A47D5A21-D820-4251-9DE3-0EE7A7287481}" dt="2024-03-06T11:45:20.570" v="1459" actId="47"/>
+        <pc:sldMkLst>
+          <pc:docMk/>
+          <pc:sldMk cId="663711217" sldId="2145706234"/>
+        </pc:sldMkLst>
+      </pc:sldChg>
       <pc:sldChg chg="addSp delSp modSp mod">
         <pc:chgData name="Graf Thomas, INI-NET-VNC-HCS" userId="487bc3e3-9ce7-4cdd-b7b4-8899ea88d289" providerId="ADAL" clId="{A47D5A21-D820-4251-9DE3-0EE7A7287481}" dt="2024-03-06T08:42:06.947" v="1454" actId="1037"/>
         <pc:sldMkLst>
@@ -423,7 +712,7 @@
         </pc:picChg>
       </pc:sldChg>
       <pc:sldChg chg="addSp delSp modSp add mod ord">
-        <pc:chgData name="Graf Thomas, INI-NET-VNC-HCS" userId="487bc3e3-9ce7-4cdd-b7b4-8899ea88d289" providerId="ADAL" clId="{A47D5A21-D820-4251-9DE3-0EE7A7287481}" dt="2024-03-06T08:11:31.543" v="539" actId="1035"/>
+        <pc:chgData name="Graf Thomas, INI-NET-VNC-HCS" userId="487bc3e3-9ce7-4cdd-b7b4-8899ea88d289" providerId="ADAL" clId="{A47D5A21-D820-4251-9DE3-0EE7A7287481}" dt="2024-03-06T12:16:50.226" v="1740"/>
         <pc:sldMkLst>
           <pc:docMk/>
           <pc:sldMk cId="540899312" sldId="2145706240"/>
@@ -469,7 +758,7 @@
           </ac:spMkLst>
         </pc:spChg>
         <pc:spChg chg="mod ord">
-          <ac:chgData name="Graf Thomas, INI-NET-VNC-HCS" userId="487bc3e3-9ce7-4cdd-b7b4-8899ea88d289" providerId="ADAL" clId="{A47D5A21-D820-4251-9DE3-0EE7A7287481}" dt="2024-03-06T08:02:26.249" v="59" actId="167"/>
+          <ac:chgData name="Graf Thomas, INI-NET-VNC-HCS" userId="487bc3e3-9ce7-4cdd-b7b4-8899ea88d289" providerId="ADAL" clId="{A47D5A21-D820-4251-9DE3-0EE7A7287481}" dt="2024-03-06T12:16:50.226" v="1740"/>
           <ac:spMkLst>
             <pc:docMk/>
             <pc:sldMk cId="540899312" sldId="2145706240"/>
@@ -7082,2887 +7371,6 @@
       </p:sp>
       <p:sp>
         <p:nvSpPr>
-          <p:cNvPr id="5" name="Inhaltsplatzhalter 2">
-            <a:extLst>
-              <a:ext uri="{FF2B5EF4-FFF2-40B4-BE49-F238E27FC236}">
-                <a16:creationId xmlns:a16="http://schemas.microsoft.com/office/drawing/2014/main" id="{0194B37B-813A-99FE-7B78-4D87D8C30D44}"/>
-              </a:ext>
-            </a:extLst>
-          </p:cNvPr>
-          <p:cNvSpPr txBox="1">
-            <a:spLocks/>
-          </p:cNvSpPr>
-          <p:nvPr/>
-        </p:nvSpPr>
-        <p:spPr bwMode="black">
-          <a:xfrm>
-            <a:off x="960120" y="2011679"/>
-            <a:ext cx="6364224" cy="4171630"/>
-          </a:xfrm>
-          <a:prstGeom prst="rect">
-            <a:avLst/>
-          </a:prstGeom>
-        </p:spPr>
-        <p:txBody>
-          <a:bodyPr wrap="square" lIns="0" tIns="0" rIns="0" bIns="0"/>
-          <a:lstStyle>
-            <a:lvl1pPr marL="0" indent="0" algn="l" defTabSz="914400" rtl="0" eaLnBrk="1" latinLnBrk="0" hangingPunct="1">
-              <a:lnSpc>
-                <a:spcPct val="110000"/>
-              </a:lnSpc>
-              <a:spcBef>
-                <a:spcPts val="600"/>
-              </a:spcBef>
-              <a:spcAft>
-                <a:spcPts val="600"/>
-              </a:spcAft>
-              <a:buFont typeface="Arial" panose="020B0604020202020204" pitchFamily="34" charset="0"/>
-              <a:buNone/>
-              <a:defRPr sz="2000" b="0" kern="1200">
-                <a:solidFill>
-                  <a:schemeClr val="tx1"/>
-                </a:solidFill>
-                <a:latin typeface="+mn-lt"/>
-                <a:ea typeface="+mn-ea"/>
-                <a:cs typeface="+mn-cs"/>
-              </a:defRPr>
-            </a:lvl1pPr>
-            <a:lvl2pPr marL="216000" indent="-216000" algn="l" defTabSz="914400" rtl="0" eaLnBrk="1" latinLnBrk="0" hangingPunct="1">
-              <a:lnSpc>
-                <a:spcPct val="110000"/>
-              </a:lnSpc>
-              <a:spcBef>
-                <a:spcPts val="200"/>
-              </a:spcBef>
-              <a:spcAft>
-                <a:spcPts val="200"/>
-              </a:spcAft>
-              <a:buFont typeface="Arial" panose="020B0604020202020204" pitchFamily="34" charset="0"/>
-              <a:buChar char="•"/>
-              <a:defRPr sz="2000" kern="1200">
-                <a:solidFill>
-                  <a:schemeClr val="tx1"/>
-                </a:solidFill>
-                <a:latin typeface="+mn-lt"/>
-                <a:ea typeface="+mn-ea"/>
-                <a:cs typeface="+mn-cs"/>
-              </a:defRPr>
-            </a:lvl2pPr>
-            <a:lvl3pPr marL="504000" indent="-288000" algn="l" defTabSz="914400" rtl="0" eaLnBrk="1" latinLnBrk="0" hangingPunct="1">
-              <a:lnSpc>
-                <a:spcPct val="110000"/>
-              </a:lnSpc>
-              <a:spcBef>
-                <a:spcPts val="200"/>
-              </a:spcBef>
-              <a:spcAft>
-                <a:spcPts val="200"/>
-              </a:spcAft>
-              <a:buFont typeface="TheSans Swisscom Light" panose="020B0300040303060204" pitchFamily="34" charset="0"/>
-              <a:buChar char="−"/>
-              <a:defRPr sz="2000" kern="1200">
-                <a:solidFill>
-                  <a:schemeClr val="tx1"/>
-                </a:solidFill>
-                <a:latin typeface="+mn-lt"/>
-                <a:ea typeface="+mn-ea"/>
-                <a:cs typeface="+mn-cs"/>
-              </a:defRPr>
-            </a:lvl3pPr>
-            <a:lvl4pPr marL="792000" indent="-288000" algn="l" defTabSz="914400" rtl="0" eaLnBrk="1" latinLnBrk="0" hangingPunct="1">
-              <a:lnSpc>
-                <a:spcPct val="110000"/>
-              </a:lnSpc>
-              <a:spcBef>
-                <a:spcPts val="200"/>
-              </a:spcBef>
-              <a:spcAft>
-                <a:spcPts val="200"/>
-              </a:spcAft>
-              <a:buFont typeface="TheSans Swisscom Light" panose="020B0300040303060204" pitchFamily="34" charset="0"/>
-              <a:buChar char="−"/>
-              <a:defRPr sz="2000" kern="1200">
-                <a:solidFill>
-                  <a:schemeClr val="tx1"/>
-                </a:solidFill>
-                <a:latin typeface="+mn-lt"/>
-                <a:ea typeface="+mn-ea"/>
-                <a:cs typeface="+mn-cs"/>
-              </a:defRPr>
-            </a:lvl4pPr>
-            <a:lvl5pPr marL="792000" indent="-288000" algn="l" defTabSz="914400" rtl="0" eaLnBrk="1" latinLnBrk="0" hangingPunct="1">
-              <a:lnSpc>
-                <a:spcPct val="110000"/>
-              </a:lnSpc>
-              <a:spcBef>
-                <a:spcPts val="200"/>
-              </a:spcBef>
-              <a:spcAft>
-                <a:spcPts val="200"/>
-              </a:spcAft>
-              <a:buFont typeface="TheSans Swisscom Light" panose="020B0300040303060204" pitchFamily="34" charset="0"/>
-              <a:buChar char="−"/>
-              <a:defRPr sz="2000" kern="1200">
-                <a:solidFill>
-                  <a:schemeClr val="tx1"/>
-                </a:solidFill>
-                <a:latin typeface="+mn-lt"/>
-                <a:ea typeface="+mn-ea"/>
-                <a:cs typeface="+mn-cs"/>
-              </a:defRPr>
-            </a:lvl5pPr>
-            <a:lvl6pPr marL="792000" indent="-288000" algn="l" defTabSz="914400" rtl="0" eaLnBrk="1" latinLnBrk="0" hangingPunct="1">
-              <a:lnSpc>
-                <a:spcPct val="110000"/>
-              </a:lnSpc>
-              <a:spcBef>
-                <a:spcPts val="200"/>
-              </a:spcBef>
-              <a:spcAft>
-                <a:spcPts val="200"/>
-              </a:spcAft>
-              <a:buFont typeface="TheSans Swisscom Light" panose="020B0300040303060204" pitchFamily="34" charset="0"/>
-              <a:buChar char="−"/>
-              <a:defRPr sz="2000" kern="1200">
-                <a:solidFill>
-                  <a:schemeClr val="tx1"/>
-                </a:solidFill>
-                <a:latin typeface="+mn-lt"/>
-                <a:ea typeface="+mn-ea"/>
-                <a:cs typeface="+mn-cs"/>
-              </a:defRPr>
-            </a:lvl6pPr>
-            <a:lvl7pPr marL="792000" indent="-288000" algn="l" defTabSz="914400" rtl="0" eaLnBrk="1" latinLnBrk="0" hangingPunct="1">
-              <a:lnSpc>
-                <a:spcPct val="110000"/>
-              </a:lnSpc>
-              <a:spcBef>
-                <a:spcPts val="200"/>
-              </a:spcBef>
-              <a:spcAft>
-                <a:spcPts val="200"/>
-              </a:spcAft>
-              <a:buFont typeface="TheSans Swisscom Light" panose="020B0300040303060204" pitchFamily="34" charset="0"/>
-              <a:buChar char="−"/>
-              <a:defRPr sz="2000" kern="1200">
-                <a:solidFill>
-                  <a:schemeClr val="tx1"/>
-                </a:solidFill>
-                <a:latin typeface="+mn-lt"/>
-                <a:ea typeface="+mn-ea"/>
-                <a:cs typeface="+mn-cs"/>
-              </a:defRPr>
-            </a:lvl7pPr>
-            <a:lvl8pPr marL="792000" indent="-288000" algn="l" defTabSz="914400" rtl="0" eaLnBrk="1" latinLnBrk="0" hangingPunct="1">
-              <a:lnSpc>
-                <a:spcPct val="110000"/>
-              </a:lnSpc>
-              <a:spcBef>
-                <a:spcPts val="200"/>
-              </a:spcBef>
-              <a:spcAft>
-                <a:spcPts val="200"/>
-              </a:spcAft>
-              <a:buFont typeface="TheSans Swisscom Light" panose="020B0300040303060204" pitchFamily="34" charset="0"/>
-              <a:buChar char="−"/>
-              <a:defRPr sz="2000" kern="1200">
-                <a:solidFill>
-                  <a:schemeClr val="tx1"/>
-                </a:solidFill>
-                <a:latin typeface="+mn-lt"/>
-                <a:ea typeface="+mn-ea"/>
-                <a:cs typeface="+mn-cs"/>
-              </a:defRPr>
-            </a:lvl8pPr>
-            <a:lvl9pPr marL="792000" indent="-288000" algn="l" defTabSz="914400" rtl="0" eaLnBrk="1" latinLnBrk="0" hangingPunct="1">
-              <a:lnSpc>
-                <a:spcPct val="110000"/>
-              </a:lnSpc>
-              <a:spcBef>
-                <a:spcPts val="200"/>
-              </a:spcBef>
-              <a:spcAft>
-                <a:spcPts val="200"/>
-              </a:spcAft>
-              <a:buFont typeface="TheSans Swisscom Light" panose="020B0300040303060204" pitchFamily="34" charset="0"/>
-              <a:buChar char="−"/>
-              <a:defRPr sz="2000" kern="1200">
-                <a:solidFill>
-                  <a:schemeClr val="tx1"/>
-                </a:solidFill>
-                <a:latin typeface="+mn-lt"/>
-                <a:ea typeface="+mn-ea"/>
-                <a:cs typeface="+mn-cs"/>
-              </a:defRPr>
-            </a:lvl9pPr>
-          </a:lstStyle>
-          <a:p>
-            <a:r>
-              <a:rPr lang="en-US" b="1" dirty="0">
-                <a:solidFill>
-                  <a:srgbClr val="FF0000"/>
-                </a:solidFill>
-              </a:rPr>
-              <a:t>Global outliers:  </a:t>
-            </a:r>
-            <a:r>
-              <a:rPr lang="en-US" dirty="0"/>
-              <a:t>An outlier is considered "global" if its behavior is outside the entirety of the considered data set.</a:t>
-            </a:r>
-          </a:p>
-          <a:p>
-            <a:r>
-              <a:rPr lang="en-US" b="1" dirty="0">
-                <a:solidFill>
-                  <a:srgbClr val="FF0000"/>
-                </a:solidFill>
-              </a:rPr>
-              <a:t>Contextual outliers:  </a:t>
-            </a:r>
-            <a:r>
-              <a:rPr lang="en-US" dirty="0"/>
-              <a:t>An outlier is considered "contextual" if its behavior is within a normal (expected) range, but it would not be expected based on some context.  Context can be defined as a function of multiple parameters, such as time, location, etc.</a:t>
-            </a:r>
-          </a:p>
-          <a:p>
-            <a:r>
-              <a:rPr lang="en-US" b="1" dirty="0">
-                <a:solidFill>
-                  <a:srgbClr val="FF0000"/>
-                </a:solidFill>
-              </a:rPr>
-              <a:t>Collective outliers:  </a:t>
-            </a:r>
-            <a:r>
-              <a:rPr lang="en-US" dirty="0"/>
-              <a:t>An outlier is considered "collective" if the behavior of each single data point that are part of the anomaly are within expected ranges (so they are not anomalous, it’s either a contextual or a global sense), but the group taking all the data points together, is.</a:t>
-            </a:r>
-          </a:p>
-        </p:txBody>
-      </p:sp>
-      <p:sp>
-        <p:nvSpPr>
-          <p:cNvPr id="18" name="TextBox 17">
-            <a:extLst>
-              <a:ext uri="{FF2B5EF4-FFF2-40B4-BE49-F238E27FC236}">
-                <a16:creationId xmlns:a16="http://schemas.microsoft.com/office/drawing/2014/main" id="{B283EDB4-CFDF-D6B9-8AF9-9CFA563360E3}"/>
-              </a:ext>
-            </a:extLst>
-          </p:cNvPr>
-          <p:cNvSpPr txBox="1"/>
-          <p:nvPr/>
-        </p:nvSpPr>
-        <p:spPr>
-          <a:xfrm>
-            <a:off x="7589520" y="2365150"/>
-            <a:ext cx="4404495" cy="3323987"/>
-          </a:xfrm>
-          <a:prstGeom prst="rect">
-            <a:avLst/>
-          </a:prstGeom>
-          <a:noFill/>
-        </p:spPr>
-        <p:txBody>
-          <a:bodyPr wrap="square">
-            <a:spAutoFit/>
-          </a:bodyPr>
-          <a:lstStyle/>
-          <a:p>
-            <a:pPr algn="ctr"/>
-            <a:r>
-              <a:rPr lang="en-US" sz="3000" b="1" dirty="0">
-                <a:latin typeface="+mj-lt"/>
-              </a:rPr>
-              <a:t>« </a:t>
-            </a:r>
-            <a:r>
-              <a:rPr lang="en-US" sz="3000" b="1" dirty="0">
-                <a:solidFill>
-                  <a:srgbClr val="FF0000"/>
-                </a:solidFill>
-                <a:latin typeface="+mj-lt"/>
-              </a:rPr>
-              <a:t>Collective outliers </a:t>
-            </a:r>
-            <a:r>
-              <a:rPr lang="en-US" sz="3000" b="1" dirty="0">
-                <a:latin typeface="+mj-lt"/>
-              </a:rPr>
-              <a:t>are important because networks are connected. Through </a:t>
-            </a:r>
-            <a:r>
-              <a:rPr lang="en-US" sz="3000" b="1" dirty="0">
-                <a:solidFill>
-                  <a:srgbClr val="FF0000"/>
-                </a:solidFill>
-                <a:latin typeface="+mj-lt"/>
-              </a:rPr>
-              <a:t>different planes interconnected</a:t>
-            </a:r>
-            <a:r>
-              <a:rPr lang="en-US" sz="3000" b="1" dirty="0">
-                <a:latin typeface="+mj-lt"/>
-              </a:rPr>
-              <a:t> symptoms </a:t>
-            </a:r>
-            <a:r>
-              <a:rPr lang="en-US" sz="3000" b="1" dirty="0">
-                <a:solidFill>
-                  <a:srgbClr val="FF0000"/>
-                </a:solidFill>
-                <a:latin typeface="+mj-lt"/>
-              </a:rPr>
-              <a:t>from various angles </a:t>
-            </a:r>
-            <a:r>
-              <a:rPr lang="en-US" sz="3000" b="1" dirty="0">
-                <a:latin typeface="+mj-lt"/>
-              </a:rPr>
-              <a:t>can be observed</a:t>
-            </a:r>
-            <a:r>
-              <a:rPr lang="en-US" sz="3000" b="1" dirty="0">
-                <a:solidFill>
-                  <a:schemeClr val="accent6"/>
-                </a:solidFill>
-                <a:latin typeface="+mj-lt"/>
-              </a:rPr>
-              <a:t> </a:t>
-            </a:r>
-            <a:r>
-              <a:rPr lang="de-CH" sz="3000" b="1" dirty="0">
-                <a:latin typeface="+mj-lt"/>
-              </a:rPr>
-              <a:t>»</a:t>
-            </a:r>
-            <a:endParaRPr lang="en-US" sz="3000" b="1" dirty="0">
-              <a:latin typeface="+mj-lt"/>
-            </a:endParaRPr>
-          </a:p>
-        </p:txBody>
-      </p:sp>
-      <p:sp>
-        <p:nvSpPr>
-          <p:cNvPr id="19" name="Title 1">
-            <a:extLst>
-              <a:ext uri="{FF2B5EF4-FFF2-40B4-BE49-F238E27FC236}">
-                <a16:creationId xmlns:a16="http://schemas.microsoft.com/office/drawing/2014/main" id="{56D79134-17A9-8BC8-B7D0-97BCFFB9A6B2}"/>
-              </a:ext>
-            </a:extLst>
-          </p:cNvPr>
-          <p:cNvSpPr>
-            <a:spLocks noGrp="1"/>
-          </p:cNvSpPr>
-          <p:nvPr>
-            <p:ph type="title"/>
-          </p:nvPr>
-        </p:nvSpPr>
-        <p:spPr>
-          <a:xfrm>
-            <a:off x="838200" y="365125"/>
-            <a:ext cx="10515600" cy="1325563"/>
-          </a:xfrm>
-        </p:spPr>
-        <p:txBody>
-          <a:bodyPr>
-            <a:normAutofit/>
-          </a:bodyPr>
-          <a:lstStyle/>
-          <a:p>
-            <a:r>
-              <a:rPr lang="en-US" sz="2800" b="1" dirty="0"/>
-              <a:t>Outliers in Anomaly Detection</a:t>
-            </a:r>
-            <a:br>
-              <a:rPr lang="en-US" sz="3600" dirty="0"/>
-            </a:br>
-            <a:r>
-              <a:rPr lang="en-US" sz="2700" dirty="0">
-                <a:solidFill>
-                  <a:schemeClr val="bg2">
-                    <a:lumMod val="75000"/>
-                  </a:schemeClr>
-                </a:solidFill>
-              </a:rPr>
-              <a:t>From global to contextual to collective</a:t>
-            </a:r>
-          </a:p>
-        </p:txBody>
-      </p:sp>
-    </p:spTree>
-    <p:extLst>
-      <p:ext uri="{BB962C8B-B14F-4D97-AF65-F5344CB8AC3E}">
-        <p14:creationId xmlns:p14="http://schemas.microsoft.com/office/powerpoint/2010/main" val="4235116615"/>
-      </p:ext>
-    </p:extLst>
-  </p:cSld>
-  <p:clrMapOvr>
-    <a:masterClrMapping/>
-  </p:clrMapOvr>
-</p:sld>
-</file>
-
-<file path=ppt/slides/slide11.xml><?xml version="1.0" encoding="utf-8"?>
-<p:sld xmlns:a="http://schemas.openxmlformats.org/drawingml/2006/main" xmlns:r="http://schemas.openxmlformats.org/officeDocument/2006/relationships" xmlns:p="http://schemas.openxmlformats.org/presentationml/2006/main">
-  <p:cSld>
-    <p:spTree>
-      <p:nvGrpSpPr>
-        <p:cNvPr id="1" name=""/>
-        <p:cNvGrpSpPr/>
-        <p:nvPr/>
-      </p:nvGrpSpPr>
-      <p:grpSpPr>
-        <a:xfrm>
-          <a:off x="0" y="0"/>
-          <a:ext cx="0" cy="0"/>
-          <a:chOff x="0" y="0"/>
-          <a:chExt cx="0" cy="0"/>
-        </a:xfrm>
-      </p:grpSpPr>
-      <p:sp>
-        <p:nvSpPr>
-          <p:cNvPr id="3" name="Content Placeholder 2">
-            <a:extLst>
-              <a:ext uri="{FF2B5EF4-FFF2-40B4-BE49-F238E27FC236}">
-                <a16:creationId xmlns:a16="http://schemas.microsoft.com/office/drawing/2014/main" id="{29C0DFD4-432D-4B0C-93DF-790441DCF5B9}"/>
-              </a:ext>
-            </a:extLst>
-          </p:cNvPr>
-          <p:cNvSpPr>
-            <a:spLocks noGrp="1"/>
-          </p:cNvSpPr>
-          <p:nvPr>
-            <p:ph idx="1"/>
-          </p:nvPr>
-        </p:nvSpPr>
-        <p:spPr>
-          <a:xfrm>
-            <a:off x="6193410" y="1929384"/>
-            <a:ext cx="5229402" cy="3557849"/>
-          </a:xfrm>
-        </p:spPr>
-        <p:txBody>
-          <a:bodyPr>
-            <a:noAutofit/>
-          </a:bodyPr>
-          <a:lstStyle/>
-          <a:p>
-            <a:r>
-              <a:rPr lang="en-US" sz="2000" b="1" dirty="0">
-                <a:solidFill>
-                  <a:srgbClr val="FF0000"/>
-                </a:solidFill>
-              </a:rPr>
-              <a:t>Symptoms</a:t>
-            </a:r>
-            <a:r>
-              <a:rPr lang="en-US" sz="2000" dirty="0"/>
-              <a:t> describe what changed in the network for what reason and cause with which concern score from when to when.</a:t>
-            </a:r>
-          </a:p>
-          <a:p>
-            <a:r>
-              <a:rPr lang="en-US" sz="2000" b="1" dirty="0">
-                <a:solidFill>
-                  <a:srgbClr val="FF0000"/>
-                </a:solidFill>
-              </a:rPr>
-              <a:t>Tags</a:t>
-            </a:r>
-            <a:r>
-              <a:rPr lang="en-US" sz="2000" dirty="0"/>
-              <a:t> describes in which network plane, which action, reason and cause was observed.</a:t>
-            </a:r>
-          </a:p>
-          <a:p>
-            <a:r>
-              <a:rPr lang="en-US" sz="2000" b="1" dirty="0">
-                <a:solidFill>
-                  <a:srgbClr val="FF0000"/>
-                </a:solidFill>
-              </a:rPr>
-              <a:t>Pattern </a:t>
-            </a:r>
-            <a:r>
-              <a:rPr lang="en-US" sz="2000" dirty="0"/>
-              <a:t>describes the measurement pattern over time of the time series data.</a:t>
-            </a:r>
-          </a:p>
-          <a:p>
-            <a:r>
-              <a:rPr lang="en-US" sz="2000" b="1" dirty="0">
-                <a:solidFill>
-                  <a:srgbClr val="FF0000"/>
-                </a:solidFill>
-              </a:rPr>
-              <a:t>Source </a:t>
-            </a:r>
-            <a:r>
-              <a:rPr lang="en-US" sz="2000" dirty="0"/>
-              <a:t>describes which system </a:t>
-            </a:r>
-            <a:r>
-              <a:rPr lang="en-US" sz="2000" b="1" dirty="0">
-                <a:solidFill>
-                  <a:srgbClr val="FF0000"/>
-                </a:solidFill>
-              </a:rPr>
-              <a:t>observed</a:t>
-            </a:r>
-            <a:r>
-              <a:rPr lang="en-US" sz="2000" dirty="0"/>
-              <a:t> the outlier. A human or a network anomaly detection system.</a:t>
-            </a:r>
-          </a:p>
-          <a:p>
-            <a:endParaRPr lang="en-US" sz="2000" dirty="0"/>
-          </a:p>
-        </p:txBody>
-      </p:sp>
-      <p:sp>
-        <p:nvSpPr>
-          <p:cNvPr id="19" name="Rectangle 18">
-            <a:extLst>
-              <a:ext uri="{FF2B5EF4-FFF2-40B4-BE49-F238E27FC236}">
-                <a16:creationId xmlns:a16="http://schemas.microsoft.com/office/drawing/2014/main" id="{B0AC9776-B227-44FD-A2AC-1FDE0B6F1445}"/>
-              </a:ext>
-            </a:extLst>
-          </p:cNvPr>
-          <p:cNvSpPr/>
-          <p:nvPr/>
-        </p:nvSpPr>
-        <p:spPr>
-          <a:xfrm>
-            <a:off x="806550" y="1676567"/>
-            <a:ext cx="4182687" cy="1065513"/>
-          </a:xfrm>
-          <a:prstGeom prst="rect">
-            <a:avLst/>
-          </a:prstGeom>
-          <a:solidFill>
-            <a:schemeClr val="accent6">
-              <a:alpha val="10000"/>
-            </a:schemeClr>
-          </a:solidFill>
-          <a:ln w="25400">
-            <a:solidFill>
-              <a:schemeClr val="accent6"/>
-            </a:solidFill>
-          </a:ln>
-        </p:spPr>
-        <p:style>
-          <a:lnRef idx="2">
-            <a:schemeClr val="accent1">
-              <a:shade val="50000"/>
-            </a:schemeClr>
-          </a:lnRef>
-          <a:fillRef idx="1">
-            <a:schemeClr val="accent1"/>
-          </a:fillRef>
-          <a:effectRef idx="0">
-            <a:schemeClr val="accent1"/>
-          </a:effectRef>
-          <a:fontRef idx="minor">
-            <a:schemeClr val="lt1"/>
-          </a:fontRef>
-        </p:style>
-        <p:txBody>
-          <a:bodyPr rtlCol="0" anchor="ctr"/>
-          <a:lstStyle/>
-          <a:p>
-            <a:pPr algn="ctr"/>
-            <a:endParaRPr lang="de-CH"/>
-          </a:p>
-        </p:txBody>
-      </p:sp>
-      <p:cxnSp>
-        <p:nvCxnSpPr>
-          <p:cNvPr id="22" name="Straight Connector 21">
-            <a:extLst>
-              <a:ext uri="{FF2B5EF4-FFF2-40B4-BE49-F238E27FC236}">
-                <a16:creationId xmlns:a16="http://schemas.microsoft.com/office/drawing/2014/main" id="{5EE7A184-4440-4663-A713-45C43FB41FBD}"/>
-              </a:ext>
-            </a:extLst>
-          </p:cNvPr>
-          <p:cNvCxnSpPr>
-            <a:cxnSpLocks/>
-          </p:cNvCxnSpPr>
-          <p:nvPr/>
-        </p:nvCxnSpPr>
-        <p:spPr>
-          <a:xfrm>
-            <a:off x="5020885" y="2024924"/>
-            <a:ext cx="1172525" cy="67827"/>
-          </a:xfrm>
-          <a:prstGeom prst="line">
-            <a:avLst/>
-          </a:prstGeom>
-          <a:ln w="25400">
-            <a:solidFill>
-              <a:schemeClr val="accent6"/>
-            </a:solidFill>
-          </a:ln>
-        </p:spPr>
-        <p:style>
-          <a:lnRef idx="1">
-            <a:schemeClr val="accent1"/>
-          </a:lnRef>
-          <a:fillRef idx="0">
-            <a:schemeClr val="accent1"/>
-          </a:fillRef>
-          <a:effectRef idx="0">
-            <a:schemeClr val="accent1"/>
-          </a:effectRef>
-          <a:fontRef idx="minor">
-            <a:schemeClr val="tx1"/>
-          </a:fontRef>
-        </p:style>
-      </p:cxnSp>
-      <p:cxnSp>
-        <p:nvCxnSpPr>
-          <p:cNvPr id="23" name="Straight Connector 22">
-            <a:extLst>
-              <a:ext uri="{FF2B5EF4-FFF2-40B4-BE49-F238E27FC236}">
-                <a16:creationId xmlns:a16="http://schemas.microsoft.com/office/drawing/2014/main" id="{D8988D8C-34C7-42B3-BD73-F0A5B399F9DF}"/>
-              </a:ext>
-            </a:extLst>
-          </p:cNvPr>
-          <p:cNvCxnSpPr>
-            <a:cxnSpLocks/>
-          </p:cNvCxnSpPr>
-          <p:nvPr/>
-        </p:nvCxnSpPr>
-        <p:spPr>
-          <a:xfrm flipV="1">
-            <a:off x="5002030" y="4411091"/>
-            <a:ext cx="1232885" cy="1012805"/>
-          </a:xfrm>
-          <a:prstGeom prst="line">
-            <a:avLst/>
-          </a:prstGeom>
-          <a:ln w="25400">
-            <a:solidFill>
-              <a:schemeClr val="accent5"/>
-            </a:solidFill>
-          </a:ln>
-        </p:spPr>
-        <p:style>
-          <a:lnRef idx="1">
-            <a:schemeClr val="accent1"/>
-          </a:lnRef>
-          <a:fillRef idx="0">
-            <a:schemeClr val="accent1"/>
-          </a:fillRef>
-          <a:effectRef idx="0">
-            <a:schemeClr val="accent1"/>
-          </a:effectRef>
-          <a:fontRef idx="minor">
-            <a:schemeClr val="tx1"/>
-          </a:fontRef>
-        </p:style>
-      </p:cxnSp>
-      <p:sp>
-        <p:nvSpPr>
-          <p:cNvPr id="11" name="Slide Number Placeholder 1">
-            <a:extLst>
-              <a:ext uri="{FF2B5EF4-FFF2-40B4-BE49-F238E27FC236}">
-                <a16:creationId xmlns:a16="http://schemas.microsoft.com/office/drawing/2014/main" id="{512B43D3-8F19-488A-8D0D-979DD7EC8E7E}"/>
-              </a:ext>
-            </a:extLst>
-          </p:cNvPr>
-          <p:cNvSpPr>
-            <a:spLocks noGrp="1"/>
-          </p:cNvSpPr>
-          <p:nvPr>
-            <p:ph type="sldNum" sz="quarter" idx="12"/>
-          </p:nvPr>
-        </p:nvSpPr>
-        <p:spPr>
-          <a:xfrm>
-            <a:off x="11587892" y="6361637"/>
-            <a:ext cx="414251" cy="365125"/>
-          </a:xfrm>
-        </p:spPr>
-        <p:txBody>
-          <a:bodyPr/>
-          <a:lstStyle/>
-          <a:p>
-            <a:fld id="{FC4AC485-25DE-431E-B345-9C0A15BB7F8A}" type="slidenum">
-              <a:rPr lang="de-CH" sz="1400" smtClean="0"/>
-              <a:t>11</a:t>
-            </a:fld>
-            <a:endParaRPr lang="de-CH" sz="1400" dirty="0"/>
-          </a:p>
-        </p:txBody>
-      </p:sp>
-      <p:sp>
-        <p:nvSpPr>
-          <p:cNvPr id="6" name="Title 1">
-            <a:extLst>
-              <a:ext uri="{FF2B5EF4-FFF2-40B4-BE49-F238E27FC236}">
-                <a16:creationId xmlns:a16="http://schemas.microsoft.com/office/drawing/2014/main" id="{ABB61075-2877-B162-7D8F-97EC17B8DF39}"/>
-              </a:ext>
-            </a:extLst>
-          </p:cNvPr>
-          <p:cNvSpPr>
-            <a:spLocks noGrp="1"/>
-          </p:cNvSpPr>
-          <p:nvPr>
-            <p:ph type="title"/>
-          </p:nvPr>
-        </p:nvSpPr>
-        <p:spPr>
-          <a:xfrm>
-            <a:off x="838200" y="365125"/>
-            <a:ext cx="10515600" cy="1325563"/>
-          </a:xfrm>
-        </p:spPr>
-        <p:txBody>
-          <a:bodyPr>
-            <a:normAutofit/>
-          </a:bodyPr>
-          <a:lstStyle/>
-          <a:p>
-            <a:r>
-              <a:rPr lang="en-US" sz="2800" b="1" dirty="0"/>
-              <a:t>Annotate Operational Data</a:t>
-            </a:r>
-            <a:br>
-              <a:rPr lang="en-US" sz="3600" dirty="0"/>
-            </a:br>
-            <a:r>
-              <a:rPr lang="en-US" sz="2700" dirty="0">
-                <a:solidFill>
-                  <a:schemeClr val="bg2">
-                    <a:lumMod val="75000"/>
-                  </a:schemeClr>
-                </a:solidFill>
-              </a:rPr>
-              <a:t>YANG Module</a:t>
-            </a:r>
-            <a:endParaRPr lang="en-US" sz="2700" dirty="0">
-              <a:solidFill>
-                <a:srgbClr val="FF0000"/>
-              </a:solidFill>
-            </a:endParaRPr>
-          </a:p>
-        </p:txBody>
-      </p:sp>
-      <p:sp>
-        <p:nvSpPr>
-          <p:cNvPr id="7" name="Rectangle 6">
-            <a:extLst>
-              <a:ext uri="{FF2B5EF4-FFF2-40B4-BE49-F238E27FC236}">
-                <a16:creationId xmlns:a16="http://schemas.microsoft.com/office/drawing/2014/main" id="{E751AA3A-A181-4E76-CC75-041686EB2C20}"/>
-              </a:ext>
-            </a:extLst>
-          </p:cNvPr>
-          <p:cNvSpPr/>
-          <p:nvPr/>
-        </p:nvSpPr>
-        <p:spPr>
-          <a:xfrm>
-            <a:off x="806550" y="2764921"/>
-            <a:ext cx="4182687" cy="460418"/>
-          </a:xfrm>
-          <a:prstGeom prst="rect">
-            <a:avLst/>
-          </a:prstGeom>
-          <a:solidFill>
-            <a:schemeClr val="accent4">
-              <a:alpha val="10000"/>
-            </a:schemeClr>
-          </a:solidFill>
-          <a:ln w="25400">
-            <a:solidFill>
-              <a:schemeClr val="accent4"/>
-            </a:solidFill>
-          </a:ln>
-        </p:spPr>
-        <p:style>
-          <a:lnRef idx="2">
-            <a:schemeClr val="accent1">
-              <a:shade val="50000"/>
-            </a:schemeClr>
-          </a:lnRef>
-          <a:fillRef idx="1">
-            <a:schemeClr val="accent1"/>
-          </a:fillRef>
-          <a:effectRef idx="0">
-            <a:schemeClr val="accent1"/>
-          </a:effectRef>
-          <a:fontRef idx="minor">
-            <a:schemeClr val="lt1"/>
-          </a:fontRef>
-        </p:style>
-        <p:txBody>
-          <a:bodyPr rtlCol="0" anchor="ctr"/>
-          <a:lstStyle/>
-          <a:p>
-            <a:pPr algn="ctr"/>
-            <a:endParaRPr lang="de-CH"/>
-          </a:p>
-        </p:txBody>
-      </p:sp>
-      <p:sp>
-        <p:nvSpPr>
-          <p:cNvPr id="8" name="Rectangle 7">
-            <a:extLst>
-              <a:ext uri="{FF2B5EF4-FFF2-40B4-BE49-F238E27FC236}">
-                <a16:creationId xmlns:a16="http://schemas.microsoft.com/office/drawing/2014/main" id="{8F5B7433-6C2C-9F79-E743-B4F7F3199C49}"/>
-              </a:ext>
-            </a:extLst>
-          </p:cNvPr>
-          <p:cNvSpPr/>
-          <p:nvPr/>
-        </p:nvSpPr>
-        <p:spPr>
-          <a:xfrm>
-            <a:off x="806549" y="5030177"/>
-            <a:ext cx="4182687" cy="981600"/>
-          </a:xfrm>
-          <a:prstGeom prst="rect">
-            <a:avLst/>
-          </a:prstGeom>
-          <a:solidFill>
-            <a:schemeClr val="accent1">
-              <a:alpha val="10000"/>
-            </a:schemeClr>
-          </a:solidFill>
-          <a:ln w="25400">
-            <a:solidFill>
-              <a:schemeClr val="accent1"/>
-            </a:solidFill>
-          </a:ln>
-        </p:spPr>
-        <p:style>
-          <a:lnRef idx="2">
-            <a:schemeClr val="accent1">
-              <a:shade val="50000"/>
-            </a:schemeClr>
-          </a:lnRef>
-          <a:fillRef idx="1">
-            <a:schemeClr val="accent1"/>
-          </a:fillRef>
-          <a:effectRef idx="0">
-            <a:schemeClr val="accent1"/>
-          </a:effectRef>
-          <a:fontRef idx="minor">
-            <a:schemeClr val="lt1"/>
-          </a:fontRef>
-        </p:style>
-        <p:txBody>
-          <a:bodyPr rtlCol="0" anchor="ctr"/>
-          <a:lstStyle/>
-          <a:p>
-            <a:pPr algn="ctr"/>
-            <a:endParaRPr lang="de-CH"/>
-          </a:p>
-        </p:txBody>
-      </p:sp>
-      <p:sp>
-        <p:nvSpPr>
-          <p:cNvPr id="9" name="Rectangle 8">
-            <a:extLst>
-              <a:ext uri="{FF2B5EF4-FFF2-40B4-BE49-F238E27FC236}">
-                <a16:creationId xmlns:a16="http://schemas.microsoft.com/office/drawing/2014/main" id="{94BED9E1-5205-DBA5-3A77-348AA6C3053F}"/>
-              </a:ext>
-            </a:extLst>
-          </p:cNvPr>
-          <p:cNvSpPr/>
-          <p:nvPr/>
-        </p:nvSpPr>
-        <p:spPr>
-          <a:xfrm>
-            <a:off x="806550" y="3225339"/>
-            <a:ext cx="4182687" cy="1784660"/>
-          </a:xfrm>
-          <a:prstGeom prst="rect">
-            <a:avLst/>
-          </a:prstGeom>
-          <a:solidFill>
-            <a:schemeClr val="accent2">
-              <a:alpha val="10000"/>
-            </a:schemeClr>
-          </a:solidFill>
-          <a:ln w="25400">
-            <a:solidFill>
-              <a:schemeClr val="accent2"/>
-            </a:solidFill>
-          </a:ln>
-        </p:spPr>
-        <p:style>
-          <a:lnRef idx="2">
-            <a:schemeClr val="accent1">
-              <a:shade val="50000"/>
-            </a:schemeClr>
-          </a:lnRef>
-          <a:fillRef idx="1">
-            <a:schemeClr val="accent1"/>
-          </a:fillRef>
-          <a:effectRef idx="0">
-            <a:schemeClr val="accent1"/>
-          </a:effectRef>
-          <a:fontRef idx="minor">
-            <a:schemeClr val="lt1"/>
-          </a:fontRef>
-        </p:style>
-        <p:txBody>
-          <a:bodyPr rtlCol="0" anchor="ctr"/>
-          <a:lstStyle/>
-          <a:p>
-            <a:pPr algn="ctr"/>
-            <a:endParaRPr lang="de-CH"/>
-          </a:p>
-        </p:txBody>
-      </p:sp>
-      <p:cxnSp>
-        <p:nvCxnSpPr>
-          <p:cNvPr id="13" name="Straight Connector 12">
-            <a:extLst>
-              <a:ext uri="{FF2B5EF4-FFF2-40B4-BE49-F238E27FC236}">
-                <a16:creationId xmlns:a16="http://schemas.microsoft.com/office/drawing/2014/main" id="{ABDEEB90-F9DE-4579-466A-4391823DABF7}"/>
-              </a:ext>
-            </a:extLst>
-          </p:cNvPr>
-          <p:cNvCxnSpPr>
-            <a:cxnSpLocks/>
-          </p:cNvCxnSpPr>
-          <p:nvPr/>
-        </p:nvCxnSpPr>
-        <p:spPr>
-          <a:xfrm>
-            <a:off x="4994210" y="3015285"/>
-            <a:ext cx="1199200" cy="0"/>
-          </a:xfrm>
-          <a:prstGeom prst="line">
-            <a:avLst/>
-          </a:prstGeom>
-          <a:ln w="25400">
-            <a:solidFill>
-              <a:schemeClr val="accent4"/>
-            </a:solidFill>
-          </a:ln>
-        </p:spPr>
-        <p:style>
-          <a:lnRef idx="1">
-            <a:schemeClr val="accent1"/>
-          </a:lnRef>
-          <a:fillRef idx="0">
-            <a:schemeClr val="accent1"/>
-          </a:fillRef>
-          <a:effectRef idx="0">
-            <a:schemeClr val="accent1"/>
-          </a:effectRef>
-          <a:fontRef idx="minor">
-            <a:schemeClr val="tx1"/>
-          </a:fontRef>
-        </p:style>
-      </p:cxnSp>
-      <p:cxnSp>
-        <p:nvCxnSpPr>
-          <p:cNvPr id="14" name="Straight Connector 13">
-            <a:extLst>
-              <a:ext uri="{FF2B5EF4-FFF2-40B4-BE49-F238E27FC236}">
-                <a16:creationId xmlns:a16="http://schemas.microsoft.com/office/drawing/2014/main" id="{971CE727-7DCB-9E98-7B9C-B1ACC28EC9FF}"/>
-              </a:ext>
-            </a:extLst>
-          </p:cNvPr>
-          <p:cNvCxnSpPr>
-            <a:cxnSpLocks/>
-          </p:cNvCxnSpPr>
-          <p:nvPr/>
-        </p:nvCxnSpPr>
-        <p:spPr>
-          <a:xfrm flipV="1">
-            <a:off x="5020885" y="3745309"/>
-            <a:ext cx="1214030" cy="47334"/>
-          </a:xfrm>
-          <a:prstGeom prst="line">
-            <a:avLst/>
-          </a:prstGeom>
-          <a:ln w="25400">
-            <a:solidFill>
-              <a:schemeClr val="accent2"/>
-            </a:solidFill>
-          </a:ln>
-        </p:spPr>
-        <p:style>
-          <a:lnRef idx="1">
-            <a:schemeClr val="accent1"/>
-          </a:lnRef>
-          <a:fillRef idx="0">
-            <a:schemeClr val="accent1"/>
-          </a:fillRef>
-          <a:effectRef idx="0">
-            <a:schemeClr val="accent1"/>
-          </a:effectRef>
-          <a:fontRef idx="minor">
-            <a:schemeClr val="tx1"/>
-          </a:fontRef>
-        </p:style>
-      </p:cxnSp>
-      <p:sp>
-        <p:nvSpPr>
-          <p:cNvPr id="17" name="TextBox 16">
-            <a:extLst>
-              <a:ext uri="{FF2B5EF4-FFF2-40B4-BE49-F238E27FC236}">
-                <a16:creationId xmlns:a16="http://schemas.microsoft.com/office/drawing/2014/main" id="{8F78EE4C-6EFD-4363-A98F-3E5608669DF5}"/>
-              </a:ext>
-            </a:extLst>
-          </p:cNvPr>
-          <p:cNvSpPr txBox="1"/>
-          <p:nvPr/>
-        </p:nvSpPr>
-        <p:spPr>
-          <a:xfrm>
-            <a:off x="838198" y="1484344"/>
-            <a:ext cx="4373880" cy="4569264"/>
-          </a:xfrm>
-          <a:prstGeom prst="rect">
-            <a:avLst/>
-          </a:prstGeom>
-          <a:noFill/>
-        </p:spPr>
-        <p:txBody>
-          <a:bodyPr wrap="square">
-            <a:spAutoFit/>
-          </a:bodyPr>
-          <a:lstStyle/>
-          <a:p>
-            <a:pPr marL="0" marR="0">
-              <a:lnSpc>
-                <a:spcPct val="107000"/>
-              </a:lnSpc>
-              <a:spcBef>
-                <a:spcPts val="0"/>
-              </a:spcBef>
-              <a:spcAft>
-                <a:spcPts val="0"/>
-              </a:spcAft>
-            </a:pPr>
-            <a:r>
-              <a:rPr lang="en-US" sz="850" dirty="0">
-                <a:effectLst/>
-                <a:latin typeface="Courier New" panose="02070309020205020404" pitchFamily="49" charset="0"/>
-                <a:ea typeface="Calibri" panose="020F0502020204030204" pitchFamily="34" charset="0"/>
-                <a:cs typeface="Courier New" panose="02070309020205020404" pitchFamily="49" charset="0"/>
-              </a:rPr>
-              <a:t>module: </a:t>
-            </a:r>
-            <a:r>
-              <a:rPr lang="en-US" sz="850" dirty="0" err="1">
-                <a:effectLst/>
-                <a:latin typeface="Courier New" panose="02070309020205020404" pitchFamily="49" charset="0"/>
-                <a:ea typeface="Calibri" panose="020F0502020204030204" pitchFamily="34" charset="0"/>
-                <a:cs typeface="Courier New" panose="02070309020205020404" pitchFamily="49" charset="0"/>
-              </a:rPr>
-              <a:t>ietf</a:t>
-            </a:r>
-            <a:r>
-              <a:rPr lang="en-US" sz="850" dirty="0">
-                <a:effectLst/>
-                <a:latin typeface="Courier New" panose="02070309020205020404" pitchFamily="49" charset="0"/>
-                <a:ea typeface="Calibri" panose="020F0502020204030204" pitchFamily="34" charset="0"/>
-                <a:cs typeface="Courier New" panose="02070309020205020404" pitchFamily="49" charset="0"/>
-              </a:rPr>
-              <a:t>-symptom-semantic-metadata</a:t>
-            </a:r>
-          </a:p>
-          <a:p>
-            <a:pPr marL="0" marR="0">
-              <a:lnSpc>
-                <a:spcPct val="107000"/>
-              </a:lnSpc>
-              <a:spcBef>
-                <a:spcPts val="0"/>
-              </a:spcBef>
-              <a:spcAft>
-                <a:spcPts val="0"/>
-              </a:spcAft>
-            </a:pPr>
-            <a:r>
-              <a:rPr lang="en-US" sz="850" dirty="0">
-                <a:effectLst/>
-                <a:latin typeface="Courier New" panose="02070309020205020404" pitchFamily="49" charset="0"/>
-                <a:ea typeface="Calibri" panose="020F0502020204030204" pitchFamily="34" charset="0"/>
-                <a:cs typeface="Courier New" panose="02070309020205020404" pitchFamily="49" charset="0"/>
-              </a:rPr>
-              <a:t>  +--</a:t>
-            </a:r>
-            <a:r>
-              <a:rPr lang="en-US" sz="850" dirty="0" err="1">
-                <a:effectLst/>
-                <a:latin typeface="Courier New" panose="02070309020205020404" pitchFamily="49" charset="0"/>
-                <a:ea typeface="Calibri" panose="020F0502020204030204" pitchFamily="34" charset="0"/>
-                <a:cs typeface="Courier New" panose="02070309020205020404" pitchFamily="49" charset="0"/>
-              </a:rPr>
-              <a:t>rw</a:t>
-            </a:r>
-            <a:r>
-              <a:rPr lang="en-US" sz="850" dirty="0">
-                <a:effectLst/>
-                <a:latin typeface="Courier New" panose="02070309020205020404" pitchFamily="49" charset="0"/>
-                <a:ea typeface="Calibri" panose="020F0502020204030204" pitchFamily="34" charset="0"/>
-                <a:cs typeface="Courier New" panose="02070309020205020404" pitchFamily="49" charset="0"/>
-              </a:rPr>
-              <a:t> symptom</a:t>
-            </a:r>
-          </a:p>
-          <a:p>
-            <a:pPr marL="0" marR="0">
-              <a:lnSpc>
-                <a:spcPct val="107000"/>
-              </a:lnSpc>
-              <a:spcBef>
-                <a:spcPts val="0"/>
-              </a:spcBef>
-              <a:spcAft>
-                <a:spcPts val="0"/>
-              </a:spcAft>
-            </a:pPr>
-            <a:r>
-              <a:rPr lang="en-US" sz="850" dirty="0">
-                <a:effectLst/>
-                <a:latin typeface="Courier New" panose="02070309020205020404" pitchFamily="49" charset="0"/>
-                <a:ea typeface="Calibri" panose="020F0502020204030204" pitchFamily="34" charset="0"/>
-                <a:cs typeface="Courier New" panose="02070309020205020404" pitchFamily="49" charset="0"/>
-              </a:rPr>
-              <a:t>    +--</a:t>
-            </a:r>
-            <a:r>
-              <a:rPr lang="en-US" sz="850" dirty="0" err="1">
-                <a:effectLst/>
-                <a:latin typeface="Courier New" panose="02070309020205020404" pitchFamily="49" charset="0"/>
-                <a:ea typeface="Calibri" panose="020F0502020204030204" pitchFamily="34" charset="0"/>
-                <a:cs typeface="Courier New" panose="02070309020205020404" pitchFamily="49" charset="0"/>
-              </a:rPr>
-              <a:t>rw</a:t>
-            </a:r>
-            <a:r>
-              <a:rPr lang="en-US" sz="850" dirty="0">
-                <a:effectLst/>
-                <a:latin typeface="Courier New" panose="02070309020205020404" pitchFamily="49" charset="0"/>
-                <a:ea typeface="Calibri" panose="020F0502020204030204" pitchFamily="34" charset="0"/>
-                <a:cs typeface="Courier New" panose="02070309020205020404" pitchFamily="49" charset="0"/>
-              </a:rPr>
-              <a:t> id        </a:t>
-            </a:r>
-            <a:r>
-              <a:rPr lang="en-US" sz="850" dirty="0" err="1">
-                <a:effectLst/>
-                <a:latin typeface="Courier New" panose="02070309020205020404" pitchFamily="49" charset="0"/>
-                <a:ea typeface="Calibri" panose="020F0502020204030204" pitchFamily="34" charset="0"/>
-                <a:cs typeface="Courier New" panose="02070309020205020404" pitchFamily="49" charset="0"/>
-              </a:rPr>
-              <a:t>yang:uuid</a:t>
-            </a:r>
-            <a:endParaRPr lang="en-US" sz="850" dirty="0">
-              <a:effectLst/>
-              <a:latin typeface="Courier New" panose="02070309020205020404" pitchFamily="49" charset="0"/>
-              <a:ea typeface="Calibri" panose="020F0502020204030204" pitchFamily="34" charset="0"/>
-              <a:cs typeface="Courier New" panose="02070309020205020404" pitchFamily="49" charset="0"/>
-            </a:endParaRPr>
-          </a:p>
-          <a:p>
-            <a:pPr marL="0" marR="0">
-              <a:lnSpc>
-                <a:spcPct val="107000"/>
-              </a:lnSpc>
-              <a:spcBef>
-                <a:spcPts val="0"/>
-              </a:spcBef>
-              <a:spcAft>
-                <a:spcPts val="0"/>
-              </a:spcAft>
-            </a:pPr>
-            <a:r>
-              <a:rPr lang="en-US" sz="850" dirty="0">
-                <a:effectLst/>
-                <a:latin typeface="Courier New" panose="02070309020205020404" pitchFamily="49" charset="0"/>
-                <a:ea typeface="Calibri" panose="020F0502020204030204" pitchFamily="34" charset="0"/>
-                <a:cs typeface="Courier New" panose="02070309020205020404" pitchFamily="49" charset="0"/>
-              </a:rPr>
-              <a:t>    +--</a:t>
-            </a:r>
-            <a:r>
-              <a:rPr lang="en-US" sz="850" dirty="0" err="1">
-                <a:effectLst/>
-                <a:latin typeface="Courier New" panose="02070309020205020404" pitchFamily="49" charset="0"/>
-                <a:ea typeface="Calibri" panose="020F0502020204030204" pitchFamily="34" charset="0"/>
-                <a:cs typeface="Courier New" panose="02070309020205020404" pitchFamily="49" charset="0"/>
-              </a:rPr>
-              <a:t>rw</a:t>
-            </a:r>
-            <a:r>
-              <a:rPr lang="en-US" sz="850" dirty="0">
-                <a:effectLst/>
-                <a:latin typeface="Courier New" panose="02070309020205020404" pitchFamily="49" charset="0"/>
-                <a:ea typeface="Calibri" panose="020F0502020204030204" pitchFamily="34" charset="0"/>
-                <a:cs typeface="Courier New" panose="02070309020205020404" pitchFamily="49" charset="0"/>
-              </a:rPr>
-              <a:t> event-id  </a:t>
-            </a:r>
-            <a:r>
-              <a:rPr lang="en-US" sz="850" dirty="0" err="1">
-                <a:effectLst/>
-                <a:latin typeface="Courier New" panose="02070309020205020404" pitchFamily="49" charset="0"/>
-                <a:ea typeface="Calibri" panose="020F0502020204030204" pitchFamily="34" charset="0"/>
-                <a:cs typeface="Courier New" panose="02070309020205020404" pitchFamily="49" charset="0"/>
-              </a:rPr>
-              <a:t>yang:uuid</a:t>
-            </a:r>
-            <a:endParaRPr lang="en-US" sz="850" dirty="0">
-              <a:effectLst/>
-              <a:latin typeface="Courier New" panose="02070309020205020404" pitchFamily="49" charset="0"/>
-              <a:ea typeface="Calibri" panose="020F0502020204030204" pitchFamily="34" charset="0"/>
-              <a:cs typeface="Courier New" panose="02070309020205020404" pitchFamily="49" charset="0"/>
-            </a:endParaRPr>
-          </a:p>
-          <a:p>
-            <a:pPr marL="0" marR="0">
-              <a:lnSpc>
-                <a:spcPct val="107000"/>
-              </a:lnSpc>
-              <a:spcBef>
-                <a:spcPts val="0"/>
-              </a:spcBef>
-              <a:spcAft>
-                <a:spcPts val="0"/>
-              </a:spcAft>
-            </a:pPr>
-            <a:r>
-              <a:rPr lang="en-US" sz="850" dirty="0">
-                <a:effectLst/>
-                <a:latin typeface="Courier New" panose="02070309020205020404" pitchFamily="49" charset="0"/>
-                <a:ea typeface="Calibri" panose="020F0502020204030204" pitchFamily="34" charset="0"/>
-                <a:cs typeface="Courier New" panose="02070309020205020404" pitchFamily="49" charset="0"/>
-              </a:rPr>
-              <a:t>    +--</a:t>
-            </a:r>
-            <a:r>
-              <a:rPr lang="en-US" sz="850" dirty="0" err="1">
-                <a:effectLst/>
-                <a:latin typeface="Courier New" panose="02070309020205020404" pitchFamily="49" charset="0"/>
-                <a:ea typeface="Calibri" panose="020F0502020204030204" pitchFamily="34" charset="0"/>
-                <a:cs typeface="Courier New" panose="02070309020205020404" pitchFamily="49" charset="0"/>
-              </a:rPr>
-              <a:t>rw</a:t>
-            </a:r>
-            <a:r>
-              <a:rPr lang="en-US" sz="850" dirty="0">
-                <a:effectLst/>
-                <a:latin typeface="Courier New" panose="02070309020205020404" pitchFamily="49" charset="0"/>
-                <a:ea typeface="Calibri" panose="020F0502020204030204" pitchFamily="34" charset="0"/>
-                <a:cs typeface="Courier New" panose="02070309020205020404" pitchFamily="49" charset="0"/>
-              </a:rPr>
-              <a:t> description                string</a:t>
-            </a:r>
-          </a:p>
-          <a:p>
-            <a:pPr marL="0" marR="0">
-              <a:lnSpc>
-                <a:spcPct val="107000"/>
-              </a:lnSpc>
-              <a:spcBef>
-                <a:spcPts val="0"/>
-              </a:spcBef>
-              <a:spcAft>
-                <a:spcPts val="0"/>
-              </a:spcAft>
-            </a:pPr>
-            <a:r>
-              <a:rPr lang="en-US" sz="850" dirty="0">
-                <a:effectLst/>
-                <a:latin typeface="Courier New" panose="02070309020205020404" pitchFamily="49" charset="0"/>
-                <a:ea typeface="Calibri" panose="020F0502020204030204" pitchFamily="34" charset="0"/>
-                <a:cs typeface="Courier New" panose="02070309020205020404" pitchFamily="49" charset="0"/>
-              </a:rPr>
-              <a:t>    +--</a:t>
-            </a:r>
-            <a:r>
-              <a:rPr lang="en-US" sz="850" dirty="0" err="1">
-                <a:effectLst/>
-                <a:latin typeface="Courier New" panose="02070309020205020404" pitchFamily="49" charset="0"/>
-                <a:ea typeface="Calibri" panose="020F0502020204030204" pitchFamily="34" charset="0"/>
-                <a:cs typeface="Courier New" panose="02070309020205020404" pitchFamily="49" charset="0"/>
-              </a:rPr>
-              <a:t>rw</a:t>
-            </a:r>
-            <a:r>
-              <a:rPr lang="en-US" sz="850" dirty="0">
-                <a:effectLst/>
-                <a:latin typeface="Courier New" panose="02070309020205020404" pitchFamily="49" charset="0"/>
-                <a:ea typeface="Calibri" panose="020F0502020204030204" pitchFamily="34" charset="0"/>
-                <a:cs typeface="Courier New" panose="02070309020205020404" pitchFamily="49" charset="0"/>
-              </a:rPr>
-              <a:t> </a:t>
-            </a:r>
-            <a:r>
-              <a:rPr lang="en-US" sz="850" dirty="0" err="1">
-                <a:effectLst/>
-                <a:latin typeface="Courier New" panose="02070309020205020404" pitchFamily="49" charset="0"/>
-                <a:ea typeface="Calibri" panose="020F0502020204030204" pitchFamily="34" charset="0"/>
-                <a:cs typeface="Courier New" panose="02070309020205020404" pitchFamily="49" charset="0"/>
-              </a:rPr>
-              <a:t>start-timeyang:date-and-time</a:t>
-            </a:r>
-            <a:endParaRPr lang="en-US" sz="850" dirty="0">
-              <a:effectLst/>
-              <a:latin typeface="Courier New" panose="02070309020205020404" pitchFamily="49" charset="0"/>
-              <a:ea typeface="Calibri" panose="020F0502020204030204" pitchFamily="34" charset="0"/>
-              <a:cs typeface="Courier New" panose="02070309020205020404" pitchFamily="49" charset="0"/>
-            </a:endParaRPr>
-          </a:p>
-          <a:p>
-            <a:pPr marL="0" marR="0">
-              <a:lnSpc>
-                <a:spcPct val="107000"/>
-              </a:lnSpc>
-              <a:spcBef>
-                <a:spcPts val="0"/>
-              </a:spcBef>
-              <a:spcAft>
-                <a:spcPts val="0"/>
-              </a:spcAft>
-            </a:pPr>
-            <a:r>
-              <a:rPr lang="en-US" sz="850" dirty="0">
-                <a:effectLst/>
-                <a:latin typeface="Courier New" panose="02070309020205020404" pitchFamily="49" charset="0"/>
-                <a:ea typeface="Calibri" panose="020F0502020204030204" pitchFamily="34" charset="0"/>
-                <a:cs typeface="Courier New" panose="02070309020205020404" pitchFamily="49" charset="0"/>
-              </a:rPr>
-              <a:t>    +--</a:t>
-            </a:r>
-            <a:r>
-              <a:rPr lang="en-US" sz="850" dirty="0" err="1">
-                <a:effectLst/>
-                <a:latin typeface="Courier New" panose="02070309020205020404" pitchFamily="49" charset="0"/>
-                <a:ea typeface="Calibri" panose="020F0502020204030204" pitchFamily="34" charset="0"/>
-                <a:cs typeface="Courier New" panose="02070309020205020404" pitchFamily="49" charset="0"/>
-              </a:rPr>
-              <a:t>rw</a:t>
-            </a:r>
-            <a:r>
-              <a:rPr lang="en-US" sz="850" dirty="0">
-                <a:effectLst/>
-                <a:latin typeface="Courier New" panose="02070309020205020404" pitchFamily="49" charset="0"/>
-                <a:ea typeface="Calibri" panose="020F0502020204030204" pitchFamily="34" charset="0"/>
-                <a:cs typeface="Courier New" panose="02070309020205020404" pitchFamily="49" charset="0"/>
-              </a:rPr>
-              <a:t> end-time  </a:t>
-            </a:r>
-            <a:r>
-              <a:rPr lang="en-US" sz="850" dirty="0" err="1">
-                <a:effectLst/>
-                <a:latin typeface="Courier New" panose="02070309020205020404" pitchFamily="49" charset="0"/>
-                <a:ea typeface="Calibri" panose="020F0502020204030204" pitchFamily="34" charset="0"/>
-                <a:cs typeface="Courier New" panose="02070309020205020404" pitchFamily="49" charset="0"/>
-              </a:rPr>
-              <a:t>yang:date-and-time</a:t>
-            </a:r>
-            <a:endParaRPr lang="en-US" sz="850" dirty="0">
-              <a:effectLst/>
-              <a:latin typeface="Courier New" panose="02070309020205020404" pitchFamily="49" charset="0"/>
-              <a:ea typeface="Calibri" panose="020F0502020204030204" pitchFamily="34" charset="0"/>
-              <a:cs typeface="Courier New" panose="02070309020205020404" pitchFamily="49" charset="0"/>
-            </a:endParaRPr>
-          </a:p>
-          <a:p>
-            <a:pPr marL="0" marR="0">
-              <a:lnSpc>
-                <a:spcPct val="107000"/>
-              </a:lnSpc>
-              <a:spcBef>
-                <a:spcPts val="0"/>
-              </a:spcBef>
-              <a:spcAft>
-                <a:spcPts val="0"/>
-              </a:spcAft>
-            </a:pPr>
-            <a:r>
-              <a:rPr lang="en-US" sz="850" dirty="0">
-                <a:effectLst/>
-                <a:latin typeface="Courier New" panose="02070309020205020404" pitchFamily="49" charset="0"/>
-                <a:ea typeface="Calibri" panose="020F0502020204030204" pitchFamily="34" charset="0"/>
-                <a:cs typeface="Courier New" panose="02070309020205020404" pitchFamily="49" charset="0"/>
-              </a:rPr>
-              <a:t>    +--</a:t>
-            </a:r>
-            <a:r>
-              <a:rPr lang="en-US" sz="850" dirty="0" err="1">
-                <a:effectLst/>
-                <a:latin typeface="Courier New" panose="02070309020205020404" pitchFamily="49" charset="0"/>
-                <a:ea typeface="Calibri" panose="020F0502020204030204" pitchFamily="34" charset="0"/>
-                <a:cs typeface="Courier New" panose="02070309020205020404" pitchFamily="49" charset="0"/>
-              </a:rPr>
-              <a:t>rw</a:t>
-            </a:r>
-            <a:r>
-              <a:rPr lang="en-US" sz="850" dirty="0">
-                <a:effectLst/>
-                <a:latin typeface="Courier New" panose="02070309020205020404" pitchFamily="49" charset="0"/>
-                <a:ea typeface="Calibri" panose="020F0502020204030204" pitchFamily="34" charset="0"/>
-                <a:cs typeface="Courier New" panose="02070309020205020404" pitchFamily="49" charset="0"/>
-              </a:rPr>
-              <a:t> confidence-score           float</a:t>
-            </a:r>
-          </a:p>
-          <a:p>
-            <a:pPr marL="0" marR="0">
-              <a:lnSpc>
-                <a:spcPct val="107000"/>
-              </a:lnSpc>
-              <a:spcBef>
-                <a:spcPts val="0"/>
-              </a:spcBef>
-              <a:spcAft>
-                <a:spcPts val="0"/>
-              </a:spcAft>
-            </a:pPr>
-            <a:r>
-              <a:rPr lang="en-US" sz="850" dirty="0">
-                <a:effectLst/>
-                <a:latin typeface="Courier New" panose="02070309020205020404" pitchFamily="49" charset="0"/>
-                <a:ea typeface="Calibri" panose="020F0502020204030204" pitchFamily="34" charset="0"/>
-                <a:cs typeface="Courier New" panose="02070309020205020404" pitchFamily="49" charset="0"/>
-              </a:rPr>
-              <a:t>    +--</a:t>
-            </a:r>
-            <a:r>
-              <a:rPr lang="en-US" sz="850" dirty="0" err="1">
-                <a:effectLst/>
-                <a:latin typeface="Courier New" panose="02070309020205020404" pitchFamily="49" charset="0"/>
-                <a:ea typeface="Calibri" panose="020F0502020204030204" pitchFamily="34" charset="0"/>
-                <a:cs typeface="Courier New" panose="02070309020205020404" pitchFamily="49" charset="0"/>
-              </a:rPr>
-              <a:t>rw</a:t>
-            </a:r>
-            <a:r>
-              <a:rPr lang="en-US" sz="850" dirty="0">
-                <a:effectLst/>
-                <a:latin typeface="Courier New" panose="02070309020205020404" pitchFamily="49" charset="0"/>
-                <a:ea typeface="Calibri" panose="020F0502020204030204" pitchFamily="34" charset="0"/>
-                <a:cs typeface="Courier New" panose="02070309020205020404" pitchFamily="49" charset="0"/>
-              </a:rPr>
-              <a:t> concern-score?             float</a:t>
-            </a:r>
-          </a:p>
-          <a:p>
-            <a:pPr marL="0" marR="0">
-              <a:lnSpc>
-                <a:spcPct val="107000"/>
-              </a:lnSpc>
-              <a:spcBef>
-                <a:spcPts val="0"/>
-              </a:spcBef>
-              <a:spcAft>
-                <a:spcPts val="0"/>
-              </a:spcAft>
-            </a:pPr>
-            <a:r>
-              <a:rPr lang="en-US" sz="850" dirty="0">
-                <a:effectLst/>
-                <a:latin typeface="Courier New" panose="02070309020205020404" pitchFamily="49" charset="0"/>
-                <a:ea typeface="Calibri" panose="020F0502020204030204" pitchFamily="34" charset="0"/>
-                <a:cs typeface="Courier New" panose="02070309020205020404" pitchFamily="49" charset="0"/>
-              </a:rPr>
-              <a:t>    +--</a:t>
-            </a:r>
-            <a:r>
-              <a:rPr lang="en-US" sz="850" dirty="0" err="1">
-                <a:effectLst/>
-                <a:latin typeface="Courier New" panose="02070309020205020404" pitchFamily="49" charset="0"/>
-                <a:ea typeface="Calibri" panose="020F0502020204030204" pitchFamily="34" charset="0"/>
-                <a:cs typeface="Courier New" panose="02070309020205020404" pitchFamily="49" charset="0"/>
-              </a:rPr>
-              <a:t>rw</a:t>
-            </a:r>
-            <a:r>
-              <a:rPr lang="en-US" sz="850" dirty="0">
-                <a:effectLst/>
-                <a:latin typeface="Courier New" panose="02070309020205020404" pitchFamily="49" charset="0"/>
-                <a:ea typeface="Calibri" panose="020F0502020204030204" pitchFamily="34" charset="0"/>
-                <a:cs typeface="Courier New" panose="02070309020205020404" pitchFamily="49" charset="0"/>
-              </a:rPr>
-              <a:t> tags* [key]</a:t>
-            </a:r>
-          </a:p>
-          <a:p>
-            <a:pPr marL="0" marR="0">
-              <a:lnSpc>
-                <a:spcPct val="107000"/>
-              </a:lnSpc>
-              <a:spcBef>
-                <a:spcPts val="0"/>
-              </a:spcBef>
-              <a:spcAft>
-                <a:spcPts val="0"/>
-              </a:spcAft>
-            </a:pPr>
-            <a:r>
-              <a:rPr lang="en-US" sz="850" dirty="0">
-                <a:effectLst/>
-                <a:latin typeface="Courier New" panose="02070309020205020404" pitchFamily="49" charset="0"/>
-                <a:ea typeface="Calibri" panose="020F0502020204030204" pitchFamily="34" charset="0"/>
-                <a:cs typeface="Courier New" panose="02070309020205020404" pitchFamily="49" charset="0"/>
-              </a:rPr>
-              <a:t>    |  +--</a:t>
-            </a:r>
-            <a:r>
-              <a:rPr lang="en-US" sz="850" dirty="0" err="1">
-                <a:effectLst/>
-                <a:latin typeface="Courier New" panose="02070309020205020404" pitchFamily="49" charset="0"/>
-                <a:ea typeface="Calibri" panose="020F0502020204030204" pitchFamily="34" charset="0"/>
-                <a:cs typeface="Courier New" panose="02070309020205020404" pitchFamily="49" charset="0"/>
-              </a:rPr>
-              <a:t>rw</a:t>
-            </a:r>
-            <a:r>
-              <a:rPr lang="en-US" sz="850" dirty="0">
-                <a:effectLst/>
-                <a:latin typeface="Courier New" panose="02070309020205020404" pitchFamily="49" charset="0"/>
-                <a:ea typeface="Calibri" panose="020F0502020204030204" pitchFamily="34" charset="0"/>
-                <a:cs typeface="Courier New" panose="02070309020205020404" pitchFamily="49" charset="0"/>
-              </a:rPr>
-              <a:t> key      string</a:t>
-            </a:r>
-          </a:p>
-          <a:p>
-            <a:pPr marL="0" marR="0">
-              <a:lnSpc>
-                <a:spcPct val="107000"/>
-              </a:lnSpc>
-              <a:spcBef>
-                <a:spcPts val="0"/>
-              </a:spcBef>
-              <a:spcAft>
-                <a:spcPts val="0"/>
-              </a:spcAft>
-            </a:pPr>
-            <a:r>
-              <a:rPr lang="en-US" sz="850" dirty="0">
-                <a:effectLst/>
-                <a:latin typeface="Courier New" panose="02070309020205020404" pitchFamily="49" charset="0"/>
-                <a:ea typeface="Calibri" panose="020F0502020204030204" pitchFamily="34" charset="0"/>
-                <a:cs typeface="Courier New" panose="02070309020205020404" pitchFamily="49" charset="0"/>
-              </a:rPr>
-              <a:t>    |  +--</a:t>
-            </a:r>
-            <a:r>
-              <a:rPr lang="en-US" sz="850" dirty="0" err="1">
-                <a:effectLst/>
-                <a:latin typeface="Courier New" panose="02070309020205020404" pitchFamily="49" charset="0"/>
-                <a:ea typeface="Calibri" panose="020F0502020204030204" pitchFamily="34" charset="0"/>
-                <a:cs typeface="Courier New" panose="02070309020205020404" pitchFamily="49" charset="0"/>
-              </a:rPr>
-              <a:t>rw</a:t>
-            </a:r>
-            <a:r>
-              <a:rPr lang="en-US" sz="850" dirty="0">
-                <a:effectLst/>
-                <a:latin typeface="Courier New" panose="02070309020205020404" pitchFamily="49" charset="0"/>
-                <a:ea typeface="Calibri" panose="020F0502020204030204" pitchFamily="34" charset="0"/>
-                <a:cs typeface="Courier New" panose="02070309020205020404" pitchFamily="49" charset="0"/>
-              </a:rPr>
-              <a:t> value    string</a:t>
-            </a:r>
-          </a:p>
-          <a:p>
-            <a:pPr marL="0" marR="0">
-              <a:lnSpc>
-                <a:spcPct val="107000"/>
-              </a:lnSpc>
-              <a:spcBef>
-                <a:spcPts val="0"/>
-              </a:spcBef>
-              <a:spcAft>
-                <a:spcPts val="0"/>
-              </a:spcAft>
-            </a:pPr>
-            <a:r>
-              <a:rPr lang="en-US" sz="850" dirty="0">
-                <a:effectLst/>
-                <a:latin typeface="Courier New" panose="02070309020205020404" pitchFamily="49" charset="0"/>
-                <a:ea typeface="Calibri" panose="020F0502020204030204" pitchFamily="34" charset="0"/>
-                <a:cs typeface="Courier New" panose="02070309020205020404" pitchFamily="49" charset="0"/>
-              </a:rPr>
-              <a:t>    +--</a:t>
-            </a:r>
-            <a:r>
-              <a:rPr lang="en-US" sz="850" dirty="0" err="1">
-                <a:effectLst/>
-                <a:latin typeface="Courier New" panose="02070309020205020404" pitchFamily="49" charset="0"/>
-                <a:ea typeface="Calibri" panose="020F0502020204030204" pitchFamily="34" charset="0"/>
-                <a:cs typeface="Courier New" panose="02070309020205020404" pitchFamily="49" charset="0"/>
-              </a:rPr>
-              <a:t>rw</a:t>
-            </a:r>
-            <a:r>
-              <a:rPr lang="en-US" sz="850" dirty="0">
-                <a:effectLst/>
-                <a:latin typeface="Courier New" panose="02070309020205020404" pitchFamily="49" charset="0"/>
-                <a:ea typeface="Calibri" panose="020F0502020204030204" pitchFamily="34" charset="0"/>
-                <a:cs typeface="Courier New" panose="02070309020205020404" pitchFamily="49" charset="0"/>
-              </a:rPr>
-              <a:t> (pattern)?</a:t>
-            </a:r>
-          </a:p>
-          <a:p>
-            <a:pPr marL="0" marR="0">
-              <a:lnSpc>
-                <a:spcPct val="107000"/>
-              </a:lnSpc>
-              <a:spcBef>
-                <a:spcPts val="0"/>
-              </a:spcBef>
-              <a:spcAft>
-                <a:spcPts val="0"/>
-              </a:spcAft>
-            </a:pPr>
-            <a:r>
-              <a:rPr lang="en-US" sz="850" dirty="0">
-                <a:effectLst/>
-                <a:latin typeface="Courier New" panose="02070309020205020404" pitchFamily="49" charset="0"/>
-                <a:ea typeface="Calibri" panose="020F0502020204030204" pitchFamily="34" charset="0"/>
-                <a:cs typeface="Courier New" panose="02070309020205020404" pitchFamily="49" charset="0"/>
-              </a:rPr>
-              <a:t>    |  +--:(drop)</a:t>
-            </a:r>
-          </a:p>
-          <a:p>
-            <a:pPr marL="0" marR="0">
-              <a:lnSpc>
-                <a:spcPct val="107000"/>
-              </a:lnSpc>
-              <a:spcBef>
-                <a:spcPts val="0"/>
-              </a:spcBef>
-              <a:spcAft>
-                <a:spcPts val="0"/>
-              </a:spcAft>
-            </a:pPr>
-            <a:r>
-              <a:rPr lang="en-US" sz="850" dirty="0">
-                <a:effectLst/>
-                <a:latin typeface="Courier New" panose="02070309020205020404" pitchFamily="49" charset="0"/>
-                <a:ea typeface="Calibri" panose="020F0502020204030204" pitchFamily="34" charset="0"/>
-                <a:cs typeface="Courier New" panose="02070309020205020404" pitchFamily="49" charset="0"/>
-              </a:rPr>
-              <a:t>    |  |  +--</a:t>
-            </a:r>
-            <a:r>
-              <a:rPr lang="en-US" sz="850" dirty="0" err="1">
-                <a:effectLst/>
-                <a:latin typeface="Courier New" panose="02070309020205020404" pitchFamily="49" charset="0"/>
-                <a:ea typeface="Calibri" panose="020F0502020204030204" pitchFamily="34" charset="0"/>
-                <a:cs typeface="Courier New" panose="02070309020205020404" pitchFamily="49" charset="0"/>
-              </a:rPr>
-              <a:t>rw</a:t>
-            </a:r>
-            <a:r>
-              <a:rPr lang="en-US" sz="850" dirty="0">
-                <a:effectLst/>
-                <a:latin typeface="Courier New" panose="02070309020205020404" pitchFamily="49" charset="0"/>
-                <a:ea typeface="Calibri" panose="020F0502020204030204" pitchFamily="34" charset="0"/>
-                <a:cs typeface="Courier New" panose="02070309020205020404" pitchFamily="49" charset="0"/>
-              </a:rPr>
-              <a:t> </a:t>
-            </a:r>
-            <a:r>
-              <a:rPr lang="en-US" sz="850" dirty="0" err="1">
-                <a:effectLst/>
-                <a:latin typeface="Courier New" panose="02070309020205020404" pitchFamily="49" charset="0"/>
-                <a:ea typeface="Calibri" panose="020F0502020204030204" pitchFamily="34" charset="0"/>
-                <a:cs typeface="Courier New" panose="02070309020205020404" pitchFamily="49" charset="0"/>
-              </a:rPr>
-              <a:t>dropempty</a:t>
-            </a:r>
-            <a:endParaRPr lang="en-US" sz="850" dirty="0">
-              <a:effectLst/>
-              <a:latin typeface="Courier New" panose="02070309020205020404" pitchFamily="49" charset="0"/>
-              <a:ea typeface="Calibri" panose="020F0502020204030204" pitchFamily="34" charset="0"/>
-              <a:cs typeface="Courier New" panose="02070309020205020404" pitchFamily="49" charset="0"/>
-            </a:endParaRPr>
-          </a:p>
-          <a:p>
-            <a:pPr marL="0" marR="0">
-              <a:lnSpc>
-                <a:spcPct val="107000"/>
-              </a:lnSpc>
-              <a:spcBef>
-                <a:spcPts val="0"/>
-              </a:spcBef>
-              <a:spcAft>
-                <a:spcPts val="0"/>
-              </a:spcAft>
-            </a:pPr>
-            <a:r>
-              <a:rPr lang="en-US" sz="850" dirty="0">
-                <a:effectLst/>
-                <a:latin typeface="Courier New" panose="02070309020205020404" pitchFamily="49" charset="0"/>
-                <a:ea typeface="Calibri" panose="020F0502020204030204" pitchFamily="34" charset="0"/>
-                <a:cs typeface="Courier New" panose="02070309020205020404" pitchFamily="49" charset="0"/>
-              </a:rPr>
-              <a:t>    |  +--:(spike)</a:t>
-            </a:r>
-          </a:p>
-          <a:p>
-            <a:pPr marL="0" marR="0">
-              <a:lnSpc>
-                <a:spcPct val="107000"/>
-              </a:lnSpc>
-              <a:spcBef>
-                <a:spcPts val="0"/>
-              </a:spcBef>
-              <a:spcAft>
-                <a:spcPts val="0"/>
-              </a:spcAft>
-            </a:pPr>
-            <a:r>
-              <a:rPr lang="en-US" sz="850" dirty="0">
-                <a:effectLst/>
-                <a:latin typeface="Courier New" panose="02070309020205020404" pitchFamily="49" charset="0"/>
-                <a:ea typeface="Calibri" panose="020F0502020204030204" pitchFamily="34" charset="0"/>
-                <a:cs typeface="Courier New" panose="02070309020205020404" pitchFamily="49" charset="0"/>
-              </a:rPr>
-              <a:t>    |  |  +--</a:t>
-            </a:r>
-            <a:r>
-              <a:rPr lang="en-US" sz="850" dirty="0" err="1">
-                <a:effectLst/>
-                <a:latin typeface="Courier New" panose="02070309020205020404" pitchFamily="49" charset="0"/>
-                <a:ea typeface="Calibri" panose="020F0502020204030204" pitchFamily="34" charset="0"/>
-                <a:cs typeface="Courier New" panose="02070309020205020404" pitchFamily="49" charset="0"/>
-              </a:rPr>
-              <a:t>rw</a:t>
-            </a:r>
-            <a:r>
-              <a:rPr lang="en-US" sz="850" dirty="0">
-                <a:effectLst/>
-                <a:latin typeface="Courier New" panose="02070309020205020404" pitchFamily="49" charset="0"/>
-                <a:ea typeface="Calibri" panose="020F0502020204030204" pitchFamily="34" charset="0"/>
-                <a:cs typeface="Courier New" panose="02070309020205020404" pitchFamily="49" charset="0"/>
-              </a:rPr>
-              <a:t> spike                empty</a:t>
-            </a:r>
-          </a:p>
-          <a:p>
-            <a:pPr marL="0" marR="0">
-              <a:lnSpc>
-                <a:spcPct val="107000"/>
-              </a:lnSpc>
-              <a:spcBef>
-                <a:spcPts val="0"/>
-              </a:spcBef>
-              <a:spcAft>
-                <a:spcPts val="0"/>
-              </a:spcAft>
-            </a:pPr>
-            <a:r>
-              <a:rPr lang="en-US" sz="850" dirty="0">
-                <a:effectLst/>
-                <a:latin typeface="Courier New" panose="02070309020205020404" pitchFamily="49" charset="0"/>
-                <a:ea typeface="Calibri" panose="020F0502020204030204" pitchFamily="34" charset="0"/>
-                <a:cs typeface="Courier New" panose="02070309020205020404" pitchFamily="49" charset="0"/>
-              </a:rPr>
-              <a:t>    |  +--:(mean-shift)</a:t>
-            </a:r>
-          </a:p>
-          <a:p>
-            <a:pPr marL="0" marR="0">
-              <a:lnSpc>
-                <a:spcPct val="107000"/>
-              </a:lnSpc>
-              <a:spcBef>
-                <a:spcPts val="0"/>
-              </a:spcBef>
-              <a:spcAft>
-                <a:spcPts val="0"/>
-              </a:spcAft>
-            </a:pPr>
-            <a:r>
-              <a:rPr lang="en-US" sz="850" dirty="0">
-                <a:effectLst/>
-                <a:latin typeface="Courier New" panose="02070309020205020404" pitchFamily="49" charset="0"/>
-                <a:ea typeface="Calibri" panose="020F0502020204030204" pitchFamily="34" charset="0"/>
-                <a:cs typeface="Courier New" panose="02070309020205020404" pitchFamily="49" charset="0"/>
-              </a:rPr>
-              <a:t>    |  |  +--</a:t>
-            </a:r>
-            <a:r>
-              <a:rPr lang="en-US" sz="850" dirty="0" err="1">
-                <a:effectLst/>
-                <a:latin typeface="Courier New" panose="02070309020205020404" pitchFamily="49" charset="0"/>
-                <a:ea typeface="Calibri" panose="020F0502020204030204" pitchFamily="34" charset="0"/>
-                <a:cs typeface="Courier New" panose="02070309020205020404" pitchFamily="49" charset="0"/>
-              </a:rPr>
-              <a:t>rw</a:t>
-            </a:r>
-            <a:r>
-              <a:rPr lang="en-US" sz="850" dirty="0">
-                <a:effectLst/>
-                <a:latin typeface="Courier New" panose="02070309020205020404" pitchFamily="49" charset="0"/>
-                <a:ea typeface="Calibri" panose="020F0502020204030204" pitchFamily="34" charset="0"/>
-                <a:cs typeface="Courier New" panose="02070309020205020404" pitchFamily="49" charset="0"/>
-              </a:rPr>
-              <a:t> mean-shift           empty</a:t>
-            </a:r>
-          </a:p>
-          <a:p>
-            <a:pPr marL="0" marR="0">
-              <a:lnSpc>
-                <a:spcPct val="107000"/>
-              </a:lnSpc>
-              <a:spcBef>
-                <a:spcPts val="0"/>
-              </a:spcBef>
-              <a:spcAft>
-                <a:spcPts val="0"/>
-              </a:spcAft>
-            </a:pPr>
-            <a:r>
-              <a:rPr lang="en-US" sz="850" dirty="0">
-                <a:effectLst/>
-                <a:latin typeface="Courier New" panose="02070309020205020404" pitchFamily="49" charset="0"/>
-                <a:ea typeface="Calibri" panose="020F0502020204030204" pitchFamily="34" charset="0"/>
-                <a:cs typeface="Courier New" panose="02070309020205020404" pitchFamily="49" charset="0"/>
-              </a:rPr>
-              <a:t>    |  +--:(seasonality-shift)</a:t>
-            </a:r>
-          </a:p>
-          <a:p>
-            <a:pPr marL="0" marR="0">
-              <a:lnSpc>
-                <a:spcPct val="107000"/>
-              </a:lnSpc>
-              <a:spcBef>
-                <a:spcPts val="0"/>
-              </a:spcBef>
-              <a:spcAft>
-                <a:spcPts val="0"/>
-              </a:spcAft>
-            </a:pPr>
-            <a:r>
-              <a:rPr lang="en-US" sz="850" dirty="0">
-                <a:effectLst/>
-                <a:latin typeface="Courier New" panose="02070309020205020404" pitchFamily="49" charset="0"/>
-                <a:ea typeface="Calibri" panose="020F0502020204030204" pitchFamily="34" charset="0"/>
-                <a:cs typeface="Courier New" panose="02070309020205020404" pitchFamily="49" charset="0"/>
-              </a:rPr>
-              <a:t>    |  |  +--</a:t>
-            </a:r>
-            <a:r>
-              <a:rPr lang="en-US" sz="850" dirty="0" err="1">
-                <a:effectLst/>
-                <a:latin typeface="Courier New" panose="02070309020205020404" pitchFamily="49" charset="0"/>
-                <a:ea typeface="Calibri" panose="020F0502020204030204" pitchFamily="34" charset="0"/>
-                <a:cs typeface="Courier New" panose="02070309020205020404" pitchFamily="49" charset="0"/>
-              </a:rPr>
-              <a:t>rw</a:t>
-            </a:r>
-            <a:r>
-              <a:rPr lang="en-US" sz="850" dirty="0">
-                <a:effectLst/>
-                <a:latin typeface="Courier New" panose="02070309020205020404" pitchFamily="49" charset="0"/>
-                <a:ea typeface="Calibri" panose="020F0502020204030204" pitchFamily="34" charset="0"/>
-                <a:cs typeface="Courier New" panose="02070309020205020404" pitchFamily="49" charset="0"/>
-              </a:rPr>
-              <a:t> seasonality-shift    empty</a:t>
-            </a:r>
-          </a:p>
-          <a:p>
-            <a:pPr marL="0" marR="0">
-              <a:lnSpc>
-                <a:spcPct val="107000"/>
-              </a:lnSpc>
-              <a:spcBef>
-                <a:spcPts val="0"/>
-              </a:spcBef>
-              <a:spcAft>
-                <a:spcPts val="0"/>
-              </a:spcAft>
-            </a:pPr>
-            <a:r>
-              <a:rPr lang="en-US" sz="850" dirty="0">
-                <a:effectLst/>
-                <a:latin typeface="Courier New" panose="02070309020205020404" pitchFamily="49" charset="0"/>
-                <a:ea typeface="Calibri" panose="020F0502020204030204" pitchFamily="34" charset="0"/>
-                <a:cs typeface="Courier New" panose="02070309020205020404" pitchFamily="49" charset="0"/>
-              </a:rPr>
-              <a:t>    |  +--:(trend)</a:t>
-            </a:r>
-          </a:p>
-          <a:p>
-            <a:pPr marL="0" marR="0">
-              <a:lnSpc>
-                <a:spcPct val="107000"/>
-              </a:lnSpc>
-              <a:spcBef>
-                <a:spcPts val="0"/>
-              </a:spcBef>
-              <a:spcAft>
-                <a:spcPts val="0"/>
-              </a:spcAft>
-            </a:pPr>
-            <a:r>
-              <a:rPr lang="en-US" sz="850" dirty="0">
-                <a:effectLst/>
-                <a:latin typeface="Courier New" panose="02070309020205020404" pitchFamily="49" charset="0"/>
-                <a:ea typeface="Calibri" panose="020F0502020204030204" pitchFamily="34" charset="0"/>
-                <a:cs typeface="Courier New" panose="02070309020205020404" pitchFamily="49" charset="0"/>
-              </a:rPr>
-              <a:t>    |  |  +--</a:t>
-            </a:r>
-            <a:r>
-              <a:rPr lang="en-US" sz="850" dirty="0" err="1">
-                <a:effectLst/>
-                <a:latin typeface="Courier New" panose="02070309020205020404" pitchFamily="49" charset="0"/>
-                <a:ea typeface="Calibri" panose="020F0502020204030204" pitchFamily="34" charset="0"/>
-                <a:cs typeface="Courier New" panose="02070309020205020404" pitchFamily="49" charset="0"/>
-              </a:rPr>
-              <a:t>rw</a:t>
-            </a:r>
-            <a:r>
-              <a:rPr lang="en-US" sz="850" dirty="0">
-                <a:effectLst/>
-                <a:latin typeface="Courier New" panose="02070309020205020404" pitchFamily="49" charset="0"/>
-                <a:ea typeface="Calibri" panose="020F0502020204030204" pitchFamily="34" charset="0"/>
-                <a:cs typeface="Courier New" panose="02070309020205020404" pitchFamily="49" charset="0"/>
-              </a:rPr>
-              <a:t> trend                empty</a:t>
-            </a:r>
-          </a:p>
-          <a:p>
-            <a:pPr marL="0" marR="0">
-              <a:lnSpc>
-                <a:spcPct val="107000"/>
-              </a:lnSpc>
-              <a:spcBef>
-                <a:spcPts val="0"/>
-              </a:spcBef>
-              <a:spcAft>
-                <a:spcPts val="0"/>
-              </a:spcAft>
-            </a:pPr>
-            <a:r>
-              <a:rPr lang="en-US" sz="850" dirty="0">
-                <a:effectLst/>
-                <a:latin typeface="Courier New" panose="02070309020205020404" pitchFamily="49" charset="0"/>
-                <a:ea typeface="Calibri" panose="020F0502020204030204" pitchFamily="34" charset="0"/>
-                <a:cs typeface="Courier New" panose="02070309020205020404" pitchFamily="49" charset="0"/>
-              </a:rPr>
-              <a:t>    |  +--:(other)</a:t>
-            </a:r>
-          </a:p>
-          <a:p>
-            <a:pPr marL="0" marR="0">
-              <a:lnSpc>
-                <a:spcPct val="107000"/>
-              </a:lnSpc>
-              <a:spcBef>
-                <a:spcPts val="0"/>
-              </a:spcBef>
-              <a:spcAft>
-                <a:spcPts val="0"/>
-              </a:spcAft>
-            </a:pPr>
-            <a:r>
-              <a:rPr lang="en-US" sz="850" dirty="0">
-                <a:effectLst/>
-                <a:latin typeface="Courier New" panose="02070309020205020404" pitchFamily="49" charset="0"/>
-                <a:ea typeface="Calibri" panose="020F0502020204030204" pitchFamily="34" charset="0"/>
-                <a:cs typeface="Courier New" panose="02070309020205020404" pitchFamily="49" charset="0"/>
-              </a:rPr>
-              <a:t>    |     +--</a:t>
-            </a:r>
-            <a:r>
-              <a:rPr lang="en-US" sz="850" dirty="0" err="1">
-                <a:effectLst/>
-                <a:latin typeface="Courier New" panose="02070309020205020404" pitchFamily="49" charset="0"/>
-                <a:ea typeface="Calibri" panose="020F0502020204030204" pitchFamily="34" charset="0"/>
-                <a:cs typeface="Courier New" panose="02070309020205020404" pitchFamily="49" charset="0"/>
-              </a:rPr>
-              <a:t>rw</a:t>
-            </a:r>
-            <a:r>
-              <a:rPr lang="en-US" sz="850" dirty="0">
-                <a:effectLst/>
-                <a:latin typeface="Courier New" panose="02070309020205020404" pitchFamily="49" charset="0"/>
-                <a:ea typeface="Calibri" panose="020F0502020204030204" pitchFamily="34" charset="0"/>
-                <a:cs typeface="Courier New" panose="02070309020205020404" pitchFamily="49" charset="0"/>
-              </a:rPr>
-              <a:t> other                string</a:t>
-            </a:r>
-          </a:p>
-          <a:p>
-            <a:pPr marL="0" marR="0">
-              <a:lnSpc>
-                <a:spcPct val="107000"/>
-              </a:lnSpc>
-              <a:spcBef>
-                <a:spcPts val="0"/>
-              </a:spcBef>
-              <a:spcAft>
-                <a:spcPts val="0"/>
-              </a:spcAft>
-            </a:pPr>
-            <a:r>
-              <a:rPr lang="en-US" sz="850" dirty="0">
-                <a:effectLst/>
-                <a:latin typeface="Courier New" panose="02070309020205020404" pitchFamily="49" charset="0"/>
-                <a:ea typeface="Calibri" panose="020F0502020204030204" pitchFamily="34" charset="0"/>
-                <a:cs typeface="Courier New" panose="02070309020205020404" pitchFamily="49" charset="0"/>
-              </a:rPr>
-              <a:t>    +--</a:t>
-            </a:r>
-            <a:r>
-              <a:rPr lang="en-US" sz="850" dirty="0" err="1">
-                <a:effectLst/>
-                <a:latin typeface="Courier New" panose="02070309020205020404" pitchFamily="49" charset="0"/>
-                <a:ea typeface="Calibri" panose="020F0502020204030204" pitchFamily="34" charset="0"/>
-                <a:cs typeface="Courier New" panose="02070309020205020404" pitchFamily="49" charset="0"/>
-              </a:rPr>
-              <a:t>rw</a:t>
-            </a:r>
-            <a:r>
-              <a:rPr lang="en-US" sz="850" dirty="0">
-                <a:effectLst/>
-                <a:latin typeface="Courier New" panose="02070309020205020404" pitchFamily="49" charset="0"/>
-                <a:ea typeface="Calibri" panose="020F0502020204030204" pitchFamily="34" charset="0"/>
-                <a:cs typeface="Courier New" panose="02070309020205020404" pitchFamily="49" charset="0"/>
-              </a:rPr>
-              <a:t> source</a:t>
-            </a:r>
-          </a:p>
-          <a:p>
-            <a:pPr marL="0" marR="0">
-              <a:lnSpc>
-                <a:spcPct val="107000"/>
-              </a:lnSpc>
-              <a:spcBef>
-                <a:spcPts val="0"/>
-              </a:spcBef>
-              <a:spcAft>
-                <a:spcPts val="0"/>
-              </a:spcAft>
-            </a:pPr>
-            <a:r>
-              <a:rPr lang="en-US" sz="850" dirty="0">
-                <a:effectLst/>
-                <a:latin typeface="Courier New" panose="02070309020205020404" pitchFamily="49" charset="0"/>
-                <a:ea typeface="Calibri" panose="020F0502020204030204" pitchFamily="34" charset="0"/>
-                <a:cs typeface="Courier New" panose="02070309020205020404" pitchFamily="49" charset="0"/>
-              </a:rPr>
-              <a:t>        +--</a:t>
-            </a:r>
-            <a:r>
-              <a:rPr lang="en-US" sz="850" dirty="0" err="1">
-                <a:effectLst/>
-                <a:latin typeface="Courier New" panose="02070309020205020404" pitchFamily="49" charset="0"/>
-                <a:ea typeface="Calibri" panose="020F0502020204030204" pitchFamily="34" charset="0"/>
-                <a:cs typeface="Courier New" panose="02070309020205020404" pitchFamily="49" charset="0"/>
-              </a:rPr>
-              <a:t>rw</a:t>
-            </a:r>
-            <a:r>
-              <a:rPr lang="en-US" sz="850" dirty="0">
-                <a:effectLst/>
-                <a:latin typeface="Courier New" panose="02070309020205020404" pitchFamily="49" charset="0"/>
-                <a:ea typeface="Calibri" panose="020F0502020204030204" pitchFamily="34" charset="0"/>
-                <a:cs typeface="Courier New" panose="02070309020205020404" pitchFamily="49" charset="0"/>
-              </a:rPr>
-              <a:t> (source-type)</a:t>
-            </a:r>
-          </a:p>
-          <a:p>
-            <a:pPr marL="0" marR="0">
-              <a:lnSpc>
-                <a:spcPct val="107000"/>
-              </a:lnSpc>
-              <a:spcBef>
-                <a:spcPts val="0"/>
-              </a:spcBef>
-              <a:spcAft>
-                <a:spcPts val="0"/>
-              </a:spcAft>
-            </a:pPr>
-            <a:r>
-              <a:rPr lang="en-US" sz="850" dirty="0">
-                <a:effectLst/>
-                <a:latin typeface="Courier New" panose="02070309020205020404" pitchFamily="49" charset="0"/>
-                <a:ea typeface="Calibri" panose="020F0502020204030204" pitchFamily="34" charset="0"/>
-                <a:cs typeface="Courier New" panose="02070309020205020404" pitchFamily="49" charset="0"/>
-              </a:rPr>
-              <a:t>        |  +--:(human)</a:t>
-            </a:r>
-          </a:p>
-          <a:p>
-            <a:pPr marL="0" marR="0">
-              <a:lnSpc>
-                <a:spcPct val="107000"/>
-              </a:lnSpc>
-              <a:spcBef>
-                <a:spcPts val="0"/>
-              </a:spcBef>
-              <a:spcAft>
-                <a:spcPts val="0"/>
-              </a:spcAft>
-            </a:pPr>
-            <a:r>
-              <a:rPr lang="en-US" sz="850" dirty="0">
-                <a:effectLst/>
-                <a:latin typeface="Courier New" panose="02070309020205020404" pitchFamily="49" charset="0"/>
-                <a:ea typeface="Calibri" panose="020F0502020204030204" pitchFamily="34" charset="0"/>
-                <a:cs typeface="Courier New" panose="02070309020205020404" pitchFamily="49" charset="0"/>
-              </a:rPr>
-              <a:t>        |  |  +--</a:t>
-            </a:r>
-            <a:r>
-              <a:rPr lang="en-US" sz="850" dirty="0" err="1">
-                <a:effectLst/>
-                <a:latin typeface="Courier New" panose="02070309020205020404" pitchFamily="49" charset="0"/>
-                <a:ea typeface="Calibri" panose="020F0502020204030204" pitchFamily="34" charset="0"/>
-                <a:cs typeface="Courier New" panose="02070309020205020404" pitchFamily="49" charset="0"/>
-              </a:rPr>
-              <a:t>rw</a:t>
-            </a:r>
-            <a:r>
-              <a:rPr lang="en-US" sz="850" dirty="0">
-                <a:effectLst/>
-                <a:latin typeface="Courier New" panose="02070309020205020404" pitchFamily="49" charset="0"/>
-                <a:ea typeface="Calibri" panose="020F0502020204030204" pitchFamily="34" charset="0"/>
-                <a:cs typeface="Courier New" panose="02070309020205020404" pitchFamily="49" charset="0"/>
-              </a:rPr>
-              <a:t> human        empty</a:t>
-            </a:r>
-          </a:p>
-          <a:p>
-            <a:pPr marL="0" marR="0">
-              <a:lnSpc>
-                <a:spcPct val="107000"/>
-              </a:lnSpc>
-              <a:spcBef>
-                <a:spcPts val="0"/>
-              </a:spcBef>
-              <a:spcAft>
-                <a:spcPts val="0"/>
-              </a:spcAft>
-            </a:pPr>
-            <a:r>
-              <a:rPr lang="en-US" sz="850" dirty="0">
-                <a:effectLst/>
-                <a:latin typeface="Courier New" panose="02070309020205020404" pitchFamily="49" charset="0"/>
-                <a:ea typeface="Calibri" panose="020F0502020204030204" pitchFamily="34" charset="0"/>
-                <a:cs typeface="Courier New" panose="02070309020205020404" pitchFamily="49" charset="0"/>
-              </a:rPr>
-              <a:t>        |  +--:(algorithm)</a:t>
-            </a:r>
-          </a:p>
-          <a:p>
-            <a:pPr marL="0" marR="0">
-              <a:lnSpc>
-                <a:spcPct val="107000"/>
-              </a:lnSpc>
-              <a:spcBef>
-                <a:spcPts val="0"/>
-              </a:spcBef>
-              <a:spcAft>
-                <a:spcPts val="0"/>
-              </a:spcAft>
-            </a:pPr>
-            <a:r>
-              <a:rPr lang="en-US" sz="850" dirty="0">
-                <a:effectLst/>
-                <a:latin typeface="Courier New" panose="02070309020205020404" pitchFamily="49" charset="0"/>
-                <a:ea typeface="Calibri" panose="020F0502020204030204" pitchFamily="34" charset="0"/>
-                <a:cs typeface="Courier New" panose="02070309020205020404" pitchFamily="49" charset="0"/>
-              </a:rPr>
-              <a:t>        |     +--</a:t>
-            </a:r>
-            <a:r>
-              <a:rPr lang="en-US" sz="850" dirty="0" err="1">
-                <a:effectLst/>
-                <a:latin typeface="Courier New" panose="02070309020205020404" pitchFamily="49" charset="0"/>
-                <a:ea typeface="Calibri" panose="020F0502020204030204" pitchFamily="34" charset="0"/>
-                <a:cs typeface="Courier New" panose="02070309020205020404" pitchFamily="49" charset="0"/>
-              </a:rPr>
-              <a:t>rw</a:t>
-            </a:r>
-            <a:r>
-              <a:rPr lang="en-US" sz="850" dirty="0">
-                <a:effectLst/>
-                <a:latin typeface="Courier New" panose="02070309020205020404" pitchFamily="49" charset="0"/>
-                <a:ea typeface="Calibri" panose="020F0502020204030204" pitchFamily="34" charset="0"/>
-                <a:cs typeface="Courier New" panose="02070309020205020404" pitchFamily="49" charset="0"/>
-              </a:rPr>
-              <a:t> algorithm    empty</a:t>
-            </a:r>
-          </a:p>
-          <a:p>
-            <a:pPr marL="0" marR="0">
-              <a:lnSpc>
-                <a:spcPct val="107000"/>
-              </a:lnSpc>
-              <a:spcBef>
-                <a:spcPts val="0"/>
-              </a:spcBef>
-              <a:spcAft>
-                <a:spcPts val="0"/>
-              </a:spcAft>
-            </a:pPr>
-            <a:r>
-              <a:rPr lang="en-US" sz="850" dirty="0">
-                <a:effectLst/>
-                <a:latin typeface="Courier New" panose="02070309020205020404" pitchFamily="49" charset="0"/>
-                <a:ea typeface="Calibri" panose="020F0502020204030204" pitchFamily="34" charset="0"/>
-                <a:cs typeface="Courier New" panose="02070309020205020404" pitchFamily="49" charset="0"/>
-              </a:rPr>
-              <a:t>        +--</a:t>
-            </a:r>
-            <a:r>
-              <a:rPr lang="en-US" sz="850" dirty="0" err="1">
-                <a:effectLst/>
-                <a:latin typeface="Courier New" panose="02070309020205020404" pitchFamily="49" charset="0"/>
-                <a:ea typeface="Calibri" panose="020F0502020204030204" pitchFamily="34" charset="0"/>
-                <a:cs typeface="Courier New" panose="02070309020205020404" pitchFamily="49" charset="0"/>
-              </a:rPr>
-              <a:t>rw</a:t>
-            </a:r>
-            <a:r>
-              <a:rPr lang="en-US" sz="850" dirty="0">
-                <a:effectLst/>
-                <a:latin typeface="Courier New" panose="02070309020205020404" pitchFamily="49" charset="0"/>
-                <a:ea typeface="Calibri" panose="020F0502020204030204" pitchFamily="34" charset="0"/>
-                <a:cs typeface="Courier New" panose="02070309020205020404" pitchFamily="49" charset="0"/>
-              </a:rPr>
-              <a:t> name?              string</a:t>
-            </a:r>
-            <a:endParaRPr lang="de-CH" sz="850" dirty="0">
-              <a:latin typeface="Courier New" panose="02070309020205020404" pitchFamily="49" charset="0"/>
-              <a:cs typeface="Courier New" panose="02070309020205020404" pitchFamily="49" charset="0"/>
-            </a:endParaRPr>
-          </a:p>
-        </p:txBody>
-      </p:sp>
-    </p:spTree>
-    <p:extLst>
-      <p:ext uri="{BB962C8B-B14F-4D97-AF65-F5344CB8AC3E}">
-        <p14:creationId xmlns:p14="http://schemas.microsoft.com/office/powerpoint/2010/main" val="320697580"/>
-      </p:ext>
-    </p:extLst>
-  </p:cSld>
-  <p:clrMapOvr>
-    <a:masterClrMapping/>
-  </p:clrMapOvr>
-</p:sld>
-</file>
-
-<file path=ppt/slides/slide12.xml><?xml version="1.0" encoding="utf-8"?>
-<p:sld xmlns:a="http://schemas.openxmlformats.org/drawingml/2006/main" xmlns:r="http://schemas.openxmlformats.org/officeDocument/2006/relationships" xmlns:p="http://schemas.openxmlformats.org/presentationml/2006/main">
-  <p:cSld>
-    <p:spTree>
-      <p:nvGrpSpPr>
-        <p:cNvPr id="1" name=""/>
-        <p:cNvGrpSpPr/>
-        <p:nvPr/>
-      </p:nvGrpSpPr>
-      <p:grpSpPr>
-        <a:xfrm>
-          <a:off x="0" y="0"/>
-          <a:ext cx="0" cy="0"/>
-          <a:chOff x="0" y="0"/>
-          <a:chExt cx="0" cy="0"/>
-        </a:xfrm>
-      </p:grpSpPr>
-      <p:sp>
-        <p:nvSpPr>
-          <p:cNvPr id="2" name="Title 1">
-            <a:extLst>
-              <a:ext uri="{FF2B5EF4-FFF2-40B4-BE49-F238E27FC236}">
-                <a16:creationId xmlns:a16="http://schemas.microsoft.com/office/drawing/2014/main" id="{FF20F271-6F0D-4AC0-BB1D-F5C338165C13}"/>
-              </a:ext>
-            </a:extLst>
-          </p:cNvPr>
-          <p:cNvSpPr>
-            <a:spLocks noGrp="1"/>
-          </p:cNvSpPr>
-          <p:nvPr>
-            <p:ph type="title"/>
-          </p:nvPr>
-        </p:nvSpPr>
-        <p:spPr/>
-        <p:txBody>
-          <a:bodyPr>
-            <a:normAutofit/>
-          </a:bodyPr>
-          <a:lstStyle/>
-          <a:p>
-            <a:r>
-              <a:rPr lang="en-US" sz="2800" b="1" dirty="0"/>
-              <a:t>Semantic Metadata Annotation for Network Anomaly Detection</a:t>
-            </a:r>
-            <a:br>
-              <a:rPr lang="en-GB" sz="3600" dirty="0"/>
-            </a:br>
-            <a:r>
-              <a:rPr lang="en-US" sz="2700" dirty="0">
-                <a:solidFill>
-                  <a:schemeClr val="bg2">
-                    <a:lumMod val="75000"/>
-                  </a:schemeClr>
-                </a:solidFill>
-              </a:rPr>
-              <a:t>Next steps</a:t>
-            </a:r>
-          </a:p>
-        </p:txBody>
-      </p:sp>
-      <p:sp>
-        <p:nvSpPr>
-          <p:cNvPr id="3" name="Content Placeholder 2">
-            <a:extLst>
-              <a:ext uri="{FF2B5EF4-FFF2-40B4-BE49-F238E27FC236}">
-                <a16:creationId xmlns:a16="http://schemas.microsoft.com/office/drawing/2014/main" id="{29C0DFD4-432D-4B0C-93DF-790441DCF5B9}"/>
-              </a:ext>
-            </a:extLst>
-          </p:cNvPr>
-          <p:cNvSpPr>
-            <a:spLocks noGrp="1"/>
-          </p:cNvSpPr>
-          <p:nvPr>
-            <p:ph idx="1"/>
-          </p:nvPr>
-        </p:nvSpPr>
-        <p:spPr>
-          <a:xfrm>
-            <a:off x="838199" y="1884420"/>
-            <a:ext cx="8560325" cy="4292543"/>
-          </a:xfrm>
-        </p:spPr>
-        <p:txBody>
-          <a:bodyPr>
-            <a:noAutofit/>
-          </a:bodyPr>
-          <a:lstStyle/>
-          <a:p>
-            <a:r>
-              <a:rPr lang="en-US" sz="2000" b="1" dirty="0">
-                <a:solidFill>
-                  <a:srgbClr val="FF0000"/>
-                </a:solidFill>
-              </a:rPr>
-              <a:t>This work relates to the Network Anomaly Detection topic in the NMOP charter. </a:t>
-            </a:r>
-          </a:p>
-          <a:p>
-            <a:r>
-              <a:rPr lang="en-US" sz="2000" dirty="0"/>
-              <a:t>It bridges network and data engineering, operator, vendors and academia, domains by having the </a:t>
-            </a:r>
-            <a:r>
-              <a:rPr lang="en-US" sz="2000" b="1" dirty="0"/>
-              <a:t>semantics and ontology of network symptoms for operational and analytical data defined</a:t>
-            </a:r>
-            <a:r>
-              <a:rPr lang="en-US" sz="2000" dirty="0"/>
-              <a:t>.</a:t>
-            </a:r>
-          </a:p>
-          <a:p>
-            <a:r>
-              <a:rPr lang="en-US" sz="2000" dirty="0"/>
-              <a:t>This work will unveil what is missing in Network Telemetry data and provide input to other documents such as draft-</a:t>
-            </a:r>
-            <a:r>
-              <a:rPr lang="en-US" sz="2000" dirty="0" err="1"/>
-              <a:t>davis</a:t>
-            </a:r>
-            <a:r>
-              <a:rPr lang="en-US" sz="2000" dirty="0"/>
-              <a:t>-</a:t>
-            </a:r>
-            <a:r>
-              <a:rPr lang="en-US" sz="2000" dirty="0" err="1"/>
-              <a:t>nmop</a:t>
-            </a:r>
-            <a:r>
-              <a:rPr lang="en-US" sz="2000" dirty="0"/>
-              <a:t>-incident-terminology to enable a more detailed and holistic view for networks.</a:t>
-            </a:r>
-            <a:endParaRPr lang="en-US" sz="2000" b="1" dirty="0"/>
-          </a:p>
-          <a:p>
-            <a:r>
-              <a:rPr lang="en-US" sz="2000" b="1" dirty="0"/>
-              <a:t>Do you realize the benefit of having standardized semantic metadata annotation for Network Anomaly Detection and how it helps network operators, vendor and academia to collaborate?</a:t>
-            </a:r>
-          </a:p>
-          <a:p>
-            <a:r>
-              <a:rPr lang="en-US" sz="2000" b="1" dirty="0">
-                <a:solidFill>
-                  <a:srgbClr val="FF0000"/>
-                </a:solidFill>
-              </a:rPr>
-              <a:t>-&gt; What are your thoughts and comments?</a:t>
-            </a:r>
-            <a:endParaRPr lang="en-US" sz="2000" dirty="0">
-              <a:solidFill>
-                <a:srgbClr val="FF0000"/>
-              </a:solidFill>
-            </a:endParaRPr>
-          </a:p>
-          <a:p>
-            <a:r>
-              <a:rPr lang="en-US" sz="2000" b="1" dirty="0">
-                <a:solidFill>
-                  <a:srgbClr val="FF0000"/>
-                </a:solidFill>
-              </a:rPr>
-              <a:t>-&gt; We request NMOP working group adoption.</a:t>
-            </a:r>
-          </a:p>
-        </p:txBody>
-      </p:sp>
-      <p:sp>
-        <p:nvSpPr>
-          <p:cNvPr id="7" name="Subtitle 4">
-            <a:extLst>
-              <a:ext uri="{FF2B5EF4-FFF2-40B4-BE49-F238E27FC236}">
-                <a16:creationId xmlns:a16="http://schemas.microsoft.com/office/drawing/2014/main" id="{BF6DCC5D-2508-4A9B-B734-C8C5147F93FB}"/>
-              </a:ext>
-            </a:extLst>
-          </p:cNvPr>
-          <p:cNvSpPr txBox="1">
-            <a:spLocks/>
-          </p:cNvSpPr>
-          <p:nvPr/>
-        </p:nvSpPr>
-        <p:spPr>
-          <a:xfrm>
-            <a:off x="838200" y="5328459"/>
-            <a:ext cx="11163943" cy="1033178"/>
-          </a:xfrm>
-          <a:prstGeom prst="rect">
-            <a:avLst/>
-          </a:prstGeom>
-        </p:spPr>
-        <p:txBody>
-          <a:bodyPr vert="horz" lIns="91440" tIns="45720" rIns="91440" bIns="45720" rtlCol="0">
-            <a:normAutofit fontScale="32500" lnSpcReduction="20000"/>
-          </a:bodyPr>
-          <a:lstStyle>
-            <a:lvl1pPr marL="228600" indent="-228600" algn="l" defTabSz="914400" rtl="0" eaLnBrk="1" latinLnBrk="0" hangingPunct="1">
-              <a:lnSpc>
-                <a:spcPct val="90000"/>
-              </a:lnSpc>
-              <a:spcBef>
-                <a:spcPts val="1000"/>
-              </a:spcBef>
-              <a:buFont typeface="Arial" panose="020B0604020202020204" pitchFamily="34" charset="0"/>
-              <a:buChar char="•"/>
-              <a:defRPr sz="2800" kern="1200">
-                <a:solidFill>
-                  <a:schemeClr val="tx1"/>
-                </a:solidFill>
-                <a:latin typeface="+mn-lt"/>
-                <a:ea typeface="+mn-ea"/>
-                <a:cs typeface="+mn-cs"/>
-              </a:defRPr>
-            </a:lvl1pPr>
-            <a:lvl2pPr marL="685800" indent="-228600" algn="l" defTabSz="914400" rtl="0" eaLnBrk="1" latinLnBrk="0" hangingPunct="1">
-              <a:lnSpc>
-                <a:spcPct val="90000"/>
-              </a:lnSpc>
-              <a:spcBef>
-                <a:spcPts val="500"/>
-              </a:spcBef>
-              <a:buFont typeface="Arial" panose="020B0604020202020204" pitchFamily="34" charset="0"/>
-              <a:buChar char="•"/>
-              <a:defRPr sz="2400" kern="1200">
-                <a:solidFill>
-                  <a:schemeClr val="tx1"/>
-                </a:solidFill>
-                <a:latin typeface="+mn-lt"/>
-                <a:ea typeface="+mn-ea"/>
-                <a:cs typeface="+mn-cs"/>
-              </a:defRPr>
-            </a:lvl2pPr>
-            <a:lvl3pPr marL="1143000" indent="-228600" algn="l" defTabSz="914400" rtl="0" eaLnBrk="1" latinLnBrk="0" hangingPunct="1">
-              <a:lnSpc>
-                <a:spcPct val="90000"/>
-              </a:lnSpc>
-              <a:spcBef>
-                <a:spcPts val="500"/>
-              </a:spcBef>
-              <a:buFont typeface="Arial" panose="020B0604020202020204" pitchFamily="34" charset="0"/>
-              <a:buChar char="•"/>
-              <a:defRPr sz="2000" kern="1200">
-                <a:solidFill>
-                  <a:schemeClr val="tx1"/>
-                </a:solidFill>
-                <a:latin typeface="+mn-lt"/>
-                <a:ea typeface="+mn-ea"/>
-                <a:cs typeface="+mn-cs"/>
-              </a:defRPr>
-            </a:lvl3pPr>
-            <a:lvl4pPr marL="1600200" indent="-228600" algn="l" defTabSz="914400" rtl="0" eaLnBrk="1" latinLnBrk="0" hangingPunct="1">
-              <a:lnSpc>
-                <a:spcPct val="90000"/>
-              </a:lnSpc>
-              <a:spcBef>
-                <a:spcPts val="500"/>
-              </a:spcBef>
-              <a:buFont typeface="Arial" panose="020B0604020202020204" pitchFamily="34" charset="0"/>
-              <a:buChar char="•"/>
-              <a:defRPr sz="1800" kern="1200">
-                <a:solidFill>
-                  <a:schemeClr val="tx1"/>
-                </a:solidFill>
-                <a:latin typeface="+mn-lt"/>
-                <a:ea typeface="+mn-ea"/>
-                <a:cs typeface="+mn-cs"/>
-              </a:defRPr>
-            </a:lvl4pPr>
-            <a:lvl5pPr marL="2057400" indent="-228600" algn="l" defTabSz="914400" rtl="0" eaLnBrk="1" latinLnBrk="0" hangingPunct="1">
-              <a:lnSpc>
-                <a:spcPct val="90000"/>
-              </a:lnSpc>
-              <a:spcBef>
-                <a:spcPts val="500"/>
-              </a:spcBef>
-              <a:buFont typeface="Arial" panose="020B0604020202020204" pitchFamily="34" charset="0"/>
-              <a:buChar char="•"/>
-              <a:defRPr sz="1800" kern="1200">
-                <a:solidFill>
-                  <a:schemeClr val="tx1"/>
-                </a:solidFill>
-                <a:latin typeface="+mn-lt"/>
-                <a:ea typeface="+mn-ea"/>
-                <a:cs typeface="+mn-cs"/>
-              </a:defRPr>
-            </a:lvl5pPr>
-            <a:lvl6pPr marL="2514600" indent="-228600" algn="l" defTabSz="914400" rtl="0" eaLnBrk="1" latinLnBrk="0" hangingPunct="1">
-              <a:lnSpc>
-                <a:spcPct val="90000"/>
-              </a:lnSpc>
-              <a:spcBef>
-                <a:spcPts val="500"/>
-              </a:spcBef>
-              <a:buFont typeface="Arial" panose="020B0604020202020204" pitchFamily="34" charset="0"/>
-              <a:buChar char="•"/>
-              <a:defRPr sz="1800" kern="1200">
-                <a:solidFill>
-                  <a:schemeClr val="tx1"/>
-                </a:solidFill>
-                <a:latin typeface="+mn-lt"/>
-                <a:ea typeface="+mn-ea"/>
-                <a:cs typeface="+mn-cs"/>
-              </a:defRPr>
-            </a:lvl6pPr>
-            <a:lvl7pPr marL="2971800" indent="-228600" algn="l" defTabSz="914400" rtl="0" eaLnBrk="1" latinLnBrk="0" hangingPunct="1">
-              <a:lnSpc>
-                <a:spcPct val="90000"/>
-              </a:lnSpc>
-              <a:spcBef>
-                <a:spcPts val="500"/>
-              </a:spcBef>
-              <a:buFont typeface="Arial" panose="020B0604020202020204" pitchFamily="34" charset="0"/>
-              <a:buChar char="•"/>
-              <a:defRPr sz="1800" kern="1200">
-                <a:solidFill>
-                  <a:schemeClr val="tx1"/>
-                </a:solidFill>
-                <a:latin typeface="+mn-lt"/>
-                <a:ea typeface="+mn-ea"/>
-                <a:cs typeface="+mn-cs"/>
-              </a:defRPr>
-            </a:lvl7pPr>
-            <a:lvl8pPr marL="3429000" indent="-228600" algn="l" defTabSz="914400" rtl="0" eaLnBrk="1" latinLnBrk="0" hangingPunct="1">
-              <a:lnSpc>
-                <a:spcPct val="90000"/>
-              </a:lnSpc>
-              <a:spcBef>
-                <a:spcPts val="500"/>
-              </a:spcBef>
-              <a:buFont typeface="Arial" panose="020B0604020202020204" pitchFamily="34" charset="0"/>
-              <a:buChar char="•"/>
-              <a:defRPr sz="1800" kern="1200">
-                <a:solidFill>
-                  <a:schemeClr val="tx1"/>
-                </a:solidFill>
-                <a:latin typeface="+mn-lt"/>
-                <a:ea typeface="+mn-ea"/>
-                <a:cs typeface="+mn-cs"/>
-              </a:defRPr>
-            </a:lvl8pPr>
-            <a:lvl9pPr marL="3886200" indent="-228600" algn="l" defTabSz="914400" rtl="0" eaLnBrk="1" latinLnBrk="0" hangingPunct="1">
-              <a:lnSpc>
-                <a:spcPct val="90000"/>
-              </a:lnSpc>
-              <a:spcBef>
-                <a:spcPts val="500"/>
-              </a:spcBef>
-              <a:buFont typeface="Arial" panose="020B0604020202020204" pitchFamily="34" charset="0"/>
-              <a:buChar char="•"/>
-              <a:defRPr sz="1800" kern="1200">
-                <a:solidFill>
-                  <a:schemeClr val="tx1"/>
-                </a:solidFill>
-                <a:latin typeface="+mn-lt"/>
-                <a:ea typeface="+mn-ea"/>
-                <a:cs typeface="+mn-cs"/>
-              </a:defRPr>
-            </a:lvl9pPr>
-          </a:lstStyle>
-          <a:p>
-            <a:pPr marL="0" indent="0" algn="r">
-              <a:spcBef>
-                <a:spcPts val="300"/>
-              </a:spcBef>
-              <a:buNone/>
-              <a:defRPr sz="1782"/>
-            </a:pPr>
-            <a:r>
-              <a:rPr lang="de-CH" sz="2800" dirty="0">
-                <a:latin typeface="+mj-lt"/>
-              </a:rPr>
-              <a:t>thomas.graf@swisscom.com</a:t>
-            </a:r>
-            <a:br>
-              <a:rPr lang="de-CH" sz="2800" dirty="0">
-                <a:latin typeface="+mj-lt"/>
-              </a:rPr>
-            </a:br>
-            <a:r>
-              <a:rPr lang="de-CH" sz="2800" dirty="0">
-                <a:latin typeface="+mj-lt"/>
-              </a:rPr>
-              <a:t>wanting.du@swisscom.com</a:t>
-            </a:r>
-          </a:p>
-          <a:p>
-            <a:pPr marL="0" indent="0" algn="r">
-              <a:spcBef>
-                <a:spcPts val="300"/>
-              </a:spcBef>
-              <a:buNone/>
-              <a:defRPr sz="1782"/>
-            </a:pPr>
-            <a:r>
-              <a:rPr lang="de-CH" sz="2800" dirty="0">
-                <a:latin typeface="+mj-lt"/>
-              </a:rPr>
-              <a:t>alex.huang-feng@insa-lyon.fr</a:t>
-            </a:r>
-          </a:p>
-          <a:p>
-            <a:pPr marL="0" indent="0" algn="r">
-              <a:spcBef>
-                <a:spcPts val="300"/>
-              </a:spcBef>
-              <a:buNone/>
-              <a:defRPr sz="1782"/>
-            </a:pPr>
-            <a:r>
-              <a:rPr lang="de-CH" sz="2800" dirty="0">
-                <a:latin typeface="+mj-lt"/>
-              </a:rPr>
-              <a:t>vincenzo.riccobene@huawei-partners.com</a:t>
-            </a:r>
-          </a:p>
-          <a:p>
-            <a:pPr marL="0" indent="0" algn="r">
-              <a:spcBef>
-                <a:spcPts val="300"/>
-              </a:spcBef>
-              <a:buNone/>
-              <a:defRPr sz="1782"/>
-            </a:pPr>
-            <a:r>
-              <a:rPr lang="de-CH" sz="2800" dirty="0">
-                <a:latin typeface="+mj-lt"/>
-              </a:rPr>
-              <a:t>antonio.roberto@huawei.com</a:t>
-            </a:r>
-          </a:p>
-          <a:p>
-            <a:pPr marL="0" indent="0" algn="r">
-              <a:spcBef>
-                <a:spcPts val="300"/>
-              </a:spcBef>
-              <a:buNone/>
-            </a:pPr>
-            <a:endParaRPr lang="de-CH" sz="2500" dirty="0">
-              <a:latin typeface="+mj-lt"/>
-            </a:endParaRPr>
-          </a:p>
-          <a:p>
-            <a:pPr marL="0" indent="0" algn="r">
-              <a:spcBef>
-                <a:spcPts val="300"/>
-              </a:spcBef>
-              <a:buNone/>
-            </a:pPr>
-            <a:r>
-              <a:rPr lang="de-CH" sz="2500" dirty="0">
-                <a:latin typeface="+mj-lt"/>
-              </a:rPr>
-              <a:t>06. </a:t>
-            </a:r>
-            <a:r>
-              <a:rPr lang="de-CH" sz="2500" dirty="0">
-                <a:latin typeface="+mj-lt"/>
-                <a:ea typeface="+mj-ea"/>
-                <a:cs typeface="+mj-cs"/>
-              </a:rPr>
-              <a:t>March </a:t>
-            </a:r>
-            <a:r>
-              <a:rPr lang="de-CH" sz="2500" dirty="0">
-                <a:latin typeface="+mj-lt"/>
-              </a:rPr>
-              <a:t>2024</a:t>
-            </a:r>
-          </a:p>
-          <a:p>
-            <a:pPr algn="r"/>
-            <a:endParaRPr lang="de-CH" sz="2200" dirty="0"/>
-          </a:p>
-        </p:txBody>
-      </p:sp>
-      <p:pic>
-        <p:nvPicPr>
-          <p:cNvPr id="6" name="Picture 5">
-            <a:extLst>
-              <a:ext uri="{FF2B5EF4-FFF2-40B4-BE49-F238E27FC236}">
-                <a16:creationId xmlns:a16="http://schemas.microsoft.com/office/drawing/2014/main" id="{D4F5E154-1C25-441B-90CF-A1443F6D1EF8}"/>
-              </a:ext>
-            </a:extLst>
-          </p:cNvPr>
-          <p:cNvPicPr>
-            <a:picLocks noChangeAspect="1"/>
-          </p:cNvPicPr>
-          <p:nvPr/>
-        </p:nvPicPr>
-        <p:blipFill>
-          <a:blip r:embed="rId2"/>
-          <a:stretch>
-            <a:fillRect/>
-          </a:stretch>
-        </p:blipFill>
-        <p:spPr>
-          <a:xfrm>
-            <a:off x="9713236" y="1230284"/>
-            <a:ext cx="2220143" cy="4019821"/>
-          </a:xfrm>
-          <a:prstGeom prst="rect">
-            <a:avLst/>
-          </a:prstGeom>
-        </p:spPr>
-      </p:pic>
-      <p:sp>
-        <p:nvSpPr>
-          <p:cNvPr id="8" name="Slide Number Placeholder 1">
-            <a:extLst>
-              <a:ext uri="{FF2B5EF4-FFF2-40B4-BE49-F238E27FC236}">
-                <a16:creationId xmlns:a16="http://schemas.microsoft.com/office/drawing/2014/main" id="{F03D7BF8-F90A-4F8C-8FCE-B1DB1DEC687A}"/>
-              </a:ext>
-            </a:extLst>
-          </p:cNvPr>
-          <p:cNvSpPr>
-            <a:spLocks noGrp="1"/>
-          </p:cNvSpPr>
-          <p:nvPr>
-            <p:ph type="sldNum" sz="quarter" idx="12"/>
-          </p:nvPr>
-        </p:nvSpPr>
-        <p:spPr>
-          <a:xfrm>
-            <a:off x="11587892" y="6361637"/>
-            <a:ext cx="414251" cy="365125"/>
-          </a:xfrm>
-        </p:spPr>
-        <p:txBody>
-          <a:bodyPr/>
-          <a:lstStyle/>
-          <a:p>
-            <a:fld id="{FC4AC485-25DE-431E-B345-9C0A15BB7F8A}" type="slidenum">
-              <a:rPr lang="de-CH" sz="1400" smtClean="0"/>
-              <a:t>12</a:t>
-            </a:fld>
-            <a:endParaRPr lang="de-CH" sz="1400" dirty="0"/>
-          </a:p>
-        </p:txBody>
-      </p:sp>
-    </p:spTree>
-    <p:extLst>
-      <p:ext uri="{BB962C8B-B14F-4D97-AF65-F5344CB8AC3E}">
-        <p14:creationId xmlns:p14="http://schemas.microsoft.com/office/powerpoint/2010/main" val="2578889968"/>
-      </p:ext>
-    </p:extLst>
-  </p:cSld>
-  <p:clrMapOvr>
-    <a:masterClrMapping/>
-  </p:clrMapOvr>
-</p:sld>
-</file>
-
-<file path=ppt/slides/slide13.xml><?xml version="1.0" encoding="utf-8"?>
-<p:sld xmlns:a="http://schemas.openxmlformats.org/drawingml/2006/main" xmlns:r="http://schemas.openxmlformats.org/officeDocument/2006/relationships" xmlns:p="http://schemas.openxmlformats.org/presentationml/2006/main">
-  <p:cSld>
-    <p:spTree>
-      <p:nvGrpSpPr>
-        <p:cNvPr id="1" name=""/>
-        <p:cNvGrpSpPr/>
-        <p:nvPr/>
-      </p:nvGrpSpPr>
-      <p:grpSpPr>
-        <a:xfrm>
-          <a:off x="0" y="0"/>
-          <a:ext cx="0" cy="0"/>
-          <a:chOff x="0" y="0"/>
-          <a:chExt cx="0" cy="0"/>
-        </a:xfrm>
-      </p:grpSpPr>
-      <p:sp>
-        <p:nvSpPr>
-          <p:cNvPr id="6" name="Slide Number Placeholder 1">
-            <a:extLst>
-              <a:ext uri="{FF2B5EF4-FFF2-40B4-BE49-F238E27FC236}">
-                <a16:creationId xmlns:a16="http://schemas.microsoft.com/office/drawing/2014/main" id="{024DC3B6-499C-4E15-9336-2F15A0DFB843}"/>
-              </a:ext>
-            </a:extLst>
-          </p:cNvPr>
-          <p:cNvSpPr>
-            <a:spLocks noGrp="1"/>
-          </p:cNvSpPr>
-          <p:nvPr>
-            <p:ph type="sldNum" sz="quarter" idx="12"/>
-          </p:nvPr>
-        </p:nvSpPr>
-        <p:spPr>
-          <a:xfrm>
-            <a:off x="11587892" y="6361637"/>
-            <a:ext cx="414251" cy="365125"/>
-          </a:xfrm>
-        </p:spPr>
-        <p:txBody>
-          <a:bodyPr/>
-          <a:lstStyle/>
-          <a:p>
-            <a:fld id="{FC4AC485-25DE-431E-B345-9C0A15BB7F8A}" type="slidenum">
-              <a:rPr lang="de-CH" sz="1400" smtClean="0"/>
-              <a:t>13</a:t>
-            </a:fld>
-            <a:endParaRPr lang="de-CH" sz="1400" dirty="0"/>
-          </a:p>
-        </p:txBody>
-      </p:sp>
-      <p:sp>
-        <p:nvSpPr>
           <p:cNvPr id="19" name="Title 1">
             <a:extLst>
               <a:ext uri="{FF2B5EF4-FFF2-40B4-BE49-F238E27FC236}">
@@ -10408,7 +7816,7 @@
 </p:sld>
 </file>
 
-<file path=ppt/slides/slide14.xml><?xml version="1.0" encoding="utf-8"?>
+<file path=ppt/slides/slide11.xml><?xml version="1.0" encoding="utf-8"?>
 <p:sld xmlns:a="http://schemas.openxmlformats.org/drawingml/2006/main" xmlns:r="http://schemas.openxmlformats.org/officeDocument/2006/relationships" xmlns:p="http://schemas.openxmlformats.org/presentationml/2006/main">
   <p:cSld>
     <p:spTree>
@@ -10453,7 +7861,7 @@
           <a:p>
             <a:fld id="{FC4AC485-25DE-431E-B345-9C0A15BB7F8A}" type="slidenum">
               <a:rPr lang="de-CH" sz="1400" smtClean="0"/>
-              <a:t>14</a:t>
+              <a:t>11</a:t>
             </a:fld>
             <a:endParaRPr lang="de-CH" sz="1400" dirty="0"/>
           </a:p>
@@ -10813,7 +8221,7 @@
 </p:sld>
 </file>
 
-<file path=ppt/slides/slide15.xml><?xml version="1.0" encoding="utf-8"?>
+<file path=ppt/slides/slide12.xml><?xml version="1.0" encoding="utf-8"?>
 <p:sld xmlns:a="http://schemas.openxmlformats.org/drawingml/2006/main" xmlns:r="http://schemas.openxmlformats.org/officeDocument/2006/relationships" xmlns:p="http://schemas.openxmlformats.org/presentationml/2006/main">
   <p:cSld>
     <p:spTree>
@@ -11109,7 +8517,7 @@
                 <a:ea typeface="Calibri" panose="020F0502020204030204" pitchFamily="34" charset="0"/>
                 <a:cs typeface="Courier New" panose="02070309020205020404" pitchFamily="49" charset="0"/>
               </a:rPr>
-              <a:t> author-name    string</a:t>
+              <a:t> author</a:t>
             </a:r>
           </a:p>
           <a:p>
@@ -11131,7 +8539,7 @@
                 <a:ea typeface="Calibri" panose="020F0502020204030204" pitchFamily="34" charset="0"/>
                 <a:cs typeface="Courier New" panose="02070309020205020404" pitchFamily="49" charset="0"/>
               </a:rPr>
-              <a:t>        +--</a:t>
+              <a:t>        |  +--</a:t>
             </a:r>
             <a:r>
               <a:rPr lang="en-US" sz="850" dirty="0" err="1">
@@ -11149,7 +8557,7 @@
                 <a:ea typeface="Calibri" panose="020F0502020204030204" pitchFamily="34" charset="0"/>
                 <a:cs typeface="Courier New" panose="02070309020205020404" pitchFamily="49" charset="0"/>
               </a:rPr>
-              <a:t> author</a:t>
+              <a:t> author-name     string</a:t>
             </a:r>
           </a:p>
           <a:p>
@@ -11466,8 +8874,10 @@
               </a:rPr>
               <a:t>yang:uuid</a:t>
             </a:r>
-            <a:endParaRPr lang="de-CH" sz="850" dirty="0">
+            <a:endParaRPr lang="en-US" sz="850" dirty="0">
+              <a:effectLst/>
               <a:latin typeface="Courier New" panose="02070309020205020404" pitchFamily="49" charset="0"/>
+              <a:ea typeface="Calibri" panose="020F0502020204030204" pitchFamily="34" charset="0"/>
               <a:cs typeface="Courier New" panose="02070309020205020404" pitchFamily="49" charset="0"/>
             </a:endParaRPr>
           </a:p>
@@ -11696,7 +9106,7 @@
           <a:p>
             <a:fld id="{FC4AC485-25DE-431E-B345-9C0A15BB7F8A}" type="slidenum">
               <a:rPr lang="de-CH" sz="1400" smtClean="0"/>
-              <a:t>15</a:t>
+              <a:t>12</a:t>
             </a:fld>
             <a:endParaRPr lang="de-CH" sz="1400" dirty="0"/>
           </a:p>
@@ -12065,7 +9475,7 @@
 </p:sld>
 </file>
 
-<file path=ppt/slides/slide16.xml><?xml version="1.0" encoding="utf-8"?>
+<file path=ppt/slides/slide13.xml><?xml version="1.0" encoding="utf-8"?>
 <p:sld xmlns:a="http://schemas.openxmlformats.org/drawingml/2006/main" xmlns:r="http://schemas.openxmlformats.org/officeDocument/2006/relationships" xmlns:p="http://schemas.openxmlformats.org/presentationml/2006/main">
   <p:cSld>
     <p:spTree>
@@ -12110,7 +9520,7 @@
           <a:p>
             <a:fld id="{FC4AC485-25DE-431E-B345-9C0A15BB7F8A}" type="slidenum">
               <a:rPr lang="de-CH" sz="1400" smtClean="0"/>
-              <a:t>16</a:t>
+              <a:t>13</a:t>
             </a:fld>
             <a:endParaRPr lang="de-CH" sz="1400" dirty="0"/>
           </a:p>
@@ -12501,7 +9911,7 @@
 </p:sld>
 </file>
 
-<file path=ppt/slides/slide17.xml><?xml version="1.0" encoding="utf-8"?>
+<file path=ppt/slides/slide14.xml><?xml version="1.0" encoding="utf-8"?>
 <p:sld xmlns:a="http://schemas.openxmlformats.org/drawingml/2006/main" xmlns:r="http://schemas.openxmlformats.org/officeDocument/2006/relationships" xmlns:p="http://schemas.openxmlformats.org/presentationml/2006/main">
   <p:cSld>
     <p:spTree>
@@ -12546,7 +9956,7 @@
           <a:p>
             <a:fld id="{FC4AC485-25DE-431E-B345-9C0A15BB7F8A}" type="slidenum">
               <a:rPr lang="de-CH" sz="1400" smtClean="0"/>
-              <a:t>17</a:t>
+              <a:t>14</a:t>
             </a:fld>
             <a:endParaRPr lang="de-CH" sz="1400" dirty="0"/>
           </a:p>
@@ -14266,7 +11676,7 @@
 </p:sld>
 </file>
 
-<file path=ppt/slides/slide18.xml><?xml version="1.0" encoding="utf-8"?>
+<file path=ppt/slides/slide15.xml><?xml version="1.0" encoding="utf-8"?>
 <p:sld xmlns:a="http://schemas.openxmlformats.org/drawingml/2006/main" xmlns:r="http://schemas.openxmlformats.org/officeDocument/2006/relationships" xmlns:p="http://schemas.openxmlformats.org/presentationml/2006/main">
   <p:cSld>
     <p:spTree>
@@ -14780,7 +12190,7 @@
           <a:p>
             <a:fld id="{FC4AC485-25DE-431E-B345-9C0A15BB7F8A}" type="slidenum">
               <a:rPr lang="de-CH" sz="1400" smtClean="0"/>
-              <a:t>18</a:t>
+              <a:t>15</a:t>
             </a:fld>
             <a:endParaRPr lang="de-CH" sz="1400" dirty="0"/>
           </a:p>
@@ -15169,156 +12579,6 @@
           <a:chExt cx="0" cy="0"/>
         </a:xfrm>
       </p:grpSpPr>
-      <p:pic>
-        <p:nvPicPr>
-          <p:cNvPr id="9" name="Picture 8">
-            <a:extLst>
-              <a:ext uri="{FF2B5EF4-FFF2-40B4-BE49-F238E27FC236}">
-                <a16:creationId xmlns:a16="http://schemas.microsoft.com/office/drawing/2014/main" id="{1A48724C-7346-9984-24F3-0B26A0AECD57}"/>
-              </a:ext>
-            </a:extLst>
-          </p:cNvPr>
-          <p:cNvPicPr>
-            <a:picLocks noChangeAspect="1"/>
-          </p:cNvPicPr>
-          <p:nvPr/>
-        </p:nvPicPr>
-        <p:blipFill>
-          <a:blip r:embed="rId2"/>
-          <a:stretch>
-            <a:fillRect/>
-          </a:stretch>
-        </p:blipFill>
-        <p:spPr>
-          <a:xfrm>
-            <a:off x="1275626" y="3245945"/>
-            <a:ext cx="1434183" cy="1665502"/>
-          </a:xfrm>
-          <a:prstGeom prst="rect">
-            <a:avLst/>
-          </a:prstGeom>
-          <a:effectLst>
-            <a:outerShdw blurRad="50800" dist="38100" dir="2700000" algn="tl" rotWithShape="0">
-              <a:prstClr val="black">
-                <a:alpha val="40000"/>
-              </a:prstClr>
-            </a:outerShdw>
-            <a:softEdge rad="31750"/>
-          </a:effectLst>
-        </p:spPr>
-      </p:pic>
-      <p:sp>
-        <p:nvSpPr>
-          <p:cNvPr id="5" name="Title 1">
-            <a:extLst>
-              <a:ext uri="{FF2B5EF4-FFF2-40B4-BE49-F238E27FC236}">
-                <a16:creationId xmlns:a16="http://schemas.microsoft.com/office/drawing/2014/main" id="{8CAEE21E-0CF2-4355-A68A-655C5FDE8F93}"/>
-              </a:ext>
-            </a:extLst>
-          </p:cNvPr>
-          <p:cNvSpPr txBox="1">
-            <a:spLocks/>
-          </p:cNvSpPr>
-          <p:nvPr/>
-        </p:nvSpPr>
-        <p:spPr bwMode="black">
-          <a:xfrm>
-            <a:off x="6328057" y="2269057"/>
-            <a:ext cx="4391738" cy="3450416"/>
-          </a:xfrm>
-          <a:prstGeom prst="rect">
-            <a:avLst/>
-          </a:prstGeom>
-        </p:spPr>
-        <p:txBody>
-          <a:bodyPr vert="horz" lIns="91440" tIns="45720" rIns="91440" bIns="45720" rtlCol="0" anchor="ctr">
-            <a:noAutofit/>
-          </a:bodyPr>
-          <a:lstStyle>
-            <a:lvl1pPr algn="l" defTabSz="914400" rtl="0" eaLnBrk="1" latinLnBrk="0" hangingPunct="1">
-              <a:lnSpc>
-                <a:spcPct val="90000"/>
-              </a:lnSpc>
-              <a:spcBef>
-                <a:spcPct val="0"/>
-              </a:spcBef>
-              <a:buNone/>
-              <a:defRPr sz="4400" kern="1200">
-                <a:solidFill>
-                  <a:schemeClr val="tx1"/>
-                </a:solidFill>
-                <a:latin typeface="+mj-lt"/>
-                <a:ea typeface="+mj-ea"/>
-                <a:cs typeface="+mj-cs"/>
-              </a:defRPr>
-            </a:lvl1pPr>
-          </a:lstStyle>
-          <a:p>
-            <a:pPr algn="ctr"/>
-            <a:r>
-              <a:rPr lang="en-US" sz="3000" b="1" dirty="0"/>
-              <a:t>« Customers are </a:t>
-            </a:r>
-            <a:r>
-              <a:rPr lang="en-US" sz="3000" b="1" dirty="0">
-                <a:solidFill>
-                  <a:srgbClr val="FF0000"/>
-                </a:solidFill>
-              </a:rPr>
-              <a:t>always connected</a:t>
-            </a:r>
-            <a:r>
-              <a:rPr lang="en-US" sz="3000" b="1" dirty="0"/>
-              <a:t>, </a:t>
-            </a:r>
-            <a:r>
-              <a:rPr lang="en-US" sz="3000" b="1" dirty="0">
-                <a:solidFill>
-                  <a:srgbClr val="FF0000"/>
-                </a:solidFill>
-              </a:rPr>
-              <a:t>when VPN's changing</a:t>
-            </a:r>
-            <a:r>
-              <a:rPr lang="en-US" sz="3000" b="1" dirty="0"/>
-              <a:t>, regardless due to operational or configurational reasons, network operators are </a:t>
-            </a:r>
-            <a:r>
-              <a:rPr lang="en-US" sz="3000" b="1" dirty="0">
-                <a:solidFill>
-                  <a:srgbClr val="FF0000"/>
-                </a:solidFill>
-              </a:rPr>
-              <a:t>late to react</a:t>
-            </a:r>
-            <a:r>
-              <a:rPr lang="en-US" sz="3000" b="1" dirty="0">
-                <a:solidFill>
-                  <a:schemeClr val="accent6"/>
-                </a:solidFill>
-              </a:rPr>
-              <a:t> </a:t>
-            </a:r>
-            <a:r>
-              <a:rPr lang="en-US" sz="3000" b="1" dirty="0"/>
-              <a:t>due to </a:t>
-            </a:r>
-            <a:r>
-              <a:rPr lang="en-US" sz="3000" b="1" dirty="0">
-                <a:solidFill>
-                  <a:srgbClr val="FF0000"/>
-                </a:solidFill>
-              </a:rPr>
-              <a:t>missing visibility and automation </a:t>
-            </a:r>
-            <a:r>
-              <a:rPr lang="de-CH" sz="3000" b="1" dirty="0"/>
-              <a:t>»</a:t>
-            </a:r>
-            <a:endParaRPr lang="en-US" sz="3000" b="1" dirty="0"/>
-          </a:p>
-        </p:txBody>
-      </p:sp>
       <p:sp>
         <p:nvSpPr>
           <p:cNvPr id="6" name="Slide Number Placeholder 1">
@@ -15353,300 +12613,6 @@
           </a:p>
         </p:txBody>
       </p:sp>
-      <p:pic>
-        <p:nvPicPr>
-          <p:cNvPr id="2" name="Picture 1">
-            <a:extLst>
-              <a:ext uri="{FF2B5EF4-FFF2-40B4-BE49-F238E27FC236}">
-                <a16:creationId xmlns:a16="http://schemas.microsoft.com/office/drawing/2014/main" id="{CAC6AFE7-9E00-8F75-F11B-1BCC7C44516F}"/>
-              </a:ext>
-            </a:extLst>
-          </p:cNvPr>
-          <p:cNvPicPr>
-            <a:picLocks noChangeAspect="1"/>
-          </p:cNvPicPr>
-          <p:nvPr/>
-        </p:nvPicPr>
-        <p:blipFill>
-          <a:blip r:embed="rId3"/>
-          <a:stretch>
-            <a:fillRect/>
-          </a:stretch>
-        </p:blipFill>
-        <p:spPr>
-          <a:xfrm>
-            <a:off x="1663542" y="1739793"/>
-            <a:ext cx="1629722" cy="1392705"/>
-          </a:xfrm>
-          <a:prstGeom prst="rect">
-            <a:avLst/>
-          </a:prstGeom>
-          <a:effectLst>
-            <a:outerShdw blurRad="50800" dist="38100" dir="2700000" algn="tl" rotWithShape="0">
-              <a:prstClr val="black">
-                <a:alpha val="40000"/>
-              </a:prstClr>
-            </a:outerShdw>
-            <a:softEdge rad="31750"/>
-          </a:effectLst>
-        </p:spPr>
-      </p:pic>
-      <p:pic>
-        <p:nvPicPr>
-          <p:cNvPr id="3" name="Picture 2">
-            <a:extLst>
-              <a:ext uri="{FF2B5EF4-FFF2-40B4-BE49-F238E27FC236}">
-                <a16:creationId xmlns:a16="http://schemas.microsoft.com/office/drawing/2014/main" id="{821EFBD6-787D-0C6C-ED10-A605F40A8D8F}"/>
-              </a:ext>
-            </a:extLst>
-          </p:cNvPr>
-          <p:cNvPicPr>
-            <a:picLocks noChangeAspect="1"/>
-          </p:cNvPicPr>
-          <p:nvPr/>
-        </p:nvPicPr>
-        <p:blipFill>
-          <a:blip r:embed="rId4"/>
-          <a:stretch>
-            <a:fillRect/>
-          </a:stretch>
-        </p:blipFill>
-        <p:spPr>
-          <a:xfrm>
-            <a:off x="1820239" y="5038124"/>
-            <a:ext cx="1592969" cy="1569444"/>
-          </a:xfrm>
-          <a:prstGeom prst="rect">
-            <a:avLst/>
-          </a:prstGeom>
-          <a:effectLst>
-            <a:outerShdw blurRad="50800" dist="38100" dir="2700000" algn="tl" rotWithShape="0">
-              <a:prstClr val="black">
-                <a:alpha val="40000"/>
-              </a:prstClr>
-            </a:outerShdw>
-            <a:softEdge rad="31750"/>
-          </a:effectLst>
-        </p:spPr>
-      </p:pic>
-      <p:pic>
-        <p:nvPicPr>
-          <p:cNvPr id="4" name="Picture 3">
-            <a:extLst>
-              <a:ext uri="{FF2B5EF4-FFF2-40B4-BE49-F238E27FC236}">
-                <a16:creationId xmlns:a16="http://schemas.microsoft.com/office/drawing/2014/main" id="{ACAFE401-33F5-F82C-0DC6-613499D4D48D}"/>
-              </a:ext>
-            </a:extLst>
-          </p:cNvPr>
-          <p:cNvPicPr>
-            <a:picLocks noChangeAspect="1"/>
-          </p:cNvPicPr>
-          <p:nvPr/>
-        </p:nvPicPr>
-        <p:blipFill>
-          <a:blip r:embed="rId5"/>
-          <a:stretch>
-            <a:fillRect/>
-          </a:stretch>
-        </p:blipFill>
-        <p:spPr>
-          <a:xfrm>
-            <a:off x="3732892" y="1690688"/>
-            <a:ext cx="1619879" cy="1490914"/>
-          </a:xfrm>
-          <a:prstGeom prst="rect">
-            <a:avLst/>
-          </a:prstGeom>
-          <a:effectLst>
-            <a:outerShdw blurRad="50800" dist="38100" dir="2700000" algn="tl" rotWithShape="0">
-              <a:prstClr val="black">
-                <a:alpha val="40000"/>
-              </a:prstClr>
-            </a:outerShdw>
-            <a:softEdge rad="31750"/>
-          </a:effectLst>
-        </p:spPr>
-      </p:pic>
-      <p:pic>
-        <p:nvPicPr>
-          <p:cNvPr id="8" name="Picture 7">
-            <a:extLst>
-              <a:ext uri="{FF2B5EF4-FFF2-40B4-BE49-F238E27FC236}">
-                <a16:creationId xmlns:a16="http://schemas.microsoft.com/office/drawing/2014/main" id="{2D995290-8F96-2A23-C57A-20F3C56E2489}"/>
-              </a:ext>
-            </a:extLst>
-          </p:cNvPr>
-          <p:cNvPicPr>
-            <a:picLocks noChangeAspect="1"/>
-          </p:cNvPicPr>
-          <p:nvPr/>
-        </p:nvPicPr>
-        <p:blipFill>
-          <a:blip r:embed="rId6"/>
-          <a:stretch>
-            <a:fillRect/>
-          </a:stretch>
-        </p:blipFill>
-        <p:spPr>
-          <a:xfrm>
-            <a:off x="3980548" y="5038122"/>
-            <a:ext cx="1512461" cy="1569446"/>
-          </a:xfrm>
-          <a:prstGeom prst="rect">
-            <a:avLst/>
-          </a:prstGeom>
-          <a:effectLst>
-            <a:outerShdw blurRad="50800" dist="38100" dir="2700000" algn="tl" rotWithShape="0">
-              <a:prstClr val="black">
-                <a:alpha val="40000"/>
-              </a:prstClr>
-            </a:outerShdw>
-            <a:softEdge rad="31750"/>
-          </a:effectLst>
-        </p:spPr>
-      </p:pic>
-      <p:pic>
-        <p:nvPicPr>
-          <p:cNvPr id="10" name="Picture 9">
-            <a:extLst>
-              <a:ext uri="{FF2B5EF4-FFF2-40B4-BE49-F238E27FC236}">
-                <a16:creationId xmlns:a16="http://schemas.microsoft.com/office/drawing/2014/main" id="{4DDF3E02-EF53-608C-EDDD-DE4670241A69}"/>
-              </a:ext>
-            </a:extLst>
-          </p:cNvPr>
-          <p:cNvPicPr>
-            <a:picLocks noChangeAspect="1"/>
-          </p:cNvPicPr>
-          <p:nvPr/>
-        </p:nvPicPr>
-        <p:blipFill>
-          <a:blip r:embed="rId7"/>
-          <a:stretch>
-            <a:fillRect/>
-          </a:stretch>
-        </p:blipFill>
-        <p:spPr>
-          <a:xfrm>
-            <a:off x="3152710" y="3370356"/>
-            <a:ext cx="2340299" cy="1416680"/>
-          </a:xfrm>
-          <a:prstGeom prst="rect">
-            <a:avLst/>
-          </a:prstGeom>
-        </p:spPr>
-      </p:pic>
-      <p:sp>
-        <p:nvSpPr>
-          <p:cNvPr id="11" name="Title 1">
-            <a:extLst>
-              <a:ext uri="{FF2B5EF4-FFF2-40B4-BE49-F238E27FC236}">
-                <a16:creationId xmlns:a16="http://schemas.microsoft.com/office/drawing/2014/main" id="{40A04100-F076-DAB6-1085-5E0EF7172DAB}"/>
-              </a:ext>
-            </a:extLst>
-          </p:cNvPr>
-          <p:cNvSpPr>
-            <a:spLocks noGrp="1"/>
-          </p:cNvSpPr>
-          <p:nvPr>
-            <p:ph type="title"/>
-          </p:nvPr>
-        </p:nvSpPr>
-        <p:spPr>
-          <a:xfrm>
-            <a:off x="838200" y="365125"/>
-            <a:ext cx="10515600" cy="1325563"/>
-          </a:xfrm>
-        </p:spPr>
-        <p:txBody>
-          <a:bodyPr>
-            <a:normAutofit/>
-          </a:bodyPr>
-          <a:lstStyle/>
-          <a:p>
-            <a:r>
-              <a:rPr lang="en-US" sz="2800" b="1" dirty="0"/>
-              <a:t>Why to automate monitoring</a:t>
-            </a:r>
-            <a:br>
-              <a:rPr lang="en-GB" sz="3600" dirty="0"/>
-            </a:br>
-            <a:r>
-              <a:rPr lang="en-US" sz="2700" dirty="0">
-                <a:solidFill>
-                  <a:schemeClr val="bg2">
-                    <a:lumMod val="75000"/>
-                  </a:schemeClr>
-                </a:solidFill>
-              </a:rPr>
-              <a:t>Recognize network incidents faster than humans can</a:t>
-            </a:r>
-          </a:p>
-        </p:txBody>
-      </p:sp>
-    </p:spTree>
-    <p:extLst>
-      <p:ext uri="{BB962C8B-B14F-4D97-AF65-F5344CB8AC3E}">
-        <p14:creationId xmlns:p14="http://schemas.microsoft.com/office/powerpoint/2010/main" val="4069880896"/>
-      </p:ext>
-    </p:extLst>
-  </p:cSld>
-  <p:clrMapOvr>
-    <a:masterClrMapping/>
-  </p:clrMapOvr>
-</p:sld>
-</file>
-
-<file path=ppt/slides/slide4.xml><?xml version="1.0" encoding="utf-8"?>
-<p:sld xmlns:a="http://schemas.openxmlformats.org/drawingml/2006/main" xmlns:r="http://schemas.openxmlformats.org/officeDocument/2006/relationships" xmlns:p="http://schemas.openxmlformats.org/presentationml/2006/main">
-  <p:cSld>
-    <p:spTree>
-      <p:nvGrpSpPr>
-        <p:cNvPr id="1" name=""/>
-        <p:cNvGrpSpPr/>
-        <p:nvPr/>
-      </p:nvGrpSpPr>
-      <p:grpSpPr>
-        <a:xfrm>
-          <a:off x="0" y="0"/>
-          <a:ext cx="0" cy="0"/>
-          <a:chOff x="0" y="0"/>
-          <a:chExt cx="0" cy="0"/>
-        </a:xfrm>
-      </p:grpSpPr>
-      <p:sp>
-        <p:nvSpPr>
-          <p:cNvPr id="6" name="Slide Number Placeholder 1">
-            <a:extLst>
-              <a:ext uri="{FF2B5EF4-FFF2-40B4-BE49-F238E27FC236}">
-                <a16:creationId xmlns:a16="http://schemas.microsoft.com/office/drawing/2014/main" id="{024DC3B6-499C-4E15-9336-2F15A0DFB843}"/>
-              </a:ext>
-            </a:extLst>
-          </p:cNvPr>
-          <p:cNvSpPr>
-            <a:spLocks noGrp="1"/>
-          </p:cNvSpPr>
-          <p:nvPr>
-            <p:ph type="sldNum" sz="quarter" idx="12"/>
-          </p:nvPr>
-        </p:nvSpPr>
-        <p:spPr>
-          <a:xfrm>
-            <a:off x="11587892" y="6361637"/>
-            <a:ext cx="414251" cy="365125"/>
-          </a:xfrm>
-        </p:spPr>
-        <p:txBody>
-          <a:bodyPr/>
-          <a:lstStyle/>
-          <a:p>
-            <a:fld id="{FC4AC485-25DE-431E-B345-9C0A15BB7F8A}" type="slidenum">
-              <a:rPr lang="de-CH" sz="1400" smtClean="0"/>
-              <a:t>4</a:t>
-            </a:fld>
-            <a:endParaRPr lang="de-CH" sz="1400" dirty="0"/>
-          </a:p>
-        </p:txBody>
-      </p:sp>
       <p:grpSp>
         <p:nvGrpSpPr>
           <p:cNvPr id="2" name="Gruppieren 37">
@@ -15663,7 +12629,7 @@
         </p:nvGrpSpPr>
         <p:grpSpPr>
           <a:xfrm>
-            <a:off x="5612779" y="5156975"/>
+            <a:off x="4141425" y="5156975"/>
             <a:ext cx="1440000" cy="1440000"/>
             <a:chOff x="9420737" y="1699669"/>
             <a:chExt cx="1440000" cy="1440000"/>
@@ -15805,7 +12771,7 @@
         </p:nvGrpSpPr>
         <p:grpSpPr>
           <a:xfrm>
-            <a:off x="1931932" y="3225931"/>
+            <a:off x="1133909" y="3225931"/>
             <a:ext cx="1296000" cy="1296000"/>
             <a:chOff x="9777596" y="4473116"/>
             <a:chExt cx="1440000" cy="1440000"/>
@@ -15947,7 +12913,7 @@
         </p:nvGrpSpPr>
         <p:grpSpPr>
           <a:xfrm>
-            <a:off x="3449332" y="3225931"/>
+            <a:off x="2651309" y="3225931"/>
             <a:ext cx="1296000" cy="1296000"/>
             <a:chOff x="9420737" y="1699669"/>
             <a:chExt cx="1440000" cy="1440000"/>
@@ -16089,7 +13055,7 @@
         </p:nvGrpSpPr>
         <p:grpSpPr>
           <a:xfrm>
-            <a:off x="9521295" y="3300359"/>
+            <a:off x="8723272" y="3300359"/>
             <a:ext cx="1296000" cy="1296000"/>
             <a:chOff x="9420737" y="1699669"/>
             <a:chExt cx="1440000" cy="1440000"/>
@@ -16231,7 +13197,7 @@
         </p:nvGrpSpPr>
         <p:grpSpPr>
           <a:xfrm>
-            <a:off x="4964779" y="3277395"/>
+            <a:off x="4166756" y="3277395"/>
             <a:ext cx="1296000" cy="1296000"/>
             <a:chOff x="9420737" y="1699669"/>
             <a:chExt cx="1440000" cy="1440000"/>
@@ -16373,7 +13339,7 @@
         </p:nvGrpSpPr>
         <p:grpSpPr>
           <a:xfrm>
-            <a:off x="6468554" y="3225931"/>
+            <a:off x="5670531" y="3225931"/>
             <a:ext cx="1296000" cy="1296000"/>
             <a:chOff x="9420737" y="1699669"/>
             <a:chExt cx="1440000" cy="1440000"/>
@@ -16515,7 +13481,7 @@
         </p:nvGrpSpPr>
         <p:grpSpPr>
           <a:xfrm>
-            <a:off x="7987942" y="3277395"/>
+            <a:off x="7189919" y="3277395"/>
             <a:ext cx="1296000" cy="1296000"/>
             <a:chOff x="9420737" y="1699669"/>
             <a:chExt cx="1440000" cy="1440000"/>
@@ -16662,7 +13628,7 @@
         </p:nvCxnSpPr>
         <p:spPr bwMode="gray">
           <a:xfrm>
-            <a:off x="2360451" y="1958598"/>
+            <a:off x="1562428" y="1958598"/>
             <a:ext cx="0" cy="752897"/>
           </a:xfrm>
           <a:prstGeom prst="straightConnector1">
@@ -16723,7 +13689,7 @@
         </p:blipFill>
         <p:spPr>
           <a:xfrm>
-            <a:off x="2544845" y="2301095"/>
+            <a:off x="1746822" y="2301095"/>
             <a:ext cx="410400" cy="410400"/>
           </a:xfrm>
           <a:prstGeom prst="rect">
@@ -16762,7 +13728,7 @@
         </p:blipFill>
         <p:spPr>
           <a:xfrm>
-            <a:off x="3711321" y="2315444"/>
+            <a:off x="2913298" y="2315444"/>
             <a:ext cx="410400" cy="410400"/>
           </a:xfrm>
           <a:prstGeom prst="rect">
@@ -16784,7 +13750,7 @@
         </p:nvSpPr>
         <p:spPr bwMode="gray">
           <a:xfrm>
-            <a:off x="2374883" y="1913492"/>
+            <a:off x="1577989" y="1937564"/>
             <a:ext cx="724220" cy="270701"/>
           </a:xfrm>
           <a:prstGeom prst="rect">
@@ -16826,22 +13792,7 @@
                   <a:schemeClr val="tx1"/>
                 </a:solidFill>
               </a:rPr>
-              <a:t>Service</a:t>
-            </a:r>
-            <a:br>
-              <a:rPr lang="en-US" sz="1200" b="1" dirty="0">
-                <a:solidFill>
-                  <a:schemeClr val="tx1"/>
-                </a:solidFill>
-              </a:rPr>
-            </a:br>
-            <a:r>
-              <a:rPr lang="en-US" sz="1200" b="1" dirty="0">
-                <a:solidFill>
-                  <a:schemeClr val="tx1"/>
-                </a:solidFill>
-              </a:rPr>
-              <a:t>Owner</a:t>
+              <a:t>Alert</a:t>
             </a:r>
           </a:p>
         </p:txBody>
@@ -16860,8 +13811,8 @@
         </p:nvSpPr>
         <p:spPr bwMode="gray">
           <a:xfrm>
-            <a:off x="3493031" y="1937575"/>
-            <a:ext cx="866389" cy="270701"/>
+            <a:off x="2591780" y="1937564"/>
+            <a:ext cx="1053436" cy="270701"/>
           </a:xfrm>
           <a:prstGeom prst="rect">
             <a:avLst/>
@@ -16902,7 +13853,7 @@
                   <a:schemeClr val="tx1"/>
                 </a:solidFill>
               </a:rPr>
-              <a:t>Platform Owner</a:t>
+              <a:t>Postmortem</a:t>
             </a:r>
           </a:p>
         </p:txBody>
@@ -16929,7 +13880,7 @@
         </p:blipFill>
         <p:spPr>
           <a:xfrm>
-            <a:off x="9932653" y="3436787"/>
+            <a:off x="9134630" y="3436787"/>
             <a:ext cx="469639" cy="357447"/>
           </a:xfrm>
           <a:prstGeom prst="rect">
@@ -16959,7 +13910,7 @@
         </p:blipFill>
         <p:spPr>
           <a:xfrm>
-            <a:off x="6099783" y="5377173"/>
+            <a:off x="4628429" y="5377173"/>
             <a:ext cx="457022" cy="393192"/>
           </a:xfrm>
           <a:prstGeom prst="rect">
@@ -16989,7 +13940,7 @@
         </p:blipFill>
         <p:spPr>
           <a:xfrm>
-            <a:off x="3892132" y="3318769"/>
+            <a:off x="3094109" y="3318769"/>
             <a:ext cx="424647" cy="393192"/>
           </a:xfrm>
           <a:prstGeom prst="rect">
@@ -17019,7 +13970,7 @@
         </p:blipFill>
         <p:spPr>
           <a:xfrm>
-            <a:off x="5392467" y="3347408"/>
+            <a:off x="4594444" y="3347408"/>
             <a:ext cx="454869" cy="393192"/>
           </a:xfrm>
           <a:prstGeom prst="rect">
@@ -17049,7 +14000,7 @@
         </p:blipFill>
         <p:spPr>
           <a:xfrm>
-            <a:off x="8398589" y="3398752"/>
+            <a:off x="7600566" y="3398752"/>
             <a:ext cx="474707" cy="393192"/>
           </a:xfrm>
           <a:prstGeom prst="rect">
@@ -17079,7 +14030,7 @@
         </p:blipFill>
         <p:spPr>
           <a:xfrm>
-            <a:off x="6883390" y="3388342"/>
+            <a:off x="6085367" y="3388342"/>
             <a:ext cx="474367" cy="393192"/>
           </a:xfrm>
           <a:prstGeom prst="rect">
@@ -17109,7 +14060,7 @@
         </p:blipFill>
         <p:spPr>
           <a:xfrm>
-            <a:off x="2376012" y="3300359"/>
+            <a:off x="1577989" y="3300359"/>
             <a:ext cx="445123" cy="393192"/>
           </a:xfrm>
           <a:prstGeom prst="rect">
@@ -17131,7 +14082,7 @@
         </p:nvCxnSpPr>
         <p:spPr bwMode="gray">
           <a:xfrm>
-            <a:off x="1848421" y="4933336"/>
+            <a:off x="1050398" y="4933336"/>
             <a:ext cx="9379274" cy="0"/>
           </a:xfrm>
           <a:prstGeom prst="line">
@@ -17172,8 +14123,8 @@
         </p:nvSpPr>
         <p:spPr bwMode="gray">
           <a:xfrm>
-            <a:off x="7869958" y="4790637"/>
-            <a:ext cx="3463126" cy="270701"/>
+            <a:off x="6085367" y="4790637"/>
+            <a:ext cx="4449694" cy="270701"/>
           </a:xfrm>
           <a:prstGeom prst="rect">
             <a:avLst/>
@@ -17217,7 +14168,7 @@
                   <a:schemeClr val="tx1"/>
                 </a:solidFill>
               </a:rPr>
-              <a:t>Operation Data Products</a:t>
+              <a:t>Operational Data</a:t>
             </a:r>
             <a:br>
               <a:rPr lang="en-US" sz="1200" b="1" dirty="0">
@@ -17226,14 +14177,11 @@
                 </a:solidFill>
               </a:rPr>
             </a:br>
-            <a:r>
-              <a:rPr lang="en-US" sz="1200" b="1" dirty="0">
-                <a:solidFill>
-                  <a:schemeClr val="tx1"/>
-                </a:solidFill>
-              </a:rPr>
-              <a:t>Governed by Network Telemetry RFC 9232</a:t>
-            </a:r>
+            <a:endParaRPr lang="en-US" sz="1200" b="1" dirty="0">
+              <a:solidFill>
+                <a:schemeClr val="tx1"/>
+              </a:solidFill>
+            </a:endParaRPr>
           </a:p>
         </p:txBody>
       </p:sp>
@@ -17251,7 +14199,7 @@
         </p:nvCxnSpPr>
         <p:spPr bwMode="gray">
           <a:xfrm>
-            <a:off x="1842826" y="2868543"/>
+            <a:off x="1044803" y="2868543"/>
             <a:ext cx="9379274" cy="0"/>
           </a:xfrm>
           <a:prstGeom prst="line">
@@ -17292,8 +14240,8 @@
         </p:nvSpPr>
         <p:spPr bwMode="gray">
           <a:xfrm>
-            <a:off x="7864363" y="2725844"/>
-            <a:ext cx="3463126" cy="270701"/>
+            <a:off x="3461645" y="2408697"/>
+            <a:ext cx="3497884" cy="270701"/>
           </a:xfrm>
           <a:prstGeom prst="rect">
             <a:avLst/>
@@ -17323,7 +14271,7 @@
           <a:bodyPr rtlCol="0" anchor="ctr"/>
           <a:lstStyle/>
           <a:p>
-            <a:pPr algn="r">
+            <a:pPr>
               <a:lnSpc>
                 <a:spcPct val="110000"/>
               </a:lnSpc>
@@ -17337,7 +14285,39 @@
                   <a:schemeClr val="tx1"/>
                 </a:solidFill>
               </a:rPr>
-              <a:t>Analytical Data Products</a:t>
+              <a:t>draft-</a:t>
+            </a:r>
+            <a:r>
+              <a:rPr lang="en-US" sz="1200" b="1" dirty="0" err="1">
+                <a:solidFill>
+                  <a:schemeClr val="tx1"/>
+                </a:solidFill>
+              </a:rPr>
+              <a:t>netana</a:t>
+            </a:r>
+            <a:r>
+              <a:rPr lang="en-US" sz="1200" b="1" dirty="0">
+                <a:solidFill>
+                  <a:schemeClr val="tx1"/>
+                </a:solidFill>
+              </a:rPr>
+              <a:t>-</a:t>
+            </a:r>
+            <a:r>
+              <a:rPr lang="en-US" sz="1200" b="1" dirty="0" err="1">
+                <a:solidFill>
+                  <a:schemeClr val="tx1"/>
+                </a:solidFill>
+              </a:rPr>
+              <a:t>nmop</a:t>
+            </a:r>
+            <a:r>
+              <a:rPr lang="en-US" sz="1200" b="1" dirty="0">
+                <a:solidFill>
+                  <a:schemeClr val="tx1"/>
+                </a:solidFill>
+              </a:rPr>
+              <a:t>-network-anomaly-semantics</a:t>
             </a:r>
             <a:br>
               <a:rPr lang="en-US" sz="1200" b="1" dirty="0">
@@ -17352,7 +14332,39 @@
                   <a:schemeClr val="tx1"/>
                 </a:solidFill>
               </a:rPr>
-              <a:t>Governed by Network Operator</a:t>
+              <a:t>draft-</a:t>
+            </a:r>
+            <a:r>
+              <a:rPr lang="en-US" sz="1200" b="1" dirty="0" err="1">
+                <a:solidFill>
+                  <a:schemeClr val="tx1"/>
+                </a:solidFill>
+              </a:rPr>
+              <a:t>netana</a:t>
+            </a:r>
+            <a:r>
+              <a:rPr lang="en-US" sz="1200" b="1" dirty="0">
+                <a:solidFill>
+                  <a:schemeClr val="tx1"/>
+                </a:solidFill>
+              </a:rPr>
+              <a:t>-</a:t>
+            </a:r>
+            <a:r>
+              <a:rPr lang="en-US" sz="1200" b="1" dirty="0" err="1">
+                <a:solidFill>
+                  <a:schemeClr val="tx1"/>
+                </a:solidFill>
+              </a:rPr>
+              <a:t>nmop</a:t>
+            </a:r>
+            <a:r>
+              <a:rPr lang="en-US" sz="1200" b="1" dirty="0">
+                <a:solidFill>
+                  <a:schemeClr val="tx1"/>
+                </a:solidFill>
+              </a:rPr>
+              <a:t>-network-anomaly-lifecycle</a:t>
             </a:r>
           </a:p>
         </p:txBody>
@@ -17371,7 +14383,7 @@
         </p:nvCxnSpPr>
         <p:spPr bwMode="gray">
           <a:xfrm>
-            <a:off x="3453459" y="1958598"/>
+            <a:off x="2612083" y="1958598"/>
             <a:ext cx="0" cy="752897"/>
           </a:xfrm>
           <a:prstGeom prst="straightConnector1">
@@ -17401,206 +14413,6 @@
           </a:fontRef>
         </p:style>
       </p:cxnSp>
-      <p:pic>
-        <p:nvPicPr>
-          <p:cNvPr id="43" name="Grafik 20">
-            <a:extLst>
-              <a:ext uri="{FF2B5EF4-FFF2-40B4-BE49-F238E27FC236}">
-                <a16:creationId xmlns:a16="http://schemas.microsoft.com/office/drawing/2014/main" id="{D8C02CC5-A9C9-F866-A5DB-BA4EC3307654}"/>
-              </a:ext>
-            </a:extLst>
-          </p:cNvPr>
-          <p:cNvPicPr>
-            <a:picLocks noChangeAspect="1"/>
-          </p:cNvPicPr>
-          <p:nvPr/>
-        </p:nvPicPr>
-        <p:blipFill>
-          <a:blip r:embed="rId18">
-            <a:extLst>
-              <a:ext uri="{28A0092B-C50C-407E-A947-70E740481C1C}">
-                <a14:useLocalDpi xmlns:a14="http://schemas.microsoft.com/office/drawing/2010/main" val="0"/>
-              </a:ext>
-              <a:ext uri="{96DAC541-7B7A-43D3-8B79-37D633B846F1}">
-                <asvg:svgBlip xmlns:asvg="http://schemas.microsoft.com/office/drawing/2016/SVG/main" r:embed="rId19"/>
-              </a:ext>
-            </a:extLst>
-          </a:blip>
-          <a:stretch>
-            <a:fillRect/>
-          </a:stretch>
-        </p:blipFill>
-        <p:spPr>
-          <a:xfrm>
-            <a:off x="1231424" y="2957631"/>
-            <a:ext cx="409069" cy="409069"/>
-          </a:xfrm>
-          <a:prstGeom prst="rect">
-            <a:avLst/>
-          </a:prstGeom>
-        </p:spPr>
-      </p:pic>
-      <p:sp>
-        <p:nvSpPr>
-          <p:cNvPr id="44" name="Rectangle 43">
-            <a:extLst>
-              <a:ext uri="{FF2B5EF4-FFF2-40B4-BE49-F238E27FC236}">
-                <a16:creationId xmlns:a16="http://schemas.microsoft.com/office/drawing/2014/main" id="{0633B95D-D798-3465-C482-2E6F7E2DFE46}"/>
-              </a:ext>
-            </a:extLst>
-          </p:cNvPr>
-          <p:cNvSpPr/>
-          <p:nvPr/>
-        </p:nvSpPr>
-        <p:spPr bwMode="gray">
-          <a:xfrm>
-            <a:off x="838200" y="2576144"/>
-            <a:ext cx="1195515" cy="270701"/>
-          </a:xfrm>
-          <a:prstGeom prst="rect">
-            <a:avLst/>
-          </a:prstGeom>
-          <a:noFill/>
-          <a:ln w="6350">
-            <a:noFill/>
-          </a:ln>
-        </p:spPr>
-        <p:style>
-          <a:lnRef idx="2">
-            <a:schemeClr val="accent1">
-              <a:shade val="50000"/>
-            </a:schemeClr>
-          </a:lnRef>
-          <a:fillRef idx="1">
-            <a:schemeClr val="accent1"/>
-          </a:fillRef>
-          <a:effectRef idx="0">
-            <a:schemeClr val="accent1"/>
-          </a:effectRef>
-          <a:fontRef idx="minor">
-            <a:schemeClr val="lt1"/>
-          </a:fontRef>
-        </p:style>
-        <p:txBody>
-          <a:bodyPr rtlCol="0" anchor="ctr"/>
-          <a:lstStyle/>
-          <a:p>
-            <a:pPr algn="ctr">
-              <a:lnSpc>
-                <a:spcPct val="110000"/>
-              </a:lnSpc>
-            </a:pPr>
-            <a:r>
-              <a:rPr lang="en-US" sz="1200" b="1" dirty="0">
-                <a:solidFill>
-                  <a:schemeClr val="tx1"/>
-                </a:solidFill>
-              </a:rPr>
-              <a:t>Data Product Owner</a:t>
-            </a:r>
-          </a:p>
-        </p:txBody>
-      </p:sp>
-      <p:pic>
-        <p:nvPicPr>
-          <p:cNvPr id="45" name="Grafik 20">
-            <a:extLst>
-              <a:ext uri="{FF2B5EF4-FFF2-40B4-BE49-F238E27FC236}">
-                <a16:creationId xmlns:a16="http://schemas.microsoft.com/office/drawing/2014/main" id="{EFDD0C3B-512D-293E-E727-46B89BD86D4B}"/>
-              </a:ext>
-            </a:extLst>
-          </p:cNvPr>
-          <p:cNvPicPr>
-            <a:picLocks noChangeAspect="1"/>
-          </p:cNvPicPr>
-          <p:nvPr/>
-        </p:nvPicPr>
-        <p:blipFill>
-          <a:blip r:embed="rId20">
-            <a:extLst>
-              <a:ext uri="{28A0092B-C50C-407E-A947-70E740481C1C}">
-                <a14:useLocalDpi xmlns:a14="http://schemas.microsoft.com/office/drawing/2010/main" val="0"/>
-              </a:ext>
-              <a:ext uri="{96DAC541-7B7A-43D3-8B79-37D633B846F1}">
-                <asvg:svgBlip xmlns:asvg="http://schemas.microsoft.com/office/drawing/2016/SVG/main" r:embed="rId21"/>
-              </a:ext>
-            </a:extLst>
-          </a:blip>
-          <a:stretch>
-            <a:fillRect/>
-          </a:stretch>
-        </p:blipFill>
-        <p:spPr>
-          <a:xfrm>
-            <a:off x="1231424" y="5023562"/>
-            <a:ext cx="409069" cy="409069"/>
-          </a:xfrm>
-          <a:prstGeom prst="rect">
-            <a:avLst/>
-          </a:prstGeom>
-        </p:spPr>
-      </p:pic>
-      <p:sp>
-        <p:nvSpPr>
-          <p:cNvPr id="46" name="Rectangle 45">
-            <a:extLst>
-              <a:ext uri="{FF2B5EF4-FFF2-40B4-BE49-F238E27FC236}">
-                <a16:creationId xmlns:a16="http://schemas.microsoft.com/office/drawing/2014/main" id="{910C6A2B-4068-DF2D-9256-79E34275A27E}"/>
-              </a:ext>
-            </a:extLst>
-          </p:cNvPr>
-          <p:cNvSpPr/>
-          <p:nvPr/>
-        </p:nvSpPr>
-        <p:spPr bwMode="gray">
-          <a:xfrm>
-            <a:off x="838200" y="4642075"/>
-            <a:ext cx="1195515" cy="270701"/>
-          </a:xfrm>
-          <a:prstGeom prst="rect">
-            <a:avLst/>
-          </a:prstGeom>
-          <a:noFill/>
-          <a:ln w="6350">
-            <a:noFill/>
-          </a:ln>
-        </p:spPr>
-        <p:style>
-          <a:lnRef idx="2">
-            <a:schemeClr val="accent1">
-              <a:shade val="50000"/>
-            </a:schemeClr>
-          </a:lnRef>
-          <a:fillRef idx="1">
-            <a:schemeClr val="accent1"/>
-          </a:fillRef>
-          <a:effectRef idx="0">
-            <a:schemeClr val="accent1"/>
-          </a:effectRef>
-          <a:fontRef idx="minor">
-            <a:schemeClr val="lt1"/>
-          </a:fontRef>
-        </p:style>
-        <p:txBody>
-          <a:bodyPr rtlCol="0" anchor="ctr"/>
-          <a:lstStyle/>
-          <a:p>
-            <a:pPr algn="ctr">
-              <a:lnSpc>
-                <a:spcPct val="110000"/>
-              </a:lnSpc>
-            </a:pPr>
-            <a:r>
-              <a:rPr lang="en-US" sz="1200" b="1" dirty="0">
-                <a:solidFill>
-                  <a:schemeClr val="tx1"/>
-                </a:solidFill>
-              </a:rPr>
-              <a:t>Data Product Owner</a:t>
-            </a:r>
-          </a:p>
-        </p:txBody>
-      </p:sp>
       <p:cxnSp>
         <p:nvCxnSpPr>
           <p:cNvPr id="47" name="Straight Arrow Connector 46">
@@ -17615,7 +14427,7 @@
         </p:nvCxnSpPr>
         <p:spPr bwMode="gray">
           <a:xfrm>
-            <a:off x="7334821" y="5156975"/>
+            <a:off x="5863467" y="5156975"/>
             <a:ext cx="0" cy="752897"/>
           </a:xfrm>
           <a:prstGeom prst="straightConnector1">
@@ -17703,6 +14515,154 @@
           </a:p>
         </p:txBody>
       </p:sp>
+      <p:sp>
+        <p:nvSpPr>
+          <p:cNvPr id="14" name="TextBox 13">
+            <a:extLst>
+              <a:ext uri="{FF2B5EF4-FFF2-40B4-BE49-F238E27FC236}">
+                <a16:creationId xmlns:a16="http://schemas.microsoft.com/office/drawing/2014/main" id="{A1EA8359-DC79-8122-1266-D00A47BFEBE7}"/>
+              </a:ext>
+            </a:extLst>
+          </p:cNvPr>
+          <p:cNvSpPr txBox="1"/>
+          <p:nvPr/>
+        </p:nvSpPr>
+        <p:spPr>
+          <a:xfrm>
+            <a:off x="755754" y="2490559"/>
+            <a:ext cx="802155" cy="276999"/>
+          </a:xfrm>
+          <a:prstGeom prst="rect">
+            <a:avLst/>
+          </a:prstGeom>
+          <a:noFill/>
+        </p:spPr>
+        <p:txBody>
+          <a:bodyPr wrap="square">
+            <a:spAutoFit/>
+          </a:bodyPr>
+          <a:lstStyle/>
+          <a:p>
+            <a:r>
+              <a:rPr lang="en-US" sz="1200" b="1" dirty="0"/>
+              <a:t>RFC 8632</a:t>
+            </a:r>
+            <a:endParaRPr lang="de-CH" sz="1200" b="1" dirty="0"/>
+          </a:p>
+        </p:txBody>
+      </p:sp>
+      <p:sp>
+        <p:nvSpPr>
+          <p:cNvPr id="49" name="Rectangle 48">
+            <a:extLst>
+              <a:ext uri="{FF2B5EF4-FFF2-40B4-BE49-F238E27FC236}">
+                <a16:creationId xmlns:a16="http://schemas.microsoft.com/office/drawing/2014/main" id="{9DA38AA2-A8F2-8D1B-FF42-9920ACF088FF}"/>
+              </a:ext>
+            </a:extLst>
+          </p:cNvPr>
+          <p:cNvSpPr/>
+          <p:nvPr/>
+        </p:nvSpPr>
+        <p:spPr bwMode="gray">
+          <a:xfrm>
+            <a:off x="6085367" y="2731592"/>
+            <a:ext cx="4449694" cy="270701"/>
+          </a:xfrm>
+          <a:prstGeom prst="rect">
+            <a:avLst/>
+          </a:prstGeom>
+          <a:noFill/>
+          <a:ln w="6350">
+            <a:noFill/>
+          </a:ln>
+        </p:spPr>
+        <p:style>
+          <a:lnRef idx="2">
+            <a:schemeClr val="accent1">
+              <a:shade val="50000"/>
+            </a:schemeClr>
+          </a:lnRef>
+          <a:fillRef idx="1">
+            <a:schemeClr val="accent1"/>
+          </a:fillRef>
+          <a:effectRef idx="0">
+            <a:schemeClr val="accent1"/>
+          </a:effectRef>
+          <a:fontRef idx="minor">
+            <a:schemeClr val="lt1"/>
+          </a:fontRef>
+        </p:style>
+        <p:txBody>
+          <a:bodyPr rtlCol="0" anchor="ctr"/>
+          <a:lstStyle/>
+          <a:p>
+            <a:pPr algn="r">
+              <a:lnSpc>
+                <a:spcPct val="110000"/>
+              </a:lnSpc>
+              <a:spcAft>
+                <a:spcPts val="600"/>
+              </a:spcAft>
+            </a:pPr>
+            <a:r>
+              <a:rPr lang="en-US" sz="1200" b="1" dirty="0">
+                <a:solidFill>
+                  <a:schemeClr val="tx1"/>
+                </a:solidFill>
+              </a:rPr>
+              <a:t>Analytical Data</a:t>
+            </a:r>
+            <a:br>
+              <a:rPr lang="en-US" sz="1200" b="1" dirty="0">
+                <a:solidFill>
+                  <a:schemeClr val="tx1"/>
+                </a:solidFill>
+              </a:rPr>
+            </a:br>
+            <a:endParaRPr lang="en-US" sz="1200" b="1" dirty="0">
+              <a:solidFill>
+                <a:schemeClr val="tx1"/>
+              </a:solidFill>
+            </a:endParaRPr>
+          </a:p>
+        </p:txBody>
+      </p:sp>
+      <p:sp>
+        <p:nvSpPr>
+          <p:cNvPr id="50" name="TextBox 49">
+            <a:extLst>
+              <a:ext uri="{FF2B5EF4-FFF2-40B4-BE49-F238E27FC236}">
+                <a16:creationId xmlns:a16="http://schemas.microsoft.com/office/drawing/2014/main" id="{E6F4D9EF-7813-54D5-B0A7-BB6DFF65B9B1}"/>
+              </a:ext>
+            </a:extLst>
+          </p:cNvPr>
+          <p:cNvSpPr txBox="1"/>
+          <p:nvPr/>
+        </p:nvSpPr>
+        <p:spPr>
+          <a:xfrm>
+            <a:off x="5927456" y="5119768"/>
+            <a:ext cx="802155" cy="276999"/>
+          </a:xfrm>
+          <a:prstGeom prst="rect">
+            <a:avLst/>
+          </a:prstGeom>
+          <a:noFill/>
+        </p:spPr>
+        <p:txBody>
+          <a:bodyPr wrap="square">
+            <a:spAutoFit/>
+          </a:bodyPr>
+          <a:lstStyle/>
+          <a:p>
+            <a:r>
+              <a:rPr lang="en-US" sz="1200" b="1" dirty="0"/>
+              <a:t>RFC 9232</a:t>
+            </a:r>
+            <a:endParaRPr lang="de-CH" sz="1200" b="1" dirty="0"/>
+          </a:p>
+        </p:txBody>
+      </p:sp>
     </p:spTree>
     <p:extLst>
       <p:ext uri="{BB962C8B-B14F-4D97-AF65-F5344CB8AC3E}">
@@ -17716,7 +14676,7 @@
 </p:sld>
 </file>
 
-<file path=ppt/slides/slide5.xml><?xml version="1.0" encoding="utf-8"?>
+<file path=ppt/slides/slide4.xml><?xml version="1.0" encoding="utf-8"?>
 <p:sld xmlns:a="http://schemas.openxmlformats.org/drawingml/2006/main" xmlns:r="http://schemas.openxmlformats.org/officeDocument/2006/relationships" xmlns:p="http://schemas.openxmlformats.org/presentationml/2006/main">
   <p:cSld>
     <p:spTree>
@@ -17760,2310 +14720,8 @@
           <a:lstStyle/>
           <a:p>
             <a:fld id="{FC4AC485-25DE-431E-B345-9C0A15BB7F8A}" type="slidenum">
-              <a:rPr lang="en-US" sz="1400" smtClean="0"/>
-              <a:t>5</a:t>
-            </a:fld>
-            <a:endParaRPr lang="en-US" sz="1400" dirty="0"/>
-          </a:p>
-        </p:txBody>
-      </p:sp>
-      <p:sp>
-        <p:nvSpPr>
-          <p:cNvPr id="2" name="Text Placeholder 10">
-            <a:extLst>
-              <a:ext uri="{FF2B5EF4-FFF2-40B4-BE49-F238E27FC236}">
-                <a16:creationId xmlns:a16="http://schemas.microsoft.com/office/drawing/2014/main" id="{0E0DAD8A-94CD-EADA-C24A-D442928BA111}"/>
-              </a:ext>
-            </a:extLst>
-          </p:cNvPr>
-          <p:cNvSpPr txBox="1">
-            <a:spLocks/>
-          </p:cNvSpPr>
-          <p:nvPr/>
-        </p:nvSpPr>
-        <p:spPr bwMode="black">
-          <a:xfrm>
-            <a:off x="2823598" y="1891619"/>
-            <a:ext cx="3530068" cy="926996"/>
-          </a:xfrm>
-          <a:prstGeom prst="rect">
-            <a:avLst/>
-          </a:prstGeom>
-        </p:spPr>
-        <p:txBody>
-          <a:bodyPr lIns="0" tIns="28800" rIns="0" bIns="28800" anchor="b"/>
-          <a:lstStyle>
-            <a:lvl1pPr marL="0" indent="0" algn="l" defTabSz="914400" rtl="0" eaLnBrk="1" latinLnBrk="0" hangingPunct="1">
-              <a:lnSpc>
-                <a:spcPct val="90000"/>
-              </a:lnSpc>
-              <a:spcBef>
-                <a:spcPts val="0"/>
-              </a:spcBef>
-              <a:spcAft>
-                <a:spcPts val="0"/>
-              </a:spcAft>
-              <a:buFont typeface="Arial" panose="020B0604020202020204" pitchFamily="34" charset="0"/>
-              <a:buNone/>
-              <a:defRPr sz="3200" b="1" kern="1200">
-                <a:solidFill>
-                  <a:schemeClr val="tx1"/>
-                </a:solidFill>
-                <a:latin typeface="+mj-lt"/>
-                <a:ea typeface="+mn-ea"/>
-                <a:cs typeface="+mn-cs"/>
-              </a:defRPr>
-            </a:lvl1pPr>
-            <a:lvl2pPr marL="0" indent="0" algn="l" defTabSz="914400" rtl="0" eaLnBrk="1" latinLnBrk="0" hangingPunct="1">
-              <a:lnSpc>
-                <a:spcPct val="90000"/>
-              </a:lnSpc>
-              <a:spcBef>
-                <a:spcPts val="0"/>
-              </a:spcBef>
-              <a:spcAft>
-                <a:spcPts val="0"/>
-              </a:spcAft>
-              <a:buFont typeface="Arial" panose="020B0604020202020204" pitchFamily="34" charset="0"/>
-              <a:buNone/>
-              <a:defRPr sz="3200" b="1" kern="1200">
-                <a:solidFill>
-                  <a:schemeClr val="tx1"/>
-                </a:solidFill>
-                <a:latin typeface="+mj-lt"/>
-                <a:ea typeface="+mn-ea"/>
-                <a:cs typeface="+mn-cs"/>
-              </a:defRPr>
-            </a:lvl2pPr>
-            <a:lvl3pPr marL="0" indent="0" algn="l" defTabSz="914400" rtl="0" eaLnBrk="1" latinLnBrk="0" hangingPunct="1">
-              <a:lnSpc>
-                <a:spcPct val="90000"/>
-              </a:lnSpc>
-              <a:spcBef>
-                <a:spcPts val="0"/>
-              </a:spcBef>
-              <a:spcAft>
-                <a:spcPts val="0"/>
-              </a:spcAft>
-              <a:buFont typeface="TheSans Swisscom Light" panose="020B0300040303060204" pitchFamily="34" charset="0"/>
-              <a:buNone/>
-              <a:defRPr sz="3200" b="1" kern="1200">
-                <a:solidFill>
-                  <a:schemeClr val="tx1"/>
-                </a:solidFill>
-                <a:latin typeface="+mj-lt"/>
-                <a:ea typeface="+mn-ea"/>
-                <a:cs typeface="+mn-cs"/>
-              </a:defRPr>
-            </a:lvl3pPr>
-            <a:lvl4pPr marL="0" indent="0" algn="l" defTabSz="914400" rtl="0" eaLnBrk="1" latinLnBrk="0" hangingPunct="1">
-              <a:lnSpc>
-                <a:spcPct val="90000"/>
-              </a:lnSpc>
-              <a:spcBef>
-                <a:spcPts val="0"/>
-              </a:spcBef>
-              <a:spcAft>
-                <a:spcPts val="0"/>
-              </a:spcAft>
-              <a:buFont typeface="TheSans Swisscom Light" panose="020B0300040303060204" pitchFamily="34" charset="0"/>
-              <a:buNone/>
-              <a:defRPr sz="3200" b="1" kern="1200">
-                <a:solidFill>
-                  <a:schemeClr val="tx1"/>
-                </a:solidFill>
-                <a:latin typeface="+mj-lt"/>
-                <a:ea typeface="+mn-ea"/>
-                <a:cs typeface="+mn-cs"/>
-              </a:defRPr>
-            </a:lvl4pPr>
-            <a:lvl5pPr marL="0" indent="0" algn="l" defTabSz="914400" rtl="0" eaLnBrk="1" latinLnBrk="0" hangingPunct="1">
-              <a:lnSpc>
-                <a:spcPct val="90000"/>
-              </a:lnSpc>
-              <a:spcBef>
-                <a:spcPts val="0"/>
-              </a:spcBef>
-              <a:spcAft>
-                <a:spcPts val="0"/>
-              </a:spcAft>
-              <a:buFont typeface="TheSans Swisscom Light" panose="020B0300040303060204" pitchFamily="34" charset="0"/>
-              <a:buNone/>
-              <a:defRPr sz="3200" b="1" kern="1200">
-                <a:solidFill>
-                  <a:schemeClr val="tx1"/>
-                </a:solidFill>
-                <a:latin typeface="+mj-lt"/>
-                <a:ea typeface="+mn-ea"/>
-                <a:cs typeface="+mn-cs"/>
-              </a:defRPr>
-            </a:lvl5pPr>
-            <a:lvl6pPr marL="0" indent="0" algn="l" defTabSz="914400" rtl="0" eaLnBrk="1" latinLnBrk="0" hangingPunct="1">
-              <a:lnSpc>
-                <a:spcPct val="90000"/>
-              </a:lnSpc>
-              <a:spcBef>
-                <a:spcPts val="0"/>
-              </a:spcBef>
-              <a:spcAft>
-                <a:spcPts val="0"/>
-              </a:spcAft>
-              <a:buFont typeface="TheSans Swisscom Light" panose="020B0300040303060204" pitchFamily="34" charset="0"/>
-              <a:buNone/>
-              <a:defRPr sz="3200" b="1" kern="1200">
-                <a:solidFill>
-                  <a:schemeClr val="tx1"/>
-                </a:solidFill>
-                <a:latin typeface="+mj-lt"/>
-                <a:ea typeface="+mn-ea"/>
-                <a:cs typeface="+mn-cs"/>
-              </a:defRPr>
-            </a:lvl6pPr>
-            <a:lvl7pPr marL="0" indent="0" algn="l" defTabSz="914400" rtl="0" eaLnBrk="1" latinLnBrk="0" hangingPunct="1">
-              <a:lnSpc>
-                <a:spcPct val="90000"/>
-              </a:lnSpc>
-              <a:spcBef>
-                <a:spcPts val="0"/>
-              </a:spcBef>
-              <a:spcAft>
-                <a:spcPts val="0"/>
-              </a:spcAft>
-              <a:buFont typeface="TheSans Swisscom Light" panose="020B0300040303060204" pitchFamily="34" charset="0"/>
-              <a:buNone/>
-              <a:defRPr sz="3200" b="1" kern="1200">
-                <a:solidFill>
-                  <a:schemeClr val="tx1"/>
-                </a:solidFill>
-                <a:latin typeface="+mj-lt"/>
-                <a:ea typeface="+mn-ea"/>
-                <a:cs typeface="+mn-cs"/>
-              </a:defRPr>
-            </a:lvl7pPr>
-            <a:lvl8pPr marL="0" indent="0" algn="l" defTabSz="914400" rtl="0" eaLnBrk="1" latinLnBrk="0" hangingPunct="1">
-              <a:lnSpc>
-                <a:spcPct val="90000"/>
-              </a:lnSpc>
-              <a:spcBef>
-                <a:spcPts val="0"/>
-              </a:spcBef>
-              <a:spcAft>
-                <a:spcPts val="0"/>
-              </a:spcAft>
-              <a:buFont typeface="TheSans Swisscom Light" panose="020B0300040303060204" pitchFamily="34" charset="0"/>
-              <a:buNone/>
-              <a:defRPr sz="3200" b="1" kern="1200">
-                <a:solidFill>
-                  <a:schemeClr val="tx1"/>
-                </a:solidFill>
-                <a:latin typeface="+mj-lt"/>
-                <a:ea typeface="+mn-ea"/>
-                <a:cs typeface="+mn-cs"/>
-              </a:defRPr>
-            </a:lvl8pPr>
-            <a:lvl9pPr marL="0" indent="0" algn="l" defTabSz="914400" rtl="0" eaLnBrk="1" latinLnBrk="0" hangingPunct="1">
-              <a:lnSpc>
-                <a:spcPct val="90000"/>
-              </a:lnSpc>
-              <a:spcBef>
-                <a:spcPts val="0"/>
-              </a:spcBef>
-              <a:spcAft>
-                <a:spcPts val="0"/>
-              </a:spcAft>
-              <a:buFont typeface="TheSans Swisscom Light" panose="020B0300040303060204" pitchFamily="34" charset="0"/>
-              <a:buNone/>
-              <a:defRPr sz="3200" b="1" kern="1200">
-                <a:solidFill>
-                  <a:schemeClr val="tx1"/>
-                </a:solidFill>
-                <a:latin typeface="+mj-lt"/>
-                <a:ea typeface="+mn-ea"/>
-                <a:cs typeface="+mn-cs"/>
-              </a:defRPr>
-            </a:lvl9pPr>
-          </a:lstStyle>
-          <a:p>
-            <a:r>
-              <a:rPr lang="en-US" spc="-50" dirty="0"/>
-              <a:t>Network Anomaly Detection</a:t>
-            </a:r>
-          </a:p>
-        </p:txBody>
-      </p:sp>
-      <p:sp>
-        <p:nvSpPr>
-          <p:cNvPr id="3" name="Inhaltsplatzhalter 2">
-            <a:extLst>
-              <a:ext uri="{FF2B5EF4-FFF2-40B4-BE49-F238E27FC236}">
-                <a16:creationId xmlns:a16="http://schemas.microsoft.com/office/drawing/2014/main" id="{01913334-AF3D-1C65-5BD7-83A59BC04A95}"/>
-              </a:ext>
-            </a:extLst>
-          </p:cNvPr>
-          <p:cNvSpPr txBox="1">
-            <a:spLocks/>
-          </p:cNvSpPr>
-          <p:nvPr/>
-        </p:nvSpPr>
-        <p:spPr bwMode="black">
-          <a:xfrm>
-            <a:off x="1033895" y="3414211"/>
-            <a:ext cx="5806744" cy="2842871"/>
-          </a:xfrm>
-          <a:prstGeom prst="rect">
-            <a:avLst/>
-          </a:prstGeom>
-        </p:spPr>
-        <p:txBody>
-          <a:bodyPr wrap="square" lIns="0" tIns="0" rIns="0" bIns="0"/>
-          <a:lstStyle>
-            <a:lvl1pPr marL="0" indent="0" algn="l" defTabSz="914400" rtl="0" eaLnBrk="1" latinLnBrk="0" hangingPunct="1">
-              <a:lnSpc>
-                <a:spcPct val="110000"/>
-              </a:lnSpc>
-              <a:spcBef>
-                <a:spcPts val="600"/>
-              </a:spcBef>
-              <a:spcAft>
-                <a:spcPts val="600"/>
-              </a:spcAft>
-              <a:buFont typeface="Arial" panose="020B0604020202020204" pitchFamily="34" charset="0"/>
-              <a:buNone/>
-              <a:defRPr sz="2000" b="0" kern="1200">
-                <a:solidFill>
-                  <a:schemeClr val="tx1"/>
-                </a:solidFill>
-                <a:latin typeface="+mn-lt"/>
-                <a:ea typeface="+mn-ea"/>
-                <a:cs typeface="+mn-cs"/>
-              </a:defRPr>
-            </a:lvl1pPr>
-            <a:lvl2pPr marL="216000" indent="-216000" algn="l" defTabSz="914400" rtl="0" eaLnBrk="1" latinLnBrk="0" hangingPunct="1">
-              <a:lnSpc>
-                <a:spcPct val="110000"/>
-              </a:lnSpc>
-              <a:spcBef>
-                <a:spcPts val="200"/>
-              </a:spcBef>
-              <a:spcAft>
-                <a:spcPts val="200"/>
-              </a:spcAft>
-              <a:buFont typeface="Arial" panose="020B0604020202020204" pitchFamily="34" charset="0"/>
-              <a:buChar char="•"/>
-              <a:defRPr sz="2000" kern="1200">
-                <a:solidFill>
-                  <a:schemeClr val="tx1"/>
-                </a:solidFill>
-                <a:latin typeface="+mn-lt"/>
-                <a:ea typeface="+mn-ea"/>
-                <a:cs typeface="+mn-cs"/>
-              </a:defRPr>
-            </a:lvl2pPr>
-            <a:lvl3pPr marL="504000" indent="-288000" algn="l" defTabSz="914400" rtl="0" eaLnBrk="1" latinLnBrk="0" hangingPunct="1">
-              <a:lnSpc>
-                <a:spcPct val="110000"/>
-              </a:lnSpc>
-              <a:spcBef>
-                <a:spcPts val="200"/>
-              </a:spcBef>
-              <a:spcAft>
-                <a:spcPts val="200"/>
-              </a:spcAft>
-              <a:buFont typeface="TheSans Swisscom Light" panose="020B0300040303060204" pitchFamily="34" charset="0"/>
-              <a:buChar char="−"/>
-              <a:defRPr sz="2000" kern="1200">
-                <a:solidFill>
-                  <a:schemeClr val="tx1"/>
-                </a:solidFill>
-                <a:latin typeface="+mn-lt"/>
-                <a:ea typeface="+mn-ea"/>
-                <a:cs typeface="+mn-cs"/>
-              </a:defRPr>
-            </a:lvl3pPr>
-            <a:lvl4pPr marL="792000" indent="-288000" algn="l" defTabSz="914400" rtl="0" eaLnBrk="1" latinLnBrk="0" hangingPunct="1">
-              <a:lnSpc>
-                <a:spcPct val="110000"/>
-              </a:lnSpc>
-              <a:spcBef>
-                <a:spcPts val="200"/>
-              </a:spcBef>
-              <a:spcAft>
-                <a:spcPts val="200"/>
-              </a:spcAft>
-              <a:buFont typeface="TheSans Swisscom Light" panose="020B0300040303060204" pitchFamily="34" charset="0"/>
-              <a:buChar char="−"/>
-              <a:defRPr sz="2000" kern="1200">
-                <a:solidFill>
-                  <a:schemeClr val="tx1"/>
-                </a:solidFill>
-                <a:latin typeface="+mn-lt"/>
-                <a:ea typeface="+mn-ea"/>
-                <a:cs typeface="+mn-cs"/>
-              </a:defRPr>
-            </a:lvl4pPr>
-            <a:lvl5pPr marL="792000" indent="-288000" algn="l" defTabSz="914400" rtl="0" eaLnBrk="1" latinLnBrk="0" hangingPunct="1">
-              <a:lnSpc>
-                <a:spcPct val="110000"/>
-              </a:lnSpc>
-              <a:spcBef>
-                <a:spcPts val="200"/>
-              </a:spcBef>
-              <a:spcAft>
-                <a:spcPts val="200"/>
-              </a:spcAft>
-              <a:buFont typeface="TheSans Swisscom Light" panose="020B0300040303060204" pitchFamily="34" charset="0"/>
-              <a:buChar char="−"/>
-              <a:defRPr sz="2000" kern="1200">
-                <a:solidFill>
-                  <a:schemeClr val="tx1"/>
-                </a:solidFill>
-                <a:latin typeface="+mn-lt"/>
-                <a:ea typeface="+mn-ea"/>
-                <a:cs typeface="+mn-cs"/>
-              </a:defRPr>
-            </a:lvl5pPr>
-            <a:lvl6pPr marL="792000" indent="-288000" algn="l" defTabSz="914400" rtl="0" eaLnBrk="1" latinLnBrk="0" hangingPunct="1">
-              <a:lnSpc>
-                <a:spcPct val="110000"/>
-              </a:lnSpc>
-              <a:spcBef>
-                <a:spcPts val="200"/>
-              </a:spcBef>
-              <a:spcAft>
-                <a:spcPts val="200"/>
-              </a:spcAft>
-              <a:buFont typeface="TheSans Swisscom Light" panose="020B0300040303060204" pitchFamily="34" charset="0"/>
-              <a:buChar char="−"/>
-              <a:defRPr sz="2000" kern="1200">
-                <a:solidFill>
-                  <a:schemeClr val="tx1"/>
-                </a:solidFill>
-                <a:latin typeface="+mn-lt"/>
-                <a:ea typeface="+mn-ea"/>
-                <a:cs typeface="+mn-cs"/>
-              </a:defRPr>
-            </a:lvl6pPr>
-            <a:lvl7pPr marL="792000" indent="-288000" algn="l" defTabSz="914400" rtl="0" eaLnBrk="1" latinLnBrk="0" hangingPunct="1">
-              <a:lnSpc>
-                <a:spcPct val="110000"/>
-              </a:lnSpc>
-              <a:spcBef>
-                <a:spcPts val="200"/>
-              </a:spcBef>
-              <a:spcAft>
-                <a:spcPts val="200"/>
-              </a:spcAft>
-              <a:buFont typeface="TheSans Swisscom Light" panose="020B0300040303060204" pitchFamily="34" charset="0"/>
-              <a:buChar char="−"/>
-              <a:defRPr sz="2000" kern="1200">
-                <a:solidFill>
-                  <a:schemeClr val="tx1"/>
-                </a:solidFill>
-                <a:latin typeface="+mn-lt"/>
-                <a:ea typeface="+mn-ea"/>
-                <a:cs typeface="+mn-cs"/>
-              </a:defRPr>
-            </a:lvl7pPr>
-            <a:lvl8pPr marL="792000" indent="-288000" algn="l" defTabSz="914400" rtl="0" eaLnBrk="1" latinLnBrk="0" hangingPunct="1">
-              <a:lnSpc>
-                <a:spcPct val="110000"/>
-              </a:lnSpc>
-              <a:spcBef>
-                <a:spcPts val="200"/>
-              </a:spcBef>
-              <a:spcAft>
-                <a:spcPts val="200"/>
-              </a:spcAft>
-              <a:buFont typeface="TheSans Swisscom Light" panose="020B0300040303060204" pitchFamily="34" charset="0"/>
-              <a:buChar char="−"/>
-              <a:defRPr sz="2000" kern="1200">
-                <a:solidFill>
-                  <a:schemeClr val="tx1"/>
-                </a:solidFill>
-                <a:latin typeface="+mn-lt"/>
-                <a:ea typeface="+mn-ea"/>
-                <a:cs typeface="+mn-cs"/>
-              </a:defRPr>
-            </a:lvl8pPr>
-            <a:lvl9pPr marL="792000" indent="-288000" algn="l" defTabSz="914400" rtl="0" eaLnBrk="1" latinLnBrk="0" hangingPunct="1">
-              <a:lnSpc>
-                <a:spcPct val="110000"/>
-              </a:lnSpc>
-              <a:spcBef>
-                <a:spcPts val="200"/>
-              </a:spcBef>
-              <a:spcAft>
-                <a:spcPts val="200"/>
-              </a:spcAft>
-              <a:buFont typeface="TheSans Swisscom Light" panose="020B0300040303060204" pitchFamily="34" charset="0"/>
-              <a:buChar char="−"/>
-              <a:defRPr sz="2000" kern="1200">
-                <a:solidFill>
-                  <a:schemeClr val="tx1"/>
-                </a:solidFill>
-                <a:latin typeface="+mn-lt"/>
-                <a:ea typeface="+mn-ea"/>
-                <a:cs typeface="+mn-cs"/>
-              </a:defRPr>
-            </a:lvl9pPr>
-          </a:lstStyle>
-          <a:p>
-            <a:r>
-              <a:rPr lang="en-US" b="1" dirty="0">
-                <a:solidFill>
-                  <a:srgbClr val="FF0000"/>
-                </a:solidFill>
-              </a:rPr>
-              <a:t>For VPNs</a:t>
-            </a:r>
-            <a:r>
-              <a:rPr lang="en-US" dirty="0"/>
-              <a:t>, Network Anomaly Detection </a:t>
-            </a:r>
-            <a:r>
-              <a:rPr lang="en-US" b="1" dirty="0">
-                <a:solidFill>
-                  <a:srgbClr val="FF0000"/>
-                </a:solidFill>
-              </a:rPr>
-              <a:t>constantly monitors and detects any network or device topology changes</a:t>
-            </a:r>
-            <a:r>
-              <a:rPr lang="en-US" dirty="0"/>
-              <a:t>, along with their associated forwarding consequences for customers as outliers. Notifications are sent to the Network Operation Center before the customer is aware of service disruptions. </a:t>
-            </a:r>
-            <a:r>
-              <a:rPr lang="en-US" b="1" dirty="0">
-                <a:solidFill>
-                  <a:srgbClr val="FF0000"/>
-                </a:solidFill>
-              </a:rPr>
-              <a:t>It offers operational metrics for in-depth analysis,</a:t>
-            </a:r>
-            <a:r>
-              <a:rPr lang="en-US" dirty="0">
-                <a:solidFill>
-                  <a:srgbClr val="FF0000"/>
-                </a:solidFill>
-              </a:rPr>
-              <a:t> </a:t>
-            </a:r>
-            <a:r>
-              <a:rPr lang="en-US" dirty="0"/>
-              <a:t>allowing to understand on which platform the problem originates and facilitates problem resolution. </a:t>
-            </a:r>
-          </a:p>
-        </p:txBody>
-      </p:sp>
-      <p:sp>
-        <p:nvSpPr>
-          <p:cNvPr id="4" name="Inhaltsplatzhalter 1">
-            <a:extLst>
-              <a:ext uri="{FF2B5EF4-FFF2-40B4-BE49-F238E27FC236}">
-                <a16:creationId xmlns:a16="http://schemas.microsoft.com/office/drawing/2014/main" id="{24F2E4A1-9E2D-0EF1-0811-4E46B062701C}"/>
-              </a:ext>
-            </a:extLst>
-          </p:cNvPr>
-          <p:cNvSpPr txBox="1">
-            <a:spLocks/>
-          </p:cNvSpPr>
-          <p:nvPr/>
-        </p:nvSpPr>
-        <p:spPr bwMode="black">
-          <a:xfrm>
-            <a:off x="7514368" y="1734999"/>
-            <a:ext cx="4391685" cy="4842300"/>
-          </a:xfrm>
-          <a:prstGeom prst="rect">
-            <a:avLst/>
-          </a:prstGeom>
-        </p:spPr>
-        <p:txBody>
-          <a:bodyPr lIns="0" tIns="0" rIns="0" bIns="0" anchor="t"/>
-          <a:lstStyle>
-            <a:lvl1pPr marL="0" indent="0" algn="l" defTabSz="914400" rtl="0" eaLnBrk="1" latinLnBrk="0" hangingPunct="1">
-              <a:lnSpc>
-                <a:spcPct val="110000"/>
-              </a:lnSpc>
-              <a:spcBef>
-                <a:spcPts val="600"/>
-              </a:spcBef>
-              <a:spcAft>
-                <a:spcPts val="600"/>
-              </a:spcAft>
-              <a:buFont typeface="Arial" panose="020B0604020202020204" pitchFamily="34" charset="0"/>
-              <a:buNone/>
-              <a:defRPr sz="1600" b="0" kern="1200">
-                <a:solidFill>
-                  <a:schemeClr val="tx1"/>
-                </a:solidFill>
-                <a:latin typeface="+mn-lt"/>
-                <a:ea typeface="+mn-ea"/>
-                <a:cs typeface="+mn-cs"/>
-              </a:defRPr>
-            </a:lvl1pPr>
-            <a:lvl2pPr marL="180000" indent="-180000" algn="l" defTabSz="914400" rtl="0" eaLnBrk="1" latinLnBrk="0" hangingPunct="1">
-              <a:lnSpc>
-                <a:spcPct val="110000"/>
-              </a:lnSpc>
-              <a:spcBef>
-                <a:spcPts val="200"/>
-              </a:spcBef>
-              <a:spcAft>
-                <a:spcPts val="200"/>
-              </a:spcAft>
-              <a:buFont typeface="Arial" panose="020B0604020202020204" pitchFamily="34" charset="0"/>
-              <a:buChar char="•"/>
-              <a:defRPr sz="1600" kern="1200">
-                <a:solidFill>
-                  <a:schemeClr val="tx1"/>
-                </a:solidFill>
-                <a:latin typeface="+mn-lt"/>
-                <a:ea typeface="+mn-ea"/>
-                <a:cs typeface="+mn-cs"/>
-              </a:defRPr>
-            </a:lvl2pPr>
-            <a:lvl3pPr marL="360000" indent="-180000" algn="l" defTabSz="914400" rtl="0" eaLnBrk="1" latinLnBrk="0" hangingPunct="1">
-              <a:lnSpc>
-                <a:spcPct val="110000"/>
-              </a:lnSpc>
-              <a:spcBef>
-                <a:spcPts val="200"/>
-              </a:spcBef>
-              <a:spcAft>
-                <a:spcPts val="200"/>
-              </a:spcAft>
-              <a:buFont typeface="TheSans Swisscom Light" panose="020B0300040303060204" pitchFamily="34" charset="0"/>
-              <a:buChar char="−"/>
-              <a:defRPr sz="1600" kern="1200">
-                <a:solidFill>
-                  <a:schemeClr val="tx1"/>
-                </a:solidFill>
-                <a:latin typeface="+mn-lt"/>
-                <a:ea typeface="+mn-ea"/>
-                <a:cs typeface="+mn-cs"/>
-              </a:defRPr>
-            </a:lvl3pPr>
-            <a:lvl4pPr marL="540000" indent="-180000" algn="l" defTabSz="914400" rtl="0" eaLnBrk="1" latinLnBrk="0" hangingPunct="1">
-              <a:lnSpc>
-                <a:spcPct val="110000"/>
-              </a:lnSpc>
-              <a:spcBef>
-                <a:spcPts val="200"/>
-              </a:spcBef>
-              <a:spcAft>
-                <a:spcPts val="200"/>
-              </a:spcAft>
-              <a:buFont typeface="TheSans Swisscom Light" panose="020B0300040303060204" pitchFamily="34" charset="0"/>
-              <a:buChar char="−"/>
-              <a:defRPr sz="1600" kern="1200">
-                <a:solidFill>
-                  <a:schemeClr val="tx1"/>
-                </a:solidFill>
-                <a:latin typeface="+mn-lt"/>
-                <a:ea typeface="+mn-ea"/>
-                <a:cs typeface="+mn-cs"/>
-              </a:defRPr>
-            </a:lvl4pPr>
-            <a:lvl5pPr marL="540000" indent="-180000" algn="l" defTabSz="914400" rtl="0" eaLnBrk="1" latinLnBrk="0" hangingPunct="1">
-              <a:lnSpc>
-                <a:spcPct val="110000"/>
-              </a:lnSpc>
-              <a:spcBef>
-                <a:spcPts val="200"/>
-              </a:spcBef>
-              <a:spcAft>
-                <a:spcPts val="200"/>
-              </a:spcAft>
-              <a:buFont typeface="TheSans Swisscom Light" panose="020B0300040303060204" pitchFamily="34" charset="0"/>
-              <a:buChar char="−"/>
-              <a:defRPr sz="1600" kern="1200">
-                <a:solidFill>
-                  <a:schemeClr val="tx1"/>
-                </a:solidFill>
-                <a:latin typeface="+mn-lt"/>
-                <a:ea typeface="+mn-ea"/>
-                <a:cs typeface="+mn-cs"/>
-              </a:defRPr>
-            </a:lvl5pPr>
-            <a:lvl6pPr marL="540000" indent="-180000" algn="l" defTabSz="914400" rtl="0" eaLnBrk="1" latinLnBrk="0" hangingPunct="1">
-              <a:lnSpc>
-                <a:spcPct val="110000"/>
-              </a:lnSpc>
-              <a:spcBef>
-                <a:spcPts val="200"/>
-              </a:spcBef>
-              <a:spcAft>
-                <a:spcPts val="200"/>
-              </a:spcAft>
-              <a:buFont typeface="TheSans Swisscom Light" panose="020B0300040303060204" pitchFamily="34" charset="0"/>
-              <a:buChar char="−"/>
-              <a:defRPr sz="1600" kern="1200">
-                <a:solidFill>
-                  <a:schemeClr val="tx1"/>
-                </a:solidFill>
-                <a:latin typeface="+mn-lt"/>
-                <a:ea typeface="+mn-ea"/>
-                <a:cs typeface="+mn-cs"/>
-              </a:defRPr>
-            </a:lvl6pPr>
-            <a:lvl7pPr marL="540000" indent="-180000" algn="l" defTabSz="914400" rtl="0" eaLnBrk="1" latinLnBrk="0" hangingPunct="1">
-              <a:lnSpc>
-                <a:spcPct val="110000"/>
-              </a:lnSpc>
-              <a:spcBef>
-                <a:spcPts val="200"/>
-              </a:spcBef>
-              <a:spcAft>
-                <a:spcPts val="200"/>
-              </a:spcAft>
-              <a:buFont typeface="TheSans Swisscom Light" panose="020B0300040303060204" pitchFamily="34" charset="0"/>
-              <a:buChar char="−"/>
-              <a:defRPr sz="1600" kern="1200">
-                <a:solidFill>
-                  <a:schemeClr val="tx1"/>
-                </a:solidFill>
-                <a:latin typeface="+mn-lt"/>
-                <a:ea typeface="+mn-ea"/>
-                <a:cs typeface="+mn-cs"/>
-              </a:defRPr>
-            </a:lvl7pPr>
-            <a:lvl8pPr marL="540000" indent="-180000" algn="l" defTabSz="914400" rtl="0" eaLnBrk="1" latinLnBrk="0" hangingPunct="1">
-              <a:lnSpc>
-                <a:spcPct val="110000"/>
-              </a:lnSpc>
-              <a:spcBef>
-                <a:spcPts val="200"/>
-              </a:spcBef>
-              <a:spcAft>
-                <a:spcPts val="200"/>
-              </a:spcAft>
-              <a:buFont typeface="TheSans Swisscom Light" panose="020B0300040303060204" pitchFamily="34" charset="0"/>
-              <a:buChar char="−"/>
-              <a:defRPr sz="1600" kern="1200">
-                <a:solidFill>
-                  <a:schemeClr val="tx1"/>
-                </a:solidFill>
-                <a:latin typeface="+mn-lt"/>
-                <a:ea typeface="+mn-ea"/>
-                <a:cs typeface="+mn-cs"/>
-              </a:defRPr>
-            </a:lvl8pPr>
-            <a:lvl9pPr marL="540000" indent="-180000" algn="l" defTabSz="914400" rtl="0" eaLnBrk="1" latinLnBrk="0" hangingPunct="1">
-              <a:lnSpc>
-                <a:spcPct val="110000"/>
-              </a:lnSpc>
-              <a:spcBef>
-                <a:spcPts val="200"/>
-              </a:spcBef>
-              <a:spcAft>
-                <a:spcPts val="200"/>
-              </a:spcAft>
-              <a:buFont typeface="TheSans Swisscom Light" panose="020B0300040303060204" pitchFamily="34" charset="0"/>
-              <a:buChar char="−"/>
-              <a:defRPr sz="1600" kern="1200">
-                <a:solidFill>
-                  <a:schemeClr val="tx1"/>
-                </a:solidFill>
-                <a:latin typeface="+mn-lt"/>
-                <a:ea typeface="+mn-ea"/>
-                <a:cs typeface="+mn-cs"/>
-              </a:defRPr>
-            </a:lvl9pPr>
-          </a:lstStyle>
-          <a:p>
-            <a:r>
-              <a:rPr lang="en-US" sz="1800" b="1" dirty="0"/>
-              <a:t>Answers</a:t>
-            </a:r>
-          </a:p>
-          <a:p>
-            <a:pPr>
-              <a:spcBef>
-                <a:spcPts val="0"/>
-              </a:spcBef>
-              <a:spcAft>
-                <a:spcPts val="0"/>
-              </a:spcAft>
-            </a:pPr>
-            <a:r>
-              <a:rPr lang="en-US" sz="1800" dirty="0"/>
-              <a:t>What changed and when, on which connectivity service, and how does it impact the customers?</a:t>
-            </a:r>
-          </a:p>
-          <a:p>
-            <a:r>
-              <a:rPr lang="en-US" sz="1800" b="1" dirty="0"/>
-              <a:t>Focuses</a:t>
-            </a:r>
-          </a:p>
-          <a:p>
-            <a:pPr>
-              <a:spcBef>
-                <a:spcPts val="0"/>
-              </a:spcBef>
-              <a:spcAft>
-                <a:spcPts val="0"/>
-              </a:spcAft>
-            </a:pPr>
-            <a:r>
-              <a:rPr lang="en-US" sz="1800" dirty="0"/>
-              <a:t>Provides meaningful connectivity service impact information before customer is aware of and support in root-cause analysis.</a:t>
-            </a:r>
-          </a:p>
-          <a:p>
-            <a:r>
-              <a:rPr lang="en-US" sz="1800" b="1" dirty="0"/>
-              <a:t>Data Mesh</a:t>
-            </a:r>
-          </a:p>
-          <a:p>
-            <a:pPr>
-              <a:spcBef>
-                <a:spcPts val="0"/>
-              </a:spcBef>
-              <a:spcAft>
-                <a:spcPts val="0"/>
-              </a:spcAft>
-            </a:pPr>
-            <a:r>
-              <a:rPr lang="en-US" sz="1800" dirty="0"/>
-              <a:t>Consumes operational real-time Forwarding Plane, Control Plane and Management Plane metrics and produces analytical alerts.</a:t>
-            </a:r>
-          </a:p>
-          <a:p>
-            <a:r>
-              <a:rPr lang="en-US" sz="1800" b="1" dirty="0"/>
-              <a:t>Direction</a:t>
-            </a:r>
-          </a:p>
-          <a:p>
-            <a:pPr>
-              <a:spcBef>
-                <a:spcPts val="0"/>
-              </a:spcBef>
-              <a:spcAft>
-                <a:spcPts val="0"/>
-              </a:spcAft>
-            </a:pPr>
-            <a:r>
-              <a:rPr lang="en-US" sz="1800" dirty="0"/>
-              <a:t>From connectivity service to network platform.</a:t>
-            </a:r>
-          </a:p>
-        </p:txBody>
-      </p:sp>
-      <p:sp>
-        <p:nvSpPr>
-          <p:cNvPr id="7" name="Inhaltsplatzhalter 1">
-            <a:extLst>
-              <a:ext uri="{FF2B5EF4-FFF2-40B4-BE49-F238E27FC236}">
-                <a16:creationId xmlns:a16="http://schemas.microsoft.com/office/drawing/2014/main" id="{2727A73F-4E58-7304-CF16-627D8D6C87D5}"/>
-              </a:ext>
-            </a:extLst>
-          </p:cNvPr>
-          <p:cNvSpPr txBox="1">
-            <a:spLocks/>
-          </p:cNvSpPr>
-          <p:nvPr/>
-        </p:nvSpPr>
-        <p:spPr bwMode="black">
-          <a:xfrm>
-            <a:off x="7514369" y="3383533"/>
-            <a:ext cx="4032000" cy="1440000"/>
-          </a:xfrm>
-          <a:prstGeom prst="rect">
-            <a:avLst/>
-          </a:prstGeom>
-        </p:spPr>
-        <p:txBody>
-          <a:bodyPr lIns="0" tIns="0" rIns="0" bIns="0" anchor="t"/>
-          <a:lstStyle>
-            <a:lvl1pPr marL="0" indent="0" algn="l" defTabSz="914400" rtl="0" eaLnBrk="1" latinLnBrk="0" hangingPunct="1">
-              <a:lnSpc>
-                <a:spcPct val="110000"/>
-              </a:lnSpc>
-              <a:spcBef>
-                <a:spcPts val="600"/>
-              </a:spcBef>
-              <a:spcAft>
-                <a:spcPts val="600"/>
-              </a:spcAft>
-              <a:buFont typeface="Arial" panose="020B0604020202020204" pitchFamily="34" charset="0"/>
-              <a:buNone/>
-              <a:defRPr sz="1600" b="0" kern="1200">
-                <a:solidFill>
-                  <a:schemeClr val="tx1"/>
-                </a:solidFill>
-                <a:latin typeface="+mn-lt"/>
-                <a:ea typeface="+mn-ea"/>
-                <a:cs typeface="+mn-cs"/>
-              </a:defRPr>
-            </a:lvl1pPr>
-            <a:lvl2pPr marL="180000" indent="-180000" algn="l" defTabSz="914400" rtl="0" eaLnBrk="1" latinLnBrk="0" hangingPunct="1">
-              <a:lnSpc>
-                <a:spcPct val="110000"/>
-              </a:lnSpc>
-              <a:spcBef>
-                <a:spcPts val="200"/>
-              </a:spcBef>
-              <a:spcAft>
-                <a:spcPts val="200"/>
-              </a:spcAft>
-              <a:buFont typeface="Arial" panose="020B0604020202020204" pitchFamily="34" charset="0"/>
-              <a:buChar char="•"/>
-              <a:defRPr sz="1600" kern="1200">
-                <a:solidFill>
-                  <a:schemeClr val="tx1"/>
-                </a:solidFill>
-                <a:latin typeface="+mn-lt"/>
-                <a:ea typeface="+mn-ea"/>
-                <a:cs typeface="+mn-cs"/>
-              </a:defRPr>
-            </a:lvl2pPr>
-            <a:lvl3pPr marL="360000" indent="-180000" algn="l" defTabSz="914400" rtl="0" eaLnBrk="1" latinLnBrk="0" hangingPunct="1">
-              <a:lnSpc>
-                <a:spcPct val="110000"/>
-              </a:lnSpc>
-              <a:spcBef>
-                <a:spcPts val="200"/>
-              </a:spcBef>
-              <a:spcAft>
-                <a:spcPts val="200"/>
-              </a:spcAft>
-              <a:buFont typeface="TheSans Swisscom Light" panose="020B0300040303060204" pitchFamily="34" charset="0"/>
-              <a:buChar char="−"/>
-              <a:defRPr sz="1600" kern="1200">
-                <a:solidFill>
-                  <a:schemeClr val="tx1"/>
-                </a:solidFill>
-                <a:latin typeface="+mn-lt"/>
-                <a:ea typeface="+mn-ea"/>
-                <a:cs typeface="+mn-cs"/>
-              </a:defRPr>
-            </a:lvl3pPr>
-            <a:lvl4pPr marL="540000" indent="-180000" algn="l" defTabSz="914400" rtl="0" eaLnBrk="1" latinLnBrk="0" hangingPunct="1">
-              <a:lnSpc>
-                <a:spcPct val="110000"/>
-              </a:lnSpc>
-              <a:spcBef>
-                <a:spcPts val="200"/>
-              </a:spcBef>
-              <a:spcAft>
-                <a:spcPts val="200"/>
-              </a:spcAft>
-              <a:buFont typeface="TheSans Swisscom Light" panose="020B0300040303060204" pitchFamily="34" charset="0"/>
-              <a:buChar char="−"/>
-              <a:defRPr sz="1600" kern="1200">
-                <a:solidFill>
-                  <a:schemeClr val="tx1"/>
-                </a:solidFill>
-                <a:latin typeface="+mn-lt"/>
-                <a:ea typeface="+mn-ea"/>
-                <a:cs typeface="+mn-cs"/>
-              </a:defRPr>
-            </a:lvl4pPr>
-            <a:lvl5pPr marL="540000" indent="-180000" algn="l" defTabSz="914400" rtl="0" eaLnBrk="1" latinLnBrk="0" hangingPunct="1">
-              <a:lnSpc>
-                <a:spcPct val="110000"/>
-              </a:lnSpc>
-              <a:spcBef>
-                <a:spcPts val="200"/>
-              </a:spcBef>
-              <a:spcAft>
-                <a:spcPts val="200"/>
-              </a:spcAft>
-              <a:buFont typeface="TheSans Swisscom Light" panose="020B0300040303060204" pitchFamily="34" charset="0"/>
-              <a:buChar char="−"/>
-              <a:defRPr sz="1600" kern="1200">
-                <a:solidFill>
-                  <a:schemeClr val="tx1"/>
-                </a:solidFill>
-                <a:latin typeface="+mn-lt"/>
-                <a:ea typeface="+mn-ea"/>
-                <a:cs typeface="+mn-cs"/>
-              </a:defRPr>
-            </a:lvl5pPr>
-            <a:lvl6pPr marL="540000" indent="-180000" algn="l" defTabSz="914400" rtl="0" eaLnBrk="1" latinLnBrk="0" hangingPunct="1">
-              <a:lnSpc>
-                <a:spcPct val="110000"/>
-              </a:lnSpc>
-              <a:spcBef>
-                <a:spcPts val="200"/>
-              </a:spcBef>
-              <a:spcAft>
-                <a:spcPts val="200"/>
-              </a:spcAft>
-              <a:buFont typeface="TheSans Swisscom Light" panose="020B0300040303060204" pitchFamily="34" charset="0"/>
-              <a:buChar char="−"/>
-              <a:defRPr sz="1600" kern="1200">
-                <a:solidFill>
-                  <a:schemeClr val="tx1"/>
-                </a:solidFill>
-                <a:latin typeface="+mn-lt"/>
-                <a:ea typeface="+mn-ea"/>
-                <a:cs typeface="+mn-cs"/>
-              </a:defRPr>
-            </a:lvl6pPr>
-            <a:lvl7pPr marL="540000" indent="-180000" algn="l" defTabSz="914400" rtl="0" eaLnBrk="1" latinLnBrk="0" hangingPunct="1">
-              <a:lnSpc>
-                <a:spcPct val="110000"/>
-              </a:lnSpc>
-              <a:spcBef>
-                <a:spcPts val="200"/>
-              </a:spcBef>
-              <a:spcAft>
-                <a:spcPts val="200"/>
-              </a:spcAft>
-              <a:buFont typeface="TheSans Swisscom Light" panose="020B0300040303060204" pitchFamily="34" charset="0"/>
-              <a:buChar char="−"/>
-              <a:defRPr sz="1600" kern="1200">
-                <a:solidFill>
-                  <a:schemeClr val="tx1"/>
-                </a:solidFill>
-                <a:latin typeface="+mn-lt"/>
-                <a:ea typeface="+mn-ea"/>
-                <a:cs typeface="+mn-cs"/>
-              </a:defRPr>
-            </a:lvl7pPr>
-            <a:lvl8pPr marL="540000" indent="-180000" algn="l" defTabSz="914400" rtl="0" eaLnBrk="1" latinLnBrk="0" hangingPunct="1">
-              <a:lnSpc>
-                <a:spcPct val="110000"/>
-              </a:lnSpc>
-              <a:spcBef>
-                <a:spcPts val="200"/>
-              </a:spcBef>
-              <a:spcAft>
-                <a:spcPts val="200"/>
-              </a:spcAft>
-              <a:buFont typeface="TheSans Swisscom Light" panose="020B0300040303060204" pitchFamily="34" charset="0"/>
-              <a:buChar char="−"/>
-              <a:defRPr sz="1600" kern="1200">
-                <a:solidFill>
-                  <a:schemeClr val="tx1"/>
-                </a:solidFill>
-                <a:latin typeface="+mn-lt"/>
-                <a:ea typeface="+mn-ea"/>
-                <a:cs typeface="+mn-cs"/>
-              </a:defRPr>
-            </a:lvl8pPr>
-            <a:lvl9pPr marL="540000" indent="-180000" algn="l" defTabSz="914400" rtl="0" eaLnBrk="1" latinLnBrk="0" hangingPunct="1">
-              <a:lnSpc>
-                <a:spcPct val="110000"/>
-              </a:lnSpc>
-              <a:spcBef>
-                <a:spcPts val="200"/>
-              </a:spcBef>
-              <a:spcAft>
-                <a:spcPts val="200"/>
-              </a:spcAft>
-              <a:buFont typeface="TheSans Swisscom Light" panose="020B0300040303060204" pitchFamily="34" charset="0"/>
-              <a:buChar char="−"/>
-              <a:defRPr sz="1600" kern="1200">
-                <a:solidFill>
-                  <a:schemeClr val="tx1"/>
-                </a:solidFill>
-                <a:latin typeface="+mn-lt"/>
-                <a:ea typeface="+mn-ea"/>
-                <a:cs typeface="+mn-cs"/>
-              </a:defRPr>
-            </a:lvl9pPr>
-          </a:lstStyle>
-          <a:p>
-            <a:endParaRPr lang="en-US" dirty="0">
-              <a:solidFill>
-                <a:schemeClr val="bg2"/>
-              </a:solidFill>
-            </a:endParaRPr>
-          </a:p>
-        </p:txBody>
-      </p:sp>
-      <p:sp>
-        <p:nvSpPr>
-          <p:cNvPr id="8" name="Freeform 81">
-            <a:extLst>
-              <a:ext uri="{FF2B5EF4-FFF2-40B4-BE49-F238E27FC236}">
-                <a16:creationId xmlns:a16="http://schemas.microsoft.com/office/drawing/2014/main" id="{AC97AA67-80C3-B6F7-F631-98BE70FEFABA}"/>
-              </a:ext>
-            </a:extLst>
-          </p:cNvPr>
-          <p:cNvSpPr>
-            <a:spLocks noEditPoints="1"/>
-          </p:cNvSpPr>
-          <p:nvPr>
-            <p:custDataLst>
-              <p:tags r:id="rId1"/>
-            </p:custDataLst>
-          </p:nvPr>
-        </p:nvSpPr>
-        <p:spPr bwMode="black">
-          <a:xfrm>
-            <a:off x="6924136" y="3100652"/>
-            <a:ext cx="328612" cy="328612"/>
-          </a:xfrm>
-          <a:custGeom>
-            <a:avLst/>
-            <a:gdLst>
-              <a:gd name="T0" fmla="*/ 68 w 88"/>
-              <a:gd name="T1" fmla="*/ 36 h 88"/>
-              <a:gd name="T2" fmla="*/ 64 w 88"/>
-              <a:gd name="T3" fmla="*/ 40 h 88"/>
-              <a:gd name="T4" fmla="*/ 56 w 88"/>
-              <a:gd name="T5" fmla="*/ 40 h 88"/>
-              <a:gd name="T6" fmla="*/ 56 w 88"/>
-              <a:gd name="T7" fmla="*/ 48 h 88"/>
-              <a:gd name="T8" fmla="*/ 52 w 88"/>
-              <a:gd name="T9" fmla="*/ 52 h 88"/>
-              <a:gd name="T10" fmla="*/ 48 w 88"/>
-              <a:gd name="T11" fmla="*/ 48 h 88"/>
-              <a:gd name="T12" fmla="*/ 48 w 88"/>
-              <a:gd name="T13" fmla="*/ 40 h 88"/>
-              <a:gd name="T14" fmla="*/ 40 w 88"/>
-              <a:gd name="T15" fmla="*/ 40 h 88"/>
-              <a:gd name="T16" fmla="*/ 36 w 88"/>
-              <a:gd name="T17" fmla="*/ 36 h 88"/>
-              <a:gd name="T18" fmla="*/ 40 w 88"/>
-              <a:gd name="T19" fmla="*/ 32 h 88"/>
-              <a:gd name="T20" fmla="*/ 48 w 88"/>
-              <a:gd name="T21" fmla="*/ 32 h 88"/>
-              <a:gd name="T22" fmla="*/ 48 w 88"/>
-              <a:gd name="T23" fmla="*/ 24 h 88"/>
-              <a:gd name="T24" fmla="*/ 52 w 88"/>
-              <a:gd name="T25" fmla="*/ 20 h 88"/>
-              <a:gd name="T26" fmla="*/ 56 w 88"/>
-              <a:gd name="T27" fmla="*/ 24 h 88"/>
-              <a:gd name="T28" fmla="*/ 56 w 88"/>
-              <a:gd name="T29" fmla="*/ 32 h 88"/>
-              <a:gd name="T30" fmla="*/ 64 w 88"/>
-              <a:gd name="T31" fmla="*/ 32 h 88"/>
-              <a:gd name="T32" fmla="*/ 68 w 88"/>
-              <a:gd name="T33" fmla="*/ 36 h 88"/>
-              <a:gd name="T34" fmla="*/ 88 w 88"/>
-              <a:gd name="T35" fmla="*/ 36 h 88"/>
-              <a:gd name="T36" fmla="*/ 52 w 88"/>
-              <a:gd name="T37" fmla="*/ 72 h 88"/>
-              <a:gd name="T38" fmla="*/ 30 w 88"/>
-              <a:gd name="T39" fmla="*/ 64 h 88"/>
-              <a:gd name="T40" fmla="*/ 7 w 88"/>
-              <a:gd name="T41" fmla="*/ 87 h 88"/>
-              <a:gd name="T42" fmla="*/ 1 w 88"/>
-              <a:gd name="T43" fmla="*/ 87 h 88"/>
-              <a:gd name="T44" fmla="*/ 1 w 88"/>
-              <a:gd name="T45" fmla="*/ 81 h 88"/>
-              <a:gd name="T46" fmla="*/ 24 w 88"/>
-              <a:gd name="T47" fmla="*/ 58 h 88"/>
-              <a:gd name="T48" fmla="*/ 16 w 88"/>
-              <a:gd name="T49" fmla="*/ 36 h 88"/>
-              <a:gd name="T50" fmla="*/ 52 w 88"/>
-              <a:gd name="T51" fmla="*/ 0 h 88"/>
-              <a:gd name="T52" fmla="*/ 88 w 88"/>
-              <a:gd name="T53" fmla="*/ 36 h 88"/>
-              <a:gd name="T54" fmla="*/ 80 w 88"/>
-              <a:gd name="T55" fmla="*/ 36 h 88"/>
-              <a:gd name="T56" fmla="*/ 52 w 88"/>
-              <a:gd name="T57" fmla="*/ 8 h 88"/>
-              <a:gd name="T58" fmla="*/ 24 w 88"/>
-              <a:gd name="T59" fmla="*/ 36 h 88"/>
-              <a:gd name="T60" fmla="*/ 52 w 88"/>
-              <a:gd name="T61" fmla="*/ 64 h 88"/>
-              <a:gd name="T62" fmla="*/ 80 w 88"/>
-              <a:gd name="T63" fmla="*/ 36 h 88"/>
-            </a:gdLst>
-            <a:ahLst/>
-            <a:cxnLst>
-              <a:cxn ang="0">
-                <a:pos x="T0" y="T1"/>
-              </a:cxn>
-              <a:cxn ang="0">
-                <a:pos x="T2" y="T3"/>
-              </a:cxn>
-              <a:cxn ang="0">
-                <a:pos x="T4" y="T5"/>
-              </a:cxn>
-              <a:cxn ang="0">
-                <a:pos x="T6" y="T7"/>
-              </a:cxn>
-              <a:cxn ang="0">
-                <a:pos x="T8" y="T9"/>
-              </a:cxn>
-              <a:cxn ang="0">
-                <a:pos x="T10" y="T11"/>
-              </a:cxn>
-              <a:cxn ang="0">
-                <a:pos x="T12" y="T13"/>
-              </a:cxn>
-              <a:cxn ang="0">
-                <a:pos x="T14" y="T15"/>
-              </a:cxn>
-              <a:cxn ang="0">
-                <a:pos x="T16" y="T17"/>
-              </a:cxn>
-              <a:cxn ang="0">
-                <a:pos x="T18" y="T19"/>
-              </a:cxn>
-              <a:cxn ang="0">
-                <a:pos x="T20" y="T21"/>
-              </a:cxn>
-              <a:cxn ang="0">
-                <a:pos x="T22" y="T23"/>
-              </a:cxn>
-              <a:cxn ang="0">
-                <a:pos x="T24" y="T25"/>
-              </a:cxn>
-              <a:cxn ang="0">
-                <a:pos x="T26" y="T27"/>
-              </a:cxn>
-              <a:cxn ang="0">
-                <a:pos x="T28" y="T29"/>
-              </a:cxn>
-              <a:cxn ang="0">
-                <a:pos x="T30" y="T31"/>
-              </a:cxn>
-              <a:cxn ang="0">
-                <a:pos x="T32" y="T33"/>
-              </a:cxn>
-              <a:cxn ang="0">
-                <a:pos x="T34" y="T35"/>
-              </a:cxn>
-              <a:cxn ang="0">
-                <a:pos x="T36" y="T37"/>
-              </a:cxn>
-              <a:cxn ang="0">
-                <a:pos x="T38" y="T39"/>
-              </a:cxn>
-              <a:cxn ang="0">
-                <a:pos x="T40" y="T41"/>
-              </a:cxn>
-              <a:cxn ang="0">
-                <a:pos x="T42" y="T43"/>
-              </a:cxn>
-              <a:cxn ang="0">
-                <a:pos x="T44" y="T45"/>
-              </a:cxn>
-              <a:cxn ang="0">
-                <a:pos x="T46" y="T47"/>
-              </a:cxn>
-              <a:cxn ang="0">
-                <a:pos x="T48" y="T49"/>
-              </a:cxn>
-              <a:cxn ang="0">
-                <a:pos x="T50" y="T51"/>
-              </a:cxn>
-              <a:cxn ang="0">
-                <a:pos x="T52" y="T53"/>
-              </a:cxn>
-              <a:cxn ang="0">
-                <a:pos x="T54" y="T55"/>
-              </a:cxn>
-              <a:cxn ang="0">
-                <a:pos x="T56" y="T57"/>
-              </a:cxn>
-              <a:cxn ang="0">
-                <a:pos x="T58" y="T59"/>
-              </a:cxn>
-              <a:cxn ang="0">
-                <a:pos x="T60" y="T61"/>
-              </a:cxn>
-              <a:cxn ang="0">
-                <a:pos x="T62" y="T63"/>
-              </a:cxn>
-            </a:cxnLst>
-            <a:rect l="0" t="0" r="r" b="b"/>
-            <a:pathLst>
-              <a:path w="88" h="88">
-                <a:moveTo>
-                  <a:pt x="68" y="36"/>
-                </a:moveTo>
-                <a:cubicBezTo>
-                  <a:pt x="68" y="38"/>
-                  <a:pt x="66" y="40"/>
-                  <a:pt x="64" y="40"/>
-                </a:cubicBezTo>
-                <a:cubicBezTo>
-                  <a:pt x="56" y="40"/>
-                  <a:pt x="56" y="40"/>
-                  <a:pt x="56" y="40"/>
-                </a:cubicBezTo>
-                <a:cubicBezTo>
-                  <a:pt x="56" y="48"/>
-                  <a:pt x="56" y="48"/>
-                  <a:pt x="56" y="48"/>
-                </a:cubicBezTo>
-                <a:cubicBezTo>
-                  <a:pt x="56" y="50"/>
-                  <a:pt x="54" y="52"/>
-                  <a:pt x="52" y="52"/>
-                </a:cubicBezTo>
-                <a:cubicBezTo>
-                  <a:pt x="50" y="52"/>
-                  <a:pt x="48" y="50"/>
-                  <a:pt x="48" y="48"/>
-                </a:cubicBezTo>
-                <a:cubicBezTo>
-                  <a:pt x="48" y="40"/>
-                  <a:pt x="48" y="40"/>
-                  <a:pt x="48" y="40"/>
-                </a:cubicBezTo>
-                <a:cubicBezTo>
-                  <a:pt x="40" y="40"/>
-                  <a:pt x="40" y="40"/>
-                  <a:pt x="40" y="40"/>
-                </a:cubicBezTo>
-                <a:cubicBezTo>
-                  <a:pt x="38" y="40"/>
-                  <a:pt x="36" y="38"/>
-                  <a:pt x="36" y="36"/>
-                </a:cubicBezTo>
-                <a:cubicBezTo>
-                  <a:pt x="36" y="34"/>
-                  <a:pt x="38" y="32"/>
-                  <a:pt x="40" y="32"/>
-                </a:cubicBezTo>
-                <a:cubicBezTo>
-                  <a:pt x="48" y="32"/>
-                  <a:pt x="48" y="32"/>
-                  <a:pt x="48" y="32"/>
-                </a:cubicBezTo>
-                <a:cubicBezTo>
-                  <a:pt x="48" y="24"/>
-                  <a:pt x="48" y="24"/>
-                  <a:pt x="48" y="24"/>
-                </a:cubicBezTo>
-                <a:cubicBezTo>
-                  <a:pt x="48" y="22"/>
-                  <a:pt x="50" y="20"/>
-                  <a:pt x="52" y="20"/>
-                </a:cubicBezTo>
-                <a:cubicBezTo>
-                  <a:pt x="54" y="20"/>
-                  <a:pt x="56" y="22"/>
-                  <a:pt x="56" y="24"/>
-                </a:cubicBezTo>
-                <a:cubicBezTo>
-                  <a:pt x="56" y="32"/>
-                  <a:pt x="56" y="32"/>
-                  <a:pt x="56" y="32"/>
-                </a:cubicBezTo>
-                <a:cubicBezTo>
-                  <a:pt x="64" y="32"/>
-                  <a:pt x="64" y="32"/>
-                  <a:pt x="64" y="32"/>
-                </a:cubicBezTo>
-                <a:cubicBezTo>
-                  <a:pt x="66" y="32"/>
-                  <a:pt x="68" y="34"/>
-                  <a:pt x="68" y="36"/>
-                </a:cubicBezTo>
-                <a:close/>
-                <a:moveTo>
-                  <a:pt x="88" y="36"/>
-                </a:moveTo>
-                <a:cubicBezTo>
-                  <a:pt x="88" y="56"/>
-                  <a:pt x="72" y="72"/>
-                  <a:pt x="52" y="72"/>
-                </a:cubicBezTo>
-                <a:cubicBezTo>
-                  <a:pt x="44" y="72"/>
-                  <a:pt x="36" y="69"/>
-                  <a:pt x="30" y="64"/>
-                </a:cubicBezTo>
-                <a:cubicBezTo>
-                  <a:pt x="7" y="87"/>
-                  <a:pt x="7" y="87"/>
-                  <a:pt x="7" y="87"/>
-                </a:cubicBezTo>
-                <a:cubicBezTo>
-                  <a:pt x="5" y="88"/>
-                  <a:pt x="3" y="88"/>
-                  <a:pt x="1" y="87"/>
-                </a:cubicBezTo>
-                <a:cubicBezTo>
-                  <a:pt x="0" y="85"/>
-                  <a:pt x="0" y="83"/>
-                  <a:pt x="1" y="81"/>
-                </a:cubicBezTo>
-                <a:cubicBezTo>
-                  <a:pt x="24" y="58"/>
-                  <a:pt x="24" y="58"/>
-                  <a:pt x="24" y="58"/>
-                </a:cubicBezTo>
-                <a:cubicBezTo>
-                  <a:pt x="19" y="52"/>
-                  <a:pt x="16" y="44"/>
-                  <a:pt x="16" y="36"/>
-                </a:cubicBezTo>
-                <a:cubicBezTo>
-                  <a:pt x="16" y="16"/>
-                  <a:pt x="32" y="0"/>
-                  <a:pt x="52" y="0"/>
-                </a:cubicBezTo>
-                <a:cubicBezTo>
-                  <a:pt x="72" y="0"/>
-                  <a:pt x="88" y="16"/>
-                  <a:pt x="88" y="36"/>
-                </a:cubicBezTo>
-                <a:close/>
-                <a:moveTo>
-                  <a:pt x="80" y="36"/>
-                </a:moveTo>
-                <a:cubicBezTo>
-                  <a:pt x="80" y="21"/>
-                  <a:pt x="67" y="8"/>
-                  <a:pt x="52" y="8"/>
-                </a:cubicBezTo>
-                <a:cubicBezTo>
-                  <a:pt x="37" y="8"/>
-                  <a:pt x="24" y="21"/>
-                  <a:pt x="24" y="36"/>
-                </a:cubicBezTo>
-                <a:cubicBezTo>
-                  <a:pt x="24" y="51"/>
-                  <a:pt x="37" y="64"/>
-                  <a:pt x="52" y="64"/>
-                </a:cubicBezTo>
-                <a:cubicBezTo>
-                  <a:pt x="67" y="64"/>
-                  <a:pt x="80" y="51"/>
-                  <a:pt x="80" y="36"/>
-                </a:cubicBezTo>
-                <a:close/>
-              </a:path>
-            </a:pathLst>
-          </a:custGeom>
-          <a:solidFill>
-            <a:srgbClr val="A63297"/>
-          </a:solidFill>
-          <a:ln>
-            <a:noFill/>
-          </a:ln>
-        </p:spPr>
-        <p:txBody>
-          <a:bodyPr vert="horz" wrap="square" lIns="91440" tIns="45720" rIns="91440" bIns="45720" numCol="1" anchor="t" anchorCtr="0" compatLnSpc="1">
-            <a:prstTxWarp prst="textNoShape">
-              <a:avLst/>
-            </a:prstTxWarp>
-          </a:bodyPr>
-          <a:lstStyle/>
-          <a:p>
-            <a:endParaRPr lang="en-US" sz="1600" dirty="0">
-              <a:solidFill>
-                <a:srgbClr val="0EABA9"/>
-              </a:solidFill>
-            </a:endParaRPr>
-          </a:p>
-        </p:txBody>
-      </p:sp>
-      <p:sp>
-        <p:nvSpPr>
-          <p:cNvPr id="9" name="Inhaltsplatzhalter 1">
-            <a:extLst>
-              <a:ext uri="{FF2B5EF4-FFF2-40B4-BE49-F238E27FC236}">
-                <a16:creationId xmlns:a16="http://schemas.microsoft.com/office/drawing/2014/main" id="{AE8C7DD3-D1F1-0DFF-EE87-6F292DE4F59F}"/>
-              </a:ext>
-            </a:extLst>
-          </p:cNvPr>
-          <p:cNvSpPr txBox="1">
-            <a:spLocks/>
-          </p:cNvSpPr>
-          <p:nvPr/>
-        </p:nvSpPr>
-        <p:spPr bwMode="black">
-          <a:xfrm>
-            <a:off x="7514369" y="5387987"/>
-            <a:ext cx="4032000" cy="1398094"/>
-          </a:xfrm>
-          <a:prstGeom prst="rect">
-            <a:avLst/>
-          </a:prstGeom>
-        </p:spPr>
-        <p:txBody>
-          <a:bodyPr lIns="0" tIns="0" rIns="0" bIns="0" anchor="t"/>
-          <a:lstStyle>
-            <a:lvl1pPr marL="0" indent="0" algn="l" defTabSz="914400" rtl="0" eaLnBrk="1" latinLnBrk="0" hangingPunct="1">
-              <a:lnSpc>
-                <a:spcPct val="110000"/>
-              </a:lnSpc>
-              <a:spcBef>
-                <a:spcPts val="600"/>
-              </a:spcBef>
-              <a:spcAft>
-                <a:spcPts val="600"/>
-              </a:spcAft>
-              <a:buFont typeface="Arial" panose="020B0604020202020204" pitchFamily="34" charset="0"/>
-              <a:buNone/>
-              <a:defRPr sz="1600" b="0" kern="1200">
-                <a:solidFill>
-                  <a:schemeClr val="tx1"/>
-                </a:solidFill>
-                <a:latin typeface="+mn-lt"/>
-                <a:ea typeface="+mn-ea"/>
-                <a:cs typeface="+mn-cs"/>
-              </a:defRPr>
-            </a:lvl1pPr>
-            <a:lvl2pPr marL="180000" indent="-180000" algn="l" defTabSz="914400" rtl="0" eaLnBrk="1" latinLnBrk="0" hangingPunct="1">
-              <a:lnSpc>
-                <a:spcPct val="110000"/>
-              </a:lnSpc>
-              <a:spcBef>
-                <a:spcPts val="200"/>
-              </a:spcBef>
-              <a:spcAft>
-                <a:spcPts val="200"/>
-              </a:spcAft>
-              <a:buFont typeface="Arial" panose="020B0604020202020204" pitchFamily="34" charset="0"/>
-              <a:buChar char="•"/>
-              <a:defRPr sz="1600" kern="1200">
-                <a:solidFill>
-                  <a:schemeClr val="tx1"/>
-                </a:solidFill>
-                <a:latin typeface="+mn-lt"/>
-                <a:ea typeface="+mn-ea"/>
-                <a:cs typeface="+mn-cs"/>
-              </a:defRPr>
-            </a:lvl2pPr>
-            <a:lvl3pPr marL="360000" indent="-180000" algn="l" defTabSz="914400" rtl="0" eaLnBrk="1" latinLnBrk="0" hangingPunct="1">
-              <a:lnSpc>
-                <a:spcPct val="110000"/>
-              </a:lnSpc>
-              <a:spcBef>
-                <a:spcPts val="200"/>
-              </a:spcBef>
-              <a:spcAft>
-                <a:spcPts val="200"/>
-              </a:spcAft>
-              <a:buFont typeface="TheSans Swisscom Light" panose="020B0300040303060204" pitchFamily="34" charset="0"/>
-              <a:buChar char="−"/>
-              <a:defRPr sz="1600" kern="1200">
-                <a:solidFill>
-                  <a:schemeClr val="tx1"/>
-                </a:solidFill>
-                <a:latin typeface="+mn-lt"/>
-                <a:ea typeface="+mn-ea"/>
-                <a:cs typeface="+mn-cs"/>
-              </a:defRPr>
-            </a:lvl3pPr>
-            <a:lvl4pPr marL="540000" indent="-180000" algn="l" defTabSz="914400" rtl="0" eaLnBrk="1" latinLnBrk="0" hangingPunct="1">
-              <a:lnSpc>
-                <a:spcPct val="110000"/>
-              </a:lnSpc>
-              <a:spcBef>
-                <a:spcPts val="200"/>
-              </a:spcBef>
-              <a:spcAft>
-                <a:spcPts val="200"/>
-              </a:spcAft>
-              <a:buFont typeface="TheSans Swisscom Light" panose="020B0300040303060204" pitchFamily="34" charset="0"/>
-              <a:buChar char="−"/>
-              <a:defRPr sz="1600" kern="1200">
-                <a:solidFill>
-                  <a:schemeClr val="tx1"/>
-                </a:solidFill>
-                <a:latin typeface="+mn-lt"/>
-                <a:ea typeface="+mn-ea"/>
-                <a:cs typeface="+mn-cs"/>
-              </a:defRPr>
-            </a:lvl4pPr>
-            <a:lvl5pPr marL="540000" indent="-180000" algn="l" defTabSz="914400" rtl="0" eaLnBrk="1" latinLnBrk="0" hangingPunct="1">
-              <a:lnSpc>
-                <a:spcPct val="110000"/>
-              </a:lnSpc>
-              <a:spcBef>
-                <a:spcPts val="200"/>
-              </a:spcBef>
-              <a:spcAft>
-                <a:spcPts val="200"/>
-              </a:spcAft>
-              <a:buFont typeface="TheSans Swisscom Light" panose="020B0300040303060204" pitchFamily="34" charset="0"/>
-              <a:buChar char="−"/>
-              <a:defRPr sz="1600" kern="1200">
-                <a:solidFill>
-                  <a:schemeClr val="tx1"/>
-                </a:solidFill>
-                <a:latin typeface="+mn-lt"/>
-                <a:ea typeface="+mn-ea"/>
-                <a:cs typeface="+mn-cs"/>
-              </a:defRPr>
-            </a:lvl5pPr>
-            <a:lvl6pPr marL="540000" indent="-180000" algn="l" defTabSz="914400" rtl="0" eaLnBrk="1" latinLnBrk="0" hangingPunct="1">
-              <a:lnSpc>
-                <a:spcPct val="110000"/>
-              </a:lnSpc>
-              <a:spcBef>
-                <a:spcPts val="200"/>
-              </a:spcBef>
-              <a:spcAft>
-                <a:spcPts val="200"/>
-              </a:spcAft>
-              <a:buFont typeface="TheSans Swisscom Light" panose="020B0300040303060204" pitchFamily="34" charset="0"/>
-              <a:buChar char="−"/>
-              <a:defRPr sz="1600" kern="1200">
-                <a:solidFill>
-                  <a:schemeClr val="tx1"/>
-                </a:solidFill>
-                <a:latin typeface="+mn-lt"/>
-                <a:ea typeface="+mn-ea"/>
-                <a:cs typeface="+mn-cs"/>
-              </a:defRPr>
-            </a:lvl6pPr>
-            <a:lvl7pPr marL="540000" indent="-180000" algn="l" defTabSz="914400" rtl="0" eaLnBrk="1" latinLnBrk="0" hangingPunct="1">
-              <a:lnSpc>
-                <a:spcPct val="110000"/>
-              </a:lnSpc>
-              <a:spcBef>
-                <a:spcPts val="200"/>
-              </a:spcBef>
-              <a:spcAft>
-                <a:spcPts val="200"/>
-              </a:spcAft>
-              <a:buFont typeface="TheSans Swisscom Light" panose="020B0300040303060204" pitchFamily="34" charset="0"/>
-              <a:buChar char="−"/>
-              <a:defRPr sz="1600" kern="1200">
-                <a:solidFill>
-                  <a:schemeClr val="tx1"/>
-                </a:solidFill>
-                <a:latin typeface="+mn-lt"/>
-                <a:ea typeface="+mn-ea"/>
-                <a:cs typeface="+mn-cs"/>
-              </a:defRPr>
-            </a:lvl7pPr>
-            <a:lvl8pPr marL="540000" indent="-180000" algn="l" defTabSz="914400" rtl="0" eaLnBrk="1" latinLnBrk="0" hangingPunct="1">
-              <a:lnSpc>
-                <a:spcPct val="110000"/>
-              </a:lnSpc>
-              <a:spcBef>
-                <a:spcPts val="200"/>
-              </a:spcBef>
-              <a:spcAft>
-                <a:spcPts val="200"/>
-              </a:spcAft>
-              <a:buFont typeface="TheSans Swisscom Light" panose="020B0300040303060204" pitchFamily="34" charset="0"/>
-              <a:buChar char="−"/>
-              <a:defRPr sz="1600" kern="1200">
-                <a:solidFill>
-                  <a:schemeClr val="tx1"/>
-                </a:solidFill>
-                <a:latin typeface="+mn-lt"/>
-                <a:ea typeface="+mn-ea"/>
-                <a:cs typeface="+mn-cs"/>
-              </a:defRPr>
-            </a:lvl8pPr>
-            <a:lvl9pPr marL="540000" indent="-180000" algn="l" defTabSz="914400" rtl="0" eaLnBrk="1" latinLnBrk="0" hangingPunct="1">
-              <a:lnSpc>
-                <a:spcPct val="110000"/>
-              </a:lnSpc>
-              <a:spcBef>
-                <a:spcPts val="200"/>
-              </a:spcBef>
-              <a:spcAft>
-                <a:spcPts val="200"/>
-              </a:spcAft>
-              <a:buFont typeface="TheSans Swisscom Light" panose="020B0300040303060204" pitchFamily="34" charset="0"/>
-              <a:buChar char="−"/>
-              <a:defRPr sz="1600" kern="1200">
-                <a:solidFill>
-                  <a:schemeClr val="tx1"/>
-                </a:solidFill>
-                <a:latin typeface="+mn-lt"/>
-                <a:ea typeface="+mn-ea"/>
-                <a:cs typeface="+mn-cs"/>
-              </a:defRPr>
-            </a:lvl9pPr>
-          </a:lstStyle>
-          <a:p>
-            <a:endParaRPr lang="en-US" dirty="0">
-              <a:solidFill>
-                <a:schemeClr val="bg2"/>
-              </a:solidFill>
-            </a:endParaRPr>
-          </a:p>
-        </p:txBody>
-      </p:sp>
-      <p:pic>
-        <p:nvPicPr>
-          <p:cNvPr id="10" name="Graphic 9">
-            <a:extLst>
-              <a:ext uri="{FF2B5EF4-FFF2-40B4-BE49-F238E27FC236}">
-                <a16:creationId xmlns:a16="http://schemas.microsoft.com/office/drawing/2014/main" id="{EF8CBE0D-416F-8BAD-1E56-FA9713FABCF5}"/>
-              </a:ext>
-            </a:extLst>
-          </p:cNvPr>
-          <p:cNvPicPr>
-            <a:picLocks noChangeAspect="1"/>
-          </p:cNvPicPr>
-          <p:nvPr/>
-        </p:nvPicPr>
-        <p:blipFill>
-          <a:blip r:embed="rId3">
-            <a:extLst>
-              <a:ext uri="{28A0092B-C50C-407E-A947-70E740481C1C}">
-                <a14:useLocalDpi xmlns:a14="http://schemas.microsoft.com/office/drawing/2010/main" val="0"/>
-              </a:ext>
-              <a:ext uri="{96DAC541-7B7A-43D3-8B79-37D633B846F1}">
-                <asvg:svgBlip xmlns:asvg="http://schemas.microsoft.com/office/drawing/2016/SVG/main" r:embed="rId4"/>
-              </a:ext>
-            </a:extLst>
-          </a:blip>
-          <a:stretch>
-            <a:fillRect/>
-          </a:stretch>
-        </p:blipFill>
-        <p:spPr>
-          <a:xfrm>
-            <a:off x="6883242" y="1734999"/>
-            <a:ext cx="410400" cy="410400"/>
-          </a:xfrm>
-          <a:prstGeom prst="rect">
-            <a:avLst/>
-          </a:prstGeom>
-        </p:spPr>
-      </p:pic>
-      <p:pic>
-        <p:nvPicPr>
-          <p:cNvPr id="11" name="Graphic 10">
-            <a:extLst>
-              <a:ext uri="{FF2B5EF4-FFF2-40B4-BE49-F238E27FC236}">
-                <a16:creationId xmlns:a16="http://schemas.microsoft.com/office/drawing/2014/main" id="{0B68DB88-2125-5D8A-E234-D104730CD789}"/>
-              </a:ext>
-            </a:extLst>
-          </p:cNvPr>
-          <p:cNvPicPr>
-            <a:picLocks noChangeAspect="1"/>
-          </p:cNvPicPr>
-          <p:nvPr/>
-        </p:nvPicPr>
-        <p:blipFill>
-          <a:blip r:embed="rId5">
-            <a:extLst>
-              <a:ext uri="{28A0092B-C50C-407E-A947-70E740481C1C}">
-                <a14:useLocalDpi xmlns:a14="http://schemas.microsoft.com/office/drawing/2010/main" val="0"/>
-              </a:ext>
-              <a:ext uri="{96DAC541-7B7A-43D3-8B79-37D633B846F1}">
-                <asvg:svgBlip xmlns:asvg="http://schemas.microsoft.com/office/drawing/2016/SVG/main" r:embed="rId6"/>
-              </a:ext>
-            </a:extLst>
-          </a:blip>
-          <a:stretch>
-            <a:fillRect/>
-          </a:stretch>
-        </p:blipFill>
-        <p:spPr>
-          <a:xfrm>
-            <a:off x="6883242" y="5833131"/>
-            <a:ext cx="410400" cy="410400"/>
-          </a:xfrm>
-          <a:prstGeom prst="rect">
-            <a:avLst/>
-          </a:prstGeom>
-        </p:spPr>
-      </p:pic>
-      <p:sp>
-        <p:nvSpPr>
-          <p:cNvPr id="12" name="Inhaltsplatzhalter 1">
-            <a:extLst>
-              <a:ext uri="{FF2B5EF4-FFF2-40B4-BE49-F238E27FC236}">
-                <a16:creationId xmlns:a16="http://schemas.microsoft.com/office/drawing/2014/main" id="{F823DFEB-60B2-6861-BABA-41683121FBF6}"/>
-              </a:ext>
-            </a:extLst>
-          </p:cNvPr>
-          <p:cNvSpPr txBox="1">
-            <a:spLocks/>
-          </p:cNvSpPr>
-          <p:nvPr/>
-        </p:nvSpPr>
-        <p:spPr bwMode="black">
-          <a:xfrm>
-            <a:off x="7514369" y="5013855"/>
-            <a:ext cx="4032000" cy="1388709"/>
-          </a:xfrm>
-          <a:prstGeom prst="rect">
-            <a:avLst/>
-          </a:prstGeom>
-        </p:spPr>
-        <p:txBody>
-          <a:bodyPr lIns="0" tIns="0" rIns="0" bIns="0" anchor="t"/>
-          <a:lstStyle>
-            <a:lvl1pPr marL="0" indent="0" algn="l" defTabSz="914400" rtl="0" eaLnBrk="1" latinLnBrk="0" hangingPunct="1">
-              <a:lnSpc>
-                <a:spcPct val="110000"/>
-              </a:lnSpc>
-              <a:spcBef>
-                <a:spcPts val="600"/>
-              </a:spcBef>
-              <a:spcAft>
-                <a:spcPts val="600"/>
-              </a:spcAft>
-              <a:buFont typeface="Arial" panose="020B0604020202020204" pitchFamily="34" charset="0"/>
-              <a:buNone/>
-              <a:defRPr sz="1600" b="0" kern="1200">
-                <a:solidFill>
-                  <a:schemeClr val="tx1"/>
-                </a:solidFill>
-                <a:latin typeface="+mn-lt"/>
-                <a:ea typeface="+mn-ea"/>
-                <a:cs typeface="+mn-cs"/>
-              </a:defRPr>
-            </a:lvl1pPr>
-            <a:lvl2pPr marL="180000" indent="-180000" algn="l" defTabSz="914400" rtl="0" eaLnBrk="1" latinLnBrk="0" hangingPunct="1">
-              <a:lnSpc>
-                <a:spcPct val="110000"/>
-              </a:lnSpc>
-              <a:spcBef>
-                <a:spcPts val="200"/>
-              </a:spcBef>
-              <a:spcAft>
-                <a:spcPts val="200"/>
-              </a:spcAft>
-              <a:buFont typeface="Arial" panose="020B0604020202020204" pitchFamily="34" charset="0"/>
-              <a:buChar char="•"/>
-              <a:defRPr sz="1600" kern="1200">
-                <a:solidFill>
-                  <a:schemeClr val="tx1"/>
-                </a:solidFill>
-                <a:latin typeface="+mn-lt"/>
-                <a:ea typeface="+mn-ea"/>
-                <a:cs typeface="+mn-cs"/>
-              </a:defRPr>
-            </a:lvl2pPr>
-            <a:lvl3pPr marL="360000" indent="-180000" algn="l" defTabSz="914400" rtl="0" eaLnBrk="1" latinLnBrk="0" hangingPunct="1">
-              <a:lnSpc>
-                <a:spcPct val="110000"/>
-              </a:lnSpc>
-              <a:spcBef>
-                <a:spcPts val="200"/>
-              </a:spcBef>
-              <a:spcAft>
-                <a:spcPts val="200"/>
-              </a:spcAft>
-              <a:buFont typeface="TheSans Swisscom Light" panose="020B0300040303060204" pitchFamily="34" charset="0"/>
-              <a:buChar char="−"/>
-              <a:defRPr sz="1600" kern="1200">
-                <a:solidFill>
-                  <a:schemeClr val="tx1"/>
-                </a:solidFill>
-                <a:latin typeface="+mn-lt"/>
-                <a:ea typeface="+mn-ea"/>
-                <a:cs typeface="+mn-cs"/>
-              </a:defRPr>
-            </a:lvl3pPr>
-            <a:lvl4pPr marL="540000" indent="-180000" algn="l" defTabSz="914400" rtl="0" eaLnBrk="1" latinLnBrk="0" hangingPunct="1">
-              <a:lnSpc>
-                <a:spcPct val="110000"/>
-              </a:lnSpc>
-              <a:spcBef>
-                <a:spcPts val="200"/>
-              </a:spcBef>
-              <a:spcAft>
-                <a:spcPts val="200"/>
-              </a:spcAft>
-              <a:buFont typeface="TheSans Swisscom Light" panose="020B0300040303060204" pitchFamily="34" charset="0"/>
-              <a:buChar char="−"/>
-              <a:defRPr sz="1600" kern="1200">
-                <a:solidFill>
-                  <a:schemeClr val="tx1"/>
-                </a:solidFill>
-                <a:latin typeface="+mn-lt"/>
-                <a:ea typeface="+mn-ea"/>
-                <a:cs typeface="+mn-cs"/>
-              </a:defRPr>
-            </a:lvl4pPr>
-            <a:lvl5pPr marL="540000" indent="-180000" algn="l" defTabSz="914400" rtl="0" eaLnBrk="1" latinLnBrk="0" hangingPunct="1">
-              <a:lnSpc>
-                <a:spcPct val="110000"/>
-              </a:lnSpc>
-              <a:spcBef>
-                <a:spcPts val="200"/>
-              </a:spcBef>
-              <a:spcAft>
-                <a:spcPts val="200"/>
-              </a:spcAft>
-              <a:buFont typeface="TheSans Swisscom Light" panose="020B0300040303060204" pitchFamily="34" charset="0"/>
-              <a:buChar char="−"/>
-              <a:defRPr sz="1600" kern="1200">
-                <a:solidFill>
-                  <a:schemeClr val="tx1"/>
-                </a:solidFill>
-                <a:latin typeface="+mn-lt"/>
-                <a:ea typeface="+mn-ea"/>
-                <a:cs typeface="+mn-cs"/>
-              </a:defRPr>
-            </a:lvl5pPr>
-            <a:lvl6pPr marL="540000" indent="-180000" algn="l" defTabSz="914400" rtl="0" eaLnBrk="1" latinLnBrk="0" hangingPunct="1">
-              <a:lnSpc>
-                <a:spcPct val="110000"/>
-              </a:lnSpc>
-              <a:spcBef>
-                <a:spcPts val="200"/>
-              </a:spcBef>
-              <a:spcAft>
-                <a:spcPts val="200"/>
-              </a:spcAft>
-              <a:buFont typeface="TheSans Swisscom Light" panose="020B0300040303060204" pitchFamily="34" charset="0"/>
-              <a:buChar char="−"/>
-              <a:defRPr sz="1600" kern="1200">
-                <a:solidFill>
-                  <a:schemeClr val="tx1"/>
-                </a:solidFill>
-                <a:latin typeface="+mn-lt"/>
-                <a:ea typeface="+mn-ea"/>
-                <a:cs typeface="+mn-cs"/>
-              </a:defRPr>
-            </a:lvl6pPr>
-            <a:lvl7pPr marL="540000" indent="-180000" algn="l" defTabSz="914400" rtl="0" eaLnBrk="1" latinLnBrk="0" hangingPunct="1">
-              <a:lnSpc>
-                <a:spcPct val="110000"/>
-              </a:lnSpc>
-              <a:spcBef>
-                <a:spcPts val="200"/>
-              </a:spcBef>
-              <a:spcAft>
-                <a:spcPts val="200"/>
-              </a:spcAft>
-              <a:buFont typeface="TheSans Swisscom Light" panose="020B0300040303060204" pitchFamily="34" charset="0"/>
-              <a:buChar char="−"/>
-              <a:defRPr sz="1600" kern="1200">
-                <a:solidFill>
-                  <a:schemeClr val="tx1"/>
-                </a:solidFill>
-                <a:latin typeface="+mn-lt"/>
-                <a:ea typeface="+mn-ea"/>
-                <a:cs typeface="+mn-cs"/>
-              </a:defRPr>
-            </a:lvl7pPr>
-            <a:lvl8pPr marL="540000" indent="-180000" algn="l" defTabSz="914400" rtl="0" eaLnBrk="1" latinLnBrk="0" hangingPunct="1">
-              <a:lnSpc>
-                <a:spcPct val="110000"/>
-              </a:lnSpc>
-              <a:spcBef>
-                <a:spcPts val="200"/>
-              </a:spcBef>
-              <a:spcAft>
-                <a:spcPts val="200"/>
-              </a:spcAft>
-              <a:buFont typeface="TheSans Swisscom Light" panose="020B0300040303060204" pitchFamily="34" charset="0"/>
-              <a:buChar char="−"/>
-              <a:defRPr sz="1600" kern="1200">
-                <a:solidFill>
-                  <a:schemeClr val="tx1"/>
-                </a:solidFill>
-                <a:latin typeface="+mn-lt"/>
-                <a:ea typeface="+mn-ea"/>
-                <a:cs typeface="+mn-cs"/>
-              </a:defRPr>
-            </a:lvl8pPr>
-            <a:lvl9pPr marL="540000" indent="-180000" algn="l" defTabSz="914400" rtl="0" eaLnBrk="1" latinLnBrk="0" hangingPunct="1">
-              <a:lnSpc>
-                <a:spcPct val="110000"/>
-              </a:lnSpc>
-              <a:spcBef>
-                <a:spcPts val="200"/>
-              </a:spcBef>
-              <a:spcAft>
-                <a:spcPts val="200"/>
-              </a:spcAft>
-              <a:buFont typeface="TheSans Swisscom Light" panose="020B0300040303060204" pitchFamily="34" charset="0"/>
-              <a:buChar char="−"/>
-              <a:defRPr sz="1600" kern="1200">
-                <a:solidFill>
-                  <a:schemeClr val="tx1"/>
-                </a:solidFill>
-                <a:latin typeface="+mn-lt"/>
-                <a:ea typeface="+mn-ea"/>
-                <a:cs typeface="+mn-cs"/>
-              </a:defRPr>
-            </a:lvl9pPr>
-          </a:lstStyle>
-          <a:p>
-            <a:endParaRPr lang="en-US" dirty="0">
-              <a:solidFill>
-                <a:schemeClr val="bg2"/>
-              </a:solidFill>
-            </a:endParaRPr>
-          </a:p>
-        </p:txBody>
-      </p:sp>
-      <p:pic>
-        <p:nvPicPr>
-          <p:cNvPr id="13" name="Graphic 12">
-            <a:extLst>
-              <a:ext uri="{FF2B5EF4-FFF2-40B4-BE49-F238E27FC236}">
-                <a16:creationId xmlns:a16="http://schemas.microsoft.com/office/drawing/2014/main" id="{F95B0A8A-AF7B-BD55-22AA-98E6E6CF536D}"/>
-              </a:ext>
-            </a:extLst>
-          </p:cNvPr>
-          <p:cNvPicPr>
-            <a:picLocks noChangeAspect="1"/>
-          </p:cNvPicPr>
-          <p:nvPr/>
-        </p:nvPicPr>
-        <p:blipFill rotWithShape="1">
-          <a:blip r:embed="rId7" cstate="print">
-            <a:extLst>
-              <a:ext uri="{28A0092B-C50C-407E-A947-70E740481C1C}">
-                <a14:useLocalDpi xmlns:a14="http://schemas.microsoft.com/office/drawing/2010/main" val="0"/>
-              </a:ext>
-              <a:ext uri="{96DAC541-7B7A-43D3-8B79-37D633B846F1}">
-                <asvg:svgBlip xmlns:asvg="http://schemas.microsoft.com/office/drawing/2016/SVG/main" r:embed="rId8"/>
-              </a:ext>
-            </a:extLst>
-          </a:blip>
-          <a:srcRect/>
-          <a:stretch/>
-        </p:blipFill>
-        <p:spPr>
-          <a:xfrm>
-            <a:off x="6882162" y="4448315"/>
-            <a:ext cx="411480" cy="411480"/>
-          </a:xfrm>
-          <a:prstGeom prst="rect">
-            <a:avLst/>
-          </a:prstGeom>
-        </p:spPr>
-      </p:pic>
-      <p:pic>
-        <p:nvPicPr>
-          <p:cNvPr id="15" name="Picture 14">
-            <a:extLst>
-              <a:ext uri="{FF2B5EF4-FFF2-40B4-BE49-F238E27FC236}">
-                <a16:creationId xmlns:a16="http://schemas.microsoft.com/office/drawing/2014/main" id="{D722580C-E14C-C31D-D703-E102C17A75C2}"/>
-              </a:ext>
-            </a:extLst>
-          </p:cNvPr>
-          <p:cNvPicPr>
-            <a:picLocks noChangeAspect="1"/>
-          </p:cNvPicPr>
-          <p:nvPr/>
-        </p:nvPicPr>
-        <p:blipFill>
-          <a:blip r:embed="rId9"/>
-          <a:stretch>
-            <a:fillRect/>
-          </a:stretch>
-        </p:blipFill>
-        <p:spPr>
-          <a:xfrm>
-            <a:off x="993210" y="1891618"/>
-            <a:ext cx="1685925" cy="1457325"/>
-          </a:xfrm>
-          <a:prstGeom prst="rect">
-            <a:avLst/>
-          </a:prstGeom>
-        </p:spPr>
-      </p:pic>
-      <p:sp>
-        <p:nvSpPr>
-          <p:cNvPr id="16" name="Title 1">
-            <a:extLst>
-              <a:ext uri="{FF2B5EF4-FFF2-40B4-BE49-F238E27FC236}">
-                <a16:creationId xmlns:a16="http://schemas.microsoft.com/office/drawing/2014/main" id="{2D8B3AFB-4500-052D-4E96-82B4FC5CC5DF}"/>
-              </a:ext>
-            </a:extLst>
-          </p:cNvPr>
-          <p:cNvSpPr>
-            <a:spLocks noGrp="1"/>
-          </p:cNvSpPr>
-          <p:nvPr>
-            <p:ph type="title"/>
-          </p:nvPr>
-        </p:nvSpPr>
-        <p:spPr>
-          <a:xfrm>
-            <a:off x="838200" y="365125"/>
-            <a:ext cx="10515600" cy="1325563"/>
-          </a:xfrm>
-        </p:spPr>
-        <p:txBody>
-          <a:bodyPr>
-            <a:normAutofit/>
-          </a:bodyPr>
-          <a:lstStyle/>
-          <a:p>
-            <a:r>
-              <a:rPr lang="en-US" sz="2800" b="1" dirty="0"/>
-              <a:t>What does Network Anomaly Detection mean</a:t>
-            </a:r>
-            <a:br>
-              <a:rPr lang="en-US" sz="3600" dirty="0"/>
-            </a:br>
-            <a:r>
-              <a:rPr lang="en-US" sz="2700" dirty="0">
-                <a:solidFill>
-                  <a:schemeClr val="bg2">
-                    <a:lumMod val="75000"/>
-                  </a:schemeClr>
-                </a:solidFill>
-              </a:rPr>
-              <a:t>Monitor changes</a:t>
-            </a:r>
-          </a:p>
-        </p:txBody>
-      </p:sp>
-    </p:spTree>
-    <p:extLst>
-      <p:ext uri="{BB962C8B-B14F-4D97-AF65-F5344CB8AC3E}">
-        <p14:creationId xmlns:p14="http://schemas.microsoft.com/office/powerpoint/2010/main" val="3384652948"/>
-      </p:ext>
-    </p:extLst>
-  </p:cSld>
-  <p:clrMapOvr>
-    <a:masterClrMapping/>
-  </p:clrMapOvr>
-</p:sld>
-</file>
-
-<file path=ppt/slides/slide6.xml><?xml version="1.0" encoding="utf-8"?>
-<p:sld xmlns:a="http://schemas.openxmlformats.org/drawingml/2006/main" xmlns:r="http://schemas.openxmlformats.org/officeDocument/2006/relationships" xmlns:p="http://schemas.openxmlformats.org/presentationml/2006/main">
-  <p:cSld>
-    <p:spTree>
-      <p:nvGrpSpPr>
-        <p:cNvPr id="1" name=""/>
-        <p:cNvGrpSpPr/>
-        <p:nvPr/>
-      </p:nvGrpSpPr>
-      <p:grpSpPr>
-        <a:xfrm>
-          <a:off x="0" y="0"/>
-          <a:ext cx="0" cy="0"/>
-          <a:chOff x="0" y="0"/>
-          <a:chExt cx="0" cy="0"/>
-        </a:xfrm>
-      </p:grpSpPr>
-      <p:sp>
-        <p:nvSpPr>
-          <p:cNvPr id="6" name="Slide Number Placeholder 1">
-            <a:extLst>
-              <a:ext uri="{FF2B5EF4-FFF2-40B4-BE49-F238E27FC236}">
-                <a16:creationId xmlns:a16="http://schemas.microsoft.com/office/drawing/2014/main" id="{024DC3B6-499C-4E15-9336-2F15A0DFB843}"/>
-              </a:ext>
-            </a:extLst>
-          </p:cNvPr>
-          <p:cNvSpPr>
-            <a:spLocks noGrp="1"/>
-          </p:cNvSpPr>
-          <p:nvPr>
-            <p:ph type="sldNum" sz="quarter" idx="12"/>
-          </p:nvPr>
-        </p:nvSpPr>
-        <p:spPr>
-          <a:xfrm>
-            <a:off x="11587892" y="6361637"/>
-            <a:ext cx="414251" cy="365125"/>
-          </a:xfrm>
-        </p:spPr>
-        <p:txBody>
-          <a:bodyPr/>
-          <a:lstStyle/>
-          <a:p>
-            <a:fld id="{FC4AC485-25DE-431E-B345-9C0A15BB7F8A}" type="slidenum">
               <a:rPr lang="de-CH" sz="1400" smtClean="0"/>
-              <a:t>6</a:t>
-            </a:fld>
-            <a:endParaRPr lang="de-CH" sz="1400" dirty="0"/>
-          </a:p>
-        </p:txBody>
-      </p:sp>
-      <p:sp>
-        <p:nvSpPr>
-          <p:cNvPr id="18" name="TextBox 17">
-            <a:extLst>
-              <a:ext uri="{FF2B5EF4-FFF2-40B4-BE49-F238E27FC236}">
-                <a16:creationId xmlns:a16="http://schemas.microsoft.com/office/drawing/2014/main" id="{B283EDB4-CFDF-D6B9-8AF9-9CFA563360E3}"/>
-              </a:ext>
-            </a:extLst>
-          </p:cNvPr>
-          <p:cNvSpPr txBox="1"/>
-          <p:nvPr/>
-        </p:nvSpPr>
-        <p:spPr>
-          <a:xfrm>
-            <a:off x="725763" y="2548029"/>
-            <a:ext cx="3999316" cy="2308324"/>
-          </a:xfrm>
-          <a:prstGeom prst="rect">
-            <a:avLst/>
-          </a:prstGeom>
-          <a:noFill/>
-        </p:spPr>
-        <p:txBody>
-          <a:bodyPr wrap="square">
-            <a:spAutoFit/>
-          </a:bodyPr>
-          <a:lstStyle/>
-          <a:p>
-            <a:pPr algn="ctr"/>
-            <a:r>
-              <a:rPr lang="en-US" sz="3000" b="1" dirty="0">
-                <a:latin typeface="+mj-lt"/>
-              </a:rPr>
-              <a:t>«</a:t>
-            </a:r>
-            <a:r>
-              <a:rPr lang="en-US" sz="2800" b="1" dirty="0">
-                <a:solidFill>
-                  <a:schemeClr val="accent6"/>
-                </a:solidFill>
-                <a:latin typeface="+mj-lt"/>
-              </a:rPr>
-              <a:t> </a:t>
-            </a:r>
-            <a:r>
-              <a:rPr lang="en-US" sz="2800" dirty="0"/>
-              <a:t>A more detailing paper will be submitted soon to IEEE Transactions on Network and Service Management</a:t>
-            </a:r>
-            <a:r>
-              <a:rPr lang="de-CH" sz="3000" b="1" dirty="0">
-                <a:latin typeface="+mj-lt"/>
-              </a:rPr>
-              <a:t>»</a:t>
-            </a:r>
-            <a:endParaRPr lang="en-US" sz="3000" b="1" dirty="0">
-              <a:latin typeface="+mj-lt"/>
-            </a:endParaRPr>
-          </a:p>
-        </p:txBody>
-      </p:sp>
-      <p:sp>
-        <p:nvSpPr>
-          <p:cNvPr id="19" name="Title 1">
-            <a:extLst>
-              <a:ext uri="{FF2B5EF4-FFF2-40B4-BE49-F238E27FC236}">
-                <a16:creationId xmlns:a16="http://schemas.microsoft.com/office/drawing/2014/main" id="{56D79134-17A9-8BC8-B7D0-97BCFFB9A6B2}"/>
-              </a:ext>
-            </a:extLst>
-          </p:cNvPr>
-          <p:cNvSpPr>
-            <a:spLocks noGrp="1"/>
-          </p:cNvSpPr>
-          <p:nvPr>
-            <p:ph type="title"/>
-          </p:nvPr>
-        </p:nvSpPr>
-        <p:spPr>
-          <a:xfrm>
-            <a:off x="838200" y="365125"/>
-            <a:ext cx="10515600" cy="1325563"/>
-          </a:xfrm>
-        </p:spPr>
-        <p:txBody>
-          <a:bodyPr>
-            <a:normAutofit/>
-          </a:bodyPr>
-          <a:lstStyle/>
-          <a:p>
-            <a:r>
-              <a:rPr lang="en-US" sz="2800" b="1" dirty="0"/>
-              <a:t>Presented in ANRW 2023</a:t>
-            </a:r>
-            <a:br>
-              <a:rPr lang="en-US" sz="3600" dirty="0"/>
-            </a:br>
-            <a:r>
-              <a:rPr lang="en-US" sz="2700" dirty="0">
-                <a:solidFill>
-                  <a:schemeClr val="bg2">
-                    <a:lumMod val="75000"/>
-                  </a:schemeClr>
-                </a:solidFill>
-              </a:rPr>
-              <a:t>At IETF 117 San Francisco</a:t>
-            </a:r>
-            <a:endParaRPr lang="en-US" sz="2700" dirty="0">
-              <a:solidFill>
-                <a:srgbClr val="FF0000"/>
-              </a:solidFill>
-            </a:endParaRPr>
-          </a:p>
-        </p:txBody>
-      </p:sp>
-      <p:pic>
-        <p:nvPicPr>
-          <p:cNvPr id="3" name="Picture 2">
-            <a:extLst>
-              <a:ext uri="{FF2B5EF4-FFF2-40B4-BE49-F238E27FC236}">
-                <a16:creationId xmlns:a16="http://schemas.microsoft.com/office/drawing/2014/main" id="{D273520C-C3FB-5F5E-ED45-63CDDF11C749}"/>
-              </a:ext>
-            </a:extLst>
-          </p:cNvPr>
-          <p:cNvPicPr>
-            <a:picLocks noChangeAspect="1"/>
-          </p:cNvPicPr>
-          <p:nvPr/>
-        </p:nvPicPr>
-        <p:blipFill>
-          <a:blip r:embed="rId2"/>
-          <a:stretch>
-            <a:fillRect/>
-          </a:stretch>
-        </p:blipFill>
-        <p:spPr>
-          <a:xfrm>
-            <a:off x="5753770" y="611521"/>
-            <a:ext cx="5600030" cy="5634957"/>
-          </a:xfrm>
-          <a:prstGeom prst="rect">
-            <a:avLst/>
-          </a:prstGeom>
-        </p:spPr>
-      </p:pic>
-    </p:spTree>
-    <p:extLst>
-      <p:ext uri="{BB962C8B-B14F-4D97-AF65-F5344CB8AC3E}">
-        <p14:creationId xmlns:p14="http://schemas.microsoft.com/office/powerpoint/2010/main" val="663711217"/>
-      </p:ext>
-    </p:extLst>
-  </p:cSld>
-  <p:clrMapOvr>
-    <a:masterClrMapping/>
-  </p:clrMapOvr>
-</p:sld>
-</file>
-
-<file path=ppt/slides/slide7.xml><?xml version="1.0" encoding="utf-8"?>
-<p:sld xmlns:a="http://schemas.openxmlformats.org/drawingml/2006/main" xmlns:r="http://schemas.openxmlformats.org/officeDocument/2006/relationships" xmlns:p="http://schemas.openxmlformats.org/presentationml/2006/main">
-  <p:cSld>
-    <p:spTree>
-      <p:nvGrpSpPr>
-        <p:cNvPr id="1" name=""/>
-        <p:cNvGrpSpPr/>
-        <p:nvPr/>
-      </p:nvGrpSpPr>
-      <p:grpSpPr>
-        <a:xfrm>
-          <a:off x="0" y="0"/>
-          <a:ext cx="0" cy="0"/>
-          <a:chOff x="0" y="0"/>
-          <a:chExt cx="0" cy="0"/>
-        </a:xfrm>
-      </p:grpSpPr>
-      <p:sp>
-        <p:nvSpPr>
-          <p:cNvPr id="6" name="Slide Number Placeholder 1">
-            <a:extLst>
-              <a:ext uri="{FF2B5EF4-FFF2-40B4-BE49-F238E27FC236}">
-                <a16:creationId xmlns:a16="http://schemas.microsoft.com/office/drawing/2014/main" id="{024DC3B6-499C-4E15-9336-2F15A0DFB843}"/>
-              </a:ext>
-            </a:extLst>
-          </p:cNvPr>
-          <p:cNvSpPr>
-            <a:spLocks noGrp="1"/>
-          </p:cNvSpPr>
-          <p:nvPr>
-            <p:ph type="sldNum" sz="quarter" idx="12"/>
-          </p:nvPr>
-        </p:nvSpPr>
-        <p:spPr>
-          <a:xfrm>
-            <a:off x="11587892" y="6361637"/>
-            <a:ext cx="414251" cy="365125"/>
-          </a:xfrm>
-        </p:spPr>
-        <p:txBody>
-          <a:bodyPr/>
-          <a:lstStyle/>
-          <a:p>
-            <a:fld id="{FC4AC485-25DE-431E-B345-9C0A15BB7F8A}" type="slidenum">
-              <a:rPr lang="de-CH" sz="1400" smtClean="0"/>
-              <a:t>7</a:t>
+              <a:t>4</a:t>
             </a:fld>
             <a:endParaRPr lang="de-CH" sz="1400" dirty="0"/>
           </a:p>
@@ -20482,7 +15140,7 @@
 </p:sld>
 </file>
 
-<file path=ppt/slides/slide8.xml><?xml version="1.0" encoding="utf-8"?>
+<file path=ppt/slides/slide5.xml><?xml version="1.0" encoding="utf-8"?>
 <p:sld xmlns:a="http://schemas.openxmlformats.org/drawingml/2006/main" xmlns:r="http://schemas.openxmlformats.org/officeDocument/2006/relationships" xmlns:p="http://schemas.openxmlformats.org/presentationml/2006/main">
   <p:cSld>
     <p:spTree>
@@ -20527,7 +15185,7 @@
           <a:p>
             <a:fld id="{FC4AC485-25DE-431E-B345-9C0A15BB7F8A}" type="slidenum">
               <a:rPr lang="de-CH" sz="1400" smtClean="0"/>
-              <a:t>8</a:t>
+              <a:t>5</a:t>
             </a:fld>
             <a:endParaRPr lang="de-CH" sz="1400" dirty="0"/>
           </a:p>
@@ -20940,7 +15598,7 @@
 </p:sld>
 </file>
 
-<file path=ppt/slides/slide9.xml><?xml version="1.0" encoding="utf-8"?>
+<file path=ppt/slides/slide6.xml><?xml version="1.0" encoding="utf-8"?>
 <p:sld xmlns:a="http://schemas.openxmlformats.org/drawingml/2006/main" xmlns:r="http://schemas.openxmlformats.org/officeDocument/2006/relationships" xmlns:p="http://schemas.openxmlformats.org/presentationml/2006/main">
   <p:cSld>
     <p:spTree>
@@ -20985,7 +15643,7 @@
           <a:p>
             <a:fld id="{FC4AC485-25DE-431E-B345-9C0A15BB7F8A}" type="slidenum">
               <a:rPr lang="de-CH" sz="1400" smtClean="0"/>
-              <a:t>9</a:t>
+              <a:t>6</a:t>
             </a:fld>
             <a:endParaRPr lang="de-CH" sz="1400" dirty="0"/>
           </a:p>
@@ -21322,6 +15980,2887 @@
     <p:extLst>
       <p:ext uri="{BB962C8B-B14F-4D97-AF65-F5344CB8AC3E}">
         <p14:creationId xmlns:p14="http://schemas.microsoft.com/office/powerpoint/2010/main" val="1609255611"/>
+      </p:ext>
+    </p:extLst>
+  </p:cSld>
+  <p:clrMapOvr>
+    <a:masterClrMapping/>
+  </p:clrMapOvr>
+</p:sld>
+</file>
+
+<file path=ppt/slides/slide7.xml><?xml version="1.0" encoding="utf-8"?>
+<p:sld xmlns:a="http://schemas.openxmlformats.org/drawingml/2006/main" xmlns:r="http://schemas.openxmlformats.org/officeDocument/2006/relationships" xmlns:p="http://schemas.openxmlformats.org/presentationml/2006/main">
+  <p:cSld>
+    <p:spTree>
+      <p:nvGrpSpPr>
+        <p:cNvPr id="1" name=""/>
+        <p:cNvGrpSpPr/>
+        <p:nvPr/>
+      </p:nvGrpSpPr>
+      <p:grpSpPr>
+        <a:xfrm>
+          <a:off x="0" y="0"/>
+          <a:ext cx="0" cy="0"/>
+          <a:chOff x="0" y="0"/>
+          <a:chExt cx="0" cy="0"/>
+        </a:xfrm>
+      </p:grpSpPr>
+      <p:sp>
+        <p:nvSpPr>
+          <p:cNvPr id="6" name="Slide Number Placeholder 1">
+            <a:extLst>
+              <a:ext uri="{FF2B5EF4-FFF2-40B4-BE49-F238E27FC236}">
+                <a16:creationId xmlns:a16="http://schemas.microsoft.com/office/drawing/2014/main" id="{024DC3B6-499C-4E15-9336-2F15A0DFB843}"/>
+              </a:ext>
+            </a:extLst>
+          </p:cNvPr>
+          <p:cNvSpPr>
+            <a:spLocks noGrp="1"/>
+          </p:cNvSpPr>
+          <p:nvPr>
+            <p:ph type="sldNum" sz="quarter" idx="12"/>
+          </p:nvPr>
+        </p:nvSpPr>
+        <p:spPr>
+          <a:xfrm>
+            <a:off x="11587892" y="6361637"/>
+            <a:ext cx="414251" cy="365125"/>
+          </a:xfrm>
+        </p:spPr>
+        <p:txBody>
+          <a:bodyPr/>
+          <a:lstStyle/>
+          <a:p>
+            <a:fld id="{FC4AC485-25DE-431E-B345-9C0A15BB7F8A}" type="slidenum">
+              <a:rPr lang="de-CH" sz="1400" smtClean="0"/>
+              <a:t>7</a:t>
+            </a:fld>
+            <a:endParaRPr lang="de-CH" sz="1400" dirty="0"/>
+          </a:p>
+        </p:txBody>
+      </p:sp>
+      <p:sp>
+        <p:nvSpPr>
+          <p:cNvPr id="5" name="Inhaltsplatzhalter 2">
+            <a:extLst>
+              <a:ext uri="{FF2B5EF4-FFF2-40B4-BE49-F238E27FC236}">
+                <a16:creationId xmlns:a16="http://schemas.microsoft.com/office/drawing/2014/main" id="{0194B37B-813A-99FE-7B78-4D87D8C30D44}"/>
+              </a:ext>
+            </a:extLst>
+          </p:cNvPr>
+          <p:cNvSpPr txBox="1">
+            <a:spLocks/>
+          </p:cNvSpPr>
+          <p:nvPr/>
+        </p:nvSpPr>
+        <p:spPr bwMode="black">
+          <a:xfrm>
+            <a:off x="960120" y="2011679"/>
+            <a:ext cx="6364224" cy="4171630"/>
+          </a:xfrm>
+          <a:prstGeom prst="rect">
+            <a:avLst/>
+          </a:prstGeom>
+        </p:spPr>
+        <p:txBody>
+          <a:bodyPr wrap="square" lIns="0" tIns="0" rIns="0" bIns="0"/>
+          <a:lstStyle>
+            <a:lvl1pPr marL="0" indent="0" algn="l" defTabSz="914400" rtl="0" eaLnBrk="1" latinLnBrk="0" hangingPunct="1">
+              <a:lnSpc>
+                <a:spcPct val="110000"/>
+              </a:lnSpc>
+              <a:spcBef>
+                <a:spcPts val="600"/>
+              </a:spcBef>
+              <a:spcAft>
+                <a:spcPts val="600"/>
+              </a:spcAft>
+              <a:buFont typeface="Arial" panose="020B0604020202020204" pitchFamily="34" charset="0"/>
+              <a:buNone/>
+              <a:defRPr sz="2000" b="0" kern="1200">
+                <a:solidFill>
+                  <a:schemeClr val="tx1"/>
+                </a:solidFill>
+                <a:latin typeface="+mn-lt"/>
+                <a:ea typeface="+mn-ea"/>
+                <a:cs typeface="+mn-cs"/>
+              </a:defRPr>
+            </a:lvl1pPr>
+            <a:lvl2pPr marL="216000" indent="-216000" algn="l" defTabSz="914400" rtl="0" eaLnBrk="1" latinLnBrk="0" hangingPunct="1">
+              <a:lnSpc>
+                <a:spcPct val="110000"/>
+              </a:lnSpc>
+              <a:spcBef>
+                <a:spcPts val="200"/>
+              </a:spcBef>
+              <a:spcAft>
+                <a:spcPts val="200"/>
+              </a:spcAft>
+              <a:buFont typeface="Arial" panose="020B0604020202020204" pitchFamily="34" charset="0"/>
+              <a:buChar char="•"/>
+              <a:defRPr sz="2000" kern="1200">
+                <a:solidFill>
+                  <a:schemeClr val="tx1"/>
+                </a:solidFill>
+                <a:latin typeface="+mn-lt"/>
+                <a:ea typeface="+mn-ea"/>
+                <a:cs typeface="+mn-cs"/>
+              </a:defRPr>
+            </a:lvl2pPr>
+            <a:lvl3pPr marL="504000" indent="-288000" algn="l" defTabSz="914400" rtl="0" eaLnBrk="1" latinLnBrk="0" hangingPunct="1">
+              <a:lnSpc>
+                <a:spcPct val="110000"/>
+              </a:lnSpc>
+              <a:spcBef>
+                <a:spcPts val="200"/>
+              </a:spcBef>
+              <a:spcAft>
+                <a:spcPts val="200"/>
+              </a:spcAft>
+              <a:buFont typeface="TheSans Swisscom Light" panose="020B0300040303060204" pitchFamily="34" charset="0"/>
+              <a:buChar char="−"/>
+              <a:defRPr sz="2000" kern="1200">
+                <a:solidFill>
+                  <a:schemeClr val="tx1"/>
+                </a:solidFill>
+                <a:latin typeface="+mn-lt"/>
+                <a:ea typeface="+mn-ea"/>
+                <a:cs typeface="+mn-cs"/>
+              </a:defRPr>
+            </a:lvl3pPr>
+            <a:lvl4pPr marL="792000" indent="-288000" algn="l" defTabSz="914400" rtl="0" eaLnBrk="1" latinLnBrk="0" hangingPunct="1">
+              <a:lnSpc>
+                <a:spcPct val="110000"/>
+              </a:lnSpc>
+              <a:spcBef>
+                <a:spcPts val="200"/>
+              </a:spcBef>
+              <a:spcAft>
+                <a:spcPts val="200"/>
+              </a:spcAft>
+              <a:buFont typeface="TheSans Swisscom Light" panose="020B0300040303060204" pitchFamily="34" charset="0"/>
+              <a:buChar char="−"/>
+              <a:defRPr sz="2000" kern="1200">
+                <a:solidFill>
+                  <a:schemeClr val="tx1"/>
+                </a:solidFill>
+                <a:latin typeface="+mn-lt"/>
+                <a:ea typeface="+mn-ea"/>
+                <a:cs typeface="+mn-cs"/>
+              </a:defRPr>
+            </a:lvl4pPr>
+            <a:lvl5pPr marL="792000" indent="-288000" algn="l" defTabSz="914400" rtl="0" eaLnBrk="1" latinLnBrk="0" hangingPunct="1">
+              <a:lnSpc>
+                <a:spcPct val="110000"/>
+              </a:lnSpc>
+              <a:spcBef>
+                <a:spcPts val="200"/>
+              </a:spcBef>
+              <a:spcAft>
+                <a:spcPts val="200"/>
+              </a:spcAft>
+              <a:buFont typeface="TheSans Swisscom Light" panose="020B0300040303060204" pitchFamily="34" charset="0"/>
+              <a:buChar char="−"/>
+              <a:defRPr sz="2000" kern="1200">
+                <a:solidFill>
+                  <a:schemeClr val="tx1"/>
+                </a:solidFill>
+                <a:latin typeface="+mn-lt"/>
+                <a:ea typeface="+mn-ea"/>
+                <a:cs typeface="+mn-cs"/>
+              </a:defRPr>
+            </a:lvl5pPr>
+            <a:lvl6pPr marL="792000" indent="-288000" algn="l" defTabSz="914400" rtl="0" eaLnBrk="1" latinLnBrk="0" hangingPunct="1">
+              <a:lnSpc>
+                <a:spcPct val="110000"/>
+              </a:lnSpc>
+              <a:spcBef>
+                <a:spcPts val="200"/>
+              </a:spcBef>
+              <a:spcAft>
+                <a:spcPts val="200"/>
+              </a:spcAft>
+              <a:buFont typeface="TheSans Swisscom Light" panose="020B0300040303060204" pitchFamily="34" charset="0"/>
+              <a:buChar char="−"/>
+              <a:defRPr sz="2000" kern="1200">
+                <a:solidFill>
+                  <a:schemeClr val="tx1"/>
+                </a:solidFill>
+                <a:latin typeface="+mn-lt"/>
+                <a:ea typeface="+mn-ea"/>
+                <a:cs typeface="+mn-cs"/>
+              </a:defRPr>
+            </a:lvl6pPr>
+            <a:lvl7pPr marL="792000" indent="-288000" algn="l" defTabSz="914400" rtl="0" eaLnBrk="1" latinLnBrk="0" hangingPunct="1">
+              <a:lnSpc>
+                <a:spcPct val="110000"/>
+              </a:lnSpc>
+              <a:spcBef>
+                <a:spcPts val="200"/>
+              </a:spcBef>
+              <a:spcAft>
+                <a:spcPts val="200"/>
+              </a:spcAft>
+              <a:buFont typeface="TheSans Swisscom Light" panose="020B0300040303060204" pitchFamily="34" charset="0"/>
+              <a:buChar char="−"/>
+              <a:defRPr sz="2000" kern="1200">
+                <a:solidFill>
+                  <a:schemeClr val="tx1"/>
+                </a:solidFill>
+                <a:latin typeface="+mn-lt"/>
+                <a:ea typeface="+mn-ea"/>
+                <a:cs typeface="+mn-cs"/>
+              </a:defRPr>
+            </a:lvl7pPr>
+            <a:lvl8pPr marL="792000" indent="-288000" algn="l" defTabSz="914400" rtl="0" eaLnBrk="1" latinLnBrk="0" hangingPunct="1">
+              <a:lnSpc>
+                <a:spcPct val="110000"/>
+              </a:lnSpc>
+              <a:spcBef>
+                <a:spcPts val="200"/>
+              </a:spcBef>
+              <a:spcAft>
+                <a:spcPts val="200"/>
+              </a:spcAft>
+              <a:buFont typeface="TheSans Swisscom Light" panose="020B0300040303060204" pitchFamily="34" charset="0"/>
+              <a:buChar char="−"/>
+              <a:defRPr sz="2000" kern="1200">
+                <a:solidFill>
+                  <a:schemeClr val="tx1"/>
+                </a:solidFill>
+                <a:latin typeface="+mn-lt"/>
+                <a:ea typeface="+mn-ea"/>
+                <a:cs typeface="+mn-cs"/>
+              </a:defRPr>
+            </a:lvl8pPr>
+            <a:lvl9pPr marL="792000" indent="-288000" algn="l" defTabSz="914400" rtl="0" eaLnBrk="1" latinLnBrk="0" hangingPunct="1">
+              <a:lnSpc>
+                <a:spcPct val="110000"/>
+              </a:lnSpc>
+              <a:spcBef>
+                <a:spcPts val="200"/>
+              </a:spcBef>
+              <a:spcAft>
+                <a:spcPts val="200"/>
+              </a:spcAft>
+              <a:buFont typeface="TheSans Swisscom Light" panose="020B0300040303060204" pitchFamily="34" charset="0"/>
+              <a:buChar char="−"/>
+              <a:defRPr sz="2000" kern="1200">
+                <a:solidFill>
+                  <a:schemeClr val="tx1"/>
+                </a:solidFill>
+                <a:latin typeface="+mn-lt"/>
+                <a:ea typeface="+mn-ea"/>
+                <a:cs typeface="+mn-cs"/>
+              </a:defRPr>
+            </a:lvl9pPr>
+          </a:lstStyle>
+          <a:p>
+            <a:r>
+              <a:rPr lang="en-US" b="1" dirty="0">
+                <a:solidFill>
+                  <a:srgbClr val="FF0000"/>
+                </a:solidFill>
+              </a:rPr>
+              <a:t>Global outliers:  </a:t>
+            </a:r>
+            <a:r>
+              <a:rPr lang="en-US" dirty="0"/>
+              <a:t>An outlier is considered "global" if its behavior is outside the entirety of the considered data set.</a:t>
+            </a:r>
+          </a:p>
+          <a:p>
+            <a:r>
+              <a:rPr lang="en-US" b="1" dirty="0">
+                <a:solidFill>
+                  <a:srgbClr val="FF0000"/>
+                </a:solidFill>
+              </a:rPr>
+              <a:t>Contextual outliers:  </a:t>
+            </a:r>
+            <a:r>
+              <a:rPr lang="en-US" dirty="0"/>
+              <a:t>An outlier is considered "contextual" if its behavior is within a normal (expected) range, but it would not be expected based on some context.  Context can be defined as a function of multiple parameters, such as time, location, etc.</a:t>
+            </a:r>
+          </a:p>
+          <a:p>
+            <a:r>
+              <a:rPr lang="en-US" b="1" dirty="0">
+                <a:solidFill>
+                  <a:srgbClr val="FF0000"/>
+                </a:solidFill>
+              </a:rPr>
+              <a:t>Collective outliers:  </a:t>
+            </a:r>
+            <a:r>
+              <a:rPr lang="en-US" dirty="0"/>
+              <a:t>An outlier is considered "collective" if the behavior of each single data point that are part of the anomaly are within expected ranges (so they are not anomalous, it’s either a contextual or a global sense), but the group taking all the data points together, is.</a:t>
+            </a:r>
+          </a:p>
+        </p:txBody>
+      </p:sp>
+      <p:sp>
+        <p:nvSpPr>
+          <p:cNvPr id="18" name="TextBox 17">
+            <a:extLst>
+              <a:ext uri="{FF2B5EF4-FFF2-40B4-BE49-F238E27FC236}">
+                <a16:creationId xmlns:a16="http://schemas.microsoft.com/office/drawing/2014/main" id="{B283EDB4-CFDF-D6B9-8AF9-9CFA563360E3}"/>
+              </a:ext>
+            </a:extLst>
+          </p:cNvPr>
+          <p:cNvSpPr txBox="1"/>
+          <p:nvPr/>
+        </p:nvSpPr>
+        <p:spPr>
+          <a:xfrm>
+            <a:off x="7589520" y="2365150"/>
+            <a:ext cx="4404495" cy="3323987"/>
+          </a:xfrm>
+          <a:prstGeom prst="rect">
+            <a:avLst/>
+          </a:prstGeom>
+          <a:noFill/>
+        </p:spPr>
+        <p:txBody>
+          <a:bodyPr wrap="square">
+            <a:spAutoFit/>
+          </a:bodyPr>
+          <a:lstStyle/>
+          <a:p>
+            <a:pPr algn="ctr"/>
+            <a:r>
+              <a:rPr lang="en-US" sz="3000" b="1" dirty="0">
+                <a:latin typeface="+mj-lt"/>
+              </a:rPr>
+              <a:t>« </a:t>
+            </a:r>
+            <a:r>
+              <a:rPr lang="en-US" sz="3000" b="1" dirty="0">
+                <a:solidFill>
+                  <a:srgbClr val="FF0000"/>
+                </a:solidFill>
+                <a:latin typeface="+mj-lt"/>
+              </a:rPr>
+              <a:t>Collective outliers </a:t>
+            </a:r>
+            <a:r>
+              <a:rPr lang="en-US" sz="3000" b="1" dirty="0">
+                <a:latin typeface="+mj-lt"/>
+              </a:rPr>
+              <a:t>are important because networks are connected. Through </a:t>
+            </a:r>
+            <a:r>
+              <a:rPr lang="en-US" sz="3000" b="1" dirty="0">
+                <a:solidFill>
+                  <a:srgbClr val="FF0000"/>
+                </a:solidFill>
+                <a:latin typeface="+mj-lt"/>
+              </a:rPr>
+              <a:t>different planes interconnected</a:t>
+            </a:r>
+            <a:r>
+              <a:rPr lang="en-US" sz="3000" b="1" dirty="0">
+                <a:latin typeface="+mj-lt"/>
+              </a:rPr>
+              <a:t> symptoms </a:t>
+            </a:r>
+            <a:r>
+              <a:rPr lang="en-US" sz="3000" b="1" dirty="0">
+                <a:solidFill>
+                  <a:srgbClr val="FF0000"/>
+                </a:solidFill>
+                <a:latin typeface="+mj-lt"/>
+              </a:rPr>
+              <a:t>from various angles </a:t>
+            </a:r>
+            <a:r>
+              <a:rPr lang="en-US" sz="3000" b="1" dirty="0">
+                <a:latin typeface="+mj-lt"/>
+              </a:rPr>
+              <a:t>can be observed</a:t>
+            </a:r>
+            <a:r>
+              <a:rPr lang="en-US" sz="3000" b="1" dirty="0">
+                <a:solidFill>
+                  <a:schemeClr val="accent6"/>
+                </a:solidFill>
+                <a:latin typeface="+mj-lt"/>
+              </a:rPr>
+              <a:t> </a:t>
+            </a:r>
+            <a:r>
+              <a:rPr lang="de-CH" sz="3000" b="1" dirty="0">
+                <a:latin typeface="+mj-lt"/>
+              </a:rPr>
+              <a:t>»</a:t>
+            </a:r>
+            <a:endParaRPr lang="en-US" sz="3000" b="1" dirty="0">
+              <a:latin typeface="+mj-lt"/>
+            </a:endParaRPr>
+          </a:p>
+        </p:txBody>
+      </p:sp>
+      <p:sp>
+        <p:nvSpPr>
+          <p:cNvPr id="19" name="Title 1">
+            <a:extLst>
+              <a:ext uri="{FF2B5EF4-FFF2-40B4-BE49-F238E27FC236}">
+                <a16:creationId xmlns:a16="http://schemas.microsoft.com/office/drawing/2014/main" id="{56D79134-17A9-8BC8-B7D0-97BCFFB9A6B2}"/>
+              </a:ext>
+            </a:extLst>
+          </p:cNvPr>
+          <p:cNvSpPr>
+            <a:spLocks noGrp="1"/>
+          </p:cNvSpPr>
+          <p:nvPr>
+            <p:ph type="title"/>
+          </p:nvPr>
+        </p:nvSpPr>
+        <p:spPr>
+          <a:xfrm>
+            <a:off x="838200" y="365125"/>
+            <a:ext cx="10515600" cy="1325563"/>
+          </a:xfrm>
+        </p:spPr>
+        <p:txBody>
+          <a:bodyPr>
+            <a:normAutofit/>
+          </a:bodyPr>
+          <a:lstStyle/>
+          <a:p>
+            <a:r>
+              <a:rPr lang="en-US" sz="2800" b="1" dirty="0"/>
+              <a:t>Outliers in Anomaly Detection</a:t>
+            </a:r>
+            <a:br>
+              <a:rPr lang="en-US" sz="3600" dirty="0"/>
+            </a:br>
+            <a:r>
+              <a:rPr lang="en-US" sz="2700" dirty="0">
+                <a:solidFill>
+                  <a:schemeClr val="bg2">
+                    <a:lumMod val="75000"/>
+                  </a:schemeClr>
+                </a:solidFill>
+              </a:rPr>
+              <a:t>From global to contextual to collective</a:t>
+            </a:r>
+          </a:p>
+        </p:txBody>
+      </p:sp>
+    </p:spTree>
+    <p:extLst>
+      <p:ext uri="{BB962C8B-B14F-4D97-AF65-F5344CB8AC3E}">
+        <p14:creationId xmlns:p14="http://schemas.microsoft.com/office/powerpoint/2010/main" val="4235116615"/>
+      </p:ext>
+    </p:extLst>
+  </p:cSld>
+  <p:clrMapOvr>
+    <a:masterClrMapping/>
+  </p:clrMapOvr>
+</p:sld>
+</file>
+
+<file path=ppt/slides/slide8.xml><?xml version="1.0" encoding="utf-8"?>
+<p:sld xmlns:a="http://schemas.openxmlformats.org/drawingml/2006/main" xmlns:r="http://schemas.openxmlformats.org/officeDocument/2006/relationships" xmlns:p="http://schemas.openxmlformats.org/presentationml/2006/main">
+  <p:cSld>
+    <p:spTree>
+      <p:nvGrpSpPr>
+        <p:cNvPr id="1" name=""/>
+        <p:cNvGrpSpPr/>
+        <p:nvPr/>
+      </p:nvGrpSpPr>
+      <p:grpSpPr>
+        <a:xfrm>
+          <a:off x="0" y="0"/>
+          <a:ext cx="0" cy="0"/>
+          <a:chOff x="0" y="0"/>
+          <a:chExt cx="0" cy="0"/>
+        </a:xfrm>
+      </p:grpSpPr>
+      <p:sp>
+        <p:nvSpPr>
+          <p:cNvPr id="3" name="Content Placeholder 2">
+            <a:extLst>
+              <a:ext uri="{FF2B5EF4-FFF2-40B4-BE49-F238E27FC236}">
+                <a16:creationId xmlns:a16="http://schemas.microsoft.com/office/drawing/2014/main" id="{29C0DFD4-432D-4B0C-93DF-790441DCF5B9}"/>
+              </a:ext>
+            </a:extLst>
+          </p:cNvPr>
+          <p:cNvSpPr>
+            <a:spLocks noGrp="1"/>
+          </p:cNvSpPr>
+          <p:nvPr>
+            <p:ph idx="1"/>
+          </p:nvPr>
+        </p:nvSpPr>
+        <p:spPr>
+          <a:xfrm>
+            <a:off x="6193410" y="1929384"/>
+            <a:ext cx="5229402" cy="3557849"/>
+          </a:xfrm>
+        </p:spPr>
+        <p:txBody>
+          <a:bodyPr>
+            <a:noAutofit/>
+          </a:bodyPr>
+          <a:lstStyle/>
+          <a:p>
+            <a:r>
+              <a:rPr lang="en-US" sz="2000" b="1" dirty="0">
+                <a:solidFill>
+                  <a:srgbClr val="FF0000"/>
+                </a:solidFill>
+              </a:rPr>
+              <a:t>Symptoms</a:t>
+            </a:r>
+            <a:r>
+              <a:rPr lang="en-US" sz="2000" dirty="0"/>
+              <a:t> describe what changed in the network for what reason and cause with which concern score from when to when.</a:t>
+            </a:r>
+          </a:p>
+          <a:p>
+            <a:r>
+              <a:rPr lang="en-US" sz="2000" b="1" dirty="0">
+                <a:solidFill>
+                  <a:srgbClr val="FF0000"/>
+                </a:solidFill>
+              </a:rPr>
+              <a:t>Tags</a:t>
+            </a:r>
+            <a:r>
+              <a:rPr lang="en-US" sz="2000" dirty="0"/>
+              <a:t> describes in which network plane, which action, reason and cause was observed.</a:t>
+            </a:r>
+          </a:p>
+          <a:p>
+            <a:r>
+              <a:rPr lang="en-US" sz="2000" b="1" dirty="0">
+                <a:solidFill>
+                  <a:srgbClr val="FF0000"/>
+                </a:solidFill>
+              </a:rPr>
+              <a:t>Pattern </a:t>
+            </a:r>
+            <a:r>
+              <a:rPr lang="en-US" sz="2000" dirty="0"/>
+              <a:t>describes the measurement pattern over time of the time series data.</a:t>
+            </a:r>
+          </a:p>
+          <a:p>
+            <a:r>
+              <a:rPr lang="en-US" sz="2000" b="1" dirty="0">
+                <a:solidFill>
+                  <a:srgbClr val="FF0000"/>
+                </a:solidFill>
+              </a:rPr>
+              <a:t>Source </a:t>
+            </a:r>
+            <a:r>
+              <a:rPr lang="en-US" sz="2000" dirty="0"/>
+              <a:t>describes which system </a:t>
+            </a:r>
+            <a:r>
+              <a:rPr lang="en-US" sz="2000" b="1" dirty="0">
+                <a:solidFill>
+                  <a:srgbClr val="FF0000"/>
+                </a:solidFill>
+              </a:rPr>
+              <a:t>observed</a:t>
+            </a:r>
+            <a:r>
+              <a:rPr lang="en-US" sz="2000" dirty="0"/>
+              <a:t> the outlier. A human or a network anomaly detection system.</a:t>
+            </a:r>
+          </a:p>
+          <a:p>
+            <a:endParaRPr lang="en-US" sz="2000" dirty="0"/>
+          </a:p>
+        </p:txBody>
+      </p:sp>
+      <p:sp>
+        <p:nvSpPr>
+          <p:cNvPr id="19" name="Rectangle 18">
+            <a:extLst>
+              <a:ext uri="{FF2B5EF4-FFF2-40B4-BE49-F238E27FC236}">
+                <a16:creationId xmlns:a16="http://schemas.microsoft.com/office/drawing/2014/main" id="{B0AC9776-B227-44FD-A2AC-1FDE0B6F1445}"/>
+              </a:ext>
+            </a:extLst>
+          </p:cNvPr>
+          <p:cNvSpPr/>
+          <p:nvPr/>
+        </p:nvSpPr>
+        <p:spPr>
+          <a:xfrm>
+            <a:off x="806550" y="1676567"/>
+            <a:ext cx="4182687" cy="1065513"/>
+          </a:xfrm>
+          <a:prstGeom prst="rect">
+            <a:avLst/>
+          </a:prstGeom>
+          <a:solidFill>
+            <a:schemeClr val="accent6">
+              <a:alpha val="10000"/>
+            </a:schemeClr>
+          </a:solidFill>
+          <a:ln w="25400">
+            <a:solidFill>
+              <a:schemeClr val="accent6"/>
+            </a:solidFill>
+          </a:ln>
+        </p:spPr>
+        <p:style>
+          <a:lnRef idx="2">
+            <a:schemeClr val="accent1">
+              <a:shade val="50000"/>
+            </a:schemeClr>
+          </a:lnRef>
+          <a:fillRef idx="1">
+            <a:schemeClr val="accent1"/>
+          </a:fillRef>
+          <a:effectRef idx="0">
+            <a:schemeClr val="accent1"/>
+          </a:effectRef>
+          <a:fontRef idx="minor">
+            <a:schemeClr val="lt1"/>
+          </a:fontRef>
+        </p:style>
+        <p:txBody>
+          <a:bodyPr rtlCol="0" anchor="ctr"/>
+          <a:lstStyle/>
+          <a:p>
+            <a:pPr algn="ctr"/>
+            <a:endParaRPr lang="de-CH"/>
+          </a:p>
+        </p:txBody>
+      </p:sp>
+      <p:cxnSp>
+        <p:nvCxnSpPr>
+          <p:cNvPr id="22" name="Straight Connector 21">
+            <a:extLst>
+              <a:ext uri="{FF2B5EF4-FFF2-40B4-BE49-F238E27FC236}">
+                <a16:creationId xmlns:a16="http://schemas.microsoft.com/office/drawing/2014/main" id="{5EE7A184-4440-4663-A713-45C43FB41FBD}"/>
+              </a:ext>
+            </a:extLst>
+          </p:cNvPr>
+          <p:cNvCxnSpPr>
+            <a:cxnSpLocks/>
+          </p:cNvCxnSpPr>
+          <p:nvPr/>
+        </p:nvCxnSpPr>
+        <p:spPr>
+          <a:xfrm>
+            <a:off x="5020885" y="2024924"/>
+            <a:ext cx="1172525" cy="67827"/>
+          </a:xfrm>
+          <a:prstGeom prst="line">
+            <a:avLst/>
+          </a:prstGeom>
+          <a:ln w="25400">
+            <a:solidFill>
+              <a:schemeClr val="accent6"/>
+            </a:solidFill>
+          </a:ln>
+        </p:spPr>
+        <p:style>
+          <a:lnRef idx="1">
+            <a:schemeClr val="accent1"/>
+          </a:lnRef>
+          <a:fillRef idx="0">
+            <a:schemeClr val="accent1"/>
+          </a:fillRef>
+          <a:effectRef idx="0">
+            <a:schemeClr val="accent1"/>
+          </a:effectRef>
+          <a:fontRef idx="minor">
+            <a:schemeClr val="tx1"/>
+          </a:fontRef>
+        </p:style>
+      </p:cxnSp>
+      <p:cxnSp>
+        <p:nvCxnSpPr>
+          <p:cNvPr id="23" name="Straight Connector 22">
+            <a:extLst>
+              <a:ext uri="{FF2B5EF4-FFF2-40B4-BE49-F238E27FC236}">
+                <a16:creationId xmlns:a16="http://schemas.microsoft.com/office/drawing/2014/main" id="{D8988D8C-34C7-42B3-BD73-F0A5B399F9DF}"/>
+              </a:ext>
+            </a:extLst>
+          </p:cNvPr>
+          <p:cNvCxnSpPr>
+            <a:cxnSpLocks/>
+          </p:cNvCxnSpPr>
+          <p:nvPr/>
+        </p:nvCxnSpPr>
+        <p:spPr>
+          <a:xfrm flipV="1">
+            <a:off x="5002030" y="4411091"/>
+            <a:ext cx="1232885" cy="1012805"/>
+          </a:xfrm>
+          <a:prstGeom prst="line">
+            <a:avLst/>
+          </a:prstGeom>
+          <a:ln w="25400">
+            <a:solidFill>
+              <a:schemeClr val="accent5"/>
+            </a:solidFill>
+          </a:ln>
+        </p:spPr>
+        <p:style>
+          <a:lnRef idx="1">
+            <a:schemeClr val="accent1"/>
+          </a:lnRef>
+          <a:fillRef idx="0">
+            <a:schemeClr val="accent1"/>
+          </a:fillRef>
+          <a:effectRef idx="0">
+            <a:schemeClr val="accent1"/>
+          </a:effectRef>
+          <a:fontRef idx="minor">
+            <a:schemeClr val="tx1"/>
+          </a:fontRef>
+        </p:style>
+      </p:cxnSp>
+      <p:sp>
+        <p:nvSpPr>
+          <p:cNvPr id="11" name="Slide Number Placeholder 1">
+            <a:extLst>
+              <a:ext uri="{FF2B5EF4-FFF2-40B4-BE49-F238E27FC236}">
+                <a16:creationId xmlns:a16="http://schemas.microsoft.com/office/drawing/2014/main" id="{512B43D3-8F19-488A-8D0D-979DD7EC8E7E}"/>
+              </a:ext>
+            </a:extLst>
+          </p:cNvPr>
+          <p:cNvSpPr>
+            <a:spLocks noGrp="1"/>
+          </p:cNvSpPr>
+          <p:nvPr>
+            <p:ph type="sldNum" sz="quarter" idx="12"/>
+          </p:nvPr>
+        </p:nvSpPr>
+        <p:spPr>
+          <a:xfrm>
+            <a:off x="11587892" y="6361637"/>
+            <a:ext cx="414251" cy="365125"/>
+          </a:xfrm>
+        </p:spPr>
+        <p:txBody>
+          <a:bodyPr/>
+          <a:lstStyle/>
+          <a:p>
+            <a:fld id="{FC4AC485-25DE-431E-B345-9C0A15BB7F8A}" type="slidenum">
+              <a:rPr lang="de-CH" sz="1400" smtClean="0"/>
+              <a:t>8</a:t>
+            </a:fld>
+            <a:endParaRPr lang="de-CH" sz="1400" dirty="0"/>
+          </a:p>
+        </p:txBody>
+      </p:sp>
+      <p:sp>
+        <p:nvSpPr>
+          <p:cNvPr id="6" name="Title 1">
+            <a:extLst>
+              <a:ext uri="{FF2B5EF4-FFF2-40B4-BE49-F238E27FC236}">
+                <a16:creationId xmlns:a16="http://schemas.microsoft.com/office/drawing/2014/main" id="{ABB61075-2877-B162-7D8F-97EC17B8DF39}"/>
+              </a:ext>
+            </a:extLst>
+          </p:cNvPr>
+          <p:cNvSpPr>
+            <a:spLocks noGrp="1"/>
+          </p:cNvSpPr>
+          <p:nvPr>
+            <p:ph type="title"/>
+          </p:nvPr>
+        </p:nvSpPr>
+        <p:spPr>
+          <a:xfrm>
+            <a:off x="838200" y="365125"/>
+            <a:ext cx="10515600" cy="1325563"/>
+          </a:xfrm>
+        </p:spPr>
+        <p:txBody>
+          <a:bodyPr>
+            <a:normAutofit/>
+          </a:bodyPr>
+          <a:lstStyle/>
+          <a:p>
+            <a:r>
+              <a:rPr lang="en-US" sz="2800" b="1" dirty="0"/>
+              <a:t>Annotate Operational Data</a:t>
+            </a:r>
+            <a:br>
+              <a:rPr lang="en-US" sz="3600" dirty="0"/>
+            </a:br>
+            <a:r>
+              <a:rPr lang="en-US" sz="2700" dirty="0">
+                <a:solidFill>
+                  <a:schemeClr val="bg2">
+                    <a:lumMod val="75000"/>
+                  </a:schemeClr>
+                </a:solidFill>
+              </a:rPr>
+              <a:t>YANG Module</a:t>
+            </a:r>
+            <a:endParaRPr lang="en-US" sz="2700" dirty="0">
+              <a:solidFill>
+                <a:srgbClr val="FF0000"/>
+              </a:solidFill>
+            </a:endParaRPr>
+          </a:p>
+        </p:txBody>
+      </p:sp>
+      <p:sp>
+        <p:nvSpPr>
+          <p:cNvPr id="7" name="Rectangle 6">
+            <a:extLst>
+              <a:ext uri="{FF2B5EF4-FFF2-40B4-BE49-F238E27FC236}">
+                <a16:creationId xmlns:a16="http://schemas.microsoft.com/office/drawing/2014/main" id="{E751AA3A-A181-4E76-CC75-041686EB2C20}"/>
+              </a:ext>
+            </a:extLst>
+          </p:cNvPr>
+          <p:cNvSpPr/>
+          <p:nvPr/>
+        </p:nvSpPr>
+        <p:spPr>
+          <a:xfrm>
+            <a:off x="806550" y="2764921"/>
+            <a:ext cx="4182687" cy="460418"/>
+          </a:xfrm>
+          <a:prstGeom prst="rect">
+            <a:avLst/>
+          </a:prstGeom>
+          <a:solidFill>
+            <a:schemeClr val="accent4">
+              <a:alpha val="10000"/>
+            </a:schemeClr>
+          </a:solidFill>
+          <a:ln w="25400">
+            <a:solidFill>
+              <a:schemeClr val="accent4"/>
+            </a:solidFill>
+          </a:ln>
+        </p:spPr>
+        <p:style>
+          <a:lnRef idx="2">
+            <a:schemeClr val="accent1">
+              <a:shade val="50000"/>
+            </a:schemeClr>
+          </a:lnRef>
+          <a:fillRef idx="1">
+            <a:schemeClr val="accent1"/>
+          </a:fillRef>
+          <a:effectRef idx="0">
+            <a:schemeClr val="accent1"/>
+          </a:effectRef>
+          <a:fontRef idx="minor">
+            <a:schemeClr val="lt1"/>
+          </a:fontRef>
+        </p:style>
+        <p:txBody>
+          <a:bodyPr rtlCol="0" anchor="ctr"/>
+          <a:lstStyle/>
+          <a:p>
+            <a:pPr algn="ctr"/>
+            <a:endParaRPr lang="de-CH"/>
+          </a:p>
+        </p:txBody>
+      </p:sp>
+      <p:sp>
+        <p:nvSpPr>
+          <p:cNvPr id="8" name="Rectangle 7">
+            <a:extLst>
+              <a:ext uri="{FF2B5EF4-FFF2-40B4-BE49-F238E27FC236}">
+                <a16:creationId xmlns:a16="http://schemas.microsoft.com/office/drawing/2014/main" id="{8F5B7433-6C2C-9F79-E743-B4F7F3199C49}"/>
+              </a:ext>
+            </a:extLst>
+          </p:cNvPr>
+          <p:cNvSpPr/>
+          <p:nvPr/>
+        </p:nvSpPr>
+        <p:spPr>
+          <a:xfrm>
+            <a:off x="806549" y="5030177"/>
+            <a:ext cx="4182687" cy="981600"/>
+          </a:xfrm>
+          <a:prstGeom prst="rect">
+            <a:avLst/>
+          </a:prstGeom>
+          <a:solidFill>
+            <a:schemeClr val="accent1">
+              <a:alpha val="10000"/>
+            </a:schemeClr>
+          </a:solidFill>
+          <a:ln w="25400">
+            <a:solidFill>
+              <a:schemeClr val="accent1"/>
+            </a:solidFill>
+          </a:ln>
+        </p:spPr>
+        <p:style>
+          <a:lnRef idx="2">
+            <a:schemeClr val="accent1">
+              <a:shade val="50000"/>
+            </a:schemeClr>
+          </a:lnRef>
+          <a:fillRef idx="1">
+            <a:schemeClr val="accent1"/>
+          </a:fillRef>
+          <a:effectRef idx="0">
+            <a:schemeClr val="accent1"/>
+          </a:effectRef>
+          <a:fontRef idx="minor">
+            <a:schemeClr val="lt1"/>
+          </a:fontRef>
+        </p:style>
+        <p:txBody>
+          <a:bodyPr rtlCol="0" anchor="ctr"/>
+          <a:lstStyle/>
+          <a:p>
+            <a:pPr algn="ctr"/>
+            <a:endParaRPr lang="de-CH"/>
+          </a:p>
+        </p:txBody>
+      </p:sp>
+      <p:sp>
+        <p:nvSpPr>
+          <p:cNvPr id="9" name="Rectangle 8">
+            <a:extLst>
+              <a:ext uri="{FF2B5EF4-FFF2-40B4-BE49-F238E27FC236}">
+                <a16:creationId xmlns:a16="http://schemas.microsoft.com/office/drawing/2014/main" id="{94BED9E1-5205-DBA5-3A77-348AA6C3053F}"/>
+              </a:ext>
+            </a:extLst>
+          </p:cNvPr>
+          <p:cNvSpPr/>
+          <p:nvPr/>
+        </p:nvSpPr>
+        <p:spPr>
+          <a:xfrm>
+            <a:off x="806550" y="3225339"/>
+            <a:ext cx="4182687" cy="1784660"/>
+          </a:xfrm>
+          <a:prstGeom prst="rect">
+            <a:avLst/>
+          </a:prstGeom>
+          <a:solidFill>
+            <a:schemeClr val="accent2">
+              <a:alpha val="10000"/>
+            </a:schemeClr>
+          </a:solidFill>
+          <a:ln w="25400">
+            <a:solidFill>
+              <a:schemeClr val="accent2"/>
+            </a:solidFill>
+          </a:ln>
+        </p:spPr>
+        <p:style>
+          <a:lnRef idx="2">
+            <a:schemeClr val="accent1">
+              <a:shade val="50000"/>
+            </a:schemeClr>
+          </a:lnRef>
+          <a:fillRef idx="1">
+            <a:schemeClr val="accent1"/>
+          </a:fillRef>
+          <a:effectRef idx="0">
+            <a:schemeClr val="accent1"/>
+          </a:effectRef>
+          <a:fontRef idx="minor">
+            <a:schemeClr val="lt1"/>
+          </a:fontRef>
+        </p:style>
+        <p:txBody>
+          <a:bodyPr rtlCol="0" anchor="ctr"/>
+          <a:lstStyle/>
+          <a:p>
+            <a:pPr algn="ctr"/>
+            <a:endParaRPr lang="de-CH"/>
+          </a:p>
+        </p:txBody>
+      </p:sp>
+      <p:cxnSp>
+        <p:nvCxnSpPr>
+          <p:cNvPr id="13" name="Straight Connector 12">
+            <a:extLst>
+              <a:ext uri="{FF2B5EF4-FFF2-40B4-BE49-F238E27FC236}">
+                <a16:creationId xmlns:a16="http://schemas.microsoft.com/office/drawing/2014/main" id="{ABDEEB90-F9DE-4579-466A-4391823DABF7}"/>
+              </a:ext>
+            </a:extLst>
+          </p:cNvPr>
+          <p:cNvCxnSpPr>
+            <a:cxnSpLocks/>
+          </p:cNvCxnSpPr>
+          <p:nvPr/>
+        </p:nvCxnSpPr>
+        <p:spPr>
+          <a:xfrm>
+            <a:off x="4994210" y="3015285"/>
+            <a:ext cx="1199200" cy="0"/>
+          </a:xfrm>
+          <a:prstGeom prst="line">
+            <a:avLst/>
+          </a:prstGeom>
+          <a:ln w="25400">
+            <a:solidFill>
+              <a:schemeClr val="accent4"/>
+            </a:solidFill>
+          </a:ln>
+        </p:spPr>
+        <p:style>
+          <a:lnRef idx="1">
+            <a:schemeClr val="accent1"/>
+          </a:lnRef>
+          <a:fillRef idx="0">
+            <a:schemeClr val="accent1"/>
+          </a:fillRef>
+          <a:effectRef idx="0">
+            <a:schemeClr val="accent1"/>
+          </a:effectRef>
+          <a:fontRef idx="minor">
+            <a:schemeClr val="tx1"/>
+          </a:fontRef>
+        </p:style>
+      </p:cxnSp>
+      <p:cxnSp>
+        <p:nvCxnSpPr>
+          <p:cNvPr id="14" name="Straight Connector 13">
+            <a:extLst>
+              <a:ext uri="{FF2B5EF4-FFF2-40B4-BE49-F238E27FC236}">
+                <a16:creationId xmlns:a16="http://schemas.microsoft.com/office/drawing/2014/main" id="{971CE727-7DCB-9E98-7B9C-B1ACC28EC9FF}"/>
+              </a:ext>
+            </a:extLst>
+          </p:cNvPr>
+          <p:cNvCxnSpPr>
+            <a:cxnSpLocks/>
+          </p:cNvCxnSpPr>
+          <p:nvPr/>
+        </p:nvCxnSpPr>
+        <p:spPr>
+          <a:xfrm flipV="1">
+            <a:off x="5020885" y="3745309"/>
+            <a:ext cx="1214030" cy="47334"/>
+          </a:xfrm>
+          <a:prstGeom prst="line">
+            <a:avLst/>
+          </a:prstGeom>
+          <a:ln w="25400">
+            <a:solidFill>
+              <a:schemeClr val="accent2"/>
+            </a:solidFill>
+          </a:ln>
+        </p:spPr>
+        <p:style>
+          <a:lnRef idx="1">
+            <a:schemeClr val="accent1"/>
+          </a:lnRef>
+          <a:fillRef idx="0">
+            <a:schemeClr val="accent1"/>
+          </a:fillRef>
+          <a:effectRef idx="0">
+            <a:schemeClr val="accent1"/>
+          </a:effectRef>
+          <a:fontRef idx="minor">
+            <a:schemeClr val="tx1"/>
+          </a:fontRef>
+        </p:style>
+      </p:cxnSp>
+      <p:sp>
+        <p:nvSpPr>
+          <p:cNvPr id="17" name="TextBox 16">
+            <a:extLst>
+              <a:ext uri="{FF2B5EF4-FFF2-40B4-BE49-F238E27FC236}">
+                <a16:creationId xmlns:a16="http://schemas.microsoft.com/office/drawing/2014/main" id="{8F78EE4C-6EFD-4363-A98F-3E5608669DF5}"/>
+              </a:ext>
+            </a:extLst>
+          </p:cNvPr>
+          <p:cNvSpPr txBox="1"/>
+          <p:nvPr/>
+        </p:nvSpPr>
+        <p:spPr>
+          <a:xfrm>
+            <a:off x="838198" y="1484344"/>
+            <a:ext cx="4373880" cy="4569264"/>
+          </a:xfrm>
+          <a:prstGeom prst="rect">
+            <a:avLst/>
+          </a:prstGeom>
+          <a:noFill/>
+        </p:spPr>
+        <p:txBody>
+          <a:bodyPr wrap="square">
+            <a:spAutoFit/>
+          </a:bodyPr>
+          <a:lstStyle/>
+          <a:p>
+            <a:pPr marL="0" marR="0">
+              <a:lnSpc>
+                <a:spcPct val="107000"/>
+              </a:lnSpc>
+              <a:spcBef>
+                <a:spcPts val="0"/>
+              </a:spcBef>
+              <a:spcAft>
+                <a:spcPts val="0"/>
+              </a:spcAft>
+            </a:pPr>
+            <a:r>
+              <a:rPr lang="en-US" sz="850" dirty="0">
+                <a:effectLst/>
+                <a:latin typeface="Courier New" panose="02070309020205020404" pitchFamily="49" charset="0"/>
+                <a:ea typeface="Calibri" panose="020F0502020204030204" pitchFamily="34" charset="0"/>
+                <a:cs typeface="Courier New" panose="02070309020205020404" pitchFamily="49" charset="0"/>
+              </a:rPr>
+              <a:t>module: </a:t>
+            </a:r>
+            <a:r>
+              <a:rPr lang="en-US" sz="850" dirty="0" err="1">
+                <a:effectLst/>
+                <a:latin typeface="Courier New" panose="02070309020205020404" pitchFamily="49" charset="0"/>
+                <a:ea typeface="Calibri" panose="020F0502020204030204" pitchFamily="34" charset="0"/>
+                <a:cs typeface="Courier New" panose="02070309020205020404" pitchFamily="49" charset="0"/>
+              </a:rPr>
+              <a:t>ietf</a:t>
+            </a:r>
+            <a:r>
+              <a:rPr lang="en-US" sz="850" dirty="0">
+                <a:effectLst/>
+                <a:latin typeface="Courier New" panose="02070309020205020404" pitchFamily="49" charset="0"/>
+                <a:ea typeface="Calibri" panose="020F0502020204030204" pitchFamily="34" charset="0"/>
+                <a:cs typeface="Courier New" panose="02070309020205020404" pitchFamily="49" charset="0"/>
+              </a:rPr>
+              <a:t>-symptom-semantic-metadata</a:t>
+            </a:r>
+          </a:p>
+          <a:p>
+            <a:pPr marL="0" marR="0">
+              <a:lnSpc>
+                <a:spcPct val="107000"/>
+              </a:lnSpc>
+              <a:spcBef>
+                <a:spcPts val="0"/>
+              </a:spcBef>
+              <a:spcAft>
+                <a:spcPts val="0"/>
+              </a:spcAft>
+            </a:pPr>
+            <a:r>
+              <a:rPr lang="en-US" sz="850" dirty="0">
+                <a:effectLst/>
+                <a:latin typeface="Courier New" panose="02070309020205020404" pitchFamily="49" charset="0"/>
+                <a:ea typeface="Calibri" panose="020F0502020204030204" pitchFamily="34" charset="0"/>
+                <a:cs typeface="Courier New" panose="02070309020205020404" pitchFamily="49" charset="0"/>
+              </a:rPr>
+              <a:t>  +--</a:t>
+            </a:r>
+            <a:r>
+              <a:rPr lang="en-US" sz="850" dirty="0" err="1">
+                <a:effectLst/>
+                <a:latin typeface="Courier New" panose="02070309020205020404" pitchFamily="49" charset="0"/>
+                <a:ea typeface="Calibri" panose="020F0502020204030204" pitchFamily="34" charset="0"/>
+                <a:cs typeface="Courier New" panose="02070309020205020404" pitchFamily="49" charset="0"/>
+              </a:rPr>
+              <a:t>rw</a:t>
+            </a:r>
+            <a:r>
+              <a:rPr lang="en-US" sz="850" dirty="0">
+                <a:effectLst/>
+                <a:latin typeface="Courier New" panose="02070309020205020404" pitchFamily="49" charset="0"/>
+                <a:ea typeface="Calibri" panose="020F0502020204030204" pitchFamily="34" charset="0"/>
+                <a:cs typeface="Courier New" panose="02070309020205020404" pitchFamily="49" charset="0"/>
+              </a:rPr>
+              <a:t> symptom</a:t>
+            </a:r>
+          </a:p>
+          <a:p>
+            <a:pPr marL="0" marR="0">
+              <a:lnSpc>
+                <a:spcPct val="107000"/>
+              </a:lnSpc>
+              <a:spcBef>
+                <a:spcPts val="0"/>
+              </a:spcBef>
+              <a:spcAft>
+                <a:spcPts val="0"/>
+              </a:spcAft>
+            </a:pPr>
+            <a:r>
+              <a:rPr lang="en-US" sz="850" dirty="0">
+                <a:effectLst/>
+                <a:latin typeface="Courier New" panose="02070309020205020404" pitchFamily="49" charset="0"/>
+                <a:ea typeface="Calibri" panose="020F0502020204030204" pitchFamily="34" charset="0"/>
+                <a:cs typeface="Courier New" panose="02070309020205020404" pitchFamily="49" charset="0"/>
+              </a:rPr>
+              <a:t>    +--</a:t>
+            </a:r>
+            <a:r>
+              <a:rPr lang="en-US" sz="850" dirty="0" err="1">
+                <a:effectLst/>
+                <a:latin typeface="Courier New" panose="02070309020205020404" pitchFamily="49" charset="0"/>
+                <a:ea typeface="Calibri" panose="020F0502020204030204" pitchFamily="34" charset="0"/>
+                <a:cs typeface="Courier New" panose="02070309020205020404" pitchFamily="49" charset="0"/>
+              </a:rPr>
+              <a:t>rw</a:t>
+            </a:r>
+            <a:r>
+              <a:rPr lang="en-US" sz="850" dirty="0">
+                <a:effectLst/>
+                <a:latin typeface="Courier New" panose="02070309020205020404" pitchFamily="49" charset="0"/>
+                <a:ea typeface="Calibri" panose="020F0502020204030204" pitchFamily="34" charset="0"/>
+                <a:cs typeface="Courier New" panose="02070309020205020404" pitchFamily="49" charset="0"/>
+              </a:rPr>
+              <a:t> id        </a:t>
+            </a:r>
+            <a:r>
+              <a:rPr lang="en-US" sz="850" dirty="0" err="1">
+                <a:effectLst/>
+                <a:latin typeface="Courier New" panose="02070309020205020404" pitchFamily="49" charset="0"/>
+                <a:ea typeface="Calibri" panose="020F0502020204030204" pitchFamily="34" charset="0"/>
+                <a:cs typeface="Courier New" panose="02070309020205020404" pitchFamily="49" charset="0"/>
+              </a:rPr>
+              <a:t>yang:uuid</a:t>
+            </a:r>
+            <a:endParaRPr lang="en-US" sz="850" dirty="0">
+              <a:effectLst/>
+              <a:latin typeface="Courier New" panose="02070309020205020404" pitchFamily="49" charset="0"/>
+              <a:ea typeface="Calibri" panose="020F0502020204030204" pitchFamily="34" charset="0"/>
+              <a:cs typeface="Courier New" panose="02070309020205020404" pitchFamily="49" charset="0"/>
+            </a:endParaRPr>
+          </a:p>
+          <a:p>
+            <a:pPr marL="0" marR="0">
+              <a:lnSpc>
+                <a:spcPct val="107000"/>
+              </a:lnSpc>
+              <a:spcBef>
+                <a:spcPts val="0"/>
+              </a:spcBef>
+              <a:spcAft>
+                <a:spcPts val="0"/>
+              </a:spcAft>
+            </a:pPr>
+            <a:r>
+              <a:rPr lang="en-US" sz="850" dirty="0">
+                <a:effectLst/>
+                <a:latin typeface="Courier New" panose="02070309020205020404" pitchFamily="49" charset="0"/>
+                <a:ea typeface="Calibri" panose="020F0502020204030204" pitchFamily="34" charset="0"/>
+                <a:cs typeface="Courier New" panose="02070309020205020404" pitchFamily="49" charset="0"/>
+              </a:rPr>
+              <a:t>    +--</a:t>
+            </a:r>
+            <a:r>
+              <a:rPr lang="en-US" sz="850" dirty="0" err="1">
+                <a:effectLst/>
+                <a:latin typeface="Courier New" panose="02070309020205020404" pitchFamily="49" charset="0"/>
+                <a:ea typeface="Calibri" panose="020F0502020204030204" pitchFamily="34" charset="0"/>
+                <a:cs typeface="Courier New" panose="02070309020205020404" pitchFamily="49" charset="0"/>
+              </a:rPr>
+              <a:t>rw</a:t>
+            </a:r>
+            <a:r>
+              <a:rPr lang="en-US" sz="850" dirty="0">
+                <a:effectLst/>
+                <a:latin typeface="Courier New" panose="02070309020205020404" pitchFamily="49" charset="0"/>
+                <a:ea typeface="Calibri" panose="020F0502020204030204" pitchFamily="34" charset="0"/>
+                <a:cs typeface="Courier New" panose="02070309020205020404" pitchFamily="49" charset="0"/>
+              </a:rPr>
+              <a:t> event-id  </a:t>
+            </a:r>
+            <a:r>
+              <a:rPr lang="en-US" sz="850" dirty="0" err="1">
+                <a:effectLst/>
+                <a:latin typeface="Courier New" panose="02070309020205020404" pitchFamily="49" charset="0"/>
+                <a:ea typeface="Calibri" panose="020F0502020204030204" pitchFamily="34" charset="0"/>
+                <a:cs typeface="Courier New" panose="02070309020205020404" pitchFamily="49" charset="0"/>
+              </a:rPr>
+              <a:t>yang:uuid</a:t>
+            </a:r>
+            <a:endParaRPr lang="en-US" sz="850" dirty="0">
+              <a:effectLst/>
+              <a:latin typeface="Courier New" panose="02070309020205020404" pitchFamily="49" charset="0"/>
+              <a:ea typeface="Calibri" panose="020F0502020204030204" pitchFamily="34" charset="0"/>
+              <a:cs typeface="Courier New" panose="02070309020205020404" pitchFamily="49" charset="0"/>
+            </a:endParaRPr>
+          </a:p>
+          <a:p>
+            <a:pPr marL="0" marR="0">
+              <a:lnSpc>
+                <a:spcPct val="107000"/>
+              </a:lnSpc>
+              <a:spcBef>
+                <a:spcPts val="0"/>
+              </a:spcBef>
+              <a:spcAft>
+                <a:spcPts val="0"/>
+              </a:spcAft>
+            </a:pPr>
+            <a:r>
+              <a:rPr lang="en-US" sz="850" dirty="0">
+                <a:effectLst/>
+                <a:latin typeface="Courier New" panose="02070309020205020404" pitchFamily="49" charset="0"/>
+                <a:ea typeface="Calibri" panose="020F0502020204030204" pitchFamily="34" charset="0"/>
+                <a:cs typeface="Courier New" panose="02070309020205020404" pitchFamily="49" charset="0"/>
+              </a:rPr>
+              <a:t>    +--</a:t>
+            </a:r>
+            <a:r>
+              <a:rPr lang="en-US" sz="850" dirty="0" err="1">
+                <a:effectLst/>
+                <a:latin typeface="Courier New" panose="02070309020205020404" pitchFamily="49" charset="0"/>
+                <a:ea typeface="Calibri" panose="020F0502020204030204" pitchFamily="34" charset="0"/>
+                <a:cs typeface="Courier New" panose="02070309020205020404" pitchFamily="49" charset="0"/>
+              </a:rPr>
+              <a:t>rw</a:t>
+            </a:r>
+            <a:r>
+              <a:rPr lang="en-US" sz="850" dirty="0">
+                <a:effectLst/>
+                <a:latin typeface="Courier New" panose="02070309020205020404" pitchFamily="49" charset="0"/>
+                <a:ea typeface="Calibri" panose="020F0502020204030204" pitchFamily="34" charset="0"/>
+                <a:cs typeface="Courier New" panose="02070309020205020404" pitchFamily="49" charset="0"/>
+              </a:rPr>
+              <a:t> description                string</a:t>
+            </a:r>
+          </a:p>
+          <a:p>
+            <a:pPr marL="0" marR="0">
+              <a:lnSpc>
+                <a:spcPct val="107000"/>
+              </a:lnSpc>
+              <a:spcBef>
+                <a:spcPts val="0"/>
+              </a:spcBef>
+              <a:spcAft>
+                <a:spcPts val="0"/>
+              </a:spcAft>
+            </a:pPr>
+            <a:r>
+              <a:rPr lang="en-US" sz="850" dirty="0">
+                <a:effectLst/>
+                <a:latin typeface="Courier New" panose="02070309020205020404" pitchFamily="49" charset="0"/>
+                <a:ea typeface="Calibri" panose="020F0502020204030204" pitchFamily="34" charset="0"/>
+                <a:cs typeface="Courier New" panose="02070309020205020404" pitchFamily="49" charset="0"/>
+              </a:rPr>
+              <a:t>    +--</a:t>
+            </a:r>
+            <a:r>
+              <a:rPr lang="en-US" sz="850" dirty="0" err="1">
+                <a:effectLst/>
+                <a:latin typeface="Courier New" panose="02070309020205020404" pitchFamily="49" charset="0"/>
+                <a:ea typeface="Calibri" panose="020F0502020204030204" pitchFamily="34" charset="0"/>
+                <a:cs typeface="Courier New" panose="02070309020205020404" pitchFamily="49" charset="0"/>
+              </a:rPr>
+              <a:t>rw</a:t>
+            </a:r>
+            <a:r>
+              <a:rPr lang="en-US" sz="850" dirty="0">
+                <a:effectLst/>
+                <a:latin typeface="Courier New" panose="02070309020205020404" pitchFamily="49" charset="0"/>
+                <a:ea typeface="Calibri" panose="020F0502020204030204" pitchFamily="34" charset="0"/>
+                <a:cs typeface="Courier New" panose="02070309020205020404" pitchFamily="49" charset="0"/>
+              </a:rPr>
+              <a:t> </a:t>
+            </a:r>
+            <a:r>
+              <a:rPr lang="en-US" sz="850" dirty="0" err="1">
+                <a:effectLst/>
+                <a:latin typeface="Courier New" panose="02070309020205020404" pitchFamily="49" charset="0"/>
+                <a:ea typeface="Calibri" panose="020F0502020204030204" pitchFamily="34" charset="0"/>
+                <a:cs typeface="Courier New" panose="02070309020205020404" pitchFamily="49" charset="0"/>
+              </a:rPr>
+              <a:t>start-timeyang:date-and-time</a:t>
+            </a:r>
+            <a:endParaRPr lang="en-US" sz="850" dirty="0">
+              <a:effectLst/>
+              <a:latin typeface="Courier New" panose="02070309020205020404" pitchFamily="49" charset="0"/>
+              <a:ea typeface="Calibri" panose="020F0502020204030204" pitchFamily="34" charset="0"/>
+              <a:cs typeface="Courier New" panose="02070309020205020404" pitchFamily="49" charset="0"/>
+            </a:endParaRPr>
+          </a:p>
+          <a:p>
+            <a:pPr marL="0" marR="0">
+              <a:lnSpc>
+                <a:spcPct val="107000"/>
+              </a:lnSpc>
+              <a:spcBef>
+                <a:spcPts val="0"/>
+              </a:spcBef>
+              <a:spcAft>
+                <a:spcPts val="0"/>
+              </a:spcAft>
+            </a:pPr>
+            <a:r>
+              <a:rPr lang="en-US" sz="850" dirty="0">
+                <a:effectLst/>
+                <a:latin typeface="Courier New" panose="02070309020205020404" pitchFamily="49" charset="0"/>
+                <a:ea typeface="Calibri" panose="020F0502020204030204" pitchFamily="34" charset="0"/>
+                <a:cs typeface="Courier New" panose="02070309020205020404" pitchFamily="49" charset="0"/>
+              </a:rPr>
+              <a:t>    +--</a:t>
+            </a:r>
+            <a:r>
+              <a:rPr lang="en-US" sz="850" dirty="0" err="1">
+                <a:effectLst/>
+                <a:latin typeface="Courier New" panose="02070309020205020404" pitchFamily="49" charset="0"/>
+                <a:ea typeface="Calibri" panose="020F0502020204030204" pitchFamily="34" charset="0"/>
+                <a:cs typeface="Courier New" panose="02070309020205020404" pitchFamily="49" charset="0"/>
+              </a:rPr>
+              <a:t>rw</a:t>
+            </a:r>
+            <a:r>
+              <a:rPr lang="en-US" sz="850" dirty="0">
+                <a:effectLst/>
+                <a:latin typeface="Courier New" panose="02070309020205020404" pitchFamily="49" charset="0"/>
+                <a:ea typeface="Calibri" panose="020F0502020204030204" pitchFamily="34" charset="0"/>
+                <a:cs typeface="Courier New" panose="02070309020205020404" pitchFamily="49" charset="0"/>
+              </a:rPr>
+              <a:t> end-time  </a:t>
+            </a:r>
+            <a:r>
+              <a:rPr lang="en-US" sz="850" dirty="0" err="1">
+                <a:effectLst/>
+                <a:latin typeface="Courier New" panose="02070309020205020404" pitchFamily="49" charset="0"/>
+                <a:ea typeface="Calibri" panose="020F0502020204030204" pitchFamily="34" charset="0"/>
+                <a:cs typeface="Courier New" panose="02070309020205020404" pitchFamily="49" charset="0"/>
+              </a:rPr>
+              <a:t>yang:date-and-time</a:t>
+            </a:r>
+            <a:endParaRPr lang="en-US" sz="850" dirty="0">
+              <a:effectLst/>
+              <a:latin typeface="Courier New" panose="02070309020205020404" pitchFamily="49" charset="0"/>
+              <a:ea typeface="Calibri" panose="020F0502020204030204" pitchFamily="34" charset="0"/>
+              <a:cs typeface="Courier New" panose="02070309020205020404" pitchFamily="49" charset="0"/>
+            </a:endParaRPr>
+          </a:p>
+          <a:p>
+            <a:pPr marL="0" marR="0">
+              <a:lnSpc>
+                <a:spcPct val="107000"/>
+              </a:lnSpc>
+              <a:spcBef>
+                <a:spcPts val="0"/>
+              </a:spcBef>
+              <a:spcAft>
+                <a:spcPts val="0"/>
+              </a:spcAft>
+            </a:pPr>
+            <a:r>
+              <a:rPr lang="en-US" sz="850" dirty="0">
+                <a:effectLst/>
+                <a:latin typeface="Courier New" panose="02070309020205020404" pitchFamily="49" charset="0"/>
+                <a:ea typeface="Calibri" panose="020F0502020204030204" pitchFamily="34" charset="0"/>
+                <a:cs typeface="Courier New" panose="02070309020205020404" pitchFamily="49" charset="0"/>
+              </a:rPr>
+              <a:t>    +--</a:t>
+            </a:r>
+            <a:r>
+              <a:rPr lang="en-US" sz="850" dirty="0" err="1">
+                <a:effectLst/>
+                <a:latin typeface="Courier New" panose="02070309020205020404" pitchFamily="49" charset="0"/>
+                <a:ea typeface="Calibri" panose="020F0502020204030204" pitchFamily="34" charset="0"/>
+                <a:cs typeface="Courier New" panose="02070309020205020404" pitchFamily="49" charset="0"/>
+              </a:rPr>
+              <a:t>rw</a:t>
+            </a:r>
+            <a:r>
+              <a:rPr lang="en-US" sz="850" dirty="0">
+                <a:effectLst/>
+                <a:latin typeface="Courier New" panose="02070309020205020404" pitchFamily="49" charset="0"/>
+                <a:ea typeface="Calibri" panose="020F0502020204030204" pitchFamily="34" charset="0"/>
+                <a:cs typeface="Courier New" panose="02070309020205020404" pitchFamily="49" charset="0"/>
+              </a:rPr>
+              <a:t> confidence-score           float</a:t>
+            </a:r>
+          </a:p>
+          <a:p>
+            <a:pPr marL="0" marR="0">
+              <a:lnSpc>
+                <a:spcPct val="107000"/>
+              </a:lnSpc>
+              <a:spcBef>
+                <a:spcPts val="0"/>
+              </a:spcBef>
+              <a:spcAft>
+                <a:spcPts val="0"/>
+              </a:spcAft>
+            </a:pPr>
+            <a:r>
+              <a:rPr lang="en-US" sz="850" dirty="0">
+                <a:effectLst/>
+                <a:latin typeface="Courier New" panose="02070309020205020404" pitchFamily="49" charset="0"/>
+                <a:ea typeface="Calibri" panose="020F0502020204030204" pitchFamily="34" charset="0"/>
+                <a:cs typeface="Courier New" panose="02070309020205020404" pitchFamily="49" charset="0"/>
+              </a:rPr>
+              <a:t>    +--</a:t>
+            </a:r>
+            <a:r>
+              <a:rPr lang="en-US" sz="850" dirty="0" err="1">
+                <a:effectLst/>
+                <a:latin typeface="Courier New" panose="02070309020205020404" pitchFamily="49" charset="0"/>
+                <a:ea typeface="Calibri" panose="020F0502020204030204" pitchFamily="34" charset="0"/>
+                <a:cs typeface="Courier New" panose="02070309020205020404" pitchFamily="49" charset="0"/>
+              </a:rPr>
+              <a:t>rw</a:t>
+            </a:r>
+            <a:r>
+              <a:rPr lang="en-US" sz="850" dirty="0">
+                <a:effectLst/>
+                <a:latin typeface="Courier New" panose="02070309020205020404" pitchFamily="49" charset="0"/>
+                <a:ea typeface="Calibri" panose="020F0502020204030204" pitchFamily="34" charset="0"/>
+                <a:cs typeface="Courier New" panose="02070309020205020404" pitchFamily="49" charset="0"/>
+              </a:rPr>
+              <a:t> concern-score?             float</a:t>
+            </a:r>
+          </a:p>
+          <a:p>
+            <a:pPr marL="0" marR="0">
+              <a:lnSpc>
+                <a:spcPct val="107000"/>
+              </a:lnSpc>
+              <a:spcBef>
+                <a:spcPts val="0"/>
+              </a:spcBef>
+              <a:spcAft>
+                <a:spcPts val="0"/>
+              </a:spcAft>
+            </a:pPr>
+            <a:r>
+              <a:rPr lang="en-US" sz="850" dirty="0">
+                <a:effectLst/>
+                <a:latin typeface="Courier New" panose="02070309020205020404" pitchFamily="49" charset="0"/>
+                <a:ea typeface="Calibri" panose="020F0502020204030204" pitchFamily="34" charset="0"/>
+                <a:cs typeface="Courier New" panose="02070309020205020404" pitchFamily="49" charset="0"/>
+              </a:rPr>
+              <a:t>    +--</a:t>
+            </a:r>
+            <a:r>
+              <a:rPr lang="en-US" sz="850" dirty="0" err="1">
+                <a:effectLst/>
+                <a:latin typeface="Courier New" panose="02070309020205020404" pitchFamily="49" charset="0"/>
+                <a:ea typeface="Calibri" panose="020F0502020204030204" pitchFamily="34" charset="0"/>
+                <a:cs typeface="Courier New" panose="02070309020205020404" pitchFamily="49" charset="0"/>
+              </a:rPr>
+              <a:t>rw</a:t>
+            </a:r>
+            <a:r>
+              <a:rPr lang="en-US" sz="850" dirty="0">
+                <a:effectLst/>
+                <a:latin typeface="Courier New" panose="02070309020205020404" pitchFamily="49" charset="0"/>
+                <a:ea typeface="Calibri" panose="020F0502020204030204" pitchFamily="34" charset="0"/>
+                <a:cs typeface="Courier New" panose="02070309020205020404" pitchFamily="49" charset="0"/>
+              </a:rPr>
+              <a:t> tags* [key]</a:t>
+            </a:r>
+          </a:p>
+          <a:p>
+            <a:pPr marL="0" marR="0">
+              <a:lnSpc>
+                <a:spcPct val="107000"/>
+              </a:lnSpc>
+              <a:spcBef>
+                <a:spcPts val="0"/>
+              </a:spcBef>
+              <a:spcAft>
+                <a:spcPts val="0"/>
+              </a:spcAft>
+            </a:pPr>
+            <a:r>
+              <a:rPr lang="en-US" sz="850" dirty="0">
+                <a:effectLst/>
+                <a:latin typeface="Courier New" panose="02070309020205020404" pitchFamily="49" charset="0"/>
+                <a:ea typeface="Calibri" panose="020F0502020204030204" pitchFamily="34" charset="0"/>
+                <a:cs typeface="Courier New" panose="02070309020205020404" pitchFamily="49" charset="0"/>
+              </a:rPr>
+              <a:t>    |  +--</a:t>
+            </a:r>
+            <a:r>
+              <a:rPr lang="en-US" sz="850" dirty="0" err="1">
+                <a:effectLst/>
+                <a:latin typeface="Courier New" panose="02070309020205020404" pitchFamily="49" charset="0"/>
+                <a:ea typeface="Calibri" panose="020F0502020204030204" pitchFamily="34" charset="0"/>
+                <a:cs typeface="Courier New" panose="02070309020205020404" pitchFamily="49" charset="0"/>
+              </a:rPr>
+              <a:t>rw</a:t>
+            </a:r>
+            <a:r>
+              <a:rPr lang="en-US" sz="850" dirty="0">
+                <a:effectLst/>
+                <a:latin typeface="Courier New" panose="02070309020205020404" pitchFamily="49" charset="0"/>
+                <a:ea typeface="Calibri" panose="020F0502020204030204" pitchFamily="34" charset="0"/>
+                <a:cs typeface="Courier New" panose="02070309020205020404" pitchFamily="49" charset="0"/>
+              </a:rPr>
+              <a:t> key      string</a:t>
+            </a:r>
+          </a:p>
+          <a:p>
+            <a:pPr marL="0" marR="0">
+              <a:lnSpc>
+                <a:spcPct val="107000"/>
+              </a:lnSpc>
+              <a:spcBef>
+                <a:spcPts val="0"/>
+              </a:spcBef>
+              <a:spcAft>
+                <a:spcPts val="0"/>
+              </a:spcAft>
+            </a:pPr>
+            <a:r>
+              <a:rPr lang="en-US" sz="850" dirty="0">
+                <a:effectLst/>
+                <a:latin typeface="Courier New" panose="02070309020205020404" pitchFamily="49" charset="0"/>
+                <a:ea typeface="Calibri" panose="020F0502020204030204" pitchFamily="34" charset="0"/>
+                <a:cs typeface="Courier New" panose="02070309020205020404" pitchFamily="49" charset="0"/>
+              </a:rPr>
+              <a:t>    |  +--</a:t>
+            </a:r>
+            <a:r>
+              <a:rPr lang="en-US" sz="850" dirty="0" err="1">
+                <a:effectLst/>
+                <a:latin typeface="Courier New" panose="02070309020205020404" pitchFamily="49" charset="0"/>
+                <a:ea typeface="Calibri" panose="020F0502020204030204" pitchFamily="34" charset="0"/>
+                <a:cs typeface="Courier New" panose="02070309020205020404" pitchFamily="49" charset="0"/>
+              </a:rPr>
+              <a:t>rw</a:t>
+            </a:r>
+            <a:r>
+              <a:rPr lang="en-US" sz="850" dirty="0">
+                <a:effectLst/>
+                <a:latin typeface="Courier New" panose="02070309020205020404" pitchFamily="49" charset="0"/>
+                <a:ea typeface="Calibri" panose="020F0502020204030204" pitchFamily="34" charset="0"/>
+                <a:cs typeface="Courier New" panose="02070309020205020404" pitchFamily="49" charset="0"/>
+              </a:rPr>
+              <a:t> value    string</a:t>
+            </a:r>
+          </a:p>
+          <a:p>
+            <a:pPr marL="0" marR="0">
+              <a:lnSpc>
+                <a:spcPct val="107000"/>
+              </a:lnSpc>
+              <a:spcBef>
+                <a:spcPts val="0"/>
+              </a:spcBef>
+              <a:spcAft>
+                <a:spcPts val="0"/>
+              </a:spcAft>
+            </a:pPr>
+            <a:r>
+              <a:rPr lang="en-US" sz="850" dirty="0">
+                <a:effectLst/>
+                <a:latin typeface="Courier New" panose="02070309020205020404" pitchFamily="49" charset="0"/>
+                <a:ea typeface="Calibri" panose="020F0502020204030204" pitchFamily="34" charset="0"/>
+                <a:cs typeface="Courier New" panose="02070309020205020404" pitchFamily="49" charset="0"/>
+              </a:rPr>
+              <a:t>    +--</a:t>
+            </a:r>
+            <a:r>
+              <a:rPr lang="en-US" sz="850" dirty="0" err="1">
+                <a:effectLst/>
+                <a:latin typeface="Courier New" panose="02070309020205020404" pitchFamily="49" charset="0"/>
+                <a:ea typeface="Calibri" panose="020F0502020204030204" pitchFamily="34" charset="0"/>
+                <a:cs typeface="Courier New" panose="02070309020205020404" pitchFamily="49" charset="0"/>
+              </a:rPr>
+              <a:t>rw</a:t>
+            </a:r>
+            <a:r>
+              <a:rPr lang="en-US" sz="850" dirty="0">
+                <a:effectLst/>
+                <a:latin typeface="Courier New" panose="02070309020205020404" pitchFamily="49" charset="0"/>
+                <a:ea typeface="Calibri" panose="020F0502020204030204" pitchFamily="34" charset="0"/>
+                <a:cs typeface="Courier New" panose="02070309020205020404" pitchFamily="49" charset="0"/>
+              </a:rPr>
+              <a:t> (pattern)?</a:t>
+            </a:r>
+          </a:p>
+          <a:p>
+            <a:pPr marL="0" marR="0">
+              <a:lnSpc>
+                <a:spcPct val="107000"/>
+              </a:lnSpc>
+              <a:spcBef>
+                <a:spcPts val="0"/>
+              </a:spcBef>
+              <a:spcAft>
+                <a:spcPts val="0"/>
+              </a:spcAft>
+            </a:pPr>
+            <a:r>
+              <a:rPr lang="en-US" sz="850" dirty="0">
+                <a:effectLst/>
+                <a:latin typeface="Courier New" panose="02070309020205020404" pitchFamily="49" charset="0"/>
+                <a:ea typeface="Calibri" panose="020F0502020204030204" pitchFamily="34" charset="0"/>
+                <a:cs typeface="Courier New" panose="02070309020205020404" pitchFamily="49" charset="0"/>
+              </a:rPr>
+              <a:t>    |  +--:(drop)</a:t>
+            </a:r>
+          </a:p>
+          <a:p>
+            <a:pPr marL="0" marR="0">
+              <a:lnSpc>
+                <a:spcPct val="107000"/>
+              </a:lnSpc>
+              <a:spcBef>
+                <a:spcPts val="0"/>
+              </a:spcBef>
+              <a:spcAft>
+                <a:spcPts val="0"/>
+              </a:spcAft>
+            </a:pPr>
+            <a:r>
+              <a:rPr lang="en-US" sz="850" dirty="0">
+                <a:effectLst/>
+                <a:latin typeface="Courier New" panose="02070309020205020404" pitchFamily="49" charset="0"/>
+                <a:ea typeface="Calibri" panose="020F0502020204030204" pitchFamily="34" charset="0"/>
+                <a:cs typeface="Courier New" panose="02070309020205020404" pitchFamily="49" charset="0"/>
+              </a:rPr>
+              <a:t>    |  |  +--</a:t>
+            </a:r>
+            <a:r>
+              <a:rPr lang="en-US" sz="850" dirty="0" err="1">
+                <a:effectLst/>
+                <a:latin typeface="Courier New" panose="02070309020205020404" pitchFamily="49" charset="0"/>
+                <a:ea typeface="Calibri" panose="020F0502020204030204" pitchFamily="34" charset="0"/>
+                <a:cs typeface="Courier New" panose="02070309020205020404" pitchFamily="49" charset="0"/>
+              </a:rPr>
+              <a:t>rw</a:t>
+            </a:r>
+            <a:r>
+              <a:rPr lang="en-US" sz="850" dirty="0">
+                <a:effectLst/>
+                <a:latin typeface="Courier New" panose="02070309020205020404" pitchFamily="49" charset="0"/>
+                <a:ea typeface="Calibri" panose="020F0502020204030204" pitchFamily="34" charset="0"/>
+                <a:cs typeface="Courier New" panose="02070309020205020404" pitchFamily="49" charset="0"/>
+              </a:rPr>
+              <a:t> </a:t>
+            </a:r>
+            <a:r>
+              <a:rPr lang="en-US" sz="850" dirty="0" err="1">
+                <a:effectLst/>
+                <a:latin typeface="Courier New" panose="02070309020205020404" pitchFamily="49" charset="0"/>
+                <a:ea typeface="Calibri" panose="020F0502020204030204" pitchFamily="34" charset="0"/>
+                <a:cs typeface="Courier New" panose="02070309020205020404" pitchFamily="49" charset="0"/>
+              </a:rPr>
+              <a:t>dropempty</a:t>
+            </a:r>
+            <a:endParaRPr lang="en-US" sz="850" dirty="0">
+              <a:effectLst/>
+              <a:latin typeface="Courier New" panose="02070309020205020404" pitchFamily="49" charset="0"/>
+              <a:ea typeface="Calibri" panose="020F0502020204030204" pitchFamily="34" charset="0"/>
+              <a:cs typeface="Courier New" panose="02070309020205020404" pitchFamily="49" charset="0"/>
+            </a:endParaRPr>
+          </a:p>
+          <a:p>
+            <a:pPr marL="0" marR="0">
+              <a:lnSpc>
+                <a:spcPct val="107000"/>
+              </a:lnSpc>
+              <a:spcBef>
+                <a:spcPts val="0"/>
+              </a:spcBef>
+              <a:spcAft>
+                <a:spcPts val="0"/>
+              </a:spcAft>
+            </a:pPr>
+            <a:r>
+              <a:rPr lang="en-US" sz="850" dirty="0">
+                <a:effectLst/>
+                <a:latin typeface="Courier New" panose="02070309020205020404" pitchFamily="49" charset="0"/>
+                <a:ea typeface="Calibri" panose="020F0502020204030204" pitchFamily="34" charset="0"/>
+                <a:cs typeface="Courier New" panose="02070309020205020404" pitchFamily="49" charset="0"/>
+              </a:rPr>
+              <a:t>    |  +--:(spike)</a:t>
+            </a:r>
+          </a:p>
+          <a:p>
+            <a:pPr marL="0" marR="0">
+              <a:lnSpc>
+                <a:spcPct val="107000"/>
+              </a:lnSpc>
+              <a:spcBef>
+                <a:spcPts val="0"/>
+              </a:spcBef>
+              <a:spcAft>
+                <a:spcPts val="0"/>
+              </a:spcAft>
+            </a:pPr>
+            <a:r>
+              <a:rPr lang="en-US" sz="850" dirty="0">
+                <a:effectLst/>
+                <a:latin typeface="Courier New" panose="02070309020205020404" pitchFamily="49" charset="0"/>
+                <a:ea typeface="Calibri" panose="020F0502020204030204" pitchFamily="34" charset="0"/>
+                <a:cs typeface="Courier New" panose="02070309020205020404" pitchFamily="49" charset="0"/>
+              </a:rPr>
+              <a:t>    |  |  +--</a:t>
+            </a:r>
+            <a:r>
+              <a:rPr lang="en-US" sz="850" dirty="0" err="1">
+                <a:effectLst/>
+                <a:latin typeface="Courier New" panose="02070309020205020404" pitchFamily="49" charset="0"/>
+                <a:ea typeface="Calibri" panose="020F0502020204030204" pitchFamily="34" charset="0"/>
+                <a:cs typeface="Courier New" panose="02070309020205020404" pitchFamily="49" charset="0"/>
+              </a:rPr>
+              <a:t>rw</a:t>
+            </a:r>
+            <a:r>
+              <a:rPr lang="en-US" sz="850" dirty="0">
+                <a:effectLst/>
+                <a:latin typeface="Courier New" panose="02070309020205020404" pitchFamily="49" charset="0"/>
+                <a:ea typeface="Calibri" panose="020F0502020204030204" pitchFamily="34" charset="0"/>
+                <a:cs typeface="Courier New" panose="02070309020205020404" pitchFamily="49" charset="0"/>
+              </a:rPr>
+              <a:t> spike                empty</a:t>
+            </a:r>
+          </a:p>
+          <a:p>
+            <a:pPr marL="0" marR="0">
+              <a:lnSpc>
+                <a:spcPct val="107000"/>
+              </a:lnSpc>
+              <a:spcBef>
+                <a:spcPts val="0"/>
+              </a:spcBef>
+              <a:spcAft>
+                <a:spcPts val="0"/>
+              </a:spcAft>
+            </a:pPr>
+            <a:r>
+              <a:rPr lang="en-US" sz="850" dirty="0">
+                <a:effectLst/>
+                <a:latin typeface="Courier New" panose="02070309020205020404" pitchFamily="49" charset="0"/>
+                <a:ea typeface="Calibri" panose="020F0502020204030204" pitchFamily="34" charset="0"/>
+                <a:cs typeface="Courier New" panose="02070309020205020404" pitchFamily="49" charset="0"/>
+              </a:rPr>
+              <a:t>    |  +--:(mean-shift)</a:t>
+            </a:r>
+          </a:p>
+          <a:p>
+            <a:pPr marL="0" marR="0">
+              <a:lnSpc>
+                <a:spcPct val="107000"/>
+              </a:lnSpc>
+              <a:spcBef>
+                <a:spcPts val="0"/>
+              </a:spcBef>
+              <a:spcAft>
+                <a:spcPts val="0"/>
+              </a:spcAft>
+            </a:pPr>
+            <a:r>
+              <a:rPr lang="en-US" sz="850" dirty="0">
+                <a:effectLst/>
+                <a:latin typeface="Courier New" panose="02070309020205020404" pitchFamily="49" charset="0"/>
+                <a:ea typeface="Calibri" panose="020F0502020204030204" pitchFamily="34" charset="0"/>
+                <a:cs typeface="Courier New" panose="02070309020205020404" pitchFamily="49" charset="0"/>
+              </a:rPr>
+              <a:t>    |  |  +--</a:t>
+            </a:r>
+            <a:r>
+              <a:rPr lang="en-US" sz="850" dirty="0" err="1">
+                <a:effectLst/>
+                <a:latin typeface="Courier New" panose="02070309020205020404" pitchFamily="49" charset="0"/>
+                <a:ea typeface="Calibri" panose="020F0502020204030204" pitchFamily="34" charset="0"/>
+                <a:cs typeface="Courier New" panose="02070309020205020404" pitchFamily="49" charset="0"/>
+              </a:rPr>
+              <a:t>rw</a:t>
+            </a:r>
+            <a:r>
+              <a:rPr lang="en-US" sz="850" dirty="0">
+                <a:effectLst/>
+                <a:latin typeface="Courier New" panose="02070309020205020404" pitchFamily="49" charset="0"/>
+                <a:ea typeface="Calibri" panose="020F0502020204030204" pitchFamily="34" charset="0"/>
+                <a:cs typeface="Courier New" panose="02070309020205020404" pitchFamily="49" charset="0"/>
+              </a:rPr>
+              <a:t> mean-shift           empty</a:t>
+            </a:r>
+          </a:p>
+          <a:p>
+            <a:pPr marL="0" marR="0">
+              <a:lnSpc>
+                <a:spcPct val="107000"/>
+              </a:lnSpc>
+              <a:spcBef>
+                <a:spcPts val="0"/>
+              </a:spcBef>
+              <a:spcAft>
+                <a:spcPts val="0"/>
+              </a:spcAft>
+            </a:pPr>
+            <a:r>
+              <a:rPr lang="en-US" sz="850" dirty="0">
+                <a:effectLst/>
+                <a:latin typeface="Courier New" panose="02070309020205020404" pitchFamily="49" charset="0"/>
+                <a:ea typeface="Calibri" panose="020F0502020204030204" pitchFamily="34" charset="0"/>
+                <a:cs typeface="Courier New" panose="02070309020205020404" pitchFamily="49" charset="0"/>
+              </a:rPr>
+              <a:t>    |  +--:(seasonality-shift)</a:t>
+            </a:r>
+          </a:p>
+          <a:p>
+            <a:pPr marL="0" marR="0">
+              <a:lnSpc>
+                <a:spcPct val="107000"/>
+              </a:lnSpc>
+              <a:spcBef>
+                <a:spcPts val="0"/>
+              </a:spcBef>
+              <a:spcAft>
+                <a:spcPts val="0"/>
+              </a:spcAft>
+            </a:pPr>
+            <a:r>
+              <a:rPr lang="en-US" sz="850" dirty="0">
+                <a:effectLst/>
+                <a:latin typeface="Courier New" panose="02070309020205020404" pitchFamily="49" charset="0"/>
+                <a:ea typeface="Calibri" panose="020F0502020204030204" pitchFamily="34" charset="0"/>
+                <a:cs typeface="Courier New" panose="02070309020205020404" pitchFamily="49" charset="0"/>
+              </a:rPr>
+              <a:t>    |  |  +--</a:t>
+            </a:r>
+            <a:r>
+              <a:rPr lang="en-US" sz="850" dirty="0" err="1">
+                <a:effectLst/>
+                <a:latin typeface="Courier New" panose="02070309020205020404" pitchFamily="49" charset="0"/>
+                <a:ea typeface="Calibri" panose="020F0502020204030204" pitchFamily="34" charset="0"/>
+                <a:cs typeface="Courier New" panose="02070309020205020404" pitchFamily="49" charset="0"/>
+              </a:rPr>
+              <a:t>rw</a:t>
+            </a:r>
+            <a:r>
+              <a:rPr lang="en-US" sz="850" dirty="0">
+                <a:effectLst/>
+                <a:latin typeface="Courier New" panose="02070309020205020404" pitchFamily="49" charset="0"/>
+                <a:ea typeface="Calibri" panose="020F0502020204030204" pitchFamily="34" charset="0"/>
+                <a:cs typeface="Courier New" panose="02070309020205020404" pitchFamily="49" charset="0"/>
+              </a:rPr>
+              <a:t> seasonality-shift    empty</a:t>
+            </a:r>
+          </a:p>
+          <a:p>
+            <a:pPr marL="0" marR="0">
+              <a:lnSpc>
+                <a:spcPct val="107000"/>
+              </a:lnSpc>
+              <a:spcBef>
+                <a:spcPts val="0"/>
+              </a:spcBef>
+              <a:spcAft>
+                <a:spcPts val="0"/>
+              </a:spcAft>
+            </a:pPr>
+            <a:r>
+              <a:rPr lang="en-US" sz="850" dirty="0">
+                <a:effectLst/>
+                <a:latin typeface="Courier New" panose="02070309020205020404" pitchFamily="49" charset="0"/>
+                <a:ea typeface="Calibri" panose="020F0502020204030204" pitchFamily="34" charset="0"/>
+                <a:cs typeface="Courier New" panose="02070309020205020404" pitchFamily="49" charset="0"/>
+              </a:rPr>
+              <a:t>    |  +--:(trend)</a:t>
+            </a:r>
+          </a:p>
+          <a:p>
+            <a:pPr marL="0" marR="0">
+              <a:lnSpc>
+                <a:spcPct val="107000"/>
+              </a:lnSpc>
+              <a:spcBef>
+                <a:spcPts val="0"/>
+              </a:spcBef>
+              <a:spcAft>
+                <a:spcPts val="0"/>
+              </a:spcAft>
+            </a:pPr>
+            <a:r>
+              <a:rPr lang="en-US" sz="850" dirty="0">
+                <a:effectLst/>
+                <a:latin typeface="Courier New" panose="02070309020205020404" pitchFamily="49" charset="0"/>
+                <a:ea typeface="Calibri" panose="020F0502020204030204" pitchFamily="34" charset="0"/>
+                <a:cs typeface="Courier New" panose="02070309020205020404" pitchFamily="49" charset="0"/>
+              </a:rPr>
+              <a:t>    |  |  +--</a:t>
+            </a:r>
+            <a:r>
+              <a:rPr lang="en-US" sz="850" dirty="0" err="1">
+                <a:effectLst/>
+                <a:latin typeface="Courier New" panose="02070309020205020404" pitchFamily="49" charset="0"/>
+                <a:ea typeface="Calibri" panose="020F0502020204030204" pitchFamily="34" charset="0"/>
+                <a:cs typeface="Courier New" panose="02070309020205020404" pitchFamily="49" charset="0"/>
+              </a:rPr>
+              <a:t>rw</a:t>
+            </a:r>
+            <a:r>
+              <a:rPr lang="en-US" sz="850" dirty="0">
+                <a:effectLst/>
+                <a:latin typeface="Courier New" panose="02070309020205020404" pitchFamily="49" charset="0"/>
+                <a:ea typeface="Calibri" panose="020F0502020204030204" pitchFamily="34" charset="0"/>
+                <a:cs typeface="Courier New" panose="02070309020205020404" pitchFamily="49" charset="0"/>
+              </a:rPr>
+              <a:t> trend                empty</a:t>
+            </a:r>
+          </a:p>
+          <a:p>
+            <a:pPr marL="0" marR="0">
+              <a:lnSpc>
+                <a:spcPct val="107000"/>
+              </a:lnSpc>
+              <a:spcBef>
+                <a:spcPts val="0"/>
+              </a:spcBef>
+              <a:spcAft>
+                <a:spcPts val="0"/>
+              </a:spcAft>
+            </a:pPr>
+            <a:r>
+              <a:rPr lang="en-US" sz="850" dirty="0">
+                <a:effectLst/>
+                <a:latin typeface="Courier New" panose="02070309020205020404" pitchFamily="49" charset="0"/>
+                <a:ea typeface="Calibri" panose="020F0502020204030204" pitchFamily="34" charset="0"/>
+                <a:cs typeface="Courier New" panose="02070309020205020404" pitchFamily="49" charset="0"/>
+              </a:rPr>
+              <a:t>    |  +--:(other)</a:t>
+            </a:r>
+          </a:p>
+          <a:p>
+            <a:pPr marL="0" marR="0">
+              <a:lnSpc>
+                <a:spcPct val="107000"/>
+              </a:lnSpc>
+              <a:spcBef>
+                <a:spcPts val="0"/>
+              </a:spcBef>
+              <a:spcAft>
+                <a:spcPts val="0"/>
+              </a:spcAft>
+            </a:pPr>
+            <a:r>
+              <a:rPr lang="en-US" sz="850" dirty="0">
+                <a:effectLst/>
+                <a:latin typeface="Courier New" panose="02070309020205020404" pitchFamily="49" charset="0"/>
+                <a:ea typeface="Calibri" panose="020F0502020204030204" pitchFamily="34" charset="0"/>
+                <a:cs typeface="Courier New" panose="02070309020205020404" pitchFamily="49" charset="0"/>
+              </a:rPr>
+              <a:t>    |     +--</a:t>
+            </a:r>
+            <a:r>
+              <a:rPr lang="en-US" sz="850" dirty="0" err="1">
+                <a:effectLst/>
+                <a:latin typeface="Courier New" panose="02070309020205020404" pitchFamily="49" charset="0"/>
+                <a:ea typeface="Calibri" panose="020F0502020204030204" pitchFamily="34" charset="0"/>
+                <a:cs typeface="Courier New" panose="02070309020205020404" pitchFamily="49" charset="0"/>
+              </a:rPr>
+              <a:t>rw</a:t>
+            </a:r>
+            <a:r>
+              <a:rPr lang="en-US" sz="850" dirty="0">
+                <a:effectLst/>
+                <a:latin typeface="Courier New" panose="02070309020205020404" pitchFamily="49" charset="0"/>
+                <a:ea typeface="Calibri" panose="020F0502020204030204" pitchFamily="34" charset="0"/>
+                <a:cs typeface="Courier New" panose="02070309020205020404" pitchFamily="49" charset="0"/>
+              </a:rPr>
+              <a:t> other                string</a:t>
+            </a:r>
+          </a:p>
+          <a:p>
+            <a:pPr marL="0" marR="0">
+              <a:lnSpc>
+                <a:spcPct val="107000"/>
+              </a:lnSpc>
+              <a:spcBef>
+                <a:spcPts val="0"/>
+              </a:spcBef>
+              <a:spcAft>
+                <a:spcPts val="0"/>
+              </a:spcAft>
+            </a:pPr>
+            <a:r>
+              <a:rPr lang="en-US" sz="850" dirty="0">
+                <a:effectLst/>
+                <a:latin typeface="Courier New" panose="02070309020205020404" pitchFamily="49" charset="0"/>
+                <a:ea typeface="Calibri" panose="020F0502020204030204" pitchFamily="34" charset="0"/>
+                <a:cs typeface="Courier New" panose="02070309020205020404" pitchFamily="49" charset="0"/>
+              </a:rPr>
+              <a:t>    +--</a:t>
+            </a:r>
+            <a:r>
+              <a:rPr lang="en-US" sz="850" dirty="0" err="1">
+                <a:effectLst/>
+                <a:latin typeface="Courier New" panose="02070309020205020404" pitchFamily="49" charset="0"/>
+                <a:ea typeface="Calibri" panose="020F0502020204030204" pitchFamily="34" charset="0"/>
+                <a:cs typeface="Courier New" panose="02070309020205020404" pitchFamily="49" charset="0"/>
+              </a:rPr>
+              <a:t>rw</a:t>
+            </a:r>
+            <a:r>
+              <a:rPr lang="en-US" sz="850" dirty="0">
+                <a:effectLst/>
+                <a:latin typeface="Courier New" panose="02070309020205020404" pitchFamily="49" charset="0"/>
+                <a:ea typeface="Calibri" panose="020F0502020204030204" pitchFamily="34" charset="0"/>
+                <a:cs typeface="Courier New" panose="02070309020205020404" pitchFamily="49" charset="0"/>
+              </a:rPr>
+              <a:t> source</a:t>
+            </a:r>
+          </a:p>
+          <a:p>
+            <a:pPr marL="0" marR="0">
+              <a:lnSpc>
+                <a:spcPct val="107000"/>
+              </a:lnSpc>
+              <a:spcBef>
+                <a:spcPts val="0"/>
+              </a:spcBef>
+              <a:spcAft>
+                <a:spcPts val="0"/>
+              </a:spcAft>
+            </a:pPr>
+            <a:r>
+              <a:rPr lang="en-US" sz="850" dirty="0">
+                <a:effectLst/>
+                <a:latin typeface="Courier New" panose="02070309020205020404" pitchFamily="49" charset="0"/>
+                <a:ea typeface="Calibri" panose="020F0502020204030204" pitchFamily="34" charset="0"/>
+                <a:cs typeface="Courier New" panose="02070309020205020404" pitchFamily="49" charset="0"/>
+              </a:rPr>
+              <a:t>        +--</a:t>
+            </a:r>
+            <a:r>
+              <a:rPr lang="en-US" sz="850" dirty="0" err="1">
+                <a:effectLst/>
+                <a:latin typeface="Courier New" panose="02070309020205020404" pitchFamily="49" charset="0"/>
+                <a:ea typeface="Calibri" panose="020F0502020204030204" pitchFamily="34" charset="0"/>
+                <a:cs typeface="Courier New" panose="02070309020205020404" pitchFamily="49" charset="0"/>
+              </a:rPr>
+              <a:t>rw</a:t>
+            </a:r>
+            <a:r>
+              <a:rPr lang="en-US" sz="850" dirty="0">
+                <a:effectLst/>
+                <a:latin typeface="Courier New" panose="02070309020205020404" pitchFamily="49" charset="0"/>
+                <a:ea typeface="Calibri" panose="020F0502020204030204" pitchFamily="34" charset="0"/>
+                <a:cs typeface="Courier New" panose="02070309020205020404" pitchFamily="49" charset="0"/>
+              </a:rPr>
+              <a:t> (source-type)</a:t>
+            </a:r>
+          </a:p>
+          <a:p>
+            <a:pPr marL="0" marR="0">
+              <a:lnSpc>
+                <a:spcPct val="107000"/>
+              </a:lnSpc>
+              <a:spcBef>
+                <a:spcPts val="0"/>
+              </a:spcBef>
+              <a:spcAft>
+                <a:spcPts val="0"/>
+              </a:spcAft>
+            </a:pPr>
+            <a:r>
+              <a:rPr lang="en-US" sz="850" dirty="0">
+                <a:effectLst/>
+                <a:latin typeface="Courier New" panose="02070309020205020404" pitchFamily="49" charset="0"/>
+                <a:ea typeface="Calibri" panose="020F0502020204030204" pitchFamily="34" charset="0"/>
+                <a:cs typeface="Courier New" panose="02070309020205020404" pitchFamily="49" charset="0"/>
+              </a:rPr>
+              <a:t>        |  +--:(human)</a:t>
+            </a:r>
+          </a:p>
+          <a:p>
+            <a:pPr marL="0" marR="0">
+              <a:lnSpc>
+                <a:spcPct val="107000"/>
+              </a:lnSpc>
+              <a:spcBef>
+                <a:spcPts val="0"/>
+              </a:spcBef>
+              <a:spcAft>
+                <a:spcPts val="0"/>
+              </a:spcAft>
+            </a:pPr>
+            <a:r>
+              <a:rPr lang="en-US" sz="850" dirty="0">
+                <a:effectLst/>
+                <a:latin typeface="Courier New" panose="02070309020205020404" pitchFamily="49" charset="0"/>
+                <a:ea typeface="Calibri" panose="020F0502020204030204" pitchFamily="34" charset="0"/>
+                <a:cs typeface="Courier New" panose="02070309020205020404" pitchFamily="49" charset="0"/>
+              </a:rPr>
+              <a:t>        |  |  +--</a:t>
+            </a:r>
+            <a:r>
+              <a:rPr lang="en-US" sz="850" dirty="0" err="1">
+                <a:effectLst/>
+                <a:latin typeface="Courier New" panose="02070309020205020404" pitchFamily="49" charset="0"/>
+                <a:ea typeface="Calibri" panose="020F0502020204030204" pitchFamily="34" charset="0"/>
+                <a:cs typeface="Courier New" panose="02070309020205020404" pitchFamily="49" charset="0"/>
+              </a:rPr>
+              <a:t>rw</a:t>
+            </a:r>
+            <a:r>
+              <a:rPr lang="en-US" sz="850" dirty="0">
+                <a:effectLst/>
+                <a:latin typeface="Courier New" panose="02070309020205020404" pitchFamily="49" charset="0"/>
+                <a:ea typeface="Calibri" panose="020F0502020204030204" pitchFamily="34" charset="0"/>
+                <a:cs typeface="Courier New" panose="02070309020205020404" pitchFamily="49" charset="0"/>
+              </a:rPr>
+              <a:t> human        empty</a:t>
+            </a:r>
+          </a:p>
+          <a:p>
+            <a:pPr marL="0" marR="0">
+              <a:lnSpc>
+                <a:spcPct val="107000"/>
+              </a:lnSpc>
+              <a:spcBef>
+                <a:spcPts val="0"/>
+              </a:spcBef>
+              <a:spcAft>
+                <a:spcPts val="0"/>
+              </a:spcAft>
+            </a:pPr>
+            <a:r>
+              <a:rPr lang="en-US" sz="850" dirty="0">
+                <a:effectLst/>
+                <a:latin typeface="Courier New" panose="02070309020205020404" pitchFamily="49" charset="0"/>
+                <a:ea typeface="Calibri" panose="020F0502020204030204" pitchFamily="34" charset="0"/>
+                <a:cs typeface="Courier New" panose="02070309020205020404" pitchFamily="49" charset="0"/>
+              </a:rPr>
+              <a:t>        |  +--:(algorithm)</a:t>
+            </a:r>
+          </a:p>
+          <a:p>
+            <a:pPr marL="0" marR="0">
+              <a:lnSpc>
+                <a:spcPct val="107000"/>
+              </a:lnSpc>
+              <a:spcBef>
+                <a:spcPts val="0"/>
+              </a:spcBef>
+              <a:spcAft>
+                <a:spcPts val="0"/>
+              </a:spcAft>
+            </a:pPr>
+            <a:r>
+              <a:rPr lang="en-US" sz="850" dirty="0">
+                <a:effectLst/>
+                <a:latin typeface="Courier New" panose="02070309020205020404" pitchFamily="49" charset="0"/>
+                <a:ea typeface="Calibri" panose="020F0502020204030204" pitchFamily="34" charset="0"/>
+                <a:cs typeface="Courier New" panose="02070309020205020404" pitchFamily="49" charset="0"/>
+              </a:rPr>
+              <a:t>        |     +--</a:t>
+            </a:r>
+            <a:r>
+              <a:rPr lang="en-US" sz="850" dirty="0" err="1">
+                <a:effectLst/>
+                <a:latin typeface="Courier New" panose="02070309020205020404" pitchFamily="49" charset="0"/>
+                <a:ea typeface="Calibri" panose="020F0502020204030204" pitchFamily="34" charset="0"/>
+                <a:cs typeface="Courier New" panose="02070309020205020404" pitchFamily="49" charset="0"/>
+              </a:rPr>
+              <a:t>rw</a:t>
+            </a:r>
+            <a:r>
+              <a:rPr lang="en-US" sz="850" dirty="0">
+                <a:effectLst/>
+                <a:latin typeface="Courier New" panose="02070309020205020404" pitchFamily="49" charset="0"/>
+                <a:ea typeface="Calibri" panose="020F0502020204030204" pitchFamily="34" charset="0"/>
+                <a:cs typeface="Courier New" panose="02070309020205020404" pitchFamily="49" charset="0"/>
+              </a:rPr>
+              <a:t> algorithm    empty</a:t>
+            </a:r>
+          </a:p>
+          <a:p>
+            <a:pPr marL="0" marR="0">
+              <a:lnSpc>
+                <a:spcPct val="107000"/>
+              </a:lnSpc>
+              <a:spcBef>
+                <a:spcPts val="0"/>
+              </a:spcBef>
+              <a:spcAft>
+                <a:spcPts val="0"/>
+              </a:spcAft>
+            </a:pPr>
+            <a:r>
+              <a:rPr lang="en-US" sz="850" dirty="0">
+                <a:effectLst/>
+                <a:latin typeface="Courier New" panose="02070309020205020404" pitchFamily="49" charset="0"/>
+                <a:ea typeface="Calibri" panose="020F0502020204030204" pitchFamily="34" charset="0"/>
+                <a:cs typeface="Courier New" panose="02070309020205020404" pitchFamily="49" charset="0"/>
+              </a:rPr>
+              <a:t>        +--</a:t>
+            </a:r>
+            <a:r>
+              <a:rPr lang="en-US" sz="850" dirty="0" err="1">
+                <a:effectLst/>
+                <a:latin typeface="Courier New" panose="02070309020205020404" pitchFamily="49" charset="0"/>
+                <a:ea typeface="Calibri" panose="020F0502020204030204" pitchFamily="34" charset="0"/>
+                <a:cs typeface="Courier New" panose="02070309020205020404" pitchFamily="49" charset="0"/>
+              </a:rPr>
+              <a:t>rw</a:t>
+            </a:r>
+            <a:r>
+              <a:rPr lang="en-US" sz="850" dirty="0">
+                <a:effectLst/>
+                <a:latin typeface="Courier New" panose="02070309020205020404" pitchFamily="49" charset="0"/>
+                <a:ea typeface="Calibri" panose="020F0502020204030204" pitchFamily="34" charset="0"/>
+                <a:cs typeface="Courier New" panose="02070309020205020404" pitchFamily="49" charset="0"/>
+              </a:rPr>
+              <a:t> name?              string</a:t>
+            </a:r>
+            <a:endParaRPr lang="de-CH" sz="850" dirty="0">
+              <a:latin typeface="Courier New" panose="02070309020205020404" pitchFamily="49" charset="0"/>
+              <a:cs typeface="Courier New" panose="02070309020205020404" pitchFamily="49" charset="0"/>
+            </a:endParaRPr>
+          </a:p>
+        </p:txBody>
+      </p:sp>
+    </p:spTree>
+    <p:extLst>
+      <p:ext uri="{BB962C8B-B14F-4D97-AF65-F5344CB8AC3E}">
+        <p14:creationId xmlns:p14="http://schemas.microsoft.com/office/powerpoint/2010/main" val="320697580"/>
+      </p:ext>
+    </p:extLst>
+  </p:cSld>
+  <p:clrMapOvr>
+    <a:masterClrMapping/>
+  </p:clrMapOvr>
+</p:sld>
+</file>
+
+<file path=ppt/slides/slide9.xml><?xml version="1.0" encoding="utf-8"?>
+<p:sld xmlns:a="http://schemas.openxmlformats.org/drawingml/2006/main" xmlns:r="http://schemas.openxmlformats.org/officeDocument/2006/relationships" xmlns:p="http://schemas.openxmlformats.org/presentationml/2006/main">
+  <p:cSld>
+    <p:spTree>
+      <p:nvGrpSpPr>
+        <p:cNvPr id="1" name=""/>
+        <p:cNvGrpSpPr/>
+        <p:nvPr/>
+      </p:nvGrpSpPr>
+      <p:grpSpPr>
+        <a:xfrm>
+          <a:off x="0" y="0"/>
+          <a:ext cx="0" cy="0"/>
+          <a:chOff x="0" y="0"/>
+          <a:chExt cx="0" cy="0"/>
+        </a:xfrm>
+      </p:grpSpPr>
+      <p:sp>
+        <p:nvSpPr>
+          <p:cNvPr id="2" name="Title 1">
+            <a:extLst>
+              <a:ext uri="{FF2B5EF4-FFF2-40B4-BE49-F238E27FC236}">
+                <a16:creationId xmlns:a16="http://schemas.microsoft.com/office/drawing/2014/main" id="{FF20F271-6F0D-4AC0-BB1D-F5C338165C13}"/>
+              </a:ext>
+            </a:extLst>
+          </p:cNvPr>
+          <p:cNvSpPr>
+            <a:spLocks noGrp="1"/>
+          </p:cNvSpPr>
+          <p:nvPr>
+            <p:ph type="title"/>
+          </p:nvPr>
+        </p:nvSpPr>
+        <p:spPr/>
+        <p:txBody>
+          <a:bodyPr>
+            <a:normAutofit/>
+          </a:bodyPr>
+          <a:lstStyle/>
+          <a:p>
+            <a:r>
+              <a:rPr lang="en-US" sz="2800" b="1" dirty="0"/>
+              <a:t>Semantic Metadata Annotation for Network Anomaly Detection</a:t>
+            </a:r>
+            <a:br>
+              <a:rPr lang="en-GB" sz="3600" dirty="0"/>
+            </a:br>
+            <a:r>
+              <a:rPr lang="en-US" sz="2700" dirty="0">
+                <a:solidFill>
+                  <a:schemeClr val="bg2">
+                    <a:lumMod val="75000"/>
+                  </a:schemeClr>
+                </a:solidFill>
+              </a:rPr>
+              <a:t>Next steps</a:t>
+            </a:r>
+          </a:p>
+        </p:txBody>
+      </p:sp>
+      <p:sp>
+        <p:nvSpPr>
+          <p:cNvPr id="3" name="Content Placeholder 2">
+            <a:extLst>
+              <a:ext uri="{FF2B5EF4-FFF2-40B4-BE49-F238E27FC236}">
+                <a16:creationId xmlns:a16="http://schemas.microsoft.com/office/drawing/2014/main" id="{29C0DFD4-432D-4B0C-93DF-790441DCF5B9}"/>
+              </a:ext>
+            </a:extLst>
+          </p:cNvPr>
+          <p:cNvSpPr>
+            <a:spLocks noGrp="1"/>
+          </p:cNvSpPr>
+          <p:nvPr>
+            <p:ph idx="1"/>
+          </p:nvPr>
+        </p:nvSpPr>
+        <p:spPr>
+          <a:xfrm>
+            <a:off x="838199" y="1884420"/>
+            <a:ext cx="8560325" cy="4292543"/>
+          </a:xfrm>
+        </p:spPr>
+        <p:txBody>
+          <a:bodyPr>
+            <a:noAutofit/>
+          </a:bodyPr>
+          <a:lstStyle/>
+          <a:p>
+            <a:r>
+              <a:rPr lang="en-US" sz="2000" b="1" dirty="0">
+                <a:solidFill>
+                  <a:srgbClr val="FF0000"/>
+                </a:solidFill>
+              </a:rPr>
+              <a:t>This work relates to the Network Anomaly Detection topic in the NMOP charter. </a:t>
+            </a:r>
+          </a:p>
+          <a:p>
+            <a:r>
+              <a:rPr lang="en-US" sz="2000" dirty="0"/>
+              <a:t>It bridges network and data engineering, operator, vendors and academia, domains by having the </a:t>
+            </a:r>
+            <a:r>
+              <a:rPr lang="en-US" sz="2000" b="1" dirty="0"/>
+              <a:t>semantics and ontology of network symptoms for operational and analytical data defined</a:t>
+            </a:r>
+            <a:r>
+              <a:rPr lang="en-US" sz="2000" dirty="0"/>
+              <a:t>.</a:t>
+            </a:r>
+          </a:p>
+          <a:p>
+            <a:r>
+              <a:rPr lang="en-US" sz="2000" dirty="0"/>
+              <a:t>This work will unveil what is missing in Network Telemetry data and provide input to other documents such as draft-</a:t>
+            </a:r>
+            <a:r>
+              <a:rPr lang="en-US" sz="2000" dirty="0" err="1"/>
+              <a:t>davis</a:t>
+            </a:r>
+            <a:r>
+              <a:rPr lang="en-US" sz="2000" dirty="0"/>
+              <a:t>-</a:t>
+            </a:r>
+            <a:r>
+              <a:rPr lang="en-US" sz="2000" dirty="0" err="1"/>
+              <a:t>nmop</a:t>
+            </a:r>
+            <a:r>
+              <a:rPr lang="en-US" sz="2000" dirty="0"/>
+              <a:t>-incident-terminology to enable a more detailed and holistic view for networks.</a:t>
+            </a:r>
+            <a:endParaRPr lang="en-US" sz="2000" b="1" dirty="0"/>
+          </a:p>
+          <a:p>
+            <a:r>
+              <a:rPr lang="en-US" sz="2000" b="1" dirty="0"/>
+              <a:t>Do you realize the benefit of having standardized semantic metadata annotation for Network Anomaly Detection and how it helps network operators, vendor and academia to collaborate?</a:t>
+            </a:r>
+          </a:p>
+          <a:p>
+            <a:r>
+              <a:rPr lang="en-US" sz="2000" b="1" dirty="0">
+                <a:solidFill>
+                  <a:srgbClr val="FF0000"/>
+                </a:solidFill>
+              </a:rPr>
+              <a:t>-&gt; What are your thoughts and comments?</a:t>
+            </a:r>
+            <a:endParaRPr lang="en-US" sz="2000" dirty="0">
+              <a:solidFill>
+                <a:srgbClr val="FF0000"/>
+              </a:solidFill>
+            </a:endParaRPr>
+          </a:p>
+          <a:p>
+            <a:r>
+              <a:rPr lang="en-US" sz="2000" b="1" dirty="0">
+                <a:solidFill>
+                  <a:srgbClr val="FF0000"/>
+                </a:solidFill>
+              </a:rPr>
+              <a:t>-&gt; We request NMOP working group adoption.</a:t>
+            </a:r>
+          </a:p>
+        </p:txBody>
+      </p:sp>
+      <p:sp>
+        <p:nvSpPr>
+          <p:cNvPr id="7" name="Subtitle 4">
+            <a:extLst>
+              <a:ext uri="{FF2B5EF4-FFF2-40B4-BE49-F238E27FC236}">
+                <a16:creationId xmlns:a16="http://schemas.microsoft.com/office/drawing/2014/main" id="{BF6DCC5D-2508-4A9B-B734-C8C5147F93FB}"/>
+              </a:ext>
+            </a:extLst>
+          </p:cNvPr>
+          <p:cNvSpPr txBox="1">
+            <a:spLocks/>
+          </p:cNvSpPr>
+          <p:nvPr/>
+        </p:nvSpPr>
+        <p:spPr>
+          <a:xfrm>
+            <a:off x="838200" y="5328459"/>
+            <a:ext cx="11163943" cy="1033178"/>
+          </a:xfrm>
+          <a:prstGeom prst="rect">
+            <a:avLst/>
+          </a:prstGeom>
+        </p:spPr>
+        <p:txBody>
+          <a:bodyPr vert="horz" lIns="91440" tIns="45720" rIns="91440" bIns="45720" rtlCol="0">
+            <a:normAutofit fontScale="32500" lnSpcReduction="20000"/>
+          </a:bodyPr>
+          <a:lstStyle>
+            <a:lvl1pPr marL="228600" indent="-228600" algn="l" defTabSz="914400" rtl="0" eaLnBrk="1" latinLnBrk="0" hangingPunct="1">
+              <a:lnSpc>
+                <a:spcPct val="90000"/>
+              </a:lnSpc>
+              <a:spcBef>
+                <a:spcPts val="1000"/>
+              </a:spcBef>
+              <a:buFont typeface="Arial" panose="020B0604020202020204" pitchFamily="34" charset="0"/>
+              <a:buChar char="•"/>
+              <a:defRPr sz="2800" kern="1200">
+                <a:solidFill>
+                  <a:schemeClr val="tx1"/>
+                </a:solidFill>
+                <a:latin typeface="+mn-lt"/>
+                <a:ea typeface="+mn-ea"/>
+                <a:cs typeface="+mn-cs"/>
+              </a:defRPr>
+            </a:lvl1pPr>
+            <a:lvl2pPr marL="685800" indent="-228600" algn="l" defTabSz="914400" rtl="0" eaLnBrk="1" latinLnBrk="0" hangingPunct="1">
+              <a:lnSpc>
+                <a:spcPct val="90000"/>
+              </a:lnSpc>
+              <a:spcBef>
+                <a:spcPts val="500"/>
+              </a:spcBef>
+              <a:buFont typeface="Arial" panose="020B0604020202020204" pitchFamily="34" charset="0"/>
+              <a:buChar char="•"/>
+              <a:defRPr sz="2400" kern="1200">
+                <a:solidFill>
+                  <a:schemeClr val="tx1"/>
+                </a:solidFill>
+                <a:latin typeface="+mn-lt"/>
+                <a:ea typeface="+mn-ea"/>
+                <a:cs typeface="+mn-cs"/>
+              </a:defRPr>
+            </a:lvl2pPr>
+            <a:lvl3pPr marL="1143000" indent="-228600" algn="l" defTabSz="914400" rtl="0" eaLnBrk="1" latinLnBrk="0" hangingPunct="1">
+              <a:lnSpc>
+                <a:spcPct val="90000"/>
+              </a:lnSpc>
+              <a:spcBef>
+                <a:spcPts val="500"/>
+              </a:spcBef>
+              <a:buFont typeface="Arial" panose="020B0604020202020204" pitchFamily="34" charset="0"/>
+              <a:buChar char="•"/>
+              <a:defRPr sz="2000" kern="1200">
+                <a:solidFill>
+                  <a:schemeClr val="tx1"/>
+                </a:solidFill>
+                <a:latin typeface="+mn-lt"/>
+                <a:ea typeface="+mn-ea"/>
+                <a:cs typeface="+mn-cs"/>
+              </a:defRPr>
+            </a:lvl3pPr>
+            <a:lvl4pPr marL="1600200" indent="-228600" algn="l" defTabSz="914400" rtl="0" eaLnBrk="1" latinLnBrk="0" hangingPunct="1">
+              <a:lnSpc>
+                <a:spcPct val="90000"/>
+              </a:lnSpc>
+              <a:spcBef>
+                <a:spcPts val="500"/>
+              </a:spcBef>
+              <a:buFont typeface="Arial" panose="020B0604020202020204" pitchFamily="34" charset="0"/>
+              <a:buChar char="•"/>
+              <a:defRPr sz="1800" kern="1200">
+                <a:solidFill>
+                  <a:schemeClr val="tx1"/>
+                </a:solidFill>
+                <a:latin typeface="+mn-lt"/>
+                <a:ea typeface="+mn-ea"/>
+                <a:cs typeface="+mn-cs"/>
+              </a:defRPr>
+            </a:lvl4pPr>
+            <a:lvl5pPr marL="2057400" indent="-228600" algn="l" defTabSz="914400" rtl="0" eaLnBrk="1" latinLnBrk="0" hangingPunct="1">
+              <a:lnSpc>
+                <a:spcPct val="90000"/>
+              </a:lnSpc>
+              <a:spcBef>
+                <a:spcPts val="500"/>
+              </a:spcBef>
+              <a:buFont typeface="Arial" panose="020B0604020202020204" pitchFamily="34" charset="0"/>
+              <a:buChar char="•"/>
+              <a:defRPr sz="1800" kern="1200">
+                <a:solidFill>
+                  <a:schemeClr val="tx1"/>
+                </a:solidFill>
+                <a:latin typeface="+mn-lt"/>
+                <a:ea typeface="+mn-ea"/>
+                <a:cs typeface="+mn-cs"/>
+              </a:defRPr>
+            </a:lvl5pPr>
+            <a:lvl6pPr marL="2514600" indent="-228600" algn="l" defTabSz="914400" rtl="0" eaLnBrk="1" latinLnBrk="0" hangingPunct="1">
+              <a:lnSpc>
+                <a:spcPct val="90000"/>
+              </a:lnSpc>
+              <a:spcBef>
+                <a:spcPts val="500"/>
+              </a:spcBef>
+              <a:buFont typeface="Arial" panose="020B0604020202020204" pitchFamily="34" charset="0"/>
+              <a:buChar char="•"/>
+              <a:defRPr sz="1800" kern="1200">
+                <a:solidFill>
+                  <a:schemeClr val="tx1"/>
+                </a:solidFill>
+                <a:latin typeface="+mn-lt"/>
+                <a:ea typeface="+mn-ea"/>
+                <a:cs typeface="+mn-cs"/>
+              </a:defRPr>
+            </a:lvl6pPr>
+            <a:lvl7pPr marL="2971800" indent="-228600" algn="l" defTabSz="914400" rtl="0" eaLnBrk="1" latinLnBrk="0" hangingPunct="1">
+              <a:lnSpc>
+                <a:spcPct val="90000"/>
+              </a:lnSpc>
+              <a:spcBef>
+                <a:spcPts val="500"/>
+              </a:spcBef>
+              <a:buFont typeface="Arial" panose="020B0604020202020204" pitchFamily="34" charset="0"/>
+              <a:buChar char="•"/>
+              <a:defRPr sz="1800" kern="1200">
+                <a:solidFill>
+                  <a:schemeClr val="tx1"/>
+                </a:solidFill>
+                <a:latin typeface="+mn-lt"/>
+                <a:ea typeface="+mn-ea"/>
+                <a:cs typeface="+mn-cs"/>
+              </a:defRPr>
+            </a:lvl7pPr>
+            <a:lvl8pPr marL="3429000" indent="-228600" algn="l" defTabSz="914400" rtl="0" eaLnBrk="1" latinLnBrk="0" hangingPunct="1">
+              <a:lnSpc>
+                <a:spcPct val="90000"/>
+              </a:lnSpc>
+              <a:spcBef>
+                <a:spcPts val="500"/>
+              </a:spcBef>
+              <a:buFont typeface="Arial" panose="020B0604020202020204" pitchFamily="34" charset="0"/>
+              <a:buChar char="•"/>
+              <a:defRPr sz="1800" kern="1200">
+                <a:solidFill>
+                  <a:schemeClr val="tx1"/>
+                </a:solidFill>
+                <a:latin typeface="+mn-lt"/>
+                <a:ea typeface="+mn-ea"/>
+                <a:cs typeface="+mn-cs"/>
+              </a:defRPr>
+            </a:lvl8pPr>
+            <a:lvl9pPr marL="3886200" indent="-228600" algn="l" defTabSz="914400" rtl="0" eaLnBrk="1" latinLnBrk="0" hangingPunct="1">
+              <a:lnSpc>
+                <a:spcPct val="90000"/>
+              </a:lnSpc>
+              <a:spcBef>
+                <a:spcPts val="500"/>
+              </a:spcBef>
+              <a:buFont typeface="Arial" panose="020B0604020202020204" pitchFamily="34" charset="0"/>
+              <a:buChar char="•"/>
+              <a:defRPr sz="1800" kern="1200">
+                <a:solidFill>
+                  <a:schemeClr val="tx1"/>
+                </a:solidFill>
+                <a:latin typeface="+mn-lt"/>
+                <a:ea typeface="+mn-ea"/>
+                <a:cs typeface="+mn-cs"/>
+              </a:defRPr>
+            </a:lvl9pPr>
+          </a:lstStyle>
+          <a:p>
+            <a:pPr marL="0" indent="0" algn="r">
+              <a:spcBef>
+                <a:spcPts val="300"/>
+              </a:spcBef>
+              <a:buNone/>
+              <a:defRPr sz="1782"/>
+            </a:pPr>
+            <a:r>
+              <a:rPr lang="de-CH" sz="2800" dirty="0">
+                <a:latin typeface="+mj-lt"/>
+              </a:rPr>
+              <a:t>thomas.graf@swisscom.com</a:t>
+            </a:r>
+            <a:br>
+              <a:rPr lang="de-CH" sz="2800" dirty="0">
+                <a:latin typeface="+mj-lt"/>
+              </a:rPr>
+            </a:br>
+            <a:r>
+              <a:rPr lang="de-CH" sz="2800" dirty="0">
+                <a:latin typeface="+mj-lt"/>
+              </a:rPr>
+              <a:t>wanting.du@swisscom.com</a:t>
+            </a:r>
+          </a:p>
+          <a:p>
+            <a:pPr marL="0" indent="0" algn="r">
+              <a:spcBef>
+                <a:spcPts val="300"/>
+              </a:spcBef>
+              <a:buNone/>
+              <a:defRPr sz="1782"/>
+            </a:pPr>
+            <a:r>
+              <a:rPr lang="de-CH" sz="2800" dirty="0">
+                <a:latin typeface="+mj-lt"/>
+              </a:rPr>
+              <a:t>alex.huang-feng@insa-lyon.fr</a:t>
+            </a:r>
+          </a:p>
+          <a:p>
+            <a:pPr marL="0" indent="0" algn="r">
+              <a:spcBef>
+                <a:spcPts val="300"/>
+              </a:spcBef>
+              <a:buNone/>
+              <a:defRPr sz="1782"/>
+            </a:pPr>
+            <a:r>
+              <a:rPr lang="de-CH" sz="2800" dirty="0">
+                <a:latin typeface="+mj-lt"/>
+              </a:rPr>
+              <a:t>vincenzo.riccobene@huawei-partners.com</a:t>
+            </a:r>
+          </a:p>
+          <a:p>
+            <a:pPr marL="0" indent="0" algn="r">
+              <a:spcBef>
+                <a:spcPts val="300"/>
+              </a:spcBef>
+              <a:buNone/>
+              <a:defRPr sz="1782"/>
+            </a:pPr>
+            <a:r>
+              <a:rPr lang="de-CH" sz="2800" dirty="0">
+                <a:latin typeface="+mj-lt"/>
+              </a:rPr>
+              <a:t>antonio.roberto@huawei.com</a:t>
+            </a:r>
+          </a:p>
+          <a:p>
+            <a:pPr marL="0" indent="0" algn="r">
+              <a:spcBef>
+                <a:spcPts val="300"/>
+              </a:spcBef>
+              <a:buNone/>
+            </a:pPr>
+            <a:endParaRPr lang="de-CH" sz="2500" dirty="0">
+              <a:latin typeface="+mj-lt"/>
+            </a:endParaRPr>
+          </a:p>
+          <a:p>
+            <a:pPr marL="0" indent="0" algn="r">
+              <a:spcBef>
+                <a:spcPts val="300"/>
+              </a:spcBef>
+              <a:buNone/>
+            </a:pPr>
+            <a:r>
+              <a:rPr lang="de-CH" sz="2500" dirty="0">
+                <a:latin typeface="+mj-lt"/>
+              </a:rPr>
+              <a:t>06. </a:t>
+            </a:r>
+            <a:r>
+              <a:rPr lang="de-CH" sz="2500" dirty="0">
+                <a:latin typeface="+mj-lt"/>
+                <a:ea typeface="+mj-ea"/>
+                <a:cs typeface="+mj-cs"/>
+              </a:rPr>
+              <a:t>March </a:t>
+            </a:r>
+            <a:r>
+              <a:rPr lang="de-CH" sz="2500" dirty="0">
+                <a:latin typeface="+mj-lt"/>
+              </a:rPr>
+              <a:t>2024</a:t>
+            </a:r>
+          </a:p>
+          <a:p>
+            <a:pPr algn="r"/>
+            <a:endParaRPr lang="de-CH" sz="2200" dirty="0"/>
+          </a:p>
+        </p:txBody>
+      </p:sp>
+      <p:pic>
+        <p:nvPicPr>
+          <p:cNvPr id="6" name="Picture 5">
+            <a:extLst>
+              <a:ext uri="{FF2B5EF4-FFF2-40B4-BE49-F238E27FC236}">
+                <a16:creationId xmlns:a16="http://schemas.microsoft.com/office/drawing/2014/main" id="{D4F5E154-1C25-441B-90CF-A1443F6D1EF8}"/>
+              </a:ext>
+            </a:extLst>
+          </p:cNvPr>
+          <p:cNvPicPr>
+            <a:picLocks noChangeAspect="1"/>
+          </p:cNvPicPr>
+          <p:nvPr/>
+        </p:nvPicPr>
+        <p:blipFill>
+          <a:blip r:embed="rId2"/>
+          <a:stretch>
+            <a:fillRect/>
+          </a:stretch>
+        </p:blipFill>
+        <p:spPr>
+          <a:xfrm>
+            <a:off x="9713236" y="1230284"/>
+            <a:ext cx="2220143" cy="4019821"/>
+          </a:xfrm>
+          <a:prstGeom prst="rect">
+            <a:avLst/>
+          </a:prstGeom>
+        </p:spPr>
+      </p:pic>
+      <p:sp>
+        <p:nvSpPr>
+          <p:cNvPr id="8" name="Slide Number Placeholder 1">
+            <a:extLst>
+              <a:ext uri="{FF2B5EF4-FFF2-40B4-BE49-F238E27FC236}">
+                <a16:creationId xmlns:a16="http://schemas.microsoft.com/office/drawing/2014/main" id="{F03D7BF8-F90A-4F8C-8FCE-B1DB1DEC687A}"/>
+              </a:ext>
+            </a:extLst>
+          </p:cNvPr>
+          <p:cNvSpPr>
+            <a:spLocks noGrp="1"/>
+          </p:cNvSpPr>
+          <p:nvPr>
+            <p:ph type="sldNum" sz="quarter" idx="12"/>
+          </p:nvPr>
+        </p:nvSpPr>
+        <p:spPr>
+          <a:xfrm>
+            <a:off x="11587892" y="6361637"/>
+            <a:ext cx="414251" cy="365125"/>
+          </a:xfrm>
+        </p:spPr>
+        <p:txBody>
+          <a:bodyPr/>
+          <a:lstStyle/>
+          <a:p>
+            <a:fld id="{FC4AC485-25DE-431E-B345-9C0A15BB7F8A}" type="slidenum">
+              <a:rPr lang="de-CH" sz="1400" smtClean="0"/>
+              <a:t>9</a:t>
+            </a:fld>
+            <a:endParaRPr lang="de-CH" sz="1400" dirty="0"/>
+          </a:p>
+        </p:txBody>
+      </p:sp>
+    </p:spTree>
+    <p:extLst>
+      <p:ext uri="{BB962C8B-B14F-4D97-AF65-F5344CB8AC3E}">
+        <p14:creationId xmlns:p14="http://schemas.microsoft.com/office/powerpoint/2010/main" val="2578889968"/>
       </p:ext>
     </p:extLst>
   </p:cSld>
@@ -21370,12 +18909,6 @@
 <file path=ppt/tags/tag7.xml><?xml version="1.0" encoding="utf-8"?>
 <p:tagLst xmlns:a="http://schemas.openxmlformats.org/drawingml/2006/main" xmlns:r="http://schemas.openxmlformats.org/officeDocument/2006/relationships" xmlns:p="http://schemas.openxmlformats.org/presentationml/2006/main">
   <p:tag name="VCT_BODYSTYLE" val="1"/>
-</p:tagLst>
-</file>
-
-<file path=ppt/tags/tag8.xml><?xml version="1.0" encoding="utf-8"?>
-<p:tagLst xmlns:a="http://schemas.openxmlformats.org/drawingml/2006/main" xmlns:r="http://schemas.openxmlformats.org/officeDocument/2006/relationships" xmlns:p="http://schemas.openxmlformats.org/presentationml/2006/main">
-  <p:tag name="VCTCREATESHAPEHANDLED" val="0"/>
 </p:tagLst>
 </file>
 

--- a/119/NMOP/draft-netana-nmop-network-anomaly-semantics-and-lifecycle.pptx
+++ b/119/NMOP/draft-netana-nmop-network-anomaly-semantics-and-lifecycle.pptx
@@ -5,7 +5,7 @@
     <p:sldMasterId id="2147483648" r:id="rId1"/>
   </p:sldMasterIdLst>
   <p:notesMasterIdLst>
-    <p:notesMasterId r:id="rId21"/>
+    <p:notesMasterId r:id="rId23"/>
   </p:notesMasterIdLst>
   <p:sldIdLst>
     <p:sldId id="1041" r:id="rId2"/>
@@ -22,11 +22,13 @@
     <p:sldId id="2145706239" r:id="rId13"/>
     <p:sldId id="2145706241" r:id="rId14"/>
     <p:sldId id="2145706240" r:id="rId15"/>
-    <p:sldId id="2145706237" r:id="rId16"/>
-    <p:sldId id="2145706238" r:id="rId17"/>
-    <p:sldId id="2145706245" r:id="rId18"/>
-    <p:sldId id="26415" r:id="rId19"/>
-    <p:sldId id="2145706242" r:id="rId20"/>
+    <p:sldId id="2145706238" r:id="rId16"/>
+    <p:sldId id="2145706237" r:id="rId17"/>
+    <p:sldId id="2145706250" r:id="rId18"/>
+    <p:sldId id="2145706251" r:id="rId19"/>
+    <p:sldId id="2145706252" r:id="rId20"/>
+    <p:sldId id="26415" r:id="rId21"/>
+    <p:sldId id="2145706242" r:id="rId22"/>
   </p:sldIdLst>
   <p:sldSz cx="12192000" cy="6858000"/>
   <p:notesSz cx="6858000" cy="9144000"/>
@@ -215,7 +217,7 @@
           <a:p>
             <a:fld id="{E5E705E9-673F-4AC4-B29E-A7B26F3B8523}" type="datetimeFigureOut">
               <a:rPr lang="de-CH" smtClean="0"/>
-              <a:t>12.03.2024</a:t>
+              <a:t>13.03.2024</a:t>
             </a:fld>
             <a:endParaRPr lang="de-CH"/>
           </a:p>
@@ -483,6 +485,260 @@
 </p:notesMaster>
 </file>
 
+<file path=ppt/notesSlides/notesSlide1.xml><?xml version="1.0" encoding="utf-8"?>
+<p:notes xmlns:a="http://schemas.openxmlformats.org/drawingml/2006/main" xmlns:r="http://schemas.openxmlformats.org/officeDocument/2006/relationships" xmlns:p="http://schemas.openxmlformats.org/presentationml/2006/main">
+  <p:cSld>
+    <p:spTree>
+      <p:nvGrpSpPr>
+        <p:cNvPr id="1" name=""/>
+        <p:cNvGrpSpPr/>
+        <p:nvPr/>
+      </p:nvGrpSpPr>
+      <p:grpSpPr>
+        <a:xfrm>
+          <a:off x="0" y="0"/>
+          <a:ext cx="0" cy="0"/>
+          <a:chOff x="0" y="0"/>
+          <a:chExt cx="0" cy="0"/>
+        </a:xfrm>
+      </p:grpSpPr>
+      <p:sp>
+        <p:nvSpPr>
+          <p:cNvPr id="2" name="Slide Image Placeholder 1"/>
+          <p:cNvSpPr>
+            <a:spLocks noGrp="1" noRot="1" noChangeAspect="1"/>
+          </p:cNvSpPr>
+          <p:nvPr>
+            <p:ph type="sldImg"/>
+          </p:nvPr>
+        </p:nvSpPr>
+        <p:spPr/>
+      </p:sp>
+      <p:sp>
+        <p:nvSpPr>
+          <p:cNvPr id="3" name="Notes Placeholder 2"/>
+          <p:cNvSpPr>
+            <a:spLocks noGrp="1"/>
+          </p:cNvSpPr>
+          <p:nvPr>
+            <p:ph type="body" idx="1"/>
+          </p:nvPr>
+        </p:nvSpPr>
+        <p:spPr/>
+        <p:txBody>
+          <a:bodyPr/>
+          <a:lstStyle/>
+          <a:p>
+            <a:pPr marL="171450" indent="-171450">
+              <a:buFont typeface="Arial" panose="020B0604020202020204" pitchFamily="34" charset="0"/>
+              <a:buChar char="•"/>
+            </a:pPr>
+            <a:r>
+              <a:rPr lang="en-IE" dirty="0"/>
+              <a:t>Network anomaly detection is about </a:t>
+            </a:r>
+            <a:r>
+              <a:rPr lang="en-IE" b="1" dirty="0">
+                <a:solidFill>
+                  <a:srgbClr val="FF0000"/>
+                </a:solidFill>
+              </a:rPr>
+              <a:t>identifying behaviours </a:t>
+            </a:r>
+            <a:r>
+              <a:rPr lang="en-IE" dirty="0"/>
+              <a:t>that provide </a:t>
+            </a:r>
+            <a:r>
+              <a:rPr lang="en-IE" b="1" dirty="0">
+                <a:solidFill>
+                  <a:srgbClr val="FF0000"/>
+                </a:solidFill>
+              </a:rPr>
+              <a:t>evidence</a:t>
+            </a:r>
+            <a:r>
+              <a:rPr lang="en-IE" dirty="0"/>
+              <a:t> of service consumers experiencing a </a:t>
+            </a:r>
+            <a:r>
+              <a:rPr lang="en-IE" b="1" dirty="0">
+                <a:solidFill>
+                  <a:srgbClr val="FF0000"/>
+                </a:solidFill>
+              </a:rPr>
+              <a:t>degradation</a:t>
+            </a:r>
+            <a:r>
+              <a:rPr lang="en-IE" dirty="0"/>
+              <a:t>.</a:t>
+            </a:r>
+          </a:p>
+          <a:p>
+            <a:pPr marL="171450" indent="-171450">
+              <a:lnSpc>
+                <a:spcPct val="100000"/>
+              </a:lnSpc>
+              <a:buFont typeface="Arial" panose="020B0604020202020204" pitchFamily="34" charset="0"/>
+              <a:buChar char="•"/>
+            </a:pPr>
+            <a:r>
+              <a:rPr lang="en-IE" dirty="0"/>
+              <a:t>During our work to implement network anomaly detection, we realized that this requires a continuous review process, in order to </a:t>
+            </a:r>
+            <a:r>
+              <a:rPr lang="en-IE" b="1" dirty="0">
+                <a:solidFill>
+                  <a:srgbClr val="FF0000"/>
+                </a:solidFill>
+              </a:rPr>
+              <a:t>iteratively collect and incorporate more and more network and service knowledge into the methodology</a:t>
+            </a:r>
+            <a:r>
+              <a:rPr lang="en-IE" dirty="0"/>
+              <a:t>.</a:t>
+            </a:r>
+          </a:p>
+          <a:p>
+            <a:pPr marL="171450" indent="-171450">
+              <a:buFont typeface="Arial" panose="020B0604020202020204" pitchFamily="34" charset="0"/>
+              <a:buChar char="•"/>
+            </a:pPr>
+            <a:r>
+              <a:rPr lang="en-IE" dirty="0"/>
+              <a:t>Network operators often implement </a:t>
+            </a:r>
+            <a:r>
+              <a:rPr lang="en-IE" b="1" dirty="0">
+                <a:solidFill>
+                  <a:srgbClr val="FF0000"/>
+                </a:solidFill>
+              </a:rPr>
+              <a:t>review processes of their detection mechanisms </a:t>
+            </a:r>
+            <a:r>
+              <a:rPr lang="en-IE" dirty="0"/>
+              <a:t>to improve over time (reducing both False Positives and False Negatives), </a:t>
+            </a:r>
+            <a:r>
+              <a:rPr lang="en-IE" b="1" dirty="0"/>
+              <a:t>validating</a:t>
+            </a:r>
+            <a:r>
+              <a:rPr lang="en-IE" dirty="0"/>
+              <a:t> the detected network anomalies and performing </a:t>
+            </a:r>
+            <a:r>
+              <a:rPr lang="en-IE" b="1" dirty="0"/>
+              <a:t>post-mortem analysis</a:t>
+            </a:r>
+            <a:r>
+              <a:rPr lang="en-IE" dirty="0"/>
+              <a:t>, etc.</a:t>
+            </a:r>
+          </a:p>
+          <a:p>
+            <a:pPr marL="171450" indent="-171450">
+              <a:buFont typeface="Arial" panose="020B0604020202020204" pitchFamily="34" charset="0"/>
+              <a:buChar char="•"/>
+            </a:pPr>
+            <a:r>
+              <a:rPr lang="en-IE" dirty="0"/>
+              <a:t>We see the need to </a:t>
+            </a:r>
+            <a:r>
+              <a:rPr lang="en-IE" b="1" dirty="0">
+                <a:solidFill>
+                  <a:srgbClr val="FF0000"/>
+                </a:solidFill>
+              </a:rPr>
+              <a:t>provide a well-defined lifecycle for the refinement of network anomaly detection</a:t>
+            </a:r>
+            <a:r>
+              <a:rPr lang="en-IE" dirty="0"/>
+              <a:t>, as this can open up to a </a:t>
+            </a:r>
+            <a:r>
+              <a:rPr lang="en-IE" b="1" dirty="0"/>
+              <a:t>more structured cooperation between different actors </a:t>
+            </a:r>
+            <a:r>
+              <a:rPr lang="en-IE" dirty="0"/>
+              <a:t>involved in different stages of the lifecycle, including customer service operators, network engineers, Data Scientists, AI algorithms, etc.</a:t>
+            </a:r>
+          </a:p>
+          <a:p>
+            <a:pPr marL="171450" indent="-171450">
+              <a:buFont typeface="Arial" panose="020B0604020202020204" pitchFamily="34" charset="0"/>
+              <a:buChar char="•"/>
+            </a:pPr>
+            <a:r>
+              <a:rPr lang="en-IE" dirty="0"/>
+              <a:t>This proposed draft describe an </a:t>
+            </a:r>
+            <a:r>
+              <a:rPr lang="en-IE" b="1" dirty="0">
+                <a:solidFill>
+                  <a:srgbClr val="FF0000"/>
+                </a:solidFill>
+              </a:rPr>
+              <a:t>experiment</a:t>
+            </a:r>
+            <a:r>
+              <a:rPr lang="en-IE" dirty="0"/>
+              <a:t>: </a:t>
+            </a:r>
+            <a:r>
+              <a:rPr lang="en-US" dirty="0"/>
+              <a:t>verifying whether the approach is usable in real use case scenarios to support proper refinement and adjustments of network anomaly detection algorithms. </a:t>
+            </a:r>
+            <a:endParaRPr lang="en-IE" dirty="0"/>
+          </a:p>
+          <a:p>
+            <a:pPr marL="171450" indent="-171450">
+              <a:buFont typeface="Arial" panose="020B0604020202020204" pitchFamily="34" charset="0"/>
+              <a:buChar char="•"/>
+            </a:pPr>
+            <a:endParaRPr lang="en-US" dirty="0"/>
+          </a:p>
+        </p:txBody>
+      </p:sp>
+      <p:sp>
+        <p:nvSpPr>
+          <p:cNvPr id="4" name="Slide Number Placeholder 3"/>
+          <p:cNvSpPr>
+            <a:spLocks noGrp="1"/>
+          </p:cNvSpPr>
+          <p:nvPr>
+            <p:ph type="sldNum" sz="quarter" idx="5"/>
+          </p:nvPr>
+        </p:nvSpPr>
+        <p:spPr/>
+        <p:txBody>
+          <a:bodyPr/>
+          <a:lstStyle/>
+          <a:p>
+            <a:fld id="{2BBC52A0-2F3F-497F-8536-39D60282E9C2}" type="slidenum">
+              <a:rPr lang="de-CH" smtClean="0"/>
+              <a:t>11</a:t>
+            </a:fld>
+            <a:endParaRPr lang="de-CH"/>
+          </a:p>
+        </p:txBody>
+      </p:sp>
+    </p:spTree>
+    <p:extLst>
+      <p:ext uri="{BB962C8B-B14F-4D97-AF65-F5344CB8AC3E}">
+        <p14:creationId xmlns:p14="http://schemas.microsoft.com/office/powerpoint/2010/main" val="3292722080"/>
+      </p:ext>
+    </p:extLst>
+  </p:cSld>
+  <p:clrMapOvr>
+    <a:masterClrMapping/>
+  </p:clrMapOvr>
+</p:notes>
+</file>
+
 <file path=ppt/slideLayouts/slideLayout1.xml><?xml version="1.0" encoding="utf-8"?>
 <p:sldLayout xmlns:a="http://schemas.openxmlformats.org/drawingml/2006/main" xmlns:r="http://schemas.openxmlformats.org/officeDocument/2006/relationships" xmlns:p="http://schemas.openxmlformats.org/presentationml/2006/main" type="title" preserve="1">
   <p:cSld name="Title Slide">
@@ -632,7 +888,7 @@
           <a:p>
             <a:fld id="{9E9B238C-2335-4007-98C9-471C02CC43B6}" type="datetimeFigureOut">
               <a:rPr lang="de-CH" smtClean="0"/>
-              <a:t>12.03.2024</a:t>
+              <a:t>13.03.2024</a:t>
             </a:fld>
             <a:endParaRPr lang="de-CH"/>
           </a:p>
@@ -832,7 +1088,7 @@
           <a:p>
             <a:fld id="{9E9B238C-2335-4007-98C9-471C02CC43B6}" type="datetimeFigureOut">
               <a:rPr lang="de-CH" smtClean="0"/>
-              <a:t>12.03.2024</a:t>
+              <a:t>13.03.2024</a:t>
             </a:fld>
             <a:endParaRPr lang="de-CH"/>
           </a:p>
@@ -1042,7 +1298,7 @@
           <a:p>
             <a:fld id="{9E9B238C-2335-4007-98C9-471C02CC43B6}" type="datetimeFigureOut">
               <a:rPr lang="de-CH" smtClean="0"/>
-              <a:t>12.03.2024</a:t>
+              <a:t>13.03.2024</a:t>
             </a:fld>
             <a:endParaRPr lang="de-CH"/>
           </a:p>
@@ -1471,7 +1727,7 @@
           <a:p>
             <a:fld id="{9E9B238C-2335-4007-98C9-471C02CC43B6}" type="datetimeFigureOut">
               <a:rPr lang="de-CH" smtClean="0"/>
-              <a:t>12.03.2024</a:t>
+              <a:t>13.03.2024</a:t>
             </a:fld>
             <a:endParaRPr lang="de-CH"/>
           </a:p>
@@ -1747,7 +2003,7 @@
           <a:p>
             <a:fld id="{9E9B238C-2335-4007-98C9-471C02CC43B6}" type="datetimeFigureOut">
               <a:rPr lang="de-CH" smtClean="0"/>
-              <a:t>12.03.2024</a:t>
+              <a:t>13.03.2024</a:t>
             </a:fld>
             <a:endParaRPr lang="de-CH"/>
           </a:p>
@@ -2015,7 +2271,7 @@
           <a:p>
             <a:fld id="{9E9B238C-2335-4007-98C9-471C02CC43B6}" type="datetimeFigureOut">
               <a:rPr lang="de-CH" smtClean="0"/>
-              <a:t>12.03.2024</a:t>
+              <a:t>13.03.2024</a:t>
             </a:fld>
             <a:endParaRPr lang="de-CH"/>
           </a:p>
@@ -2430,7 +2686,7 @@
           <a:p>
             <a:fld id="{9E9B238C-2335-4007-98C9-471C02CC43B6}" type="datetimeFigureOut">
               <a:rPr lang="de-CH" smtClean="0"/>
-              <a:t>12.03.2024</a:t>
+              <a:t>13.03.2024</a:t>
             </a:fld>
             <a:endParaRPr lang="de-CH"/>
           </a:p>
@@ -2572,7 +2828,7 @@
           <a:p>
             <a:fld id="{9E9B238C-2335-4007-98C9-471C02CC43B6}" type="datetimeFigureOut">
               <a:rPr lang="de-CH" smtClean="0"/>
-              <a:t>12.03.2024</a:t>
+              <a:t>13.03.2024</a:t>
             </a:fld>
             <a:endParaRPr lang="de-CH"/>
           </a:p>
@@ -2685,7 +2941,7 @@
           <a:p>
             <a:fld id="{9E9B238C-2335-4007-98C9-471C02CC43B6}" type="datetimeFigureOut">
               <a:rPr lang="de-CH" smtClean="0"/>
-              <a:t>12.03.2024</a:t>
+              <a:t>13.03.2024</a:t>
             </a:fld>
             <a:endParaRPr lang="de-CH"/>
           </a:p>
@@ -2998,7 +3254,7 @@
           <a:p>
             <a:fld id="{9E9B238C-2335-4007-98C9-471C02CC43B6}" type="datetimeFigureOut">
               <a:rPr lang="de-CH" smtClean="0"/>
-              <a:t>12.03.2024</a:t>
+              <a:t>13.03.2024</a:t>
             </a:fld>
             <a:endParaRPr lang="de-CH"/>
           </a:p>
@@ -3287,7 +3543,7 @@
           <a:p>
             <a:fld id="{9E9B238C-2335-4007-98C9-471C02CC43B6}" type="datetimeFigureOut">
               <a:rPr lang="de-CH" smtClean="0"/>
-              <a:t>12.03.2024</a:t>
+              <a:t>13.03.2024</a:t>
             </a:fld>
             <a:endParaRPr lang="de-CH"/>
           </a:p>
@@ -3530,7 +3786,7 @@
           <a:p>
             <a:fld id="{9E9B238C-2335-4007-98C9-471C02CC43B6}" type="datetimeFigureOut">
               <a:rPr lang="de-CH" smtClean="0"/>
-              <a:t>12.03.2024</a:t>
+              <a:t>13.03.2024</a:t>
             </a:fld>
             <a:endParaRPr lang="de-CH"/>
           </a:p>
@@ -4443,7 +4699,7 @@
               <a:rPr lang="de-CH" sz="3800" dirty="0">
                 <a:latin typeface="+mj-lt"/>
               </a:rPr>
-              <a:t>12. </a:t>
+              <a:t>13. </a:t>
             </a:r>
             <a:r>
               <a:rPr lang="de-CH" sz="3800" dirty="0">
@@ -6627,7 +6883,7 @@
             </a:r>
             <a:r>
               <a:rPr lang="en-IE" dirty="0"/>
-              <a:t> of consumers experiencing a </a:t>
+              <a:t> of service consumers experiencing a </a:t>
             </a:r>
             <a:r>
               <a:rPr lang="en-IE" b="1" dirty="0">
@@ -6635,7 +6891,7 @@
                   <a:srgbClr val="FF0000"/>
                 </a:solidFill>
               </a:rPr>
-              <a:t>service degradation</a:t>
+              <a:t>degradation</a:t>
             </a:r>
             <a:r>
               <a:rPr lang="en-IE" dirty="0"/>
@@ -6650,7 +6906,7 @@
             </a:pPr>
             <a:r>
               <a:rPr lang="en-IE" dirty="0"/>
-              <a:t>During our work to implement network anomaly detection, we realized that this requires a continuous review process, in order to </a:t>
+              <a:t>Network Operators often implement a </a:t>
             </a:r>
             <a:r>
               <a:rPr lang="en-IE" b="1" dirty="0">
@@ -6658,45 +6914,27 @@
                   <a:srgbClr val="FF0000"/>
                 </a:solidFill>
               </a:rPr>
-              <a:t>iteratively collect and incorporate more and more network and service knowledge into the methodology</a:t>
+              <a:t>continuous review process</a:t>
             </a:r>
             <a:r>
               <a:rPr lang="en-IE" dirty="0"/>
-              <a:t>.</a:t>
-            </a:r>
-          </a:p>
-          <a:p>
+              <a:t>, in order to </a:t>
+            </a:r>
+            <a:r>
+              <a:rPr lang="en-IE" b="1" dirty="0"/>
+              <a:t>iteratively collect and incorporate more and more network and service knowledge </a:t>
+            </a:r>
             <a:r>
               <a:rPr lang="en-IE" dirty="0"/>
-              <a:t>Network operators often implement </a:t>
-            </a:r>
-            <a:r>
-              <a:rPr lang="en-IE" b="1" dirty="0">
-                <a:solidFill>
-                  <a:srgbClr val="FF0000"/>
-                </a:solidFill>
-              </a:rPr>
-              <a:t>review processes of their detection mechanisms </a:t>
+              <a:t>into the methodology, to </a:t>
+            </a:r>
+            <a:r>
+              <a:rPr lang="en-IE" b="1" dirty="0"/>
+              <a:t>improve</a:t>
             </a:r>
             <a:r>
               <a:rPr lang="en-IE" dirty="0"/>
-              <a:t>to improve over time (reducing both False Positives and False Negatives), </a:t>
-            </a:r>
-            <a:r>
-              <a:rPr lang="en-IE" b="1" dirty="0"/>
-              <a:t>validating</a:t>
-            </a:r>
-            <a:r>
-              <a:rPr lang="en-IE" dirty="0"/>
-              <a:t> the detected network anomalies and performing </a:t>
-            </a:r>
-            <a:r>
-              <a:rPr lang="en-IE" b="1" dirty="0"/>
-              <a:t>post-mortem analysis</a:t>
-            </a:r>
-            <a:r>
-              <a:rPr lang="en-IE" dirty="0"/>
-              <a:t>, etc.</a:t>
+              <a:t> (reducing False Positives and False Negatives) and validate the detection, e.g. by performing post-mortem analysis.</a:t>
             </a:r>
           </a:p>
           <a:p>
@@ -6783,7 +7021,7 @@
           <a:p>
             <a:r>
               <a:rPr lang="en-US" sz="2800" b="1" dirty="0"/>
-              <a:t>Experiment: Network Anomaly Post-mortem Lifecycle</a:t>
+              <a:t>Experiment: Network Anomaly Lifecycle</a:t>
             </a:r>
             <a:br>
               <a:rPr lang="en-US" sz="2800" b="1" dirty="0"/>
@@ -6900,7 +7138,7 @@
           <a:p>
             <a:r>
               <a:rPr lang="en-US" sz="2800" b="1" dirty="0"/>
-              <a:t>Network Anomaly Postmortem Lifecycle</a:t>
+              <a:t>Network Anomaly Lifecycle</a:t>
             </a:r>
             <a:br>
               <a:rPr lang="en-US" sz="3600" dirty="0"/>
@@ -6980,7 +7218,7 @@
         </p:blipFill>
         <p:spPr>
           <a:xfrm>
-            <a:off x="838200" y="2099129"/>
+            <a:off x="444500" y="2099129"/>
             <a:ext cx="6958286" cy="3976164"/>
           </a:xfrm>
           <a:prstGeom prst="rect">
@@ -7002,7 +7240,7 @@
         </p:nvSpPr>
         <p:spPr>
           <a:xfrm>
-            <a:off x="6048375" y="3372836"/>
+            <a:off x="5654675" y="3372836"/>
             <a:ext cx="1480009" cy="509047"/>
           </a:xfrm>
           <a:prstGeom prst="ellipse">
@@ -7060,8 +7298,8 @@
         </p:nvSpPr>
         <p:spPr bwMode="black">
           <a:xfrm>
-            <a:off x="7675245" y="609600"/>
-            <a:ext cx="4326898" cy="4415201"/>
+            <a:off x="7556501" y="609600"/>
+            <a:ext cx="4191000" cy="4415201"/>
           </a:xfrm>
           <a:prstGeom prst="rect">
             <a:avLst/>
@@ -8450,7 +8688,7 @@
             </a:r>
             <a:r>
               <a:rPr lang="en-US" sz="2000" dirty="0"/>
-              <a:t>describes the state of the anomaly.</a:t>
+              <a:t>describes the state of the anomaly (selected among the states defined in the state machine).</a:t>
             </a:r>
           </a:p>
           <a:p>
@@ -8995,432 +9233,6 @@
       </p:grpSpPr>
       <p:sp>
         <p:nvSpPr>
-          <p:cNvPr id="11" name="Slide Number Placeholder 1">
-            <a:extLst>
-              <a:ext uri="{FF2B5EF4-FFF2-40B4-BE49-F238E27FC236}">
-                <a16:creationId xmlns:a16="http://schemas.microsoft.com/office/drawing/2014/main" id="{512B43D3-8F19-488A-8D0D-979DD7EC8E7E}"/>
-              </a:ext>
-            </a:extLst>
-          </p:cNvPr>
-          <p:cNvSpPr>
-            <a:spLocks noGrp="1"/>
-          </p:cNvSpPr>
-          <p:nvPr>
-            <p:ph type="sldNum" sz="quarter" idx="12"/>
-          </p:nvPr>
-        </p:nvSpPr>
-        <p:spPr>
-          <a:xfrm>
-            <a:off x="11587892" y="6361637"/>
-            <a:ext cx="414251" cy="365125"/>
-          </a:xfrm>
-        </p:spPr>
-        <p:txBody>
-          <a:bodyPr/>
-          <a:lstStyle/>
-          <a:p>
-            <a:fld id="{FC4AC485-25DE-431E-B345-9C0A15BB7F8A}" type="slidenum">
-              <a:rPr lang="de-CH" sz="1400" smtClean="0"/>
-              <a:t>15</a:t>
-            </a:fld>
-            <a:endParaRPr lang="de-CH" sz="1400" dirty="0"/>
-          </a:p>
-        </p:txBody>
-      </p:sp>
-      <p:sp>
-        <p:nvSpPr>
-          <p:cNvPr id="6" name="Title 1">
-            <a:extLst>
-              <a:ext uri="{FF2B5EF4-FFF2-40B4-BE49-F238E27FC236}">
-                <a16:creationId xmlns:a16="http://schemas.microsoft.com/office/drawing/2014/main" id="{ABB61075-2877-B162-7D8F-97EC17B8DF39}"/>
-              </a:ext>
-            </a:extLst>
-          </p:cNvPr>
-          <p:cNvSpPr>
-            <a:spLocks noGrp="1"/>
-          </p:cNvSpPr>
-          <p:nvPr>
-            <p:ph type="title"/>
-          </p:nvPr>
-        </p:nvSpPr>
-        <p:spPr>
-          <a:xfrm>
-            <a:off x="838200" y="365125"/>
-            <a:ext cx="10515600" cy="1325563"/>
-          </a:xfrm>
-        </p:spPr>
-        <p:txBody>
-          <a:bodyPr>
-            <a:normAutofit/>
-          </a:bodyPr>
-          <a:lstStyle/>
-          <a:p>
-            <a:r>
-              <a:rPr lang="en-US" sz="2800" b="1" dirty="0"/>
-              <a:t>IETF 119 Hackathon – Antagonist</a:t>
-            </a:r>
-            <a:br>
-              <a:rPr lang="en-US" sz="3600" dirty="0"/>
-            </a:br>
-            <a:r>
-              <a:rPr lang="en-US" sz="2700" dirty="0">
-                <a:solidFill>
-                  <a:schemeClr val="bg2">
-                    <a:lumMod val="75000"/>
-                  </a:schemeClr>
-                </a:solidFill>
-              </a:rPr>
-              <a:t>Labelling a Symptom in Grafana</a:t>
-            </a:r>
-            <a:endParaRPr lang="en-US" sz="2700" dirty="0">
-              <a:solidFill>
-                <a:srgbClr val="FF0000"/>
-              </a:solidFill>
-            </a:endParaRPr>
-          </a:p>
-        </p:txBody>
-      </p:sp>
-      <p:pic>
-        <p:nvPicPr>
-          <p:cNvPr id="7" name="Picture 2" descr="image.png">
-            <a:extLst>
-              <a:ext uri="{FF2B5EF4-FFF2-40B4-BE49-F238E27FC236}">
-                <a16:creationId xmlns:a16="http://schemas.microsoft.com/office/drawing/2014/main" id="{652F2311-0CD8-17BD-CBBE-06D854083012}"/>
-              </a:ext>
-            </a:extLst>
-          </p:cNvPr>
-          <p:cNvPicPr>
-            <a:picLocks noChangeAspect="1" noChangeArrowheads="1"/>
-          </p:cNvPicPr>
-          <p:nvPr/>
-        </p:nvPicPr>
-        <p:blipFill>
-          <a:blip r:embed="rId2" cstate="print">
-            <a:extLst>
-              <a:ext uri="{28A0092B-C50C-407E-A947-70E740481C1C}">
-                <a14:useLocalDpi xmlns:a14="http://schemas.microsoft.com/office/drawing/2010/main" val="0"/>
-              </a:ext>
-            </a:extLst>
-          </a:blip>
-          <a:srcRect/>
-          <a:stretch>
-            <a:fillRect/>
-          </a:stretch>
-        </p:blipFill>
-        <p:spPr bwMode="auto">
-          <a:xfrm>
-            <a:off x="382386" y="1495584"/>
-            <a:ext cx="9045480" cy="5082699"/>
-          </a:xfrm>
-          <a:prstGeom prst="rect">
-            <a:avLst/>
-          </a:prstGeom>
-          <a:noFill/>
-          <a:ln>
-            <a:noFill/>
-          </a:ln>
-          <a:extLst>
-            <a:ext uri="{909E8E84-426E-40DD-AFC4-6F175D3DCCD1}">
-              <a14:hiddenFill xmlns:a14="http://schemas.microsoft.com/office/drawing/2010/main">
-                <a:solidFill>
-                  <a:srgbClr val="FFFFFF"/>
-                </a:solidFill>
-              </a14:hiddenFill>
-            </a:ext>
-            <a:ext uri="{91240B29-F687-4F45-9708-019B960494DF}">
-              <a14:hiddenLine xmlns:a14="http://schemas.microsoft.com/office/drawing/2010/main" w="9525">
-                <a:solidFill>
-                  <a:srgbClr val="000000"/>
-                </a:solidFill>
-                <a:miter lim="800000"/>
-                <a:headEnd/>
-                <a:tailEnd/>
-              </a14:hiddenLine>
-            </a:ext>
-          </a:extLst>
-        </p:spPr>
-      </p:pic>
-      <p:sp>
-        <p:nvSpPr>
-          <p:cNvPr id="12" name="Content Placeholder 2">
-            <a:extLst>
-              <a:ext uri="{FF2B5EF4-FFF2-40B4-BE49-F238E27FC236}">
-                <a16:creationId xmlns:a16="http://schemas.microsoft.com/office/drawing/2014/main" id="{CEA0059B-6D70-AFC2-8A07-439751D4EE13}"/>
-              </a:ext>
-            </a:extLst>
-          </p:cNvPr>
-          <p:cNvSpPr>
-            <a:spLocks noGrp="1"/>
-          </p:cNvSpPr>
-          <p:nvPr>
-            <p:ph idx="1"/>
-          </p:nvPr>
-        </p:nvSpPr>
-        <p:spPr>
-          <a:xfrm>
-            <a:off x="9551324" y="1709775"/>
-            <a:ext cx="2351303" cy="4909779"/>
-          </a:xfrm>
-        </p:spPr>
-        <p:txBody>
-          <a:bodyPr>
-            <a:noAutofit/>
-          </a:bodyPr>
-          <a:lstStyle/>
-          <a:p>
-            <a:pPr marL="342891" indent="-342891">
-              <a:spcBef>
-                <a:spcPts val="600"/>
-              </a:spcBef>
-              <a:buFont typeface="+mj-lt"/>
-              <a:buAutoNum type="arabicParenBoth"/>
-            </a:pPr>
-            <a:r>
-              <a:rPr lang="en-US" sz="2000" dirty="0"/>
-              <a:t>Vertical dotted lines are the tagged symptoms.</a:t>
-            </a:r>
-          </a:p>
-          <a:p>
-            <a:pPr marL="342891" indent="-342891">
-              <a:spcBef>
-                <a:spcPts val="600"/>
-              </a:spcBef>
-              <a:buFont typeface="+mj-lt"/>
-              <a:buAutoNum type="arabicParenBoth"/>
-            </a:pPr>
-            <a:r>
-              <a:rPr lang="en-US" sz="2000" dirty="0"/>
-              <a:t>Once the symptom is selected, the user can add all the details.</a:t>
-            </a:r>
-          </a:p>
-          <a:p>
-            <a:pPr marL="0" indent="0">
-              <a:spcBef>
-                <a:spcPts val="600"/>
-              </a:spcBef>
-              <a:buNone/>
-            </a:pPr>
-            <a:endParaRPr lang="en-IE" sz="2000" dirty="0"/>
-          </a:p>
-          <a:p>
-            <a:pPr marL="0" indent="0">
-              <a:spcBef>
-                <a:spcPts val="600"/>
-              </a:spcBef>
-              <a:buNone/>
-            </a:pPr>
-            <a:r>
-              <a:rPr lang="en-IE" sz="2000" dirty="0"/>
-              <a:t>Once the symptom is defined it gets submitted to Antagonist.</a:t>
-            </a:r>
-          </a:p>
-          <a:p>
-            <a:pPr marL="0" indent="0">
-              <a:spcBef>
-                <a:spcPts val="600"/>
-              </a:spcBef>
-              <a:buNone/>
-            </a:pPr>
-            <a:endParaRPr lang="en-US" sz="1700" dirty="0"/>
-          </a:p>
-        </p:txBody>
-      </p:sp>
-      <p:sp>
-        <p:nvSpPr>
-          <p:cNvPr id="13" name="Oval 12">
-            <a:extLst>
-              <a:ext uri="{FF2B5EF4-FFF2-40B4-BE49-F238E27FC236}">
-                <a16:creationId xmlns:a16="http://schemas.microsoft.com/office/drawing/2014/main" id="{918BF999-BD74-E832-A8D8-655406290B54}"/>
-              </a:ext>
-            </a:extLst>
-          </p:cNvPr>
-          <p:cNvSpPr/>
-          <p:nvPr/>
-        </p:nvSpPr>
-        <p:spPr>
-          <a:xfrm>
-            <a:off x="4011423" y="2569546"/>
-            <a:ext cx="442128" cy="450684"/>
-          </a:xfrm>
-          <a:prstGeom prst="ellipse">
-            <a:avLst/>
-          </a:prstGeom>
-          <a:solidFill>
-            <a:srgbClr val="FFFFFF"/>
-          </a:solidFill>
-          <a:ln w="25400" cap="flat">
-            <a:solidFill>
-              <a:schemeClr val="accent1"/>
-            </a:solidFill>
-            <a:prstDash val="solid"/>
-            <a:round/>
-          </a:ln>
-          <a:effectLst>
-            <a:outerShdw blurRad="38100" dist="23000" dir="5400000" rotWithShape="0">
-              <a:srgbClr val="000000">
-                <a:alpha val="35000"/>
-              </a:srgbClr>
-            </a:outerShdw>
-          </a:effectLst>
-          <a:sp3d/>
-        </p:spPr>
-        <p:style>
-          <a:lnRef idx="0">
-            <a:scrgbClr r="0" g="0" b="0"/>
-          </a:lnRef>
-          <a:fillRef idx="0">
-            <a:scrgbClr r="0" g="0" b="0"/>
-          </a:fillRef>
-          <a:effectRef idx="0">
-            <a:scrgbClr r="0" g="0" b="0"/>
-          </a:effectRef>
-          <a:fontRef idx="none"/>
-        </p:style>
-        <p:txBody>
-          <a:bodyPr rot="0" spcFirstLastPara="1" vertOverflow="overflow" horzOverflow="overflow" vert="horz" wrap="square" lIns="60959" tIns="60959" rIns="60959" bIns="60959" numCol="1" spcCol="38100" rtlCol="0" anchor="ctr">
-            <a:noAutofit/>
-          </a:bodyPr>
-          <a:lstStyle/>
-          <a:p>
-            <a:pPr defTabSz="609585" hangingPunct="0"/>
-            <a:r>
-              <a:rPr lang="en-IE" sz="2400" dirty="0">
-                <a:solidFill>
-                  <a:srgbClr val="000000"/>
-                </a:solidFill>
-                <a:latin typeface="+mj-lt"/>
-                <a:ea typeface="+mj-ea"/>
-                <a:cs typeface="+mj-cs"/>
-                <a:sym typeface="Calibri"/>
-              </a:rPr>
-              <a:t>1</a:t>
-            </a:r>
-            <a:endParaRPr lang="en-US" sz="2400" dirty="0">
-              <a:solidFill>
-                <a:srgbClr val="000000"/>
-              </a:solidFill>
-              <a:latin typeface="+mj-lt"/>
-              <a:ea typeface="+mj-ea"/>
-              <a:cs typeface="+mj-cs"/>
-              <a:sym typeface="Calibri"/>
-            </a:endParaRPr>
-          </a:p>
-        </p:txBody>
-      </p:sp>
-      <p:sp>
-        <p:nvSpPr>
-          <p:cNvPr id="14" name="Oval 13">
-            <a:extLst>
-              <a:ext uri="{FF2B5EF4-FFF2-40B4-BE49-F238E27FC236}">
-                <a16:creationId xmlns:a16="http://schemas.microsoft.com/office/drawing/2014/main" id="{C1061DBB-8620-9FE7-7026-E53032794629}"/>
-              </a:ext>
-            </a:extLst>
-          </p:cNvPr>
-          <p:cNvSpPr/>
-          <p:nvPr/>
-        </p:nvSpPr>
-        <p:spPr>
-          <a:xfrm>
-            <a:off x="8658695" y="2109742"/>
-            <a:ext cx="442128" cy="450684"/>
-          </a:xfrm>
-          <a:prstGeom prst="ellipse">
-            <a:avLst/>
-          </a:prstGeom>
-          <a:solidFill>
-            <a:srgbClr val="FFFFFF"/>
-          </a:solidFill>
-          <a:ln w="25400" cap="flat">
-            <a:solidFill>
-              <a:schemeClr val="accent1"/>
-            </a:solidFill>
-            <a:prstDash val="solid"/>
-            <a:round/>
-          </a:ln>
-          <a:effectLst>
-            <a:outerShdw blurRad="38100" dist="23000" dir="5400000" rotWithShape="0">
-              <a:srgbClr val="000000">
-                <a:alpha val="35000"/>
-              </a:srgbClr>
-            </a:outerShdw>
-          </a:effectLst>
-          <a:sp3d/>
-        </p:spPr>
-        <p:style>
-          <a:lnRef idx="0">
-            <a:scrgbClr r="0" g="0" b="0"/>
-          </a:lnRef>
-          <a:fillRef idx="0">
-            <a:scrgbClr r="0" g="0" b="0"/>
-          </a:fillRef>
-          <a:effectRef idx="0">
-            <a:scrgbClr r="0" g="0" b="0"/>
-          </a:effectRef>
-          <a:fontRef idx="none"/>
-        </p:style>
-        <p:txBody>
-          <a:bodyPr rot="0" spcFirstLastPara="1" vertOverflow="overflow" horzOverflow="overflow" vert="horz" wrap="square" lIns="60959" tIns="60959" rIns="60959" bIns="60959" numCol="1" spcCol="38100" rtlCol="0" anchor="ctr">
-            <a:noAutofit/>
-          </a:bodyPr>
-          <a:lstStyle/>
-          <a:p>
-            <a:pPr defTabSz="609585" hangingPunct="0"/>
-            <a:r>
-              <a:rPr lang="en-IE" sz="2400" dirty="0">
-                <a:solidFill>
-                  <a:srgbClr val="000000"/>
-                </a:solidFill>
-                <a:latin typeface="+mj-lt"/>
-                <a:ea typeface="+mj-ea"/>
-                <a:cs typeface="+mj-cs"/>
-                <a:sym typeface="Calibri"/>
-              </a:rPr>
-              <a:t>2</a:t>
-            </a:r>
-            <a:endParaRPr lang="en-US" sz="2400" dirty="0">
-              <a:solidFill>
-                <a:srgbClr val="000000"/>
-              </a:solidFill>
-              <a:latin typeface="+mj-lt"/>
-              <a:ea typeface="+mj-ea"/>
-              <a:cs typeface="+mj-cs"/>
-              <a:sym typeface="Calibri"/>
-            </a:endParaRPr>
-          </a:p>
-        </p:txBody>
-      </p:sp>
-    </p:spTree>
-    <p:extLst>
-      <p:ext uri="{BB962C8B-B14F-4D97-AF65-F5344CB8AC3E}">
-        <p14:creationId xmlns:p14="http://schemas.microsoft.com/office/powerpoint/2010/main" val="2023612808"/>
-      </p:ext>
-    </p:extLst>
-  </p:cSld>
-  <p:clrMapOvr>
-    <a:masterClrMapping/>
-  </p:clrMapOvr>
-</p:sld>
-</file>
-
-<file path=ppt/slides/slide16.xml><?xml version="1.0" encoding="utf-8"?>
-<p:sld xmlns:a="http://schemas.openxmlformats.org/drawingml/2006/main" xmlns:r="http://schemas.openxmlformats.org/officeDocument/2006/relationships" xmlns:p="http://schemas.openxmlformats.org/presentationml/2006/main">
-  <p:cSld>
-    <p:spTree>
-      <p:nvGrpSpPr>
-        <p:cNvPr id="1" name=""/>
-        <p:cNvGrpSpPr/>
-        <p:nvPr/>
-      </p:nvGrpSpPr>
-      <p:grpSpPr>
-        <a:xfrm>
-          <a:off x="0" y="0"/>
-          <a:ext cx="0" cy="0"/>
-          <a:chOff x="0" y="0"/>
-          <a:chExt cx="0" cy="0"/>
-        </a:xfrm>
-      </p:grpSpPr>
-      <p:sp>
-        <p:nvSpPr>
           <p:cNvPr id="50" name="Rectangle 49">
             <a:extLst>
               <a:ext uri="{FF2B5EF4-FFF2-40B4-BE49-F238E27FC236}">
@@ -9493,7 +9305,7 @@
           <a:p>
             <a:fld id="{FC4AC485-25DE-431E-B345-9C0A15BB7F8A}" type="slidenum">
               <a:rPr lang="de-CH" sz="1400" smtClean="0"/>
-              <a:t>16</a:t>
+              <a:t>15</a:t>
             </a:fld>
             <a:endParaRPr lang="de-CH" sz="1400" dirty="0"/>
           </a:p>
@@ -10912,6 +10724,197 @@
 </p:sld>
 </file>
 
+<file path=ppt/slides/slide16.xml><?xml version="1.0" encoding="utf-8"?>
+<p:sld xmlns:a="http://schemas.openxmlformats.org/drawingml/2006/main" xmlns:r="http://schemas.openxmlformats.org/officeDocument/2006/relationships" xmlns:p="http://schemas.openxmlformats.org/presentationml/2006/main">
+  <p:cSld>
+    <p:spTree>
+      <p:nvGrpSpPr>
+        <p:cNvPr id="1" name=""/>
+        <p:cNvGrpSpPr/>
+        <p:nvPr/>
+      </p:nvGrpSpPr>
+      <p:grpSpPr>
+        <a:xfrm>
+          <a:off x="0" y="0"/>
+          <a:ext cx="0" cy="0"/>
+          <a:chOff x="0" y="0"/>
+          <a:chExt cx="0" cy="0"/>
+        </a:xfrm>
+      </p:grpSpPr>
+      <p:sp>
+        <p:nvSpPr>
+          <p:cNvPr id="11" name="Slide Number Placeholder 1">
+            <a:extLst>
+              <a:ext uri="{FF2B5EF4-FFF2-40B4-BE49-F238E27FC236}">
+                <a16:creationId xmlns:a16="http://schemas.microsoft.com/office/drawing/2014/main" id="{512B43D3-8F19-488A-8D0D-979DD7EC8E7E}"/>
+              </a:ext>
+            </a:extLst>
+          </p:cNvPr>
+          <p:cNvSpPr>
+            <a:spLocks noGrp="1"/>
+          </p:cNvSpPr>
+          <p:nvPr>
+            <p:ph type="sldNum" sz="quarter" idx="12"/>
+          </p:nvPr>
+        </p:nvSpPr>
+        <p:spPr>
+          <a:xfrm>
+            <a:off x="11587892" y="6361637"/>
+            <a:ext cx="414251" cy="365125"/>
+          </a:xfrm>
+        </p:spPr>
+        <p:txBody>
+          <a:bodyPr/>
+          <a:lstStyle/>
+          <a:p>
+            <a:fld id="{FC4AC485-25DE-431E-B345-9C0A15BB7F8A}" type="slidenum">
+              <a:rPr lang="de-CH" sz="1400" smtClean="0"/>
+              <a:t>16</a:t>
+            </a:fld>
+            <a:endParaRPr lang="de-CH" sz="1400" dirty="0"/>
+          </a:p>
+        </p:txBody>
+      </p:sp>
+      <p:sp>
+        <p:nvSpPr>
+          <p:cNvPr id="6" name="Title 1">
+            <a:extLst>
+              <a:ext uri="{FF2B5EF4-FFF2-40B4-BE49-F238E27FC236}">
+                <a16:creationId xmlns:a16="http://schemas.microsoft.com/office/drawing/2014/main" id="{ABB61075-2877-B162-7D8F-97EC17B8DF39}"/>
+              </a:ext>
+            </a:extLst>
+          </p:cNvPr>
+          <p:cNvSpPr>
+            <a:spLocks noGrp="1"/>
+          </p:cNvSpPr>
+          <p:nvPr>
+            <p:ph type="title"/>
+          </p:nvPr>
+        </p:nvSpPr>
+        <p:spPr>
+          <a:xfrm>
+            <a:off x="838200" y="365125"/>
+            <a:ext cx="10515600" cy="1325563"/>
+          </a:xfrm>
+        </p:spPr>
+        <p:txBody>
+          <a:bodyPr>
+            <a:normAutofit/>
+          </a:bodyPr>
+          <a:lstStyle/>
+          <a:p>
+            <a:r>
+              <a:rPr lang="en-US" sz="2800" b="1" dirty="0"/>
+              <a:t>IETF 119 Hackathon – Antagonist</a:t>
+            </a:r>
+            <a:br>
+              <a:rPr lang="en-US" sz="3600" dirty="0"/>
+            </a:br>
+            <a:r>
+              <a:rPr lang="en-US" sz="2700" dirty="0">
+                <a:solidFill>
+                  <a:schemeClr val="bg2">
+                    <a:lumMod val="75000"/>
+                  </a:schemeClr>
+                </a:solidFill>
+              </a:rPr>
+              <a:t>Labelling a Symptom on Time Series</a:t>
+            </a:r>
+            <a:endParaRPr lang="en-US" sz="2700" dirty="0">
+              <a:solidFill>
+                <a:srgbClr val="FF0000"/>
+              </a:solidFill>
+            </a:endParaRPr>
+          </a:p>
+        </p:txBody>
+      </p:sp>
+      <p:sp>
+        <p:nvSpPr>
+          <p:cNvPr id="12" name="Content Placeholder 2">
+            <a:extLst>
+              <a:ext uri="{FF2B5EF4-FFF2-40B4-BE49-F238E27FC236}">
+                <a16:creationId xmlns:a16="http://schemas.microsoft.com/office/drawing/2014/main" id="{CEA0059B-6D70-AFC2-8A07-439751D4EE13}"/>
+              </a:ext>
+            </a:extLst>
+          </p:cNvPr>
+          <p:cNvSpPr>
+            <a:spLocks noGrp="1"/>
+          </p:cNvSpPr>
+          <p:nvPr>
+            <p:ph idx="1"/>
+          </p:nvPr>
+        </p:nvSpPr>
+        <p:spPr>
+          <a:xfrm>
+            <a:off x="838150" y="6492875"/>
+            <a:ext cx="10515600" cy="365125"/>
+          </a:xfrm>
+        </p:spPr>
+        <p:txBody>
+          <a:bodyPr>
+            <a:noAutofit/>
+          </a:bodyPr>
+          <a:lstStyle/>
+          <a:p>
+            <a:pPr marL="0" indent="0">
+              <a:spcBef>
+                <a:spcPts val="600"/>
+              </a:spcBef>
+              <a:buNone/>
+            </a:pPr>
+            <a:r>
+              <a:rPr lang="en-IE" sz="2000" b="1" i="1" dirty="0"/>
+              <a:t>When symptoms are tagged, they get submitted to Antagonist</a:t>
+            </a:r>
+          </a:p>
+        </p:txBody>
+      </p:sp>
+      <p:pic>
+        <p:nvPicPr>
+          <p:cNvPr id="8" name="Google Shape;54;p13">
+            <a:extLst>
+              <a:ext uri="{FF2B5EF4-FFF2-40B4-BE49-F238E27FC236}">
+                <a16:creationId xmlns:a16="http://schemas.microsoft.com/office/drawing/2014/main" id="{3AA7EA0A-6F91-4F3F-90A6-6CCDFF2CFF68}"/>
+              </a:ext>
+            </a:extLst>
+          </p:cNvPr>
+          <p:cNvPicPr preferRelativeResize="0"/>
+          <p:nvPr/>
+        </p:nvPicPr>
+        <p:blipFill rotWithShape="1">
+          <a:blip r:embed="rId2">
+            <a:alphaModFix/>
+          </a:blip>
+          <a:srcRect r="799"/>
+          <a:stretch/>
+        </p:blipFill>
+        <p:spPr>
+          <a:xfrm>
+            <a:off x="838149" y="1507696"/>
+            <a:ext cx="10515651" cy="4985179"/>
+          </a:xfrm>
+          <a:prstGeom prst="rect">
+            <a:avLst/>
+          </a:prstGeom>
+          <a:noFill/>
+          <a:ln>
+            <a:noFill/>
+          </a:ln>
+        </p:spPr>
+      </p:pic>
+    </p:spTree>
+    <p:extLst>
+      <p:ext uri="{BB962C8B-B14F-4D97-AF65-F5344CB8AC3E}">
+        <p14:creationId xmlns:p14="http://schemas.microsoft.com/office/powerpoint/2010/main" val="2023612808"/>
+      </p:ext>
+    </p:extLst>
+  </p:cSld>
+  <p:clrMapOvr>
+    <a:masterClrMapping/>
+  </p:clrMapOvr>
+</p:sld>
+</file>
+
 <file path=ppt/slides/slide17.xml><?xml version="1.0" encoding="utf-8"?>
 <p:sld xmlns:a="http://schemas.openxmlformats.org/drawingml/2006/main" xmlns:r="http://schemas.openxmlformats.org/officeDocument/2006/relationships" xmlns:p="http://schemas.openxmlformats.org/presentationml/2006/main">
   <p:cSld>
@@ -10931,10 +10934,44 @@
       </p:grpSpPr>
       <p:sp>
         <p:nvSpPr>
-          <p:cNvPr id="2" name="Title 1">
-            <a:extLst>
-              <a:ext uri="{FF2B5EF4-FFF2-40B4-BE49-F238E27FC236}">
-                <a16:creationId xmlns:a16="http://schemas.microsoft.com/office/drawing/2014/main" id="{25E128EF-B7D5-4755-A6C7-5AB618798EBF}"/>
+          <p:cNvPr id="11" name="Slide Number Placeholder 1">
+            <a:extLst>
+              <a:ext uri="{FF2B5EF4-FFF2-40B4-BE49-F238E27FC236}">
+                <a16:creationId xmlns:a16="http://schemas.microsoft.com/office/drawing/2014/main" id="{512B43D3-8F19-488A-8D0D-979DD7EC8E7E}"/>
+              </a:ext>
+            </a:extLst>
+          </p:cNvPr>
+          <p:cNvSpPr>
+            <a:spLocks noGrp="1"/>
+          </p:cNvSpPr>
+          <p:nvPr>
+            <p:ph type="sldNum" sz="quarter" idx="12"/>
+          </p:nvPr>
+        </p:nvSpPr>
+        <p:spPr>
+          <a:xfrm>
+            <a:off x="11587892" y="6361637"/>
+            <a:ext cx="414251" cy="365125"/>
+          </a:xfrm>
+        </p:spPr>
+        <p:txBody>
+          <a:bodyPr/>
+          <a:lstStyle/>
+          <a:p>
+            <a:fld id="{FC4AC485-25DE-431E-B345-9C0A15BB7F8A}" type="slidenum">
+              <a:rPr lang="de-CH" sz="1400" smtClean="0"/>
+              <a:t>17</a:t>
+            </a:fld>
+            <a:endParaRPr lang="de-CH" sz="1400" dirty="0"/>
+          </a:p>
+        </p:txBody>
+      </p:sp>
+      <p:sp>
+        <p:nvSpPr>
+          <p:cNvPr id="6" name="Title 1">
+            <a:extLst>
+              <a:ext uri="{FF2B5EF4-FFF2-40B4-BE49-F238E27FC236}">
+                <a16:creationId xmlns:a16="http://schemas.microsoft.com/office/drawing/2014/main" id="{ABB61075-2877-B162-7D8F-97EC17B8DF39}"/>
               </a:ext>
             </a:extLst>
           </p:cNvPr>
@@ -10945,25 +10982,49 @@
             <p:ph type="title"/>
           </p:nvPr>
         </p:nvSpPr>
-        <p:spPr/>
+        <p:spPr>
+          <a:xfrm>
+            <a:off x="838200" y="365125"/>
+            <a:ext cx="10515600" cy="1325563"/>
+          </a:xfrm>
+        </p:spPr>
         <p:txBody>
-          <a:bodyPr/>
+          <a:bodyPr>
+            <a:normAutofit/>
+          </a:bodyPr>
           <a:lstStyle/>
           <a:p>
             <a:r>
-              <a:rPr lang="en-IE" dirty="0"/>
-              <a:t>Add Screenshot from Antagonist Frontend</a:t>
-            </a:r>
-            <a:endParaRPr lang="en-US" dirty="0"/>
+              <a:rPr lang="en-US" sz="2800" b="1" dirty="0"/>
+              <a:t>IETF 119 Hackathon – Antagonist</a:t>
+            </a:r>
+            <a:br>
+              <a:rPr lang="en-US" sz="3600" dirty="0"/>
+            </a:br>
+            <a:r>
+              <a:rPr lang="en-US" sz="2700" dirty="0">
+                <a:solidFill>
+                  <a:schemeClr val="bg2">
+                    <a:lumMod val="75000"/>
+                  </a:schemeClr>
+                </a:solidFill>
+              </a:rPr>
+              <a:t>Labelling a Network Anomalies on Time Series</a:t>
+            </a:r>
+            <a:endParaRPr lang="en-US" sz="2700" dirty="0">
+              <a:solidFill>
+                <a:srgbClr val="FF0000"/>
+              </a:solidFill>
+            </a:endParaRPr>
           </a:p>
         </p:txBody>
       </p:sp>
       <p:sp>
         <p:nvSpPr>
-          <p:cNvPr id="3" name="Content Placeholder 2">
-            <a:extLst>
-              <a:ext uri="{FF2B5EF4-FFF2-40B4-BE49-F238E27FC236}">
-                <a16:creationId xmlns:a16="http://schemas.microsoft.com/office/drawing/2014/main" id="{8097EE7C-71D6-47C1-AC1E-1FD5EBFECBD4}"/>
+          <p:cNvPr id="12" name="Content Placeholder 2">
+            <a:extLst>
+              <a:ext uri="{FF2B5EF4-FFF2-40B4-BE49-F238E27FC236}">
+                <a16:creationId xmlns:a16="http://schemas.microsoft.com/office/drawing/2014/main" id="{CEA0059B-6D70-AFC2-8A07-439751D4EE13}"/>
               </a:ext>
             </a:extLst>
           </p:cNvPr>
@@ -10974,19 +11035,68 @@
             <p:ph idx="1"/>
           </p:nvPr>
         </p:nvSpPr>
-        <p:spPr/>
+        <p:spPr>
+          <a:xfrm>
+            <a:off x="868138" y="6441945"/>
+            <a:ext cx="10326032" cy="284817"/>
+          </a:xfrm>
+        </p:spPr>
         <p:txBody>
-          <a:bodyPr/>
+          <a:bodyPr>
+            <a:noAutofit/>
+          </a:bodyPr>
           <a:lstStyle/>
           <a:p>
-            <a:endParaRPr lang="en-US"/>
+            <a:pPr marL="0" indent="0">
+              <a:spcBef>
+                <a:spcPts val="600"/>
+              </a:spcBef>
+              <a:buNone/>
+            </a:pPr>
+            <a:r>
+              <a:rPr lang="en-IE" sz="2000" b="1" i="1" dirty="0"/>
+              <a:t>When Network Anomalies are tagged, they get submitted to Antagonist</a:t>
+            </a:r>
           </a:p>
         </p:txBody>
       </p:sp>
+      <p:pic>
+        <p:nvPicPr>
+          <p:cNvPr id="9" name="Google Shape;59;p14">
+            <a:extLst>
+              <a:ext uri="{FF2B5EF4-FFF2-40B4-BE49-F238E27FC236}">
+                <a16:creationId xmlns:a16="http://schemas.microsoft.com/office/drawing/2014/main" id="{3972FB32-0314-4F02-931D-2FBE310A490A}"/>
+              </a:ext>
+            </a:extLst>
+          </p:cNvPr>
+          <p:cNvPicPr preferRelativeResize="0"/>
+          <p:nvPr/>
+        </p:nvPicPr>
+        <p:blipFill rotWithShape="1">
+          <a:blip r:embed="rId2">
+            <a:alphaModFix/>
+          </a:blip>
+          <a:srcRect r="1517"/>
+          <a:stretch/>
+        </p:blipFill>
+        <p:spPr>
+          <a:xfrm>
+            <a:off x="850900" y="1516055"/>
+            <a:ext cx="10355970" cy="4909082"/>
+          </a:xfrm>
+          <a:prstGeom prst="rect">
+            <a:avLst/>
+          </a:prstGeom>
+          <a:noFill/>
+          <a:ln>
+            <a:noFill/>
+          </a:ln>
+        </p:spPr>
+      </p:pic>
     </p:spTree>
     <p:extLst>
       <p:ext uri="{BB962C8B-B14F-4D97-AF65-F5344CB8AC3E}">
-        <p14:creationId xmlns:p14="http://schemas.microsoft.com/office/powerpoint/2010/main" val="1260544068"/>
+        <p14:creationId xmlns:p14="http://schemas.microsoft.com/office/powerpoint/2010/main" val="1325207932"/>
       </p:ext>
     </p:extLst>
   </p:cSld>
@@ -11015,497 +11125,10 @@
       </p:grpSpPr>
       <p:sp>
         <p:nvSpPr>
-          <p:cNvPr id="2" name="Title 1">
-            <a:extLst>
-              <a:ext uri="{FF2B5EF4-FFF2-40B4-BE49-F238E27FC236}">
-                <a16:creationId xmlns:a16="http://schemas.microsoft.com/office/drawing/2014/main" id="{FF20F271-6F0D-4AC0-BB1D-F5C338165C13}"/>
-              </a:ext>
-            </a:extLst>
-          </p:cNvPr>
-          <p:cNvSpPr>
-            <a:spLocks noGrp="1"/>
-          </p:cNvSpPr>
-          <p:nvPr>
-            <p:ph type="title"/>
-          </p:nvPr>
-        </p:nvSpPr>
-        <p:spPr/>
-        <p:txBody>
-          <a:bodyPr>
-            <a:normAutofit/>
-          </a:bodyPr>
-          <a:lstStyle/>
-          <a:p>
-            <a:r>
-              <a:rPr lang="en-US" sz="2800" b="1" dirty="0"/>
-              <a:t>Semantic Metadata Annotation for Network Anomaly Detection</a:t>
-            </a:r>
-            <a:br>
-              <a:rPr lang="en-GB" sz="3600" dirty="0"/>
-            </a:br>
-            <a:r>
-              <a:rPr lang="en-US" sz="2700" dirty="0">
-                <a:solidFill>
-                  <a:schemeClr val="bg2">
-                    <a:lumMod val="75000"/>
-                  </a:schemeClr>
-                </a:solidFill>
-              </a:rPr>
-              <a:t>Next steps</a:t>
-            </a:r>
-          </a:p>
-        </p:txBody>
-      </p:sp>
-      <p:sp>
-        <p:nvSpPr>
-          <p:cNvPr id="3" name="Content Placeholder 2">
-            <a:extLst>
-              <a:ext uri="{FF2B5EF4-FFF2-40B4-BE49-F238E27FC236}">
-                <a16:creationId xmlns:a16="http://schemas.microsoft.com/office/drawing/2014/main" id="{29C0DFD4-432D-4B0C-93DF-790441DCF5B9}"/>
-              </a:ext>
-            </a:extLst>
-          </p:cNvPr>
-          <p:cNvSpPr>
-            <a:spLocks noGrp="1"/>
-          </p:cNvSpPr>
-          <p:nvPr>
-            <p:ph idx="1"/>
-          </p:nvPr>
-        </p:nvSpPr>
-        <p:spPr>
-          <a:xfrm>
-            <a:off x="838199" y="1884420"/>
-            <a:ext cx="8560325" cy="4292543"/>
-          </a:xfrm>
-        </p:spPr>
-        <p:txBody>
-          <a:bodyPr>
-            <a:noAutofit/>
-          </a:bodyPr>
-          <a:lstStyle/>
-          <a:p>
-            <a:r>
-              <a:rPr lang="en-US" sz="2000" b="1" dirty="0">
-                <a:solidFill>
-                  <a:srgbClr val="FF0000"/>
-                </a:solidFill>
-              </a:rPr>
-              <a:t>This work relates to the Network Anomaly Detection topic in the NMOP charter. </a:t>
-            </a:r>
-          </a:p>
-          <a:p>
-            <a:r>
-              <a:rPr lang="en-US" sz="2000" dirty="0"/>
-              <a:t>It bridges network and data engineering, operator, vendors and academia, domains by having the </a:t>
-            </a:r>
-            <a:r>
-              <a:rPr lang="en-US" sz="2000" b="1" dirty="0"/>
-              <a:t>semantics and ontology of network symptoms for operational and analytical data defined</a:t>
-            </a:r>
-            <a:r>
-              <a:rPr lang="en-US" sz="2000" dirty="0"/>
-              <a:t>.</a:t>
-            </a:r>
-          </a:p>
-          <a:p>
-            <a:r>
-              <a:rPr lang="en-US" sz="2000" dirty="0"/>
-              <a:t>This work will unveil what is missing in Network Telemetry data and provide input to other documents such as draft-</a:t>
-            </a:r>
-            <a:r>
-              <a:rPr lang="en-US" sz="2000" dirty="0" err="1"/>
-              <a:t>davis</a:t>
-            </a:r>
-            <a:r>
-              <a:rPr lang="en-US" sz="2000" dirty="0"/>
-              <a:t>-</a:t>
-            </a:r>
-            <a:r>
-              <a:rPr lang="en-US" sz="2000" dirty="0" err="1"/>
-              <a:t>nmop</a:t>
-            </a:r>
-            <a:r>
-              <a:rPr lang="en-US" sz="2000" dirty="0"/>
-              <a:t>-incident-terminology to enable a more detailed and holistic view for networks.</a:t>
-            </a:r>
-            <a:endParaRPr lang="en-US" sz="2000" b="1" dirty="0"/>
-          </a:p>
-          <a:p>
-            <a:r>
-              <a:rPr lang="en-US" sz="2000" b="1" dirty="0"/>
-              <a:t>Do you realize the benefit of having standardized semantic metadata annotation for Network Anomaly Detection and how it helps network operators, vendor and academia to collaborate?</a:t>
-            </a:r>
-          </a:p>
-          <a:p>
-            <a:r>
-              <a:rPr lang="en-US" sz="2000" b="1" dirty="0">
-                <a:solidFill>
-                  <a:srgbClr val="FF0000"/>
-                </a:solidFill>
-              </a:rPr>
-              <a:t>-&gt; What are your thoughts and comments?</a:t>
-            </a:r>
-            <a:endParaRPr lang="en-US" sz="2000" dirty="0">
-              <a:solidFill>
-                <a:srgbClr val="FF0000"/>
-              </a:solidFill>
-            </a:endParaRPr>
-          </a:p>
-          <a:p>
-            <a:r>
-              <a:rPr lang="en-US" sz="2000" b="1" dirty="0">
-                <a:solidFill>
-                  <a:srgbClr val="FF0000"/>
-                </a:solidFill>
-              </a:rPr>
-              <a:t>-&gt; We request NMOP working group adoption.</a:t>
-            </a:r>
-          </a:p>
-        </p:txBody>
-      </p:sp>
-      <p:sp>
-        <p:nvSpPr>
-          <p:cNvPr id="7" name="Subtitle 4">
-            <a:extLst>
-              <a:ext uri="{FF2B5EF4-FFF2-40B4-BE49-F238E27FC236}">
-                <a16:creationId xmlns:a16="http://schemas.microsoft.com/office/drawing/2014/main" id="{BF6DCC5D-2508-4A9B-B734-C8C5147F93FB}"/>
-              </a:ext>
-            </a:extLst>
-          </p:cNvPr>
-          <p:cNvSpPr txBox="1">
-            <a:spLocks/>
-          </p:cNvSpPr>
-          <p:nvPr/>
-        </p:nvSpPr>
-        <p:spPr>
-          <a:xfrm>
-            <a:off x="838200" y="5328459"/>
-            <a:ext cx="11163943" cy="1033178"/>
-          </a:xfrm>
-          <a:prstGeom prst="rect">
-            <a:avLst/>
-          </a:prstGeom>
-        </p:spPr>
-        <p:txBody>
-          <a:bodyPr vert="horz" lIns="91440" tIns="45720" rIns="91440" bIns="45720" rtlCol="0">
-            <a:normAutofit fontScale="32500" lnSpcReduction="20000"/>
-          </a:bodyPr>
-          <a:lstStyle>
-            <a:lvl1pPr marL="228600" indent="-228600" algn="l" defTabSz="914400" rtl="0" eaLnBrk="1" latinLnBrk="0" hangingPunct="1">
-              <a:lnSpc>
-                <a:spcPct val="90000"/>
-              </a:lnSpc>
-              <a:spcBef>
-                <a:spcPts val="1000"/>
-              </a:spcBef>
-              <a:buFont typeface="Arial" panose="020B0604020202020204" pitchFamily="34" charset="0"/>
-              <a:buChar char="•"/>
-              <a:defRPr sz="2800" kern="1200">
-                <a:solidFill>
-                  <a:schemeClr val="tx1"/>
-                </a:solidFill>
-                <a:latin typeface="+mn-lt"/>
-                <a:ea typeface="+mn-ea"/>
-                <a:cs typeface="+mn-cs"/>
-              </a:defRPr>
-            </a:lvl1pPr>
-            <a:lvl2pPr marL="685800" indent="-228600" algn="l" defTabSz="914400" rtl="0" eaLnBrk="1" latinLnBrk="0" hangingPunct="1">
-              <a:lnSpc>
-                <a:spcPct val="90000"/>
-              </a:lnSpc>
-              <a:spcBef>
-                <a:spcPts val="500"/>
-              </a:spcBef>
-              <a:buFont typeface="Arial" panose="020B0604020202020204" pitchFamily="34" charset="0"/>
-              <a:buChar char="•"/>
-              <a:defRPr sz="2400" kern="1200">
-                <a:solidFill>
-                  <a:schemeClr val="tx1"/>
-                </a:solidFill>
-                <a:latin typeface="+mn-lt"/>
-                <a:ea typeface="+mn-ea"/>
-                <a:cs typeface="+mn-cs"/>
-              </a:defRPr>
-            </a:lvl2pPr>
-            <a:lvl3pPr marL="1143000" indent="-228600" algn="l" defTabSz="914400" rtl="0" eaLnBrk="1" latinLnBrk="0" hangingPunct="1">
-              <a:lnSpc>
-                <a:spcPct val="90000"/>
-              </a:lnSpc>
-              <a:spcBef>
-                <a:spcPts val="500"/>
-              </a:spcBef>
-              <a:buFont typeface="Arial" panose="020B0604020202020204" pitchFamily="34" charset="0"/>
-              <a:buChar char="•"/>
-              <a:defRPr sz="2000" kern="1200">
-                <a:solidFill>
-                  <a:schemeClr val="tx1"/>
-                </a:solidFill>
-                <a:latin typeface="+mn-lt"/>
-                <a:ea typeface="+mn-ea"/>
-                <a:cs typeface="+mn-cs"/>
-              </a:defRPr>
-            </a:lvl3pPr>
-            <a:lvl4pPr marL="1600200" indent="-228600" algn="l" defTabSz="914400" rtl="0" eaLnBrk="1" latinLnBrk="0" hangingPunct="1">
-              <a:lnSpc>
-                <a:spcPct val="90000"/>
-              </a:lnSpc>
-              <a:spcBef>
-                <a:spcPts val="500"/>
-              </a:spcBef>
-              <a:buFont typeface="Arial" panose="020B0604020202020204" pitchFamily="34" charset="0"/>
-              <a:buChar char="•"/>
-              <a:defRPr sz="1800" kern="1200">
-                <a:solidFill>
-                  <a:schemeClr val="tx1"/>
-                </a:solidFill>
-                <a:latin typeface="+mn-lt"/>
-                <a:ea typeface="+mn-ea"/>
-                <a:cs typeface="+mn-cs"/>
-              </a:defRPr>
-            </a:lvl4pPr>
-            <a:lvl5pPr marL="2057400" indent="-228600" algn="l" defTabSz="914400" rtl="0" eaLnBrk="1" latinLnBrk="0" hangingPunct="1">
-              <a:lnSpc>
-                <a:spcPct val="90000"/>
-              </a:lnSpc>
-              <a:spcBef>
-                <a:spcPts val="500"/>
-              </a:spcBef>
-              <a:buFont typeface="Arial" panose="020B0604020202020204" pitchFamily="34" charset="0"/>
-              <a:buChar char="•"/>
-              <a:defRPr sz="1800" kern="1200">
-                <a:solidFill>
-                  <a:schemeClr val="tx1"/>
-                </a:solidFill>
-                <a:latin typeface="+mn-lt"/>
-                <a:ea typeface="+mn-ea"/>
-                <a:cs typeface="+mn-cs"/>
-              </a:defRPr>
-            </a:lvl5pPr>
-            <a:lvl6pPr marL="2514600" indent="-228600" algn="l" defTabSz="914400" rtl="0" eaLnBrk="1" latinLnBrk="0" hangingPunct="1">
-              <a:lnSpc>
-                <a:spcPct val="90000"/>
-              </a:lnSpc>
-              <a:spcBef>
-                <a:spcPts val="500"/>
-              </a:spcBef>
-              <a:buFont typeface="Arial" panose="020B0604020202020204" pitchFamily="34" charset="0"/>
-              <a:buChar char="•"/>
-              <a:defRPr sz="1800" kern="1200">
-                <a:solidFill>
-                  <a:schemeClr val="tx1"/>
-                </a:solidFill>
-                <a:latin typeface="+mn-lt"/>
-                <a:ea typeface="+mn-ea"/>
-                <a:cs typeface="+mn-cs"/>
-              </a:defRPr>
-            </a:lvl6pPr>
-            <a:lvl7pPr marL="2971800" indent="-228600" algn="l" defTabSz="914400" rtl="0" eaLnBrk="1" latinLnBrk="0" hangingPunct="1">
-              <a:lnSpc>
-                <a:spcPct val="90000"/>
-              </a:lnSpc>
-              <a:spcBef>
-                <a:spcPts val="500"/>
-              </a:spcBef>
-              <a:buFont typeface="Arial" panose="020B0604020202020204" pitchFamily="34" charset="0"/>
-              <a:buChar char="•"/>
-              <a:defRPr sz="1800" kern="1200">
-                <a:solidFill>
-                  <a:schemeClr val="tx1"/>
-                </a:solidFill>
-                <a:latin typeface="+mn-lt"/>
-                <a:ea typeface="+mn-ea"/>
-                <a:cs typeface="+mn-cs"/>
-              </a:defRPr>
-            </a:lvl7pPr>
-            <a:lvl8pPr marL="3429000" indent="-228600" algn="l" defTabSz="914400" rtl="0" eaLnBrk="1" latinLnBrk="0" hangingPunct="1">
-              <a:lnSpc>
-                <a:spcPct val="90000"/>
-              </a:lnSpc>
-              <a:spcBef>
-                <a:spcPts val="500"/>
-              </a:spcBef>
-              <a:buFont typeface="Arial" panose="020B0604020202020204" pitchFamily="34" charset="0"/>
-              <a:buChar char="•"/>
-              <a:defRPr sz="1800" kern="1200">
-                <a:solidFill>
-                  <a:schemeClr val="tx1"/>
-                </a:solidFill>
-                <a:latin typeface="+mn-lt"/>
-                <a:ea typeface="+mn-ea"/>
-                <a:cs typeface="+mn-cs"/>
-              </a:defRPr>
-            </a:lvl8pPr>
-            <a:lvl9pPr marL="3886200" indent="-228600" algn="l" defTabSz="914400" rtl="0" eaLnBrk="1" latinLnBrk="0" hangingPunct="1">
-              <a:lnSpc>
-                <a:spcPct val="90000"/>
-              </a:lnSpc>
-              <a:spcBef>
-                <a:spcPts val="500"/>
-              </a:spcBef>
-              <a:buFont typeface="Arial" panose="020B0604020202020204" pitchFamily="34" charset="0"/>
-              <a:buChar char="•"/>
-              <a:defRPr sz="1800" kern="1200">
-                <a:solidFill>
-                  <a:schemeClr val="tx1"/>
-                </a:solidFill>
-                <a:latin typeface="+mn-lt"/>
-                <a:ea typeface="+mn-ea"/>
-                <a:cs typeface="+mn-cs"/>
-              </a:defRPr>
-            </a:lvl9pPr>
-          </a:lstStyle>
-          <a:p>
-            <a:pPr marL="0" indent="0" algn="r">
-              <a:spcBef>
-                <a:spcPts val="300"/>
-              </a:spcBef>
-              <a:buNone/>
-              <a:defRPr sz="1782"/>
-            </a:pPr>
-            <a:r>
-              <a:rPr lang="de-CH" sz="2800" dirty="0">
-                <a:latin typeface="+mj-lt"/>
-              </a:rPr>
-              <a:t>thomas.graf@swisscom.com</a:t>
-            </a:r>
-            <a:br>
-              <a:rPr lang="de-CH" sz="2800" dirty="0">
-                <a:latin typeface="+mj-lt"/>
-              </a:rPr>
-            </a:br>
-            <a:r>
-              <a:rPr lang="de-CH" sz="2800" dirty="0">
-                <a:latin typeface="+mj-lt"/>
-              </a:rPr>
-              <a:t>wanting.du@swisscom.com</a:t>
-            </a:r>
-          </a:p>
-          <a:p>
-            <a:pPr marL="0" indent="0" algn="r">
-              <a:spcBef>
-                <a:spcPts val="300"/>
-              </a:spcBef>
-              <a:buNone/>
-              <a:defRPr sz="1782"/>
-            </a:pPr>
-            <a:r>
-              <a:rPr lang="de-CH" sz="2800" dirty="0">
-                <a:latin typeface="+mj-lt"/>
-              </a:rPr>
-              <a:t>alex.huang-feng@insa-lyon.fr</a:t>
-            </a:r>
-          </a:p>
-          <a:p>
-            <a:pPr marL="0" indent="0" algn="r">
-              <a:spcBef>
-                <a:spcPts val="300"/>
-              </a:spcBef>
-              <a:buNone/>
-              <a:defRPr sz="1782"/>
-            </a:pPr>
-            <a:r>
-              <a:rPr lang="de-CH" sz="2800" dirty="0">
-                <a:latin typeface="+mj-lt"/>
-              </a:rPr>
-              <a:t>vincenzo.riccobene@huawei-partners.com</a:t>
-            </a:r>
-          </a:p>
-          <a:p>
-            <a:pPr marL="0" indent="0" algn="r">
-              <a:spcBef>
-                <a:spcPts val="300"/>
-              </a:spcBef>
-              <a:buNone/>
-              <a:defRPr sz="1782"/>
-            </a:pPr>
-            <a:r>
-              <a:rPr lang="de-CH" sz="2800" dirty="0">
-                <a:latin typeface="+mj-lt"/>
-              </a:rPr>
-              <a:t>antonio.roberto@huawei.com</a:t>
-            </a:r>
-          </a:p>
-          <a:p>
-            <a:pPr marL="0" indent="0" algn="r">
-              <a:spcBef>
-                <a:spcPts val="300"/>
-              </a:spcBef>
-              <a:buNone/>
-            </a:pPr>
-            <a:endParaRPr lang="de-CH" sz="2500" dirty="0">
-              <a:latin typeface="+mj-lt"/>
-            </a:endParaRPr>
-          </a:p>
-          <a:p>
-            <a:pPr marL="0" indent="0" algn="r">
-              <a:spcBef>
-                <a:spcPts val="300"/>
-              </a:spcBef>
-              <a:buNone/>
-            </a:pPr>
-            <a:r>
-              <a:rPr lang="de-CH" sz="2500" dirty="0">
-                <a:latin typeface="+mj-lt"/>
-              </a:rPr>
-              <a:t>12. </a:t>
-            </a:r>
-            <a:r>
-              <a:rPr lang="de-CH" sz="2500" dirty="0">
-                <a:latin typeface="+mj-lt"/>
-                <a:ea typeface="+mj-ea"/>
-                <a:cs typeface="+mj-cs"/>
-              </a:rPr>
-              <a:t>March </a:t>
-            </a:r>
-            <a:r>
-              <a:rPr lang="de-CH" sz="2500" dirty="0">
-                <a:latin typeface="+mj-lt"/>
-              </a:rPr>
-              <a:t>2024</a:t>
-            </a:r>
-          </a:p>
-          <a:p>
-            <a:pPr algn="r"/>
-            <a:endParaRPr lang="de-CH" sz="2200" dirty="0"/>
-          </a:p>
-        </p:txBody>
-      </p:sp>
-      <p:pic>
-        <p:nvPicPr>
-          <p:cNvPr id="6" name="Picture 5">
-            <a:extLst>
-              <a:ext uri="{FF2B5EF4-FFF2-40B4-BE49-F238E27FC236}">
-                <a16:creationId xmlns:a16="http://schemas.microsoft.com/office/drawing/2014/main" id="{D4F5E154-1C25-441B-90CF-A1443F6D1EF8}"/>
-              </a:ext>
-            </a:extLst>
-          </p:cNvPr>
-          <p:cNvPicPr>
-            <a:picLocks noChangeAspect="1"/>
-          </p:cNvPicPr>
-          <p:nvPr/>
-        </p:nvPicPr>
-        <p:blipFill>
-          <a:blip r:embed="rId2"/>
-          <a:stretch>
-            <a:fillRect/>
-          </a:stretch>
-        </p:blipFill>
-        <p:spPr>
-          <a:xfrm>
-            <a:off x="9713236" y="1230284"/>
-            <a:ext cx="2220143" cy="4019821"/>
-          </a:xfrm>
-          <a:prstGeom prst="rect">
-            <a:avLst/>
-          </a:prstGeom>
-        </p:spPr>
-      </p:pic>
-      <p:sp>
-        <p:nvSpPr>
-          <p:cNvPr id="8" name="Slide Number Placeholder 1">
-            <a:extLst>
-              <a:ext uri="{FF2B5EF4-FFF2-40B4-BE49-F238E27FC236}">
-                <a16:creationId xmlns:a16="http://schemas.microsoft.com/office/drawing/2014/main" id="{F03D7BF8-F90A-4F8C-8FCE-B1DB1DEC687A}"/>
+          <p:cNvPr id="11" name="Slide Number Placeholder 1">
+            <a:extLst>
+              <a:ext uri="{FF2B5EF4-FFF2-40B4-BE49-F238E27FC236}">
+                <a16:creationId xmlns:a16="http://schemas.microsoft.com/office/drawing/2014/main" id="{512B43D3-8F19-488A-8D0D-979DD7EC8E7E}"/>
               </a:ext>
             </a:extLst>
           </p:cNvPr>
@@ -11534,10 +11157,618 @@
           </a:p>
         </p:txBody>
       </p:sp>
+      <p:sp>
+        <p:nvSpPr>
+          <p:cNvPr id="6" name="Title 1">
+            <a:extLst>
+              <a:ext uri="{FF2B5EF4-FFF2-40B4-BE49-F238E27FC236}">
+                <a16:creationId xmlns:a16="http://schemas.microsoft.com/office/drawing/2014/main" id="{ABB61075-2877-B162-7D8F-97EC17B8DF39}"/>
+              </a:ext>
+            </a:extLst>
+          </p:cNvPr>
+          <p:cNvSpPr>
+            <a:spLocks noGrp="1"/>
+          </p:cNvSpPr>
+          <p:nvPr>
+            <p:ph type="title"/>
+          </p:nvPr>
+        </p:nvSpPr>
+        <p:spPr>
+          <a:xfrm>
+            <a:off x="838200" y="365125"/>
+            <a:ext cx="10515600" cy="1325563"/>
+          </a:xfrm>
+        </p:spPr>
+        <p:txBody>
+          <a:bodyPr>
+            <a:normAutofit/>
+          </a:bodyPr>
+          <a:lstStyle/>
+          <a:p>
+            <a:r>
+              <a:rPr lang="en-US" sz="2800" b="1" dirty="0"/>
+              <a:t>IETF 119 Hackathon – Antagonist</a:t>
+            </a:r>
+            <a:br>
+              <a:rPr lang="en-US" sz="3600" dirty="0"/>
+            </a:br>
+            <a:r>
+              <a:rPr lang="en-US" sz="2700" dirty="0">
+                <a:solidFill>
+                  <a:schemeClr val="bg2">
+                    <a:lumMod val="75000"/>
+                  </a:schemeClr>
+                </a:solidFill>
+              </a:rPr>
+              <a:t>Labelling a Network Anomalies on Time Series</a:t>
+            </a:r>
+            <a:endParaRPr lang="en-US" sz="2700" dirty="0">
+              <a:solidFill>
+                <a:srgbClr val="FF0000"/>
+              </a:solidFill>
+            </a:endParaRPr>
+          </a:p>
+        </p:txBody>
+      </p:sp>
+      <p:sp>
+        <p:nvSpPr>
+          <p:cNvPr id="12" name="Content Placeholder 2">
+            <a:extLst>
+              <a:ext uri="{FF2B5EF4-FFF2-40B4-BE49-F238E27FC236}">
+                <a16:creationId xmlns:a16="http://schemas.microsoft.com/office/drawing/2014/main" id="{CEA0059B-6D70-AFC2-8A07-439751D4EE13}"/>
+              </a:ext>
+            </a:extLst>
+          </p:cNvPr>
+          <p:cNvSpPr>
+            <a:spLocks noGrp="1"/>
+          </p:cNvSpPr>
+          <p:nvPr>
+            <p:ph idx="1"/>
+          </p:nvPr>
+        </p:nvSpPr>
+        <p:spPr>
+          <a:xfrm>
+            <a:off x="9059025" y="405284"/>
+            <a:ext cx="2845443" cy="922338"/>
+          </a:xfrm>
+        </p:spPr>
+        <p:txBody>
+          <a:bodyPr>
+            <a:noAutofit/>
+          </a:bodyPr>
+          <a:lstStyle/>
+          <a:p>
+            <a:pPr marL="0" indent="0">
+              <a:spcBef>
+                <a:spcPts val="600"/>
+              </a:spcBef>
+              <a:buNone/>
+            </a:pPr>
+            <a:r>
+              <a:rPr lang="en-IE" sz="2000" b="1" dirty="0"/>
+              <a:t>Antagonist can be used to review and analyse network anomalies</a:t>
+            </a:r>
+          </a:p>
+        </p:txBody>
+      </p:sp>
+      <p:pic>
+        <p:nvPicPr>
+          <p:cNvPr id="8" name="Google Shape;95;p20">
+            <a:extLst>
+              <a:ext uri="{FF2B5EF4-FFF2-40B4-BE49-F238E27FC236}">
+                <a16:creationId xmlns:a16="http://schemas.microsoft.com/office/drawing/2014/main" id="{21FE4456-4C80-4DE3-BF8A-82F8B3AFD3E6}"/>
+              </a:ext>
+            </a:extLst>
+          </p:cNvPr>
+          <p:cNvPicPr preferRelativeResize="0"/>
+          <p:nvPr/>
+        </p:nvPicPr>
+        <p:blipFill>
+          <a:blip r:embed="rId2">
+            <a:alphaModFix/>
+          </a:blip>
+          <a:stretch>
+            <a:fillRect/>
+          </a:stretch>
+        </p:blipFill>
+        <p:spPr>
+          <a:xfrm>
+            <a:off x="113656" y="1583318"/>
+            <a:ext cx="10368091" cy="5125433"/>
+          </a:xfrm>
+          <a:prstGeom prst="rect">
+            <a:avLst/>
+          </a:prstGeom>
+          <a:noFill/>
+          <a:ln>
+            <a:noFill/>
+          </a:ln>
+        </p:spPr>
+      </p:pic>
+      <p:sp>
+        <p:nvSpPr>
+          <p:cNvPr id="2" name="Rectangle 1">
+            <a:extLst>
+              <a:ext uri="{FF2B5EF4-FFF2-40B4-BE49-F238E27FC236}">
+                <a16:creationId xmlns:a16="http://schemas.microsoft.com/office/drawing/2014/main" id="{D6C9D17D-2541-4849-A5CC-C02450DC7869}"/>
+              </a:ext>
+            </a:extLst>
+          </p:cNvPr>
+          <p:cNvSpPr/>
+          <p:nvPr/>
+        </p:nvSpPr>
+        <p:spPr>
+          <a:xfrm>
+            <a:off x="5575300" y="4497600"/>
+            <a:ext cx="2870200" cy="1325563"/>
+          </a:xfrm>
+          <a:prstGeom prst="rect">
+            <a:avLst/>
+          </a:prstGeom>
+          <a:noFill/>
+          <a:ln w="28575">
+            <a:solidFill>
+              <a:srgbClr val="FF0000"/>
+            </a:solidFill>
+          </a:ln>
+        </p:spPr>
+        <p:style>
+          <a:lnRef idx="2">
+            <a:schemeClr val="accent1">
+              <a:shade val="50000"/>
+            </a:schemeClr>
+          </a:lnRef>
+          <a:fillRef idx="1">
+            <a:schemeClr val="accent1"/>
+          </a:fillRef>
+          <a:effectRef idx="0">
+            <a:schemeClr val="accent1"/>
+          </a:effectRef>
+          <a:fontRef idx="minor">
+            <a:schemeClr val="lt1"/>
+          </a:fontRef>
+        </p:style>
+        <p:txBody>
+          <a:bodyPr rtlCol="0" anchor="ctr"/>
+          <a:lstStyle/>
+          <a:p>
+            <a:pPr algn="ctr"/>
+            <a:endParaRPr lang="en-US"/>
+          </a:p>
+        </p:txBody>
+      </p:sp>
+      <p:sp>
+        <p:nvSpPr>
+          <p:cNvPr id="10" name="Content Placeholder 2">
+            <a:extLst>
+              <a:ext uri="{FF2B5EF4-FFF2-40B4-BE49-F238E27FC236}">
+                <a16:creationId xmlns:a16="http://schemas.microsoft.com/office/drawing/2014/main" id="{33AC87D4-2A4E-4A4D-866E-594099D55115}"/>
+              </a:ext>
+            </a:extLst>
+          </p:cNvPr>
+          <p:cNvSpPr txBox="1">
+            <a:spLocks/>
+          </p:cNvSpPr>
+          <p:nvPr/>
+        </p:nvSpPr>
+        <p:spPr>
+          <a:xfrm>
+            <a:off x="1837252" y="2072494"/>
+            <a:ext cx="3369105" cy="693156"/>
+          </a:xfrm>
+          <a:prstGeom prst="rect">
+            <a:avLst/>
+          </a:prstGeom>
+          <a:solidFill>
+            <a:schemeClr val="bg1"/>
+          </a:solidFill>
+          <a:ln>
+            <a:solidFill>
+              <a:schemeClr val="tx1"/>
+            </a:solidFill>
+          </a:ln>
+        </p:spPr>
+        <p:txBody>
+          <a:bodyPr vert="horz" lIns="91440" tIns="45720" rIns="91440" bIns="45720" rtlCol="0">
+            <a:noAutofit/>
+          </a:bodyPr>
+          <a:lstStyle>
+            <a:lvl1pPr marL="228600" indent="-228600" algn="l" defTabSz="914400" rtl="0" eaLnBrk="1" latinLnBrk="0" hangingPunct="1">
+              <a:lnSpc>
+                <a:spcPct val="90000"/>
+              </a:lnSpc>
+              <a:spcBef>
+                <a:spcPts val="1000"/>
+              </a:spcBef>
+              <a:buFont typeface="Arial" panose="020B0604020202020204" pitchFamily="34" charset="0"/>
+              <a:buChar char="•"/>
+              <a:defRPr sz="2800" kern="1200">
+                <a:solidFill>
+                  <a:schemeClr val="tx1"/>
+                </a:solidFill>
+                <a:latin typeface="+mn-lt"/>
+                <a:ea typeface="+mn-ea"/>
+                <a:cs typeface="+mn-cs"/>
+              </a:defRPr>
+            </a:lvl1pPr>
+            <a:lvl2pPr marL="685800" indent="-228600" algn="l" defTabSz="914400" rtl="0" eaLnBrk="1" latinLnBrk="0" hangingPunct="1">
+              <a:lnSpc>
+                <a:spcPct val="90000"/>
+              </a:lnSpc>
+              <a:spcBef>
+                <a:spcPts val="500"/>
+              </a:spcBef>
+              <a:buFont typeface="Arial" panose="020B0604020202020204" pitchFamily="34" charset="0"/>
+              <a:buChar char="•"/>
+              <a:defRPr sz="2400" kern="1200">
+                <a:solidFill>
+                  <a:schemeClr val="tx1"/>
+                </a:solidFill>
+                <a:latin typeface="+mn-lt"/>
+                <a:ea typeface="+mn-ea"/>
+                <a:cs typeface="+mn-cs"/>
+              </a:defRPr>
+            </a:lvl2pPr>
+            <a:lvl3pPr marL="1143000" indent="-228600" algn="l" defTabSz="914400" rtl="0" eaLnBrk="1" latinLnBrk="0" hangingPunct="1">
+              <a:lnSpc>
+                <a:spcPct val="90000"/>
+              </a:lnSpc>
+              <a:spcBef>
+                <a:spcPts val="500"/>
+              </a:spcBef>
+              <a:buFont typeface="Arial" panose="020B0604020202020204" pitchFamily="34" charset="0"/>
+              <a:buChar char="•"/>
+              <a:defRPr sz="2000" kern="1200">
+                <a:solidFill>
+                  <a:schemeClr val="tx1"/>
+                </a:solidFill>
+                <a:latin typeface="+mn-lt"/>
+                <a:ea typeface="+mn-ea"/>
+                <a:cs typeface="+mn-cs"/>
+              </a:defRPr>
+            </a:lvl3pPr>
+            <a:lvl4pPr marL="1600200" indent="-228600" algn="l" defTabSz="914400" rtl="0" eaLnBrk="1" latinLnBrk="0" hangingPunct="1">
+              <a:lnSpc>
+                <a:spcPct val="90000"/>
+              </a:lnSpc>
+              <a:spcBef>
+                <a:spcPts val="500"/>
+              </a:spcBef>
+              <a:buFont typeface="Arial" panose="020B0604020202020204" pitchFamily="34" charset="0"/>
+              <a:buChar char="•"/>
+              <a:defRPr sz="1800" kern="1200">
+                <a:solidFill>
+                  <a:schemeClr val="tx1"/>
+                </a:solidFill>
+                <a:latin typeface="+mn-lt"/>
+                <a:ea typeface="+mn-ea"/>
+                <a:cs typeface="+mn-cs"/>
+              </a:defRPr>
+            </a:lvl4pPr>
+            <a:lvl5pPr marL="2057400" indent="-228600" algn="l" defTabSz="914400" rtl="0" eaLnBrk="1" latinLnBrk="0" hangingPunct="1">
+              <a:lnSpc>
+                <a:spcPct val="90000"/>
+              </a:lnSpc>
+              <a:spcBef>
+                <a:spcPts val="500"/>
+              </a:spcBef>
+              <a:buFont typeface="Arial" panose="020B0604020202020204" pitchFamily="34" charset="0"/>
+              <a:buChar char="•"/>
+              <a:defRPr sz="1800" kern="1200">
+                <a:solidFill>
+                  <a:schemeClr val="tx1"/>
+                </a:solidFill>
+                <a:latin typeface="+mn-lt"/>
+                <a:ea typeface="+mn-ea"/>
+                <a:cs typeface="+mn-cs"/>
+              </a:defRPr>
+            </a:lvl5pPr>
+            <a:lvl6pPr marL="2514600" indent="-228600" algn="l" defTabSz="914400" rtl="0" eaLnBrk="1" latinLnBrk="0" hangingPunct="1">
+              <a:lnSpc>
+                <a:spcPct val="90000"/>
+              </a:lnSpc>
+              <a:spcBef>
+                <a:spcPts val="500"/>
+              </a:spcBef>
+              <a:buFont typeface="Arial" panose="020B0604020202020204" pitchFamily="34" charset="0"/>
+              <a:buChar char="•"/>
+              <a:defRPr sz="1800" kern="1200">
+                <a:solidFill>
+                  <a:schemeClr val="tx1"/>
+                </a:solidFill>
+                <a:latin typeface="+mn-lt"/>
+                <a:ea typeface="+mn-ea"/>
+                <a:cs typeface="+mn-cs"/>
+              </a:defRPr>
+            </a:lvl6pPr>
+            <a:lvl7pPr marL="2971800" indent="-228600" algn="l" defTabSz="914400" rtl="0" eaLnBrk="1" latinLnBrk="0" hangingPunct="1">
+              <a:lnSpc>
+                <a:spcPct val="90000"/>
+              </a:lnSpc>
+              <a:spcBef>
+                <a:spcPts val="500"/>
+              </a:spcBef>
+              <a:buFont typeface="Arial" panose="020B0604020202020204" pitchFamily="34" charset="0"/>
+              <a:buChar char="•"/>
+              <a:defRPr sz="1800" kern="1200">
+                <a:solidFill>
+                  <a:schemeClr val="tx1"/>
+                </a:solidFill>
+                <a:latin typeface="+mn-lt"/>
+                <a:ea typeface="+mn-ea"/>
+                <a:cs typeface="+mn-cs"/>
+              </a:defRPr>
+            </a:lvl7pPr>
+            <a:lvl8pPr marL="3429000" indent="-228600" algn="l" defTabSz="914400" rtl="0" eaLnBrk="1" latinLnBrk="0" hangingPunct="1">
+              <a:lnSpc>
+                <a:spcPct val="90000"/>
+              </a:lnSpc>
+              <a:spcBef>
+                <a:spcPts val="500"/>
+              </a:spcBef>
+              <a:buFont typeface="Arial" panose="020B0604020202020204" pitchFamily="34" charset="0"/>
+              <a:buChar char="•"/>
+              <a:defRPr sz="1800" kern="1200">
+                <a:solidFill>
+                  <a:schemeClr val="tx1"/>
+                </a:solidFill>
+                <a:latin typeface="+mn-lt"/>
+                <a:ea typeface="+mn-ea"/>
+                <a:cs typeface="+mn-cs"/>
+              </a:defRPr>
+            </a:lvl8pPr>
+            <a:lvl9pPr marL="3886200" indent="-228600" algn="l" defTabSz="914400" rtl="0" eaLnBrk="1" latinLnBrk="0" hangingPunct="1">
+              <a:lnSpc>
+                <a:spcPct val="90000"/>
+              </a:lnSpc>
+              <a:spcBef>
+                <a:spcPts val="500"/>
+              </a:spcBef>
+              <a:buFont typeface="Arial" panose="020B0604020202020204" pitchFamily="34" charset="0"/>
+              <a:buChar char="•"/>
+              <a:defRPr sz="1800" kern="1200">
+                <a:solidFill>
+                  <a:schemeClr val="tx1"/>
+                </a:solidFill>
+                <a:latin typeface="+mn-lt"/>
+                <a:ea typeface="+mn-ea"/>
+                <a:cs typeface="+mn-cs"/>
+              </a:defRPr>
+            </a:lvl9pPr>
+          </a:lstStyle>
+          <a:p>
+            <a:pPr marL="0" indent="0">
+              <a:spcBef>
+                <a:spcPts val="600"/>
+              </a:spcBef>
+              <a:buFont typeface="Arial" panose="020B0604020202020204" pitchFamily="34" charset="0"/>
+              <a:buNone/>
+            </a:pPr>
+            <a:r>
+              <a:rPr lang="en-IE" sz="2000" dirty="0"/>
+              <a:t>A list of the identified network anomalies is provided</a:t>
+            </a:r>
+          </a:p>
+        </p:txBody>
+      </p:sp>
+      <p:sp>
+        <p:nvSpPr>
+          <p:cNvPr id="13" name="Content Placeholder 2">
+            <a:extLst>
+              <a:ext uri="{FF2B5EF4-FFF2-40B4-BE49-F238E27FC236}">
+                <a16:creationId xmlns:a16="http://schemas.microsoft.com/office/drawing/2014/main" id="{516D81A4-2633-43A9-97F3-8F1EC9C2CE01}"/>
+              </a:ext>
+            </a:extLst>
+          </p:cNvPr>
+          <p:cNvSpPr txBox="1">
+            <a:spLocks/>
+          </p:cNvSpPr>
+          <p:nvPr/>
+        </p:nvSpPr>
+        <p:spPr>
+          <a:xfrm>
+            <a:off x="5778500" y="3679534"/>
+            <a:ext cx="3885557" cy="693156"/>
+          </a:xfrm>
+          <a:prstGeom prst="rect">
+            <a:avLst/>
+          </a:prstGeom>
+          <a:solidFill>
+            <a:schemeClr val="bg1"/>
+          </a:solidFill>
+          <a:ln>
+            <a:solidFill>
+              <a:schemeClr val="tx1"/>
+            </a:solidFill>
+          </a:ln>
+        </p:spPr>
+        <p:txBody>
+          <a:bodyPr vert="horz" lIns="91440" tIns="45720" rIns="91440" bIns="45720" rtlCol="0">
+            <a:noAutofit/>
+          </a:bodyPr>
+          <a:lstStyle>
+            <a:lvl1pPr marL="228600" indent="-228600" algn="l" defTabSz="914400" rtl="0" eaLnBrk="1" latinLnBrk="0" hangingPunct="1">
+              <a:lnSpc>
+                <a:spcPct val="90000"/>
+              </a:lnSpc>
+              <a:spcBef>
+                <a:spcPts val="1000"/>
+              </a:spcBef>
+              <a:buFont typeface="Arial" panose="020B0604020202020204" pitchFamily="34" charset="0"/>
+              <a:buChar char="•"/>
+              <a:defRPr sz="2800" kern="1200">
+                <a:solidFill>
+                  <a:schemeClr val="tx1"/>
+                </a:solidFill>
+                <a:latin typeface="+mn-lt"/>
+                <a:ea typeface="+mn-ea"/>
+                <a:cs typeface="+mn-cs"/>
+              </a:defRPr>
+            </a:lvl1pPr>
+            <a:lvl2pPr marL="685800" indent="-228600" algn="l" defTabSz="914400" rtl="0" eaLnBrk="1" latinLnBrk="0" hangingPunct="1">
+              <a:lnSpc>
+                <a:spcPct val="90000"/>
+              </a:lnSpc>
+              <a:spcBef>
+                <a:spcPts val="500"/>
+              </a:spcBef>
+              <a:buFont typeface="Arial" panose="020B0604020202020204" pitchFamily="34" charset="0"/>
+              <a:buChar char="•"/>
+              <a:defRPr sz="2400" kern="1200">
+                <a:solidFill>
+                  <a:schemeClr val="tx1"/>
+                </a:solidFill>
+                <a:latin typeface="+mn-lt"/>
+                <a:ea typeface="+mn-ea"/>
+                <a:cs typeface="+mn-cs"/>
+              </a:defRPr>
+            </a:lvl2pPr>
+            <a:lvl3pPr marL="1143000" indent="-228600" algn="l" defTabSz="914400" rtl="0" eaLnBrk="1" latinLnBrk="0" hangingPunct="1">
+              <a:lnSpc>
+                <a:spcPct val="90000"/>
+              </a:lnSpc>
+              <a:spcBef>
+                <a:spcPts val="500"/>
+              </a:spcBef>
+              <a:buFont typeface="Arial" panose="020B0604020202020204" pitchFamily="34" charset="0"/>
+              <a:buChar char="•"/>
+              <a:defRPr sz="2000" kern="1200">
+                <a:solidFill>
+                  <a:schemeClr val="tx1"/>
+                </a:solidFill>
+                <a:latin typeface="+mn-lt"/>
+                <a:ea typeface="+mn-ea"/>
+                <a:cs typeface="+mn-cs"/>
+              </a:defRPr>
+            </a:lvl3pPr>
+            <a:lvl4pPr marL="1600200" indent="-228600" algn="l" defTabSz="914400" rtl="0" eaLnBrk="1" latinLnBrk="0" hangingPunct="1">
+              <a:lnSpc>
+                <a:spcPct val="90000"/>
+              </a:lnSpc>
+              <a:spcBef>
+                <a:spcPts val="500"/>
+              </a:spcBef>
+              <a:buFont typeface="Arial" panose="020B0604020202020204" pitchFamily="34" charset="0"/>
+              <a:buChar char="•"/>
+              <a:defRPr sz="1800" kern="1200">
+                <a:solidFill>
+                  <a:schemeClr val="tx1"/>
+                </a:solidFill>
+                <a:latin typeface="+mn-lt"/>
+                <a:ea typeface="+mn-ea"/>
+                <a:cs typeface="+mn-cs"/>
+              </a:defRPr>
+            </a:lvl4pPr>
+            <a:lvl5pPr marL="2057400" indent="-228600" algn="l" defTabSz="914400" rtl="0" eaLnBrk="1" latinLnBrk="0" hangingPunct="1">
+              <a:lnSpc>
+                <a:spcPct val="90000"/>
+              </a:lnSpc>
+              <a:spcBef>
+                <a:spcPts val="500"/>
+              </a:spcBef>
+              <a:buFont typeface="Arial" panose="020B0604020202020204" pitchFamily="34" charset="0"/>
+              <a:buChar char="•"/>
+              <a:defRPr sz="1800" kern="1200">
+                <a:solidFill>
+                  <a:schemeClr val="tx1"/>
+                </a:solidFill>
+                <a:latin typeface="+mn-lt"/>
+                <a:ea typeface="+mn-ea"/>
+                <a:cs typeface="+mn-cs"/>
+              </a:defRPr>
+            </a:lvl5pPr>
+            <a:lvl6pPr marL="2514600" indent="-228600" algn="l" defTabSz="914400" rtl="0" eaLnBrk="1" latinLnBrk="0" hangingPunct="1">
+              <a:lnSpc>
+                <a:spcPct val="90000"/>
+              </a:lnSpc>
+              <a:spcBef>
+                <a:spcPts val="500"/>
+              </a:spcBef>
+              <a:buFont typeface="Arial" panose="020B0604020202020204" pitchFamily="34" charset="0"/>
+              <a:buChar char="•"/>
+              <a:defRPr sz="1800" kern="1200">
+                <a:solidFill>
+                  <a:schemeClr val="tx1"/>
+                </a:solidFill>
+                <a:latin typeface="+mn-lt"/>
+                <a:ea typeface="+mn-ea"/>
+                <a:cs typeface="+mn-cs"/>
+              </a:defRPr>
+            </a:lvl6pPr>
+            <a:lvl7pPr marL="2971800" indent="-228600" algn="l" defTabSz="914400" rtl="0" eaLnBrk="1" latinLnBrk="0" hangingPunct="1">
+              <a:lnSpc>
+                <a:spcPct val="90000"/>
+              </a:lnSpc>
+              <a:spcBef>
+                <a:spcPts val="500"/>
+              </a:spcBef>
+              <a:buFont typeface="Arial" panose="020B0604020202020204" pitchFamily="34" charset="0"/>
+              <a:buChar char="•"/>
+              <a:defRPr sz="1800" kern="1200">
+                <a:solidFill>
+                  <a:schemeClr val="tx1"/>
+                </a:solidFill>
+                <a:latin typeface="+mn-lt"/>
+                <a:ea typeface="+mn-ea"/>
+                <a:cs typeface="+mn-cs"/>
+              </a:defRPr>
+            </a:lvl7pPr>
+            <a:lvl8pPr marL="3429000" indent="-228600" algn="l" defTabSz="914400" rtl="0" eaLnBrk="1" latinLnBrk="0" hangingPunct="1">
+              <a:lnSpc>
+                <a:spcPct val="90000"/>
+              </a:lnSpc>
+              <a:spcBef>
+                <a:spcPts val="500"/>
+              </a:spcBef>
+              <a:buFont typeface="Arial" panose="020B0604020202020204" pitchFamily="34" charset="0"/>
+              <a:buChar char="•"/>
+              <a:defRPr sz="1800" kern="1200">
+                <a:solidFill>
+                  <a:schemeClr val="tx1"/>
+                </a:solidFill>
+                <a:latin typeface="+mn-lt"/>
+                <a:ea typeface="+mn-ea"/>
+                <a:cs typeface="+mn-cs"/>
+              </a:defRPr>
+            </a:lvl8pPr>
+            <a:lvl9pPr marL="3886200" indent="-228600" algn="l" defTabSz="914400" rtl="0" eaLnBrk="1" latinLnBrk="0" hangingPunct="1">
+              <a:lnSpc>
+                <a:spcPct val="90000"/>
+              </a:lnSpc>
+              <a:spcBef>
+                <a:spcPts val="500"/>
+              </a:spcBef>
+              <a:buFont typeface="Arial" panose="020B0604020202020204" pitchFamily="34" charset="0"/>
+              <a:buChar char="•"/>
+              <a:defRPr sz="1800" kern="1200">
+                <a:solidFill>
+                  <a:schemeClr val="tx1"/>
+                </a:solidFill>
+                <a:latin typeface="+mn-lt"/>
+                <a:ea typeface="+mn-ea"/>
+                <a:cs typeface="+mn-cs"/>
+              </a:defRPr>
+            </a:lvl9pPr>
+          </a:lstStyle>
+          <a:p>
+            <a:pPr marL="0" indent="0">
+              <a:spcBef>
+                <a:spcPts val="600"/>
+              </a:spcBef>
+              <a:buFont typeface="Arial" panose="020B0604020202020204" pitchFamily="34" charset="0"/>
+              <a:buNone/>
+            </a:pPr>
+            <a:r>
+              <a:rPr lang="en-IE" sz="2000" dirty="0"/>
+              <a:t>All the reviews for a selected network anomaly can be analyzed</a:t>
+            </a:r>
+          </a:p>
+        </p:txBody>
+      </p:sp>
     </p:spTree>
     <p:extLst>
       <p:ext uri="{BB962C8B-B14F-4D97-AF65-F5344CB8AC3E}">
-        <p14:creationId xmlns:p14="http://schemas.microsoft.com/office/powerpoint/2010/main" val="2578889968"/>
+        <p14:creationId xmlns:p14="http://schemas.microsoft.com/office/powerpoint/2010/main" val="1727231797"/>
       </p:ext>
     </p:extLst>
   </p:cSld>
@@ -11566,486 +11797,10 @@
       </p:grpSpPr>
       <p:sp>
         <p:nvSpPr>
-          <p:cNvPr id="2" name="Title 1">
-            <a:extLst>
-              <a:ext uri="{FF2B5EF4-FFF2-40B4-BE49-F238E27FC236}">
-                <a16:creationId xmlns:a16="http://schemas.microsoft.com/office/drawing/2014/main" id="{FF20F271-6F0D-4AC0-BB1D-F5C338165C13}"/>
-              </a:ext>
-            </a:extLst>
-          </p:cNvPr>
-          <p:cNvSpPr>
-            <a:spLocks noGrp="1"/>
-          </p:cNvSpPr>
-          <p:nvPr>
-            <p:ph type="title"/>
-          </p:nvPr>
-        </p:nvSpPr>
-        <p:spPr/>
-        <p:txBody>
-          <a:bodyPr>
-            <a:normAutofit/>
-          </a:bodyPr>
-          <a:lstStyle/>
-          <a:p>
-            <a:r>
-              <a:rPr lang="en-US" sz="2800" b="1" dirty="0"/>
-              <a:t>Experiment: Network Anomaly Lifecycle</a:t>
-            </a:r>
-            <a:br>
-              <a:rPr lang="en-GB" sz="3600" dirty="0"/>
-            </a:br>
-            <a:r>
-              <a:rPr lang="en-US" sz="2700" dirty="0">
-                <a:solidFill>
-                  <a:schemeClr val="bg2">
-                    <a:lumMod val="75000"/>
-                  </a:schemeClr>
-                </a:solidFill>
-              </a:rPr>
-              <a:t>Next steps</a:t>
-            </a:r>
-          </a:p>
-        </p:txBody>
-      </p:sp>
-      <p:sp>
-        <p:nvSpPr>
-          <p:cNvPr id="3" name="Content Placeholder 2">
-            <a:extLst>
-              <a:ext uri="{FF2B5EF4-FFF2-40B4-BE49-F238E27FC236}">
-                <a16:creationId xmlns:a16="http://schemas.microsoft.com/office/drawing/2014/main" id="{29C0DFD4-432D-4B0C-93DF-790441DCF5B9}"/>
-              </a:ext>
-            </a:extLst>
-          </p:cNvPr>
-          <p:cNvSpPr>
-            <a:spLocks noGrp="1"/>
-          </p:cNvSpPr>
-          <p:nvPr>
-            <p:ph idx="1"/>
-          </p:nvPr>
-        </p:nvSpPr>
-        <p:spPr>
-          <a:xfrm>
-            <a:off x="838199" y="1884420"/>
-            <a:ext cx="8560325" cy="4292543"/>
-          </a:xfrm>
-        </p:spPr>
-        <p:txBody>
-          <a:bodyPr>
-            <a:noAutofit/>
-          </a:bodyPr>
-          <a:lstStyle/>
-          <a:p>
-            <a:r>
-              <a:rPr lang="en-US" sz="2000" b="1" dirty="0">
-                <a:solidFill>
-                  <a:srgbClr val="FF0000"/>
-                </a:solidFill>
-              </a:rPr>
-              <a:t>This work relates to the Network Anomaly Detection topic in the NMOP charter. </a:t>
-            </a:r>
-          </a:p>
-          <a:p>
-            <a:r>
-              <a:rPr lang="en-US" sz="2000" dirty="0"/>
-              <a:t>It defines the Network Anomaly lifecycle by providing a structured way to perform post-mortem analysis iteratively and improve the network anomaly detection methodology.</a:t>
-            </a:r>
-          </a:p>
-          <a:p>
-            <a:r>
-              <a:rPr lang="en-IE" sz="2000" b="1" dirty="0"/>
-              <a:t>Our future intention: expanding and validate this approach on real use case scenarios on Swisscom network incident data.</a:t>
-            </a:r>
-            <a:endParaRPr lang="en-US" sz="2000" b="1" dirty="0"/>
-          </a:p>
-          <a:p>
-            <a:r>
-              <a:rPr lang="en-US" sz="2000" dirty="0"/>
-              <a:t>This work will provide input to draft-</a:t>
-            </a:r>
-            <a:r>
-              <a:rPr lang="en-US" sz="2000" dirty="0" err="1"/>
-              <a:t>davis</a:t>
-            </a:r>
-            <a:r>
-              <a:rPr lang="en-US" sz="2000" dirty="0"/>
-              <a:t>-</a:t>
-            </a:r>
-            <a:r>
-              <a:rPr lang="en-US" sz="2000" dirty="0" err="1"/>
-              <a:t>nmop</a:t>
-            </a:r>
-            <a:r>
-              <a:rPr lang="en-US" sz="2000" dirty="0"/>
-              <a:t>-incident-terminology and complement other documents such as RFC 8632 and draft-feng-opsawg-incident-management where semantics for alerts and incidents are defined.</a:t>
-            </a:r>
-            <a:endParaRPr lang="en-US" sz="2000" b="1" dirty="0"/>
-          </a:p>
-          <a:p>
-            <a:r>
-              <a:rPr lang="en-US" sz="2000" b="1" dirty="0"/>
-              <a:t>Do you realize the benefit of having a defined workflow and semantics to automate the Network Anomaly Lifecycle?</a:t>
-            </a:r>
-          </a:p>
-          <a:p>
-            <a:r>
-              <a:rPr lang="en-US" sz="2000" b="1" dirty="0">
-                <a:solidFill>
-                  <a:srgbClr val="FF0000"/>
-                </a:solidFill>
-              </a:rPr>
-              <a:t>-&gt; What are your thoughts and comments?</a:t>
-            </a:r>
-            <a:endParaRPr lang="en-US" sz="2000" dirty="0">
-              <a:solidFill>
-                <a:srgbClr val="FF0000"/>
-              </a:solidFill>
-            </a:endParaRPr>
-          </a:p>
-        </p:txBody>
-      </p:sp>
-      <p:sp>
-        <p:nvSpPr>
-          <p:cNvPr id="7" name="Subtitle 4">
-            <a:extLst>
-              <a:ext uri="{FF2B5EF4-FFF2-40B4-BE49-F238E27FC236}">
-                <a16:creationId xmlns:a16="http://schemas.microsoft.com/office/drawing/2014/main" id="{BF6DCC5D-2508-4A9B-B734-C8C5147F93FB}"/>
-              </a:ext>
-            </a:extLst>
-          </p:cNvPr>
-          <p:cNvSpPr txBox="1">
-            <a:spLocks/>
-          </p:cNvSpPr>
-          <p:nvPr/>
-        </p:nvSpPr>
-        <p:spPr>
-          <a:xfrm>
-            <a:off x="838200" y="5328459"/>
-            <a:ext cx="11163943" cy="1033178"/>
-          </a:xfrm>
-          <a:prstGeom prst="rect">
-            <a:avLst/>
-          </a:prstGeom>
-        </p:spPr>
-        <p:txBody>
-          <a:bodyPr vert="horz" lIns="91440" tIns="45720" rIns="91440" bIns="45720" rtlCol="0">
-            <a:normAutofit fontScale="32500" lnSpcReduction="20000"/>
-          </a:bodyPr>
-          <a:lstStyle>
-            <a:lvl1pPr marL="228600" indent="-228600" algn="l" defTabSz="914400" rtl="0" eaLnBrk="1" latinLnBrk="0" hangingPunct="1">
-              <a:lnSpc>
-                <a:spcPct val="90000"/>
-              </a:lnSpc>
-              <a:spcBef>
-                <a:spcPts val="1000"/>
-              </a:spcBef>
-              <a:buFont typeface="Arial" panose="020B0604020202020204" pitchFamily="34" charset="0"/>
-              <a:buChar char="•"/>
-              <a:defRPr sz="2800" kern="1200">
-                <a:solidFill>
-                  <a:schemeClr val="tx1"/>
-                </a:solidFill>
-                <a:latin typeface="+mn-lt"/>
-                <a:ea typeface="+mn-ea"/>
-                <a:cs typeface="+mn-cs"/>
-              </a:defRPr>
-            </a:lvl1pPr>
-            <a:lvl2pPr marL="685800" indent="-228600" algn="l" defTabSz="914400" rtl="0" eaLnBrk="1" latinLnBrk="0" hangingPunct="1">
-              <a:lnSpc>
-                <a:spcPct val="90000"/>
-              </a:lnSpc>
-              <a:spcBef>
-                <a:spcPts val="500"/>
-              </a:spcBef>
-              <a:buFont typeface="Arial" panose="020B0604020202020204" pitchFamily="34" charset="0"/>
-              <a:buChar char="•"/>
-              <a:defRPr sz="2400" kern="1200">
-                <a:solidFill>
-                  <a:schemeClr val="tx1"/>
-                </a:solidFill>
-                <a:latin typeface="+mn-lt"/>
-                <a:ea typeface="+mn-ea"/>
-                <a:cs typeface="+mn-cs"/>
-              </a:defRPr>
-            </a:lvl2pPr>
-            <a:lvl3pPr marL="1143000" indent="-228600" algn="l" defTabSz="914400" rtl="0" eaLnBrk="1" latinLnBrk="0" hangingPunct="1">
-              <a:lnSpc>
-                <a:spcPct val="90000"/>
-              </a:lnSpc>
-              <a:spcBef>
-                <a:spcPts val="500"/>
-              </a:spcBef>
-              <a:buFont typeface="Arial" panose="020B0604020202020204" pitchFamily="34" charset="0"/>
-              <a:buChar char="•"/>
-              <a:defRPr sz="2000" kern="1200">
-                <a:solidFill>
-                  <a:schemeClr val="tx1"/>
-                </a:solidFill>
-                <a:latin typeface="+mn-lt"/>
-                <a:ea typeface="+mn-ea"/>
-                <a:cs typeface="+mn-cs"/>
-              </a:defRPr>
-            </a:lvl3pPr>
-            <a:lvl4pPr marL="1600200" indent="-228600" algn="l" defTabSz="914400" rtl="0" eaLnBrk="1" latinLnBrk="0" hangingPunct="1">
-              <a:lnSpc>
-                <a:spcPct val="90000"/>
-              </a:lnSpc>
-              <a:spcBef>
-                <a:spcPts val="500"/>
-              </a:spcBef>
-              <a:buFont typeface="Arial" panose="020B0604020202020204" pitchFamily="34" charset="0"/>
-              <a:buChar char="•"/>
-              <a:defRPr sz="1800" kern="1200">
-                <a:solidFill>
-                  <a:schemeClr val="tx1"/>
-                </a:solidFill>
-                <a:latin typeface="+mn-lt"/>
-                <a:ea typeface="+mn-ea"/>
-                <a:cs typeface="+mn-cs"/>
-              </a:defRPr>
-            </a:lvl4pPr>
-            <a:lvl5pPr marL="2057400" indent="-228600" algn="l" defTabSz="914400" rtl="0" eaLnBrk="1" latinLnBrk="0" hangingPunct="1">
-              <a:lnSpc>
-                <a:spcPct val="90000"/>
-              </a:lnSpc>
-              <a:spcBef>
-                <a:spcPts val="500"/>
-              </a:spcBef>
-              <a:buFont typeface="Arial" panose="020B0604020202020204" pitchFamily="34" charset="0"/>
-              <a:buChar char="•"/>
-              <a:defRPr sz="1800" kern="1200">
-                <a:solidFill>
-                  <a:schemeClr val="tx1"/>
-                </a:solidFill>
-                <a:latin typeface="+mn-lt"/>
-                <a:ea typeface="+mn-ea"/>
-                <a:cs typeface="+mn-cs"/>
-              </a:defRPr>
-            </a:lvl5pPr>
-            <a:lvl6pPr marL="2514600" indent="-228600" algn="l" defTabSz="914400" rtl="0" eaLnBrk="1" latinLnBrk="0" hangingPunct="1">
-              <a:lnSpc>
-                <a:spcPct val="90000"/>
-              </a:lnSpc>
-              <a:spcBef>
-                <a:spcPts val="500"/>
-              </a:spcBef>
-              <a:buFont typeface="Arial" panose="020B0604020202020204" pitchFamily="34" charset="0"/>
-              <a:buChar char="•"/>
-              <a:defRPr sz="1800" kern="1200">
-                <a:solidFill>
-                  <a:schemeClr val="tx1"/>
-                </a:solidFill>
-                <a:latin typeface="+mn-lt"/>
-                <a:ea typeface="+mn-ea"/>
-                <a:cs typeface="+mn-cs"/>
-              </a:defRPr>
-            </a:lvl6pPr>
-            <a:lvl7pPr marL="2971800" indent="-228600" algn="l" defTabSz="914400" rtl="0" eaLnBrk="1" latinLnBrk="0" hangingPunct="1">
-              <a:lnSpc>
-                <a:spcPct val="90000"/>
-              </a:lnSpc>
-              <a:spcBef>
-                <a:spcPts val="500"/>
-              </a:spcBef>
-              <a:buFont typeface="Arial" panose="020B0604020202020204" pitchFamily="34" charset="0"/>
-              <a:buChar char="•"/>
-              <a:defRPr sz="1800" kern="1200">
-                <a:solidFill>
-                  <a:schemeClr val="tx1"/>
-                </a:solidFill>
-                <a:latin typeface="+mn-lt"/>
-                <a:ea typeface="+mn-ea"/>
-                <a:cs typeface="+mn-cs"/>
-              </a:defRPr>
-            </a:lvl7pPr>
-            <a:lvl8pPr marL="3429000" indent="-228600" algn="l" defTabSz="914400" rtl="0" eaLnBrk="1" latinLnBrk="0" hangingPunct="1">
-              <a:lnSpc>
-                <a:spcPct val="90000"/>
-              </a:lnSpc>
-              <a:spcBef>
-                <a:spcPts val="500"/>
-              </a:spcBef>
-              <a:buFont typeface="Arial" panose="020B0604020202020204" pitchFamily="34" charset="0"/>
-              <a:buChar char="•"/>
-              <a:defRPr sz="1800" kern="1200">
-                <a:solidFill>
-                  <a:schemeClr val="tx1"/>
-                </a:solidFill>
-                <a:latin typeface="+mn-lt"/>
-                <a:ea typeface="+mn-ea"/>
-                <a:cs typeface="+mn-cs"/>
-              </a:defRPr>
-            </a:lvl8pPr>
-            <a:lvl9pPr marL="3886200" indent="-228600" algn="l" defTabSz="914400" rtl="0" eaLnBrk="1" latinLnBrk="0" hangingPunct="1">
-              <a:lnSpc>
-                <a:spcPct val="90000"/>
-              </a:lnSpc>
-              <a:spcBef>
-                <a:spcPts val="500"/>
-              </a:spcBef>
-              <a:buFont typeface="Arial" panose="020B0604020202020204" pitchFamily="34" charset="0"/>
-              <a:buChar char="•"/>
-              <a:defRPr sz="1800" kern="1200">
-                <a:solidFill>
-                  <a:schemeClr val="tx1"/>
-                </a:solidFill>
-                <a:latin typeface="+mn-lt"/>
-                <a:ea typeface="+mn-ea"/>
-                <a:cs typeface="+mn-cs"/>
-              </a:defRPr>
-            </a:lvl9pPr>
-          </a:lstStyle>
-          <a:p>
-            <a:pPr marL="0" indent="0" algn="r">
-              <a:spcBef>
-                <a:spcPts val="300"/>
-              </a:spcBef>
-              <a:buNone/>
-              <a:defRPr sz="1782"/>
-            </a:pPr>
-            <a:r>
-              <a:rPr lang="de-CH" sz="2800" dirty="0">
-                <a:latin typeface="+mj-lt"/>
-              </a:rPr>
-              <a:t>thomas.graf@swisscom.com</a:t>
-            </a:r>
-            <a:br>
-              <a:rPr lang="de-CH" sz="2800" dirty="0">
-                <a:latin typeface="+mj-lt"/>
-              </a:rPr>
-            </a:br>
-            <a:r>
-              <a:rPr lang="de-CH" sz="2800" dirty="0">
-                <a:latin typeface="+mj-lt"/>
-              </a:rPr>
-              <a:t>wanting.du@swisscom.com</a:t>
-            </a:r>
-          </a:p>
-          <a:p>
-            <a:pPr marL="0" indent="0" algn="r">
-              <a:spcBef>
-                <a:spcPts val="300"/>
-              </a:spcBef>
-              <a:buNone/>
-              <a:defRPr sz="1782"/>
-            </a:pPr>
-            <a:r>
-              <a:rPr lang="de-CH" sz="2800" dirty="0">
-                <a:latin typeface="+mj-lt"/>
-              </a:rPr>
-              <a:t>alex.huang-feng@insa-lyon.fr</a:t>
-            </a:r>
-          </a:p>
-          <a:p>
-            <a:pPr marL="0" indent="0" algn="r">
-              <a:spcBef>
-                <a:spcPts val="300"/>
-              </a:spcBef>
-              <a:buNone/>
-              <a:defRPr sz="1782"/>
-            </a:pPr>
-            <a:r>
-              <a:rPr lang="de-CH" sz="2800" dirty="0">
-                <a:latin typeface="+mj-lt"/>
-              </a:rPr>
-              <a:t>vincenzo.riccobene@huawei-partners.com</a:t>
-            </a:r>
-          </a:p>
-          <a:p>
-            <a:pPr marL="0" indent="0" algn="r">
-              <a:spcBef>
-                <a:spcPts val="300"/>
-              </a:spcBef>
-              <a:buNone/>
-              <a:defRPr sz="1782"/>
-            </a:pPr>
-            <a:r>
-              <a:rPr lang="de-CH" sz="2800" dirty="0">
-                <a:latin typeface="+mj-lt"/>
-              </a:rPr>
-              <a:t>antonio.roberto@huawei.com</a:t>
-            </a:r>
-          </a:p>
-          <a:p>
-            <a:pPr marL="0" indent="0" algn="r">
-              <a:spcBef>
-                <a:spcPts val="300"/>
-              </a:spcBef>
-              <a:buNone/>
-            </a:pPr>
-            <a:endParaRPr lang="de-CH" sz="2500" dirty="0">
-              <a:latin typeface="+mj-lt"/>
-            </a:endParaRPr>
-          </a:p>
-          <a:p>
-            <a:pPr marL="0" indent="0" algn="r">
-              <a:spcBef>
-                <a:spcPts val="300"/>
-              </a:spcBef>
-              <a:buNone/>
-            </a:pPr>
-            <a:r>
-              <a:rPr lang="de-CH" sz="2500" dirty="0">
-                <a:latin typeface="+mj-lt"/>
-              </a:rPr>
-              <a:t>12. </a:t>
-            </a:r>
-            <a:r>
-              <a:rPr lang="de-CH" sz="2500" dirty="0">
-                <a:latin typeface="+mj-lt"/>
-                <a:ea typeface="+mj-ea"/>
-                <a:cs typeface="+mj-cs"/>
-              </a:rPr>
-              <a:t>March </a:t>
-            </a:r>
-            <a:r>
-              <a:rPr lang="de-CH" sz="2500" dirty="0">
-                <a:latin typeface="+mj-lt"/>
-              </a:rPr>
-              <a:t>2024</a:t>
-            </a:r>
-          </a:p>
-          <a:p>
-            <a:pPr algn="r"/>
-            <a:endParaRPr lang="de-CH" sz="2200" dirty="0"/>
-          </a:p>
-        </p:txBody>
-      </p:sp>
-      <p:pic>
-        <p:nvPicPr>
-          <p:cNvPr id="6" name="Picture 5">
-            <a:extLst>
-              <a:ext uri="{FF2B5EF4-FFF2-40B4-BE49-F238E27FC236}">
-                <a16:creationId xmlns:a16="http://schemas.microsoft.com/office/drawing/2014/main" id="{D4F5E154-1C25-441B-90CF-A1443F6D1EF8}"/>
-              </a:ext>
-            </a:extLst>
-          </p:cNvPr>
-          <p:cNvPicPr>
-            <a:picLocks noChangeAspect="1"/>
-          </p:cNvPicPr>
-          <p:nvPr/>
-        </p:nvPicPr>
-        <p:blipFill>
-          <a:blip r:embed="rId2"/>
-          <a:stretch>
-            <a:fillRect/>
-          </a:stretch>
-        </p:blipFill>
-        <p:spPr>
-          <a:xfrm>
-            <a:off x="9713236" y="1230284"/>
-            <a:ext cx="2220143" cy="4019821"/>
-          </a:xfrm>
-          <a:prstGeom prst="rect">
-            <a:avLst/>
-          </a:prstGeom>
-        </p:spPr>
-      </p:pic>
-      <p:sp>
-        <p:nvSpPr>
-          <p:cNvPr id="8" name="Slide Number Placeholder 1">
-            <a:extLst>
-              <a:ext uri="{FF2B5EF4-FFF2-40B4-BE49-F238E27FC236}">
-                <a16:creationId xmlns:a16="http://schemas.microsoft.com/office/drawing/2014/main" id="{F03D7BF8-F90A-4F8C-8FCE-B1DB1DEC687A}"/>
+          <p:cNvPr id="11" name="Slide Number Placeholder 1">
+            <a:extLst>
+              <a:ext uri="{FF2B5EF4-FFF2-40B4-BE49-F238E27FC236}">
+                <a16:creationId xmlns:a16="http://schemas.microsoft.com/office/drawing/2014/main" id="{512B43D3-8F19-488A-8D0D-979DD7EC8E7E}"/>
               </a:ext>
             </a:extLst>
           </p:cNvPr>
@@ -12074,10 +11829,1035 @@
           </a:p>
         </p:txBody>
       </p:sp>
+      <p:sp>
+        <p:nvSpPr>
+          <p:cNvPr id="6" name="Title 1">
+            <a:extLst>
+              <a:ext uri="{FF2B5EF4-FFF2-40B4-BE49-F238E27FC236}">
+                <a16:creationId xmlns:a16="http://schemas.microsoft.com/office/drawing/2014/main" id="{ABB61075-2877-B162-7D8F-97EC17B8DF39}"/>
+              </a:ext>
+            </a:extLst>
+          </p:cNvPr>
+          <p:cNvSpPr>
+            <a:spLocks noGrp="1"/>
+          </p:cNvSpPr>
+          <p:nvPr>
+            <p:ph type="title"/>
+          </p:nvPr>
+        </p:nvSpPr>
+        <p:spPr>
+          <a:xfrm>
+            <a:off x="838200" y="365125"/>
+            <a:ext cx="10515600" cy="1325563"/>
+          </a:xfrm>
+        </p:spPr>
+        <p:txBody>
+          <a:bodyPr>
+            <a:normAutofit/>
+          </a:bodyPr>
+          <a:lstStyle/>
+          <a:p>
+            <a:r>
+              <a:rPr lang="en-US" sz="2800" b="1" dirty="0"/>
+              <a:t>IETF 119 Hackathon – Antagonist</a:t>
+            </a:r>
+            <a:br>
+              <a:rPr lang="en-US" sz="3600" dirty="0"/>
+            </a:br>
+            <a:r>
+              <a:rPr lang="en-US" sz="2700" dirty="0">
+                <a:solidFill>
+                  <a:schemeClr val="bg2">
+                    <a:lumMod val="75000"/>
+                  </a:schemeClr>
+                </a:solidFill>
+              </a:rPr>
+              <a:t>Labelling a Network Anomalies on Time Series</a:t>
+            </a:r>
+            <a:endParaRPr lang="en-US" sz="2700" dirty="0">
+              <a:solidFill>
+                <a:srgbClr val="FF0000"/>
+              </a:solidFill>
+            </a:endParaRPr>
+          </a:p>
+        </p:txBody>
+      </p:sp>
+      <p:sp>
+        <p:nvSpPr>
+          <p:cNvPr id="12" name="Content Placeholder 2">
+            <a:extLst>
+              <a:ext uri="{FF2B5EF4-FFF2-40B4-BE49-F238E27FC236}">
+                <a16:creationId xmlns:a16="http://schemas.microsoft.com/office/drawing/2014/main" id="{CEA0059B-6D70-AFC2-8A07-439751D4EE13}"/>
+              </a:ext>
+            </a:extLst>
+          </p:cNvPr>
+          <p:cNvSpPr>
+            <a:spLocks noGrp="1"/>
+          </p:cNvSpPr>
+          <p:nvPr>
+            <p:ph idx="1"/>
+          </p:nvPr>
+        </p:nvSpPr>
+        <p:spPr>
+          <a:xfrm>
+            <a:off x="8086725" y="314905"/>
+            <a:ext cx="3797012" cy="922338"/>
+          </a:xfrm>
+        </p:spPr>
+        <p:txBody>
+          <a:bodyPr>
+            <a:noAutofit/>
+          </a:bodyPr>
+          <a:lstStyle/>
+          <a:p>
+            <a:pPr marL="0" indent="0">
+              <a:spcBef>
+                <a:spcPts val="600"/>
+              </a:spcBef>
+              <a:buNone/>
+            </a:pPr>
+            <a:r>
+              <a:rPr lang="en-IE" sz="2000" b="1" dirty="0"/>
+              <a:t>Antagonist allows to move the network anomaly forward in its lifecycle, by adding new revisions</a:t>
+            </a:r>
+          </a:p>
+        </p:txBody>
+      </p:sp>
+      <p:sp>
+        <p:nvSpPr>
+          <p:cNvPr id="2" name="Rectangle 1">
+            <a:extLst>
+              <a:ext uri="{FF2B5EF4-FFF2-40B4-BE49-F238E27FC236}">
+                <a16:creationId xmlns:a16="http://schemas.microsoft.com/office/drawing/2014/main" id="{D6C9D17D-2541-4849-A5CC-C02450DC7869}"/>
+              </a:ext>
+            </a:extLst>
+          </p:cNvPr>
+          <p:cNvSpPr/>
+          <p:nvPr/>
+        </p:nvSpPr>
+        <p:spPr>
+          <a:xfrm>
+            <a:off x="5359400" y="4368800"/>
+            <a:ext cx="2870200" cy="1325563"/>
+          </a:xfrm>
+          <a:prstGeom prst="rect">
+            <a:avLst/>
+          </a:prstGeom>
+          <a:noFill/>
+          <a:ln w="28575">
+            <a:solidFill>
+              <a:srgbClr val="FF0000"/>
+            </a:solidFill>
+          </a:ln>
+        </p:spPr>
+        <p:style>
+          <a:lnRef idx="2">
+            <a:schemeClr val="accent1">
+              <a:shade val="50000"/>
+            </a:schemeClr>
+          </a:lnRef>
+          <a:fillRef idx="1">
+            <a:schemeClr val="accent1"/>
+          </a:fillRef>
+          <a:effectRef idx="0">
+            <a:schemeClr val="accent1"/>
+          </a:effectRef>
+          <a:fontRef idx="minor">
+            <a:schemeClr val="lt1"/>
+          </a:fontRef>
+        </p:style>
+        <p:txBody>
+          <a:bodyPr rtlCol="0" anchor="ctr"/>
+          <a:lstStyle/>
+          <a:p>
+            <a:pPr algn="ctr"/>
+            <a:endParaRPr lang="en-US"/>
+          </a:p>
+        </p:txBody>
+      </p:sp>
+      <p:sp>
+        <p:nvSpPr>
+          <p:cNvPr id="10" name="Content Placeholder 2">
+            <a:extLst>
+              <a:ext uri="{FF2B5EF4-FFF2-40B4-BE49-F238E27FC236}">
+                <a16:creationId xmlns:a16="http://schemas.microsoft.com/office/drawing/2014/main" id="{33AC87D4-2A4E-4A4D-866E-594099D55115}"/>
+              </a:ext>
+            </a:extLst>
+          </p:cNvPr>
+          <p:cNvSpPr txBox="1">
+            <a:spLocks/>
+          </p:cNvSpPr>
+          <p:nvPr/>
+        </p:nvSpPr>
+        <p:spPr>
+          <a:xfrm>
+            <a:off x="1710252" y="1990010"/>
+            <a:ext cx="3369105" cy="693156"/>
+          </a:xfrm>
+          <a:prstGeom prst="rect">
+            <a:avLst/>
+          </a:prstGeom>
+          <a:solidFill>
+            <a:schemeClr val="bg1"/>
+          </a:solidFill>
+          <a:ln>
+            <a:solidFill>
+              <a:schemeClr val="tx1"/>
+            </a:solidFill>
+          </a:ln>
+        </p:spPr>
+        <p:txBody>
+          <a:bodyPr vert="horz" lIns="91440" tIns="45720" rIns="91440" bIns="45720" rtlCol="0">
+            <a:noAutofit/>
+          </a:bodyPr>
+          <a:lstStyle>
+            <a:lvl1pPr marL="228600" indent="-228600" algn="l" defTabSz="914400" rtl="0" eaLnBrk="1" latinLnBrk="0" hangingPunct="1">
+              <a:lnSpc>
+                <a:spcPct val="90000"/>
+              </a:lnSpc>
+              <a:spcBef>
+                <a:spcPts val="1000"/>
+              </a:spcBef>
+              <a:buFont typeface="Arial" panose="020B0604020202020204" pitchFamily="34" charset="0"/>
+              <a:buChar char="•"/>
+              <a:defRPr sz="2800" kern="1200">
+                <a:solidFill>
+                  <a:schemeClr val="tx1"/>
+                </a:solidFill>
+                <a:latin typeface="+mn-lt"/>
+                <a:ea typeface="+mn-ea"/>
+                <a:cs typeface="+mn-cs"/>
+              </a:defRPr>
+            </a:lvl1pPr>
+            <a:lvl2pPr marL="685800" indent="-228600" algn="l" defTabSz="914400" rtl="0" eaLnBrk="1" latinLnBrk="0" hangingPunct="1">
+              <a:lnSpc>
+                <a:spcPct val="90000"/>
+              </a:lnSpc>
+              <a:spcBef>
+                <a:spcPts val="500"/>
+              </a:spcBef>
+              <a:buFont typeface="Arial" panose="020B0604020202020204" pitchFamily="34" charset="0"/>
+              <a:buChar char="•"/>
+              <a:defRPr sz="2400" kern="1200">
+                <a:solidFill>
+                  <a:schemeClr val="tx1"/>
+                </a:solidFill>
+                <a:latin typeface="+mn-lt"/>
+                <a:ea typeface="+mn-ea"/>
+                <a:cs typeface="+mn-cs"/>
+              </a:defRPr>
+            </a:lvl2pPr>
+            <a:lvl3pPr marL="1143000" indent="-228600" algn="l" defTabSz="914400" rtl="0" eaLnBrk="1" latinLnBrk="0" hangingPunct="1">
+              <a:lnSpc>
+                <a:spcPct val="90000"/>
+              </a:lnSpc>
+              <a:spcBef>
+                <a:spcPts val="500"/>
+              </a:spcBef>
+              <a:buFont typeface="Arial" panose="020B0604020202020204" pitchFamily="34" charset="0"/>
+              <a:buChar char="•"/>
+              <a:defRPr sz="2000" kern="1200">
+                <a:solidFill>
+                  <a:schemeClr val="tx1"/>
+                </a:solidFill>
+                <a:latin typeface="+mn-lt"/>
+                <a:ea typeface="+mn-ea"/>
+                <a:cs typeface="+mn-cs"/>
+              </a:defRPr>
+            </a:lvl3pPr>
+            <a:lvl4pPr marL="1600200" indent="-228600" algn="l" defTabSz="914400" rtl="0" eaLnBrk="1" latinLnBrk="0" hangingPunct="1">
+              <a:lnSpc>
+                <a:spcPct val="90000"/>
+              </a:lnSpc>
+              <a:spcBef>
+                <a:spcPts val="500"/>
+              </a:spcBef>
+              <a:buFont typeface="Arial" panose="020B0604020202020204" pitchFamily="34" charset="0"/>
+              <a:buChar char="•"/>
+              <a:defRPr sz="1800" kern="1200">
+                <a:solidFill>
+                  <a:schemeClr val="tx1"/>
+                </a:solidFill>
+                <a:latin typeface="+mn-lt"/>
+                <a:ea typeface="+mn-ea"/>
+                <a:cs typeface="+mn-cs"/>
+              </a:defRPr>
+            </a:lvl4pPr>
+            <a:lvl5pPr marL="2057400" indent="-228600" algn="l" defTabSz="914400" rtl="0" eaLnBrk="1" latinLnBrk="0" hangingPunct="1">
+              <a:lnSpc>
+                <a:spcPct val="90000"/>
+              </a:lnSpc>
+              <a:spcBef>
+                <a:spcPts val="500"/>
+              </a:spcBef>
+              <a:buFont typeface="Arial" panose="020B0604020202020204" pitchFamily="34" charset="0"/>
+              <a:buChar char="•"/>
+              <a:defRPr sz="1800" kern="1200">
+                <a:solidFill>
+                  <a:schemeClr val="tx1"/>
+                </a:solidFill>
+                <a:latin typeface="+mn-lt"/>
+                <a:ea typeface="+mn-ea"/>
+                <a:cs typeface="+mn-cs"/>
+              </a:defRPr>
+            </a:lvl5pPr>
+            <a:lvl6pPr marL="2514600" indent="-228600" algn="l" defTabSz="914400" rtl="0" eaLnBrk="1" latinLnBrk="0" hangingPunct="1">
+              <a:lnSpc>
+                <a:spcPct val="90000"/>
+              </a:lnSpc>
+              <a:spcBef>
+                <a:spcPts val="500"/>
+              </a:spcBef>
+              <a:buFont typeface="Arial" panose="020B0604020202020204" pitchFamily="34" charset="0"/>
+              <a:buChar char="•"/>
+              <a:defRPr sz="1800" kern="1200">
+                <a:solidFill>
+                  <a:schemeClr val="tx1"/>
+                </a:solidFill>
+                <a:latin typeface="+mn-lt"/>
+                <a:ea typeface="+mn-ea"/>
+                <a:cs typeface="+mn-cs"/>
+              </a:defRPr>
+            </a:lvl6pPr>
+            <a:lvl7pPr marL="2971800" indent="-228600" algn="l" defTabSz="914400" rtl="0" eaLnBrk="1" latinLnBrk="0" hangingPunct="1">
+              <a:lnSpc>
+                <a:spcPct val="90000"/>
+              </a:lnSpc>
+              <a:spcBef>
+                <a:spcPts val="500"/>
+              </a:spcBef>
+              <a:buFont typeface="Arial" panose="020B0604020202020204" pitchFamily="34" charset="0"/>
+              <a:buChar char="•"/>
+              <a:defRPr sz="1800" kern="1200">
+                <a:solidFill>
+                  <a:schemeClr val="tx1"/>
+                </a:solidFill>
+                <a:latin typeface="+mn-lt"/>
+                <a:ea typeface="+mn-ea"/>
+                <a:cs typeface="+mn-cs"/>
+              </a:defRPr>
+            </a:lvl7pPr>
+            <a:lvl8pPr marL="3429000" indent="-228600" algn="l" defTabSz="914400" rtl="0" eaLnBrk="1" latinLnBrk="0" hangingPunct="1">
+              <a:lnSpc>
+                <a:spcPct val="90000"/>
+              </a:lnSpc>
+              <a:spcBef>
+                <a:spcPts val="500"/>
+              </a:spcBef>
+              <a:buFont typeface="Arial" panose="020B0604020202020204" pitchFamily="34" charset="0"/>
+              <a:buChar char="•"/>
+              <a:defRPr sz="1800" kern="1200">
+                <a:solidFill>
+                  <a:schemeClr val="tx1"/>
+                </a:solidFill>
+                <a:latin typeface="+mn-lt"/>
+                <a:ea typeface="+mn-ea"/>
+                <a:cs typeface="+mn-cs"/>
+              </a:defRPr>
+            </a:lvl8pPr>
+            <a:lvl9pPr marL="3886200" indent="-228600" algn="l" defTabSz="914400" rtl="0" eaLnBrk="1" latinLnBrk="0" hangingPunct="1">
+              <a:lnSpc>
+                <a:spcPct val="90000"/>
+              </a:lnSpc>
+              <a:spcBef>
+                <a:spcPts val="500"/>
+              </a:spcBef>
+              <a:buFont typeface="Arial" panose="020B0604020202020204" pitchFamily="34" charset="0"/>
+              <a:buChar char="•"/>
+              <a:defRPr sz="1800" kern="1200">
+                <a:solidFill>
+                  <a:schemeClr val="tx1"/>
+                </a:solidFill>
+                <a:latin typeface="+mn-lt"/>
+                <a:ea typeface="+mn-ea"/>
+                <a:cs typeface="+mn-cs"/>
+              </a:defRPr>
+            </a:lvl9pPr>
+          </a:lstStyle>
+          <a:p>
+            <a:pPr marL="0" indent="0">
+              <a:spcBef>
+                <a:spcPts val="600"/>
+              </a:spcBef>
+              <a:buFont typeface="Arial" panose="020B0604020202020204" pitchFamily="34" charset="0"/>
+              <a:buNone/>
+            </a:pPr>
+            <a:r>
+              <a:rPr lang="en-IE" sz="2000" dirty="0"/>
+              <a:t>A list of the identified network anomalies is provided</a:t>
+            </a:r>
+          </a:p>
+        </p:txBody>
+      </p:sp>
+      <p:sp>
+        <p:nvSpPr>
+          <p:cNvPr id="13" name="Content Placeholder 2">
+            <a:extLst>
+              <a:ext uri="{FF2B5EF4-FFF2-40B4-BE49-F238E27FC236}">
+                <a16:creationId xmlns:a16="http://schemas.microsoft.com/office/drawing/2014/main" id="{516D81A4-2633-43A9-97F3-8F1EC9C2CE01}"/>
+              </a:ext>
+            </a:extLst>
+          </p:cNvPr>
+          <p:cNvSpPr txBox="1">
+            <a:spLocks/>
+          </p:cNvSpPr>
+          <p:nvPr/>
+        </p:nvSpPr>
+        <p:spPr>
+          <a:xfrm>
+            <a:off x="5969000" y="3570288"/>
+            <a:ext cx="3885557" cy="693156"/>
+          </a:xfrm>
+          <a:prstGeom prst="rect">
+            <a:avLst/>
+          </a:prstGeom>
+          <a:solidFill>
+            <a:schemeClr val="bg1"/>
+          </a:solidFill>
+          <a:ln>
+            <a:solidFill>
+              <a:schemeClr val="tx1"/>
+            </a:solidFill>
+          </a:ln>
+        </p:spPr>
+        <p:txBody>
+          <a:bodyPr vert="horz" lIns="91440" tIns="45720" rIns="91440" bIns="45720" rtlCol="0">
+            <a:noAutofit/>
+          </a:bodyPr>
+          <a:lstStyle>
+            <a:lvl1pPr marL="228600" indent="-228600" algn="l" defTabSz="914400" rtl="0" eaLnBrk="1" latinLnBrk="0" hangingPunct="1">
+              <a:lnSpc>
+                <a:spcPct val="90000"/>
+              </a:lnSpc>
+              <a:spcBef>
+                <a:spcPts val="1000"/>
+              </a:spcBef>
+              <a:buFont typeface="Arial" panose="020B0604020202020204" pitchFamily="34" charset="0"/>
+              <a:buChar char="•"/>
+              <a:defRPr sz="2800" kern="1200">
+                <a:solidFill>
+                  <a:schemeClr val="tx1"/>
+                </a:solidFill>
+                <a:latin typeface="+mn-lt"/>
+                <a:ea typeface="+mn-ea"/>
+                <a:cs typeface="+mn-cs"/>
+              </a:defRPr>
+            </a:lvl1pPr>
+            <a:lvl2pPr marL="685800" indent="-228600" algn="l" defTabSz="914400" rtl="0" eaLnBrk="1" latinLnBrk="0" hangingPunct="1">
+              <a:lnSpc>
+                <a:spcPct val="90000"/>
+              </a:lnSpc>
+              <a:spcBef>
+                <a:spcPts val="500"/>
+              </a:spcBef>
+              <a:buFont typeface="Arial" panose="020B0604020202020204" pitchFamily="34" charset="0"/>
+              <a:buChar char="•"/>
+              <a:defRPr sz="2400" kern="1200">
+                <a:solidFill>
+                  <a:schemeClr val="tx1"/>
+                </a:solidFill>
+                <a:latin typeface="+mn-lt"/>
+                <a:ea typeface="+mn-ea"/>
+                <a:cs typeface="+mn-cs"/>
+              </a:defRPr>
+            </a:lvl2pPr>
+            <a:lvl3pPr marL="1143000" indent="-228600" algn="l" defTabSz="914400" rtl="0" eaLnBrk="1" latinLnBrk="0" hangingPunct="1">
+              <a:lnSpc>
+                <a:spcPct val="90000"/>
+              </a:lnSpc>
+              <a:spcBef>
+                <a:spcPts val="500"/>
+              </a:spcBef>
+              <a:buFont typeface="Arial" panose="020B0604020202020204" pitchFamily="34" charset="0"/>
+              <a:buChar char="•"/>
+              <a:defRPr sz="2000" kern="1200">
+                <a:solidFill>
+                  <a:schemeClr val="tx1"/>
+                </a:solidFill>
+                <a:latin typeface="+mn-lt"/>
+                <a:ea typeface="+mn-ea"/>
+                <a:cs typeface="+mn-cs"/>
+              </a:defRPr>
+            </a:lvl3pPr>
+            <a:lvl4pPr marL="1600200" indent="-228600" algn="l" defTabSz="914400" rtl="0" eaLnBrk="1" latinLnBrk="0" hangingPunct="1">
+              <a:lnSpc>
+                <a:spcPct val="90000"/>
+              </a:lnSpc>
+              <a:spcBef>
+                <a:spcPts val="500"/>
+              </a:spcBef>
+              <a:buFont typeface="Arial" panose="020B0604020202020204" pitchFamily="34" charset="0"/>
+              <a:buChar char="•"/>
+              <a:defRPr sz="1800" kern="1200">
+                <a:solidFill>
+                  <a:schemeClr val="tx1"/>
+                </a:solidFill>
+                <a:latin typeface="+mn-lt"/>
+                <a:ea typeface="+mn-ea"/>
+                <a:cs typeface="+mn-cs"/>
+              </a:defRPr>
+            </a:lvl4pPr>
+            <a:lvl5pPr marL="2057400" indent="-228600" algn="l" defTabSz="914400" rtl="0" eaLnBrk="1" latinLnBrk="0" hangingPunct="1">
+              <a:lnSpc>
+                <a:spcPct val="90000"/>
+              </a:lnSpc>
+              <a:spcBef>
+                <a:spcPts val="500"/>
+              </a:spcBef>
+              <a:buFont typeface="Arial" panose="020B0604020202020204" pitchFamily="34" charset="0"/>
+              <a:buChar char="•"/>
+              <a:defRPr sz="1800" kern="1200">
+                <a:solidFill>
+                  <a:schemeClr val="tx1"/>
+                </a:solidFill>
+                <a:latin typeface="+mn-lt"/>
+                <a:ea typeface="+mn-ea"/>
+                <a:cs typeface="+mn-cs"/>
+              </a:defRPr>
+            </a:lvl5pPr>
+            <a:lvl6pPr marL="2514600" indent="-228600" algn="l" defTabSz="914400" rtl="0" eaLnBrk="1" latinLnBrk="0" hangingPunct="1">
+              <a:lnSpc>
+                <a:spcPct val="90000"/>
+              </a:lnSpc>
+              <a:spcBef>
+                <a:spcPts val="500"/>
+              </a:spcBef>
+              <a:buFont typeface="Arial" panose="020B0604020202020204" pitchFamily="34" charset="0"/>
+              <a:buChar char="•"/>
+              <a:defRPr sz="1800" kern="1200">
+                <a:solidFill>
+                  <a:schemeClr val="tx1"/>
+                </a:solidFill>
+                <a:latin typeface="+mn-lt"/>
+                <a:ea typeface="+mn-ea"/>
+                <a:cs typeface="+mn-cs"/>
+              </a:defRPr>
+            </a:lvl6pPr>
+            <a:lvl7pPr marL="2971800" indent="-228600" algn="l" defTabSz="914400" rtl="0" eaLnBrk="1" latinLnBrk="0" hangingPunct="1">
+              <a:lnSpc>
+                <a:spcPct val="90000"/>
+              </a:lnSpc>
+              <a:spcBef>
+                <a:spcPts val="500"/>
+              </a:spcBef>
+              <a:buFont typeface="Arial" panose="020B0604020202020204" pitchFamily="34" charset="0"/>
+              <a:buChar char="•"/>
+              <a:defRPr sz="1800" kern="1200">
+                <a:solidFill>
+                  <a:schemeClr val="tx1"/>
+                </a:solidFill>
+                <a:latin typeface="+mn-lt"/>
+                <a:ea typeface="+mn-ea"/>
+                <a:cs typeface="+mn-cs"/>
+              </a:defRPr>
+            </a:lvl7pPr>
+            <a:lvl8pPr marL="3429000" indent="-228600" algn="l" defTabSz="914400" rtl="0" eaLnBrk="1" latinLnBrk="0" hangingPunct="1">
+              <a:lnSpc>
+                <a:spcPct val="90000"/>
+              </a:lnSpc>
+              <a:spcBef>
+                <a:spcPts val="500"/>
+              </a:spcBef>
+              <a:buFont typeface="Arial" panose="020B0604020202020204" pitchFamily="34" charset="0"/>
+              <a:buChar char="•"/>
+              <a:defRPr sz="1800" kern="1200">
+                <a:solidFill>
+                  <a:schemeClr val="tx1"/>
+                </a:solidFill>
+                <a:latin typeface="+mn-lt"/>
+                <a:ea typeface="+mn-ea"/>
+                <a:cs typeface="+mn-cs"/>
+              </a:defRPr>
+            </a:lvl8pPr>
+            <a:lvl9pPr marL="3886200" indent="-228600" algn="l" defTabSz="914400" rtl="0" eaLnBrk="1" latinLnBrk="0" hangingPunct="1">
+              <a:lnSpc>
+                <a:spcPct val="90000"/>
+              </a:lnSpc>
+              <a:spcBef>
+                <a:spcPts val="500"/>
+              </a:spcBef>
+              <a:buFont typeface="Arial" panose="020B0604020202020204" pitchFamily="34" charset="0"/>
+              <a:buChar char="•"/>
+              <a:defRPr sz="1800" kern="1200">
+                <a:solidFill>
+                  <a:schemeClr val="tx1"/>
+                </a:solidFill>
+                <a:latin typeface="+mn-lt"/>
+                <a:ea typeface="+mn-ea"/>
+                <a:cs typeface="+mn-cs"/>
+              </a:defRPr>
+            </a:lvl9pPr>
+          </a:lstStyle>
+          <a:p>
+            <a:pPr marL="0" indent="0">
+              <a:spcBef>
+                <a:spcPts val="600"/>
+              </a:spcBef>
+              <a:buFont typeface="Arial" panose="020B0604020202020204" pitchFamily="34" charset="0"/>
+              <a:buNone/>
+            </a:pPr>
+            <a:r>
+              <a:rPr lang="en-IE" sz="2000" dirty="0"/>
+              <a:t>All the reviews for a selected network anomaly can be analyzed</a:t>
+            </a:r>
+          </a:p>
+        </p:txBody>
+      </p:sp>
+      <p:pic>
+        <p:nvPicPr>
+          <p:cNvPr id="9" name="Google Shape;88;p19">
+            <a:extLst>
+              <a:ext uri="{FF2B5EF4-FFF2-40B4-BE49-F238E27FC236}">
+                <a16:creationId xmlns:a16="http://schemas.microsoft.com/office/drawing/2014/main" id="{4B074432-2A85-458F-B18F-A8D693EF7F58}"/>
+              </a:ext>
+            </a:extLst>
+          </p:cNvPr>
+          <p:cNvPicPr preferRelativeResize="0"/>
+          <p:nvPr/>
+        </p:nvPicPr>
+        <p:blipFill>
+          <a:blip r:embed="rId2">
+            <a:alphaModFix/>
+          </a:blip>
+          <a:stretch>
+            <a:fillRect/>
+          </a:stretch>
+        </p:blipFill>
+        <p:spPr>
+          <a:xfrm>
+            <a:off x="189857" y="1476881"/>
+            <a:ext cx="9900434" cy="5249881"/>
+          </a:xfrm>
+          <a:prstGeom prst="rect">
+            <a:avLst/>
+          </a:prstGeom>
+          <a:noFill/>
+          <a:ln>
+            <a:noFill/>
+          </a:ln>
+        </p:spPr>
+      </p:pic>
+      <p:sp>
+        <p:nvSpPr>
+          <p:cNvPr id="3" name="TextBox 2">
+            <a:extLst>
+              <a:ext uri="{FF2B5EF4-FFF2-40B4-BE49-F238E27FC236}">
+                <a16:creationId xmlns:a16="http://schemas.microsoft.com/office/drawing/2014/main" id="{CF4D43FB-3C0D-4D57-AE67-31F7EB2234FC}"/>
+              </a:ext>
+            </a:extLst>
+          </p:cNvPr>
+          <p:cNvSpPr txBox="1"/>
+          <p:nvPr/>
+        </p:nvSpPr>
+        <p:spPr>
+          <a:xfrm>
+            <a:off x="341761" y="3919538"/>
+            <a:ext cx="1444691" cy="255297"/>
+          </a:xfrm>
+          <a:prstGeom prst="rect">
+            <a:avLst/>
+          </a:prstGeom>
+          <a:solidFill>
+            <a:srgbClr val="272B30"/>
+          </a:solidFill>
+        </p:spPr>
+        <p:txBody>
+          <a:bodyPr wrap="none" rtlCol="0">
+            <a:noAutofit/>
+          </a:bodyPr>
+          <a:lstStyle/>
+          <a:p>
+            <a:r>
+              <a:rPr lang="en-IE" sz="1400" dirty="0">
+                <a:solidFill>
+                  <a:srgbClr val="ACABAB"/>
+                </a:solidFill>
+                <a:latin typeface="Arial" panose="020B0604020202020204" pitchFamily="34" charset="0"/>
+                <a:cs typeface="Arial" panose="020B0604020202020204" pitchFamily="34" charset="0"/>
+              </a:rPr>
+              <a:t>New Revision</a:t>
+            </a:r>
+            <a:endParaRPr lang="en-US" sz="1400" dirty="0">
+              <a:solidFill>
+                <a:srgbClr val="ACABAB"/>
+              </a:solidFill>
+              <a:latin typeface="Arial" panose="020B0604020202020204" pitchFamily="34" charset="0"/>
+              <a:cs typeface="Arial" panose="020B0604020202020204" pitchFamily="34" charset="0"/>
+            </a:endParaRPr>
+          </a:p>
+        </p:txBody>
+      </p:sp>
+      <p:sp>
+        <p:nvSpPr>
+          <p:cNvPr id="4" name="Rectangle 3">
+            <a:extLst>
+              <a:ext uri="{FF2B5EF4-FFF2-40B4-BE49-F238E27FC236}">
+                <a16:creationId xmlns:a16="http://schemas.microsoft.com/office/drawing/2014/main" id="{F41491F3-1936-4F09-B238-61EFC98D7326}"/>
+              </a:ext>
+            </a:extLst>
+          </p:cNvPr>
+          <p:cNvSpPr/>
+          <p:nvPr/>
+        </p:nvSpPr>
+        <p:spPr>
+          <a:xfrm>
+            <a:off x="8532049" y="2829177"/>
+            <a:ext cx="3470094" cy="1047816"/>
+          </a:xfrm>
+          <a:prstGeom prst="rect">
+            <a:avLst/>
+          </a:prstGeom>
+          <a:solidFill>
+            <a:schemeClr val="bg1"/>
+          </a:solidFill>
+          <a:ln>
+            <a:solidFill>
+              <a:schemeClr val="tx1"/>
+            </a:solidFill>
+          </a:ln>
+        </p:spPr>
+        <p:txBody>
+          <a:bodyPr vert="horz" lIns="91440" tIns="45720" rIns="91440" bIns="45720" rtlCol="0">
+            <a:noAutofit/>
+          </a:bodyPr>
+          <a:lstStyle/>
+          <a:p>
+            <a:pPr>
+              <a:lnSpc>
+                <a:spcPct val="90000"/>
+              </a:lnSpc>
+              <a:spcBef>
+                <a:spcPts val="600"/>
+              </a:spcBef>
+            </a:pPr>
+            <a:r>
+              <a:rPr lang="en-IE" sz="1600" dirty="0"/>
+              <a:t>Symptoms can be retrieved by time window and included in the network anomaly list, if they were missed before (e.g. </a:t>
+            </a:r>
+            <a:r>
+              <a:rPr lang="en-IE" sz="1600" b="1" dirty="0">
+                <a:solidFill>
+                  <a:srgbClr val="FF0000"/>
+                </a:solidFill>
+              </a:rPr>
+              <a:t>False Negatives</a:t>
+            </a:r>
+            <a:r>
+              <a:rPr lang="en-IE" sz="1600" dirty="0"/>
+              <a:t>)</a:t>
+            </a:r>
+            <a:endParaRPr lang="en-US" sz="1600" dirty="0"/>
+          </a:p>
+        </p:txBody>
+      </p:sp>
+      <p:sp>
+        <p:nvSpPr>
+          <p:cNvPr id="14" name="Rectangle 13">
+            <a:extLst>
+              <a:ext uri="{FF2B5EF4-FFF2-40B4-BE49-F238E27FC236}">
+                <a16:creationId xmlns:a16="http://schemas.microsoft.com/office/drawing/2014/main" id="{88411255-5407-4DFD-9D3D-F577FB32B4EA}"/>
+              </a:ext>
+            </a:extLst>
+          </p:cNvPr>
+          <p:cNvSpPr/>
+          <p:nvPr/>
+        </p:nvSpPr>
+        <p:spPr>
+          <a:xfrm>
+            <a:off x="341761" y="4912017"/>
+            <a:ext cx="4425950" cy="964908"/>
+          </a:xfrm>
+          <a:prstGeom prst="rect">
+            <a:avLst/>
+          </a:prstGeom>
+          <a:noFill/>
+          <a:ln w="28575">
+            <a:solidFill>
+              <a:srgbClr val="FF0000"/>
+            </a:solidFill>
+          </a:ln>
+        </p:spPr>
+        <p:style>
+          <a:lnRef idx="2">
+            <a:schemeClr val="accent1">
+              <a:shade val="50000"/>
+            </a:schemeClr>
+          </a:lnRef>
+          <a:fillRef idx="1">
+            <a:schemeClr val="accent1"/>
+          </a:fillRef>
+          <a:effectRef idx="0">
+            <a:schemeClr val="accent1"/>
+          </a:effectRef>
+          <a:fontRef idx="minor">
+            <a:schemeClr val="lt1"/>
+          </a:fontRef>
+        </p:style>
+        <p:txBody>
+          <a:bodyPr rtlCol="0" anchor="ctr"/>
+          <a:lstStyle/>
+          <a:p>
+            <a:pPr algn="ctr"/>
+            <a:endParaRPr lang="en-US"/>
+          </a:p>
+        </p:txBody>
+      </p:sp>
+      <p:sp>
+        <p:nvSpPr>
+          <p:cNvPr id="15" name="Rectangle 14">
+            <a:extLst>
+              <a:ext uri="{FF2B5EF4-FFF2-40B4-BE49-F238E27FC236}">
+                <a16:creationId xmlns:a16="http://schemas.microsoft.com/office/drawing/2014/main" id="{983600CC-781B-4017-8A4C-5A3AAA988C71}"/>
+              </a:ext>
+            </a:extLst>
+          </p:cNvPr>
+          <p:cNvSpPr/>
+          <p:nvPr/>
+        </p:nvSpPr>
+        <p:spPr>
+          <a:xfrm>
+            <a:off x="1786452" y="3009667"/>
+            <a:ext cx="3470094" cy="964908"/>
+          </a:xfrm>
+          <a:prstGeom prst="rect">
+            <a:avLst/>
+          </a:prstGeom>
+          <a:solidFill>
+            <a:schemeClr val="bg1"/>
+          </a:solidFill>
+          <a:ln>
+            <a:solidFill>
+              <a:schemeClr val="tx1"/>
+            </a:solidFill>
+          </a:ln>
+        </p:spPr>
+        <p:txBody>
+          <a:bodyPr vert="horz" lIns="91440" tIns="45720" rIns="91440" bIns="45720" rtlCol="0">
+            <a:noAutofit/>
+          </a:bodyPr>
+          <a:lstStyle/>
+          <a:p>
+            <a:pPr>
+              <a:lnSpc>
+                <a:spcPct val="90000"/>
+              </a:lnSpc>
+              <a:spcBef>
+                <a:spcPts val="600"/>
+              </a:spcBef>
+            </a:pPr>
+            <a:r>
+              <a:rPr lang="en-IE" sz="1600" dirty="0"/>
+              <a:t>Existing symptoms in the current version can be removed, if they are deemed irrelevant for the network anomaly (e.g. </a:t>
+            </a:r>
+            <a:r>
+              <a:rPr lang="en-IE" sz="1600" b="1" dirty="0">
+                <a:solidFill>
+                  <a:srgbClr val="FF0000"/>
+                </a:solidFill>
+              </a:rPr>
+              <a:t>False Positives</a:t>
+            </a:r>
+            <a:r>
+              <a:rPr lang="en-IE" sz="1600" dirty="0"/>
+              <a:t>)</a:t>
+            </a:r>
+            <a:endParaRPr lang="en-US" sz="1600" dirty="0">
+              <a:solidFill>
+                <a:schemeClr val="tx1"/>
+              </a:solidFill>
+            </a:endParaRPr>
+          </a:p>
+        </p:txBody>
+      </p:sp>
+      <p:sp>
+        <p:nvSpPr>
+          <p:cNvPr id="16" name="Rectangle 15">
+            <a:extLst>
+              <a:ext uri="{FF2B5EF4-FFF2-40B4-BE49-F238E27FC236}">
+                <a16:creationId xmlns:a16="http://schemas.microsoft.com/office/drawing/2014/main" id="{44EBAD20-B456-43CD-95FE-14A4E4441894}"/>
+              </a:ext>
+            </a:extLst>
+          </p:cNvPr>
+          <p:cNvSpPr/>
+          <p:nvPr/>
+        </p:nvSpPr>
+        <p:spPr>
+          <a:xfrm>
+            <a:off x="5661114" y="3919538"/>
+            <a:ext cx="4425950" cy="2442099"/>
+          </a:xfrm>
+          <a:prstGeom prst="rect">
+            <a:avLst/>
+          </a:prstGeom>
+          <a:noFill/>
+          <a:ln w="28575">
+            <a:solidFill>
+              <a:srgbClr val="FF0000"/>
+            </a:solidFill>
+          </a:ln>
+        </p:spPr>
+        <p:style>
+          <a:lnRef idx="2">
+            <a:schemeClr val="accent1">
+              <a:shade val="50000"/>
+            </a:schemeClr>
+          </a:lnRef>
+          <a:fillRef idx="1">
+            <a:schemeClr val="accent1"/>
+          </a:fillRef>
+          <a:effectRef idx="0">
+            <a:schemeClr val="accent1"/>
+          </a:effectRef>
+          <a:fontRef idx="minor">
+            <a:schemeClr val="lt1"/>
+          </a:fontRef>
+        </p:style>
+        <p:txBody>
+          <a:bodyPr rtlCol="0" anchor="ctr"/>
+          <a:lstStyle/>
+          <a:p>
+            <a:pPr algn="ctr"/>
+            <a:endParaRPr lang="en-US"/>
+          </a:p>
+        </p:txBody>
+      </p:sp>
+      <p:cxnSp>
+        <p:nvCxnSpPr>
+          <p:cNvPr id="7" name="Straight Arrow Connector 6">
+            <a:extLst>
+              <a:ext uri="{FF2B5EF4-FFF2-40B4-BE49-F238E27FC236}">
+                <a16:creationId xmlns:a16="http://schemas.microsoft.com/office/drawing/2014/main" id="{EFB9206D-0A53-415F-A995-116E49BC17B7}"/>
+              </a:ext>
+            </a:extLst>
+          </p:cNvPr>
+          <p:cNvCxnSpPr>
+            <a:cxnSpLocks/>
+            <a:stCxn id="15" idx="2"/>
+          </p:cNvCxnSpPr>
+          <p:nvPr/>
+        </p:nvCxnSpPr>
+        <p:spPr>
+          <a:xfrm flipH="1">
+            <a:off x="2872409" y="3974575"/>
+            <a:ext cx="649090" cy="937441"/>
+          </a:xfrm>
+          <a:prstGeom prst="straightConnector1">
+            <a:avLst/>
+          </a:prstGeom>
+          <a:noFill/>
+          <a:ln w="28575">
+            <a:solidFill>
+              <a:srgbClr val="FF0000"/>
+            </a:solidFill>
+            <a:headEnd type="none" w="med" len="med"/>
+            <a:tailEnd type="triangle" w="med" len="med"/>
+          </a:ln>
+        </p:spPr>
+        <p:style>
+          <a:lnRef idx="2">
+            <a:schemeClr val="accent1">
+              <a:shade val="50000"/>
+            </a:schemeClr>
+          </a:lnRef>
+          <a:fillRef idx="1">
+            <a:schemeClr val="accent1"/>
+          </a:fillRef>
+          <a:effectRef idx="0">
+            <a:schemeClr val="accent1"/>
+          </a:effectRef>
+          <a:fontRef idx="minor">
+            <a:schemeClr val="lt1"/>
+          </a:fontRef>
+        </p:style>
+      </p:cxnSp>
+      <p:cxnSp>
+        <p:nvCxnSpPr>
+          <p:cNvPr id="18" name="Straight Arrow Connector 17">
+            <a:extLst>
+              <a:ext uri="{FF2B5EF4-FFF2-40B4-BE49-F238E27FC236}">
+                <a16:creationId xmlns:a16="http://schemas.microsoft.com/office/drawing/2014/main" id="{EEA34C6A-79B8-4C38-B8B7-2DD461C373F7}"/>
+              </a:ext>
+            </a:extLst>
+          </p:cNvPr>
+          <p:cNvCxnSpPr>
+            <a:cxnSpLocks/>
+          </p:cNvCxnSpPr>
+          <p:nvPr/>
+        </p:nvCxnSpPr>
+        <p:spPr>
+          <a:xfrm>
+            <a:off x="3868644" y="3974575"/>
+            <a:ext cx="1086188" cy="1674623"/>
+          </a:xfrm>
+          <a:prstGeom prst="straightConnector1">
+            <a:avLst/>
+          </a:prstGeom>
+          <a:noFill/>
+          <a:ln w="28575">
+            <a:solidFill>
+              <a:srgbClr val="FF0000"/>
+            </a:solidFill>
+            <a:headEnd type="none" w="med" len="med"/>
+            <a:tailEnd type="triangle" w="med" len="med"/>
+          </a:ln>
+        </p:spPr>
+        <p:style>
+          <a:lnRef idx="2">
+            <a:schemeClr val="accent1">
+              <a:shade val="50000"/>
+            </a:schemeClr>
+          </a:lnRef>
+          <a:fillRef idx="1">
+            <a:schemeClr val="accent1"/>
+          </a:fillRef>
+          <a:effectRef idx="0">
+            <a:schemeClr val="accent1"/>
+          </a:effectRef>
+          <a:fontRef idx="minor">
+            <a:schemeClr val="lt1"/>
+          </a:fontRef>
+        </p:style>
+      </p:cxnSp>
+      <p:sp>
+        <p:nvSpPr>
+          <p:cNvPr id="25" name="TextBox 24">
+            <a:extLst>
+              <a:ext uri="{FF2B5EF4-FFF2-40B4-BE49-F238E27FC236}">
+                <a16:creationId xmlns:a16="http://schemas.microsoft.com/office/drawing/2014/main" id="{C24379B6-CF01-42A8-AC3F-6295FF284E48}"/>
+              </a:ext>
+            </a:extLst>
+          </p:cNvPr>
+          <p:cNvSpPr txBox="1"/>
+          <p:nvPr/>
+        </p:nvSpPr>
+        <p:spPr>
+          <a:xfrm>
+            <a:off x="10311916" y="4047186"/>
+            <a:ext cx="1638942" cy="2677656"/>
+          </a:xfrm>
+          <a:prstGeom prst="rect">
+            <a:avLst/>
+          </a:prstGeom>
+          <a:noFill/>
+        </p:spPr>
+        <p:txBody>
+          <a:bodyPr wrap="square" rtlCol="0">
+            <a:spAutoFit/>
+          </a:bodyPr>
+          <a:lstStyle/>
+          <a:p>
+            <a:r>
+              <a:rPr lang="en-IE" sz="1400" b="1" dirty="0"/>
+              <a:t>The information collected by Antagonist can be used by network engineers to review the network anomaly history or can be provided to AI algorithms as additional knowledge for training.</a:t>
+            </a:r>
+            <a:endParaRPr lang="en-US" sz="1400" b="1" dirty="0"/>
+          </a:p>
+        </p:txBody>
+      </p:sp>
     </p:spTree>
     <p:extLst>
       <p:ext uri="{BB962C8B-B14F-4D97-AF65-F5344CB8AC3E}">
-        <p14:creationId xmlns:p14="http://schemas.microsoft.com/office/powerpoint/2010/main" val="2617504443"/>
+        <p14:creationId xmlns:p14="http://schemas.microsoft.com/office/powerpoint/2010/main" val="3589977660"/>
       </p:ext>
     </p:extLst>
   </p:cSld>
@@ -12431,6 +13211,1243 @@
     <p:extLst>
       <p:ext uri="{BB962C8B-B14F-4D97-AF65-F5344CB8AC3E}">
         <p14:creationId xmlns:p14="http://schemas.microsoft.com/office/powerpoint/2010/main" val="3241116723"/>
+      </p:ext>
+    </p:extLst>
+  </p:cSld>
+  <p:clrMapOvr>
+    <a:masterClrMapping/>
+  </p:clrMapOvr>
+</p:sld>
+</file>
+
+<file path=ppt/slides/slide20.xml><?xml version="1.0" encoding="utf-8"?>
+<p:sld xmlns:a="http://schemas.openxmlformats.org/drawingml/2006/main" xmlns:r="http://schemas.openxmlformats.org/officeDocument/2006/relationships" xmlns:p="http://schemas.openxmlformats.org/presentationml/2006/main">
+  <p:cSld>
+    <p:spTree>
+      <p:nvGrpSpPr>
+        <p:cNvPr id="1" name=""/>
+        <p:cNvGrpSpPr/>
+        <p:nvPr/>
+      </p:nvGrpSpPr>
+      <p:grpSpPr>
+        <a:xfrm>
+          <a:off x="0" y="0"/>
+          <a:ext cx="0" cy="0"/>
+          <a:chOff x="0" y="0"/>
+          <a:chExt cx="0" cy="0"/>
+        </a:xfrm>
+      </p:grpSpPr>
+      <p:sp>
+        <p:nvSpPr>
+          <p:cNvPr id="2" name="Title 1">
+            <a:extLst>
+              <a:ext uri="{FF2B5EF4-FFF2-40B4-BE49-F238E27FC236}">
+                <a16:creationId xmlns:a16="http://schemas.microsoft.com/office/drawing/2014/main" id="{FF20F271-6F0D-4AC0-BB1D-F5C338165C13}"/>
+              </a:ext>
+            </a:extLst>
+          </p:cNvPr>
+          <p:cNvSpPr>
+            <a:spLocks noGrp="1"/>
+          </p:cNvSpPr>
+          <p:nvPr>
+            <p:ph type="title"/>
+          </p:nvPr>
+        </p:nvSpPr>
+        <p:spPr/>
+        <p:txBody>
+          <a:bodyPr>
+            <a:normAutofit/>
+          </a:bodyPr>
+          <a:lstStyle/>
+          <a:p>
+            <a:r>
+              <a:rPr lang="en-US" sz="2800" b="1" dirty="0"/>
+              <a:t>Semantic Metadata Annotation</a:t>
+            </a:r>
+            <a:br>
+              <a:rPr lang="en-GB" sz="3600" dirty="0"/>
+            </a:br>
+            <a:r>
+              <a:rPr lang="en-GB" sz="2700" dirty="0">
+                <a:solidFill>
+                  <a:schemeClr val="bg2">
+                    <a:lumMod val="75000"/>
+                  </a:schemeClr>
+                </a:solidFill>
+              </a:rPr>
+              <a:t>Status, Summary and </a:t>
+            </a:r>
+            <a:r>
+              <a:rPr lang="en-US" sz="2700" dirty="0">
+                <a:solidFill>
+                  <a:schemeClr val="bg2">
+                    <a:lumMod val="75000"/>
+                  </a:schemeClr>
+                </a:solidFill>
+              </a:rPr>
+              <a:t>Next steps</a:t>
+            </a:r>
+          </a:p>
+        </p:txBody>
+      </p:sp>
+      <p:sp>
+        <p:nvSpPr>
+          <p:cNvPr id="3" name="Content Placeholder 2">
+            <a:extLst>
+              <a:ext uri="{FF2B5EF4-FFF2-40B4-BE49-F238E27FC236}">
+                <a16:creationId xmlns:a16="http://schemas.microsoft.com/office/drawing/2014/main" id="{29C0DFD4-432D-4B0C-93DF-790441DCF5B9}"/>
+              </a:ext>
+            </a:extLst>
+          </p:cNvPr>
+          <p:cNvSpPr>
+            <a:spLocks noGrp="1"/>
+          </p:cNvSpPr>
+          <p:nvPr>
+            <p:ph idx="1"/>
+          </p:nvPr>
+        </p:nvSpPr>
+        <p:spPr>
+          <a:xfrm>
+            <a:off x="838199" y="1884420"/>
+            <a:ext cx="8560325" cy="4292543"/>
+          </a:xfrm>
+        </p:spPr>
+        <p:txBody>
+          <a:bodyPr>
+            <a:noAutofit/>
+          </a:bodyPr>
+          <a:lstStyle/>
+          <a:p>
+            <a:pPr marL="0" indent="0">
+              <a:buNone/>
+            </a:pPr>
+            <a:r>
+              <a:rPr lang="en-US" sz="1700" b="1" dirty="0"/>
+              <a:t>Status</a:t>
+            </a:r>
+          </a:p>
+          <a:p>
+            <a:pPr>
+              <a:spcBef>
+                <a:spcPts val="300"/>
+              </a:spcBef>
+            </a:pPr>
+            <a:r>
+              <a:rPr lang="en-US" sz="1700" dirty="0"/>
+              <a:t>In two IETF hackathons we had validated the implementation.</a:t>
+            </a:r>
+          </a:p>
+          <a:p>
+            <a:pPr>
+              <a:spcBef>
+                <a:spcPts val="300"/>
+              </a:spcBef>
+            </a:pPr>
+            <a:r>
+              <a:rPr lang="en-US" sz="1700" dirty="0"/>
+              <a:t>We received positive feedback from IEPG and NMRG at IETF 118 that a standardized exchange of labeled data is required. </a:t>
+            </a:r>
+          </a:p>
+          <a:p>
+            <a:pPr marL="0" indent="0">
+              <a:buNone/>
+            </a:pPr>
+            <a:r>
+              <a:rPr lang="en-US" sz="1700" b="1" dirty="0"/>
+              <a:t>Summary</a:t>
+            </a:r>
+          </a:p>
+          <a:p>
+            <a:pPr>
+              <a:spcBef>
+                <a:spcPts val="300"/>
+              </a:spcBef>
+            </a:pPr>
+            <a:r>
+              <a:rPr lang="en-US" sz="1700" dirty="0"/>
+              <a:t>It bridges network and data engineering, operator, vendors and academia, domains by having the </a:t>
+            </a:r>
+            <a:r>
+              <a:rPr lang="en-US" sz="1700" b="1" dirty="0"/>
+              <a:t>semantics and ontology of network symptoms for operational and analytical data defined</a:t>
+            </a:r>
+            <a:r>
+              <a:rPr lang="en-US" sz="1700" dirty="0"/>
+              <a:t>.</a:t>
+            </a:r>
+          </a:p>
+          <a:p>
+            <a:pPr>
+              <a:spcBef>
+                <a:spcPts val="300"/>
+              </a:spcBef>
+            </a:pPr>
+            <a:r>
+              <a:rPr lang="en-US" sz="1700" dirty="0"/>
+              <a:t>This work will unveil what is missing in Network Telemetry data and provide input to other documents such as draft-</a:t>
+            </a:r>
+            <a:r>
+              <a:rPr lang="en-US" sz="1700" dirty="0" err="1"/>
+              <a:t>davis</a:t>
+            </a:r>
+            <a:r>
+              <a:rPr lang="en-US" sz="1700" dirty="0"/>
+              <a:t>-</a:t>
+            </a:r>
+            <a:r>
+              <a:rPr lang="en-US" sz="1700" dirty="0" err="1"/>
+              <a:t>nmop</a:t>
+            </a:r>
+            <a:r>
+              <a:rPr lang="en-US" sz="1700" dirty="0"/>
+              <a:t>-incident-terminology to enable a more detailed and holistic view for networks.</a:t>
+            </a:r>
+            <a:endParaRPr lang="en-US" sz="1700" b="1" dirty="0"/>
+          </a:p>
+          <a:p>
+            <a:pPr>
+              <a:spcBef>
+                <a:spcPts val="300"/>
+              </a:spcBef>
+            </a:pPr>
+            <a:r>
+              <a:rPr lang="en-US" sz="1700" b="1" dirty="0"/>
+              <a:t>Do you realize the benefit of having standardized semantic metadata annotation for Network Anomaly Detection and how it helps network operators, vendor and academia to collaborate?</a:t>
+            </a:r>
+          </a:p>
+          <a:p>
+            <a:pPr>
+              <a:spcBef>
+                <a:spcPts val="300"/>
+              </a:spcBef>
+            </a:pPr>
+            <a:r>
+              <a:rPr lang="en-US" sz="1700" b="1" dirty="0">
+                <a:solidFill>
+                  <a:srgbClr val="FF0000"/>
+                </a:solidFill>
+              </a:rPr>
+              <a:t>-&gt; What are your thoughts and comments?</a:t>
+            </a:r>
+          </a:p>
+          <a:p>
+            <a:pPr marL="0" indent="0">
+              <a:buNone/>
+            </a:pPr>
+            <a:r>
+              <a:rPr lang="en-US" sz="1700" b="1" dirty="0"/>
+              <a:t>Next Steps</a:t>
+            </a:r>
+            <a:endParaRPr lang="en-US" sz="1700" dirty="0"/>
+          </a:p>
+          <a:p>
+            <a:pPr>
+              <a:spcBef>
+                <a:spcPts val="300"/>
+              </a:spcBef>
+            </a:pPr>
+            <a:r>
+              <a:rPr lang="en-US" sz="1700" b="1" dirty="0">
+                <a:solidFill>
+                  <a:srgbClr val="FF0000"/>
+                </a:solidFill>
+              </a:rPr>
+              <a:t>-&gt; We request NMOP working group adoption.</a:t>
+            </a:r>
+          </a:p>
+        </p:txBody>
+      </p:sp>
+      <p:sp>
+        <p:nvSpPr>
+          <p:cNvPr id="7" name="Subtitle 4">
+            <a:extLst>
+              <a:ext uri="{FF2B5EF4-FFF2-40B4-BE49-F238E27FC236}">
+                <a16:creationId xmlns:a16="http://schemas.microsoft.com/office/drawing/2014/main" id="{BF6DCC5D-2508-4A9B-B734-C8C5147F93FB}"/>
+              </a:ext>
+            </a:extLst>
+          </p:cNvPr>
+          <p:cNvSpPr txBox="1">
+            <a:spLocks/>
+          </p:cNvSpPr>
+          <p:nvPr/>
+        </p:nvSpPr>
+        <p:spPr>
+          <a:xfrm>
+            <a:off x="838200" y="5328459"/>
+            <a:ext cx="11163943" cy="1033178"/>
+          </a:xfrm>
+          <a:prstGeom prst="rect">
+            <a:avLst/>
+          </a:prstGeom>
+        </p:spPr>
+        <p:txBody>
+          <a:bodyPr vert="horz" lIns="91440" tIns="45720" rIns="91440" bIns="45720" rtlCol="0">
+            <a:normAutofit fontScale="32500" lnSpcReduction="20000"/>
+          </a:bodyPr>
+          <a:lstStyle>
+            <a:lvl1pPr marL="228600" indent="-228600" algn="l" defTabSz="914400" rtl="0" eaLnBrk="1" latinLnBrk="0" hangingPunct="1">
+              <a:lnSpc>
+                <a:spcPct val="90000"/>
+              </a:lnSpc>
+              <a:spcBef>
+                <a:spcPts val="1000"/>
+              </a:spcBef>
+              <a:buFont typeface="Arial" panose="020B0604020202020204" pitchFamily="34" charset="0"/>
+              <a:buChar char="•"/>
+              <a:defRPr sz="2800" kern="1200">
+                <a:solidFill>
+                  <a:schemeClr val="tx1"/>
+                </a:solidFill>
+                <a:latin typeface="+mn-lt"/>
+                <a:ea typeface="+mn-ea"/>
+                <a:cs typeface="+mn-cs"/>
+              </a:defRPr>
+            </a:lvl1pPr>
+            <a:lvl2pPr marL="685800" indent="-228600" algn="l" defTabSz="914400" rtl="0" eaLnBrk="1" latinLnBrk="0" hangingPunct="1">
+              <a:lnSpc>
+                <a:spcPct val="90000"/>
+              </a:lnSpc>
+              <a:spcBef>
+                <a:spcPts val="500"/>
+              </a:spcBef>
+              <a:buFont typeface="Arial" panose="020B0604020202020204" pitchFamily="34" charset="0"/>
+              <a:buChar char="•"/>
+              <a:defRPr sz="2400" kern="1200">
+                <a:solidFill>
+                  <a:schemeClr val="tx1"/>
+                </a:solidFill>
+                <a:latin typeface="+mn-lt"/>
+                <a:ea typeface="+mn-ea"/>
+                <a:cs typeface="+mn-cs"/>
+              </a:defRPr>
+            </a:lvl2pPr>
+            <a:lvl3pPr marL="1143000" indent="-228600" algn="l" defTabSz="914400" rtl="0" eaLnBrk="1" latinLnBrk="0" hangingPunct="1">
+              <a:lnSpc>
+                <a:spcPct val="90000"/>
+              </a:lnSpc>
+              <a:spcBef>
+                <a:spcPts val="500"/>
+              </a:spcBef>
+              <a:buFont typeface="Arial" panose="020B0604020202020204" pitchFamily="34" charset="0"/>
+              <a:buChar char="•"/>
+              <a:defRPr sz="2000" kern="1200">
+                <a:solidFill>
+                  <a:schemeClr val="tx1"/>
+                </a:solidFill>
+                <a:latin typeface="+mn-lt"/>
+                <a:ea typeface="+mn-ea"/>
+                <a:cs typeface="+mn-cs"/>
+              </a:defRPr>
+            </a:lvl3pPr>
+            <a:lvl4pPr marL="1600200" indent="-228600" algn="l" defTabSz="914400" rtl="0" eaLnBrk="1" latinLnBrk="0" hangingPunct="1">
+              <a:lnSpc>
+                <a:spcPct val="90000"/>
+              </a:lnSpc>
+              <a:spcBef>
+                <a:spcPts val="500"/>
+              </a:spcBef>
+              <a:buFont typeface="Arial" panose="020B0604020202020204" pitchFamily="34" charset="0"/>
+              <a:buChar char="•"/>
+              <a:defRPr sz="1800" kern="1200">
+                <a:solidFill>
+                  <a:schemeClr val="tx1"/>
+                </a:solidFill>
+                <a:latin typeface="+mn-lt"/>
+                <a:ea typeface="+mn-ea"/>
+                <a:cs typeface="+mn-cs"/>
+              </a:defRPr>
+            </a:lvl4pPr>
+            <a:lvl5pPr marL="2057400" indent="-228600" algn="l" defTabSz="914400" rtl="0" eaLnBrk="1" latinLnBrk="0" hangingPunct="1">
+              <a:lnSpc>
+                <a:spcPct val="90000"/>
+              </a:lnSpc>
+              <a:spcBef>
+                <a:spcPts val="500"/>
+              </a:spcBef>
+              <a:buFont typeface="Arial" panose="020B0604020202020204" pitchFamily="34" charset="0"/>
+              <a:buChar char="•"/>
+              <a:defRPr sz="1800" kern="1200">
+                <a:solidFill>
+                  <a:schemeClr val="tx1"/>
+                </a:solidFill>
+                <a:latin typeface="+mn-lt"/>
+                <a:ea typeface="+mn-ea"/>
+                <a:cs typeface="+mn-cs"/>
+              </a:defRPr>
+            </a:lvl5pPr>
+            <a:lvl6pPr marL="2514600" indent="-228600" algn="l" defTabSz="914400" rtl="0" eaLnBrk="1" latinLnBrk="0" hangingPunct="1">
+              <a:lnSpc>
+                <a:spcPct val="90000"/>
+              </a:lnSpc>
+              <a:spcBef>
+                <a:spcPts val="500"/>
+              </a:spcBef>
+              <a:buFont typeface="Arial" panose="020B0604020202020204" pitchFamily="34" charset="0"/>
+              <a:buChar char="•"/>
+              <a:defRPr sz="1800" kern="1200">
+                <a:solidFill>
+                  <a:schemeClr val="tx1"/>
+                </a:solidFill>
+                <a:latin typeface="+mn-lt"/>
+                <a:ea typeface="+mn-ea"/>
+                <a:cs typeface="+mn-cs"/>
+              </a:defRPr>
+            </a:lvl6pPr>
+            <a:lvl7pPr marL="2971800" indent="-228600" algn="l" defTabSz="914400" rtl="0" eaLnBrk="1" latinLnBrk="0" hangingPunct="1">
+              <a:lnSpc>
+                <a:spcPct val="90000"/>
+              </a:lnSpc>
+              <a:spcBef>
+                <a:spcPts val="500"/>
+              </a:spcBef>
+              <a:buFont typeface="Arial" panose="020B0604020202020204" pitchFamily="34" charset="0"/>
+              <a:buChar char="•"/>
+              <a:defRPr sz="1800" kern="1200">
+                <a:solidFill>
+                  <a:schemeClr val="tx1"/>
+                </a:solidFill>
+                <a:latin typeface="+mn-lt"/>
+                <a:ea typeface="+mn-ea"/>
+                <a:cs typeface="+mn-cs"/>
+              </a:defRPr>
+            </a:lvl7pPr>
+            <a:lvl8pPr marL="3429000" indent="-228600" algn="l" defTabSz="914400" rtl="0" eaLnBrk="1" latinLnBrk="0" hangingPunct="1">
+              <a:lnSpc>
+                <a:spcPct val="90000"/>
+              </a:lnSpc>
+              <a:spcBef>
+                <a:spcPts val="500"/>
+              </a:spcBef>
+              <a:buFont typeface="Arial" panose="020B0604020202020204" pitchFamily="34" charset="0"/>
+              <a:buChar char="•"/>
+              <a:defRPr sz="1800" kern="1200">
+                <a:solidFill>
+                  <a:schemeClr val="tx1"/>
+                </a:solidFill>
+                <a:latin typeface="+mn-lt"/>
+                <a:ea typeface="+mn-ea"/>
+                <a:cs typeface="+mn-cs"/>
+              </a:defRPr>
+            </a:lvl8pPr>
+            <a:lvl9pPr marL="3886200" indent="-228600" algn="l" defTabSz="914400" rtl="0" eaLnBrk="1" latinLnBrk="0" hangingPunct="1">
+              <a:lnSpc>
+                <a:spcPct val="90000"/>
+              </a:lnSpc>
+              <a:spcBef>
+                <a:spcPts val="500"/>
+              </a:spcBef>
+              <a:buFont typeface="Arial" panose="020B0604020202020204" pitchFamily="34" charset="0"/>
+              <a:buChar char="•"/>
+              <a:defRPr sz="1800" kern="1200">
+                <a:solidFill>
+                  <a:schemeClr val="tx1"/>
+                </a:solidFill>
+                <a:latin typeface="+mn-lt"/>
+                <a:ea typeface="+mn-ea"/>
+                <a:cs typeface="+mn-cs"/>
+              </a:defRPr>
+            </a:lvl9pPr>
+          </a:lstStyle>
+          <a:p>
+            <a:pPr marL="0" indent="0" algn="r">
+              <a:spcBef>
+                <a:spcPts val="300"/>
+              </a:spcBef>
+              <a:buNone/>
+              <a:defRPr sz="1782"/>
+            </a:pPr>
+            <a:r>
+              <a:rPr lang="de-CH" sz="2800" dirty="0">
+                <a:latin typeface="+mj-lt"/>
+              </a:rPr>
+              <a:t>thomas.graf@swisscom.com</a:t>
+            </a:r>
+            <a:br>
+              <a:rPr lang="de-CH" sz="2800" dirty="0">
+                <a:latin typeface="+mj-lt"/>
+              </a:rPr>
+            </a:br>
+            <a:r>
+              <a:rPr lang="de-CH" sz="2800" dirty="0">
+                <a:latin typeface="+mj-lt"/>
+              </a:rPr>
+              <a:t>wanting.du@swisscom.com</a:t>
+            </a:r>
+          </a:p>
+          <a:p>
+            <a:pPr marL="0" indent="0" algn="r">
+              <a:spcBef>
+                <a:spcPts val="300"/>
+              </a:spcBef>
+              <a:buNone/>
+              <a:defRPr sz="1782"/>
+            </a:pPr>
+            <a:r>
+              <a:rPr lang="de-CH" sz="2800" dirty="0">
+                <a:latin typeface="+mj-lt"/>
+              </a:rPr>
+              <a:t>alex.huang-feng@insa-lyon.fr</a:t>
+            </a:r>
+          </a:p>
+          <a:p>
+            <a:pPr marL="0" indent="0" algn="r">
+              <a:spcBef>
+                <a:spcPts val="300"/>
+              </a:spcBef>
+              <a:buNone/>
+              <a:defRPr sz="1782"/>
+            </a:pPr>
+            <a:r>
+              <a:rPr lang="de-CH" sz="2800" dirty="0">
+                <a:latin typeface="+mj-lt"/>
+              </a:rPr>
+              <a:t>vincenzo.riccobene@huawei-partners.com</a:t>
+            </a:r>
+          </a:p>
+          <a:p>
+            <a:pPr marL="0" indent="0" algn="r">
+              <a:spcBef>
+                <a:spcPts val="300"/>
+              </a:spcBef>
+              <a:buNone/>
+              <a:defRPr sz="1782"/>
+            </a:pPr>
+            <a:r>
+              <a:rPr lang="de-CH" sz="2800" dirty="0">
+                <a:latin typeface="+mj-lt"/>
+              </a:rPr>
+              <a:t>antonio.roberto@huawei.com</a:t>
+            </a:r>
+          </a:p>
+          <a:p>
+            <a:pPr marL="0" indent="0" algn="r">
+              <a:spcBef>
+                <a:spcPts val="300"/>
+              </a:spcBef>
+              <a:buNone/>
+            </a:pPr>
+            <a:endParaRPr lang="de-CH" sz="2500" dirty="0">
+              <a:latin typeface="+mj-lt"/>
+            </a:endParaRPr>
+          </a:p>
+          <a:p>
+            <a:pPr marL="0" indent="0" algn="r">
+              <a:spcBef>
+                <a:spcPts val="300"/>
+              </a:spcBef>
+              <a:buNone/>
+            </a:pPr>
+            <a:r>
+              <a:rPr lang="de-CH" sz="2500" dirty="0">
+                <a:latin typeface="+mj-lt"/>
+              </a:rPr>
+              <a:t>13. </a:t>
+            </a:r>
+            <a:r>
+              <a:rPr lang="de-CH" sz="2500" dirty="0">
+                <a:latin typeface="+mj-lt"/>
+                <a:ea typeface="+mj-ea"/>
+                <a:cs typeface="+mj-cs"/>
+              </a:rPr>
+              <a:t>March </a:t>
+            </a:r>
+            <a:r>
+              <a:rPr lang="de-CH" sz="2500" dirty="0">
+                <a:latin typeface="+mj-lt"/>
+              </a:rPr>
+              <a:t>2024</a:t>
+            </a:r>
+          </a:p>
+          <a:p>
+            <a:pPr algn="r"/>
+            <a:endParaRPr lang="de-CH" sz="2200" dirty="0"/>
+          </a:p>
+        </p:txBody>
+      </p:sp>
+      <p:pic>
+        <p:nvPicPr>
+          <p:cNvPr id="6" name="Picture 5">
+            <a:extLst>
+              <a:ext uri="{FF2B5EF4-FFF2-40B4-BE49-F238E27FC236}">
+                <a16:creationId xmlns:a16="http://schemas.microsoft.com/office/drawing/2014/main" id="{D4F5E154-1C25-441B-90CF-A1443F6D1EF8}"/>
+              </a:ext>
+            </a:extLst>
+          </p:cNvPr>
+          <p:cNvPicPr>
+            <a:picLocks noChangeAspect="1"/>
+          </p:cNvPicPr>
+          <p:nvPr/>
+        </p:nvPicPr>
+        <p:blipFill>
+          <a:blip r:embed="rId2"/>
+          <a:stretch>
+            <a:fillRect/>
+          </a:stretch>
+        </p:blipFill>
+        <p:spPr>
+          <a:xfrm>
+            <a:off x="9713236" y="1230284"/>
+            <a:ext cx="2220143" cy="4019821"/>
+          </a:xfrm>
+          <a:prstGeom prst="rect">
+            <a:avLst/>
+          </a:prstGeom>
+        </p:spPr>
+      </p:pic>
+      <p:sp>
+        <p:nvSpPr>
+          <p:cNvPr id="8" name="Slide Number Placeholder 1">
+            <a:extLst>
+              <a:ext uri="{FF2B5EF4-FFF2-40B4-BE49-F238E27FC236}">
+                <a16:creationId xmlns:a16="http://schemas.microsoft.com/office/drawing/2014/main" id="{F03D7BF8-F90A-4F8C-8FCE-B1DB1DEC687A}"/>
+              </a:ext>
+            </a:extLst>
+          </p:cNvPr>
+          <p:cNvSpPr>
+            <a:spLocks noGrp="1"/>
+          </p:cNvSpPr>
+          <p:nvPr>
+            <p:ph type="sldNum" sz="quarter" idx="12"/>
+          </p:nvPr>
+        </p:nvSpPr>
+        <p:spPr>
+          <a:xfrm>
+            <a:off x="11587892" y="6361637"/>
+            <a:ext cx="414251" cy="365125"/>
+          </a:xfrm>
+        </p:spPr>
+        <p:txBody>
+          <a:bodyPr/>
+          <a:lstStyle/>
+          <a:p>
+            <a:fld id="{FC4AC485-25DE-431E-B345-9C0A15BB7F8A}" type="slidenum">
+              <a:rPr lang="de-CH" sz="1400" smtClean="0"/>
+              <a:t>20</a:t>
+            </a:fld>
+            <a:endParaRPr lang="de-CH" sz="1400" dirty="0"/>
+          </a:p>
+        </p:txBody>
+      </p:sp>
+    </p:spTree>
+    <p:extLst>
+      <p:ext uri="{BB962C8B-B14F-4D97-AF65-F5344CB8AC3E}">
+        <p14:creationId xmlns:p14="http://schemas.microsoft.com/office/powerpoint/2010/main" val="2578889968"/>
+      </p:ext>
+    </p:extLst>
+  </p:cSld>
+  <p:clrMapOvr>
+    <a:masterClrMapping/>
+  </p:clrMapOvr>
+</p:sld>
+</file>
+
+<file path=ppt/slides/slide21.xml><?xml version="1.0" encoding="utf-8"?>
+<p:sld xmlns:a="http://schemas.openxmlformats.org/drawingml/2006/main" xmlns:r="http://schemas.openxmlformats.org/officeDocument/2006/relationships" xmlns:p="http://schemas.openxmlformats.org/presentationml/2006/main">
+  <p:cSld>
+    <p:spTree>
+      <p:nvGrpSpPr>
+        <p:cNvPr id="1" name=""/>
+        <p:cNvGrpSpPr/>
+        <p:nvPr/>
+      </p:nvGrpSpPr>
+      <p:grpSpPr>
+        <a:xfrm>
+          <a:off x="0" y="0"/>
+          <a:ext cx="0" cy="0"/>
+          <a:chOff x="0" y="0"/>
+          <a:chExt cx="0" cy="0"/>
+        </a:xfrm>
+      </p:grpSpPr>
+      <p:sp>
+        <p:nvSpPr>
+          <p:cNvPr id="2" name="Title 1">
+            <a:extLst>
+              <a:ext uri="{FF2B5EF4-FFF2-40B4-BE49-F238E27FC236}">
+                <a16:creationId xmlns:a16="http://schemas.microsoft.com/office/drawing/2014/main" id="{FF20F271-6F0D-4AC0-BB1D-F5C338165C13}"/>
+              </a:ext>
+            </a:extLst>
+          </p:cNvPr>
+          <p:cNvSpPr>
+            <a:spLocks noGrp="1"/>
+          </p:cNvSpPr>
+          <p:nvPr>
+            <p:ph type="title"/>
+          </p:nvPr>
+        </p:nvSpPr>
+        <p:spPr/>
+        <p:txBody>
+          <a:bodyPr>
+            <a:normAutofit/>
+          </a:bodyPr>
+          <a:lstStyle/>
+          <a:p>
+            <a:r>
+              <a:rPr lang="en-US" sz="2800" b="1" dirty="0"/>
+              <a:t>Experiment: Network Anomaly Lifecycle</a:t>
+            </a:r>
+            <a:br>
+              <a:rPr lang="en-GB" sz="3600" dirty="0"/>
+            </a:br>
+            <a:r>
+              <a:rPr lang="en-GB" sz="2700" dirty="0">
+                <a:solidFill>
+                  <a:schemeClr val="bg2">
+                    <a:lumMod val="75000"/>
+                  </a:schemeClr>
+                </a:solidFill>
+              </a:rPr>
+              <a:t>Status, Summary and </a:t>
+            </a:r>
+            <a:r>
+              <a:rPr lang="en-US" sz="2700" dirty="0">
+                <a:solidFill>
+                  <a:schemeClr val="bg2">
+                    <a:lumMod val="75000"/>
+                  </a:schemeClr>
+                </a:solidFill>
+              </a:rPr>
+              <a:t>Next steps</a:t>
+            </a:r>
+          </a:p>
+        </p:txBody>
+      </p:sp>
+      <p:sp>
+        <p:nvSpPr>
+          <p:cNvPr id="3" name="Content Placeholder 2">
+            <a:extLst>
+              <a:ext uri="{FF2B5EF4-FFF2-40B4-BE49-F238E27FC236}">
+                <a16:creationId xmlns:a16="http://schemas.microsoft.com/office/drawing/2014/main" id="{29C0DFD4-432D-4B0C-93DF-790441DCF5B9}"/>
+              </a:ext>
+            </a:extLst>
+          </p:cNvPr>
+          <p:cNvSpPr>
+            <a:spLocks noGrp="1"/>
+          </p:cNvSpPr>
+          <p:nvPr>
+            <p:ph idx="1"/>
+          </p:nvPr>
+        </p:nvSpPr>
+        <p:spPr>
+          <a:xfrm>
+            <a:off x="838199" y="1884420"/>
+            <a:ext cx="8560325" cy="4292543"/>
+          </a:xfrm>
+        </p:spPr>
+        <p:txBody>
+          <a:bodyPr>
+            <a:noAutofit/>
+          </a:bodyPr>
+          <a:lstStyle/>
+          <a:p>
+            <a:pPr marL="0" indent="0">
+              <a:buNone/>
+            </a:pPr>
+            <a:r>
+              <a:rPr lang="en-US" sz="1700" b="1" dirty="0"/>
+              <a:t>Status</a:t>
+            </a:r>
+          </a:p>
+          <a:p>
+            <a:pPr>
+              <a:spcBef>
+                <a:spcPts val="300"/>
+              </a:spcBef>
+            </a:pPr>
+            <a:r>
+              <a:rPr lang="en-US" sz="1700" dirty="0"/>
+              <a:t>First publication and hackathon implementation.</a:t>
+            </a:r>
+          </a:p>
+          <a:p>
+            <a:pPr marL="0" indent="0">
+              <a:buNone/>
+            </a:pPr>
+            <a:r>
+              <a:rPr lang="en-US" sz="1700" b="1" dirty="0"/>
+              <a:t>Summary</a:t>
+            </a:r>
+          </a:p>
+          <a:p>
+            <a:pPr>
+              <a:spcBef>
+                <a:spcPts val="300"/>
+              </a:spcBef>
+            </a:pPr>
+            <a:r>
+              <a:rPr lang="en-US" sz="1700" dirty="0"/>
+              <a:t>It defines the Network Anomaly lifecycle by providing a structured way to perform post-mortem analysis iteratively and improve the network anomaly detection methodology.</a:t>
+            </a:r>
+          </a:p>
+          <a:p>
+            <a:pPr>
+              <a:spcBef>
+                <a:spcPts val="300"/>
+              </a:spcBef>
+            </a:pPr>
+            <a:r>
+              <a:rPr lang="en-IE" sz="1700" b="1" dirty="0"/>
+              <a:t>Our future intention: expanding and validate this approach on real use case scenarios on Swisscom network incident data.</a:t>
+            </a:r>
+            <a:endParaRPr lang="en-US" sz="1700" b="1" dirty="0"/>
+          </a:p>
+          <a:p>
+            <a:pPr>
+              <a:spcBef>
+                <a:spcPts val="300"/>
+              </a:spcBef>
+            </a:pPr>
+            <a:r>
+              <a:rPr lang="en-US" sz="1700" dirty="0"/>
+              <a:t>This work will provide input to draft-</a:t>
+            </a:r>
+            <a:r>
+              <a:rPr lang="en-US" sz="1700" dirty="0" err="1"/>
+              <a:t>davis</a:t>
+            </a:r>
+            <a:r>
+              <a:rPr lang="en-US" sz="1700" dirty="0"/>
+              <a:t>-</a:t>
+            </a:r>
+            <a:r>
+              <a:rPr lang="en-US" sz="1700" dirty="0" err="1"/>
+              <a:t>nmop</a:t>
+            </a:r>
+            <a:r>
+              <a:rPr lang="en-US" sz="1700" dirty="0"/>
+              <a:t>-incident-terminology and complement other documents such as RFC 8632 and draft-feng-opsawg-incident-management where semantics for alerts and incidents are defined.</a:t>
+            </a:r>
+            <a:endParaRPr lang="en-US" sz="1700" b="1" dirty="0"/>
+          </a:p>
+          <a:p>
+            <a:pPr>
+              <a:spcBef>
+                <a:spcPts val="300"/>
+              </a:spcBef>
+            </a:pPr>
+            <a:r>
+              <a:rPr lang="en-US" sz="1700" b="1" dirty="0"/>
+              <a:t>Do you realize the benefit of having a defined workflow and semantics to automate the Network Anomaly Lifecycle?</a:t>
+            </a:r>
+          </a:p>
+          <a:p>
+            <a:pPr>
+              <a:spcBef>
+                <a:spcPts val="300"/>
+              </a:spcBef>
+            </a:pPr>
+            <a:r>
+              <a:rPr lang="en-US" sz="1700" b="1" dirty="0">
+                <a:solidFill>
+                  <a:srgbClr val="FF0000"/>
+                </a:solidFill>
+              </a:rPr>
+              <a:t>-&gt; What are your thoughts and comments?</a:t>
+            </a:r>
+          </a:p>
+          <a:p>
+            <a:pPr marL="0" indent="0">
+              <a:spcBef>
+                <a:spcPts val="300"/>
+              </a:spcBef>
+              <a:buNone/>
+            </a:pPr>
+            <a:r>
+              <a:rPr lang="en-US" sz="1700" b="1" dirty="0"/>
+              <a:t>Next Steps</a:t>
+            </a:r>
+          </a:p>
+          <a:p>
+            <a:pPr>
+              <a:spcBef>
+                <a:spcPts val="300"/>
+              </a:spcBef>
+            </a:pPr>
+            <a:r>
+              <a:rPr lang="en-US" sz="1700" b="1" dirty="0">
+                <a:solidFill>
+                  <a:srgbClr val="FF0000"/>
+                </a:solidFill>
+              </a:rPr>
+              <a:t>-&gt; Collect feedback.</a:t>
+            </a:r>
+          </a:p>
+        </p:txBody>
+      </p:sp>
+      <p:sp>
+        <p:nvSpPr>
+          <p:cNvPr id="7" name="Subtitle 4">
+            <a:extLst>
+              <a:ext uri="{FF2B5EF4-FFF2-40B4-BE49-F238E27FC236}">
+                <a16:creationId xmlns:a16="http://schemas.microsoft.com/office/drawing/2014/main" id="{BF6DCC5D-2508-4A9B-B734-C8C5147F93FB}"/>
+              </a:ext>
+            </a:extLst>
+          </p:cNvPr>
+          <p:cNvSpPr txBox="1">
+            <a:spLocks/>
+          </p:cNvSpPr>
+          <p:nvPr/>
+        </p:nvSpPr>
+        <p:spPr>
+          <a:xfrm>
+            <a:off x="838200" y="5328459"/>
+            <a:ext cx="11163943" cy="1033178"/>
+          </a:xfrm>
+          <a:prstGeom prst="rect">
+            <a:avLst/>
+          </a:prstGeom>
+        </p:spPr>
+        <p:txBody>
+          <a:bodyPr vert="horz" lIns="91440" tIns="45720" rIns="91440" bIns="45720" rtlCol="0">
+            <a:normAutofit fontScale="32500" lnSpcReduction="20000"/>
+          </a:bodyPr>
+          <a:lstStyle>
+            <a:lvl1pPr marL="228600" indent="-228600" algn="l" defTabSz="914400" rtl="0" eaLnBrk="1" latinLnBrk="0" hangingPunct="1">
+              <a:lnSpc>
+                <a:spcPct val="90000"/>
+              </a:lnSpc>
+              <a:spcBef>
+                <a:spcPts val="1000"/>
+              </a:spcBef>
+              <a:buFont typeface="Arial" panose="020B0604020202020204" pitchFamily="34" charset="0"/>
+              <a:buChar char="•"/>
+              <a:defRPr sz="2800" kern="1200">
+                <a:solidFill>
+                  <a:schemeClr val="tx1"/>
+                </a:solidFill>
+                <a:latin typeface="+mn-lt"/>
+                <a:ea typeface="+mn-ea"/>
+                <a:cs typeface="+mn-cs"/>
+              </a:defRPr>
+            </a:lvl1pPr>
+            <a:lvl2pPr marL="685800" indent="-228600" algn="l" defTabSz="914400" rtl="0" eaLnBrk="1" latinLnBrk="0" hangingPunct="1">
+              <a:lnSpc>
+                <a:spcPct val="90000"/>
+              </a:lnSpc>
+              <a:spcBef>
+                <a:spcPts val="500"/>
+              </a:spcBef>
+              <a:buFont typeface="Arial" panose="020B0604020202020204" pitchFamily="34" charset="0"/>
+              <a:buChar char="•"/>
+              <a:defRPr sz="2400" kern="1200">
+                <a:solidFill>
+                  <a:schemeClr val="tx1"/>
+                </a:solidFill>
+                <a:latin typeface="+mn-lt"/>
+                <a:ea typeface="+mn-ea"/>
+                <a:cs typeface="+mn-cs"/>
+              </a:defRPr>
+            </a:lvl2pPr>
+            <a:lvl3pPr marL="1143000" indent="-228600" algn="l" defTabSz="914400" rtl="0" eaLnBrk="1" latinLnBrk="0" hangingPunct="1">
+              <a:lnSpc>
+                <a:spcPct val="90000"/>
+              </a:lnSpc>
+              <a:spcBef>
+                <a:spcPts val="500"/>
+              </a:spcBef>
+              <a:buFont typeface="Arial" panose="020B0604020202020204" pitchFamily="34" charset="0"/>
+              <a:buChar char="•"/>
+              <a:defRPr sz="2000" kern="1200">
+                <a:solidFill>
+                  <a:schemeClr val="tx1"/>
+                </a:solidFill>
+                <a:latin typeface="+mn-lt"/>
+                <a:ea typeface="+mn-ea"/>
+                <a:cs typeface="+mn-cs"/>
+              </a:defRPr>
+            </a:lvl3pPr>
+            <a:lvl4pPr marL="1600200" indent="-228600" algn="l" defTabSz="914400" rtl="0" eaLnBrk="1" latinLnBrk="0" hangingPunct="1">
+              <a:lnSpc>
+                <a:spcPct val="90000"/>
+              </a:lnSpc>
+              <a:spcBef>
+                <a:spcPts val="500"/>
+              </a:spcBef>
+              <a:buFont typeface="Arial" panose="020B0604020202020204" pitchFamily="34" charset="0"/>
+              <a:buChar char="•"/>
+              <a:defRPr sz="1800" kern="1200">
+                <a:solidFill>
+                  <a:schemeClr val="tx1"/>
+                </a:solidFill>
+                <a:latin typeface="+mn-lt"/>
+                <a:ea typeface="+mn-ea"/>
+                <a:cs typeface="+mn-cs"/>
+              </a:defRPr>
+            </a:lvl4pPr>
+            <a:lvl5pPr marL="2057400" indent="-228600" algn="l" defTabSz="914400" rtl="0" eaLnBrk="1" latinLnBrk="0" hangingPunct="1">
+              <a:lnSpc>
+                <a:spcPct val="90000"/>
+              </a:lnSpc>
+              <a:spcBef>
+                <a:spcPts val="500"/>
+              </a:spcBef>
+              <a:buFont typeface="Arial" panose="020B0604020202020204" pitchFamily="34" charset="0"/>
+              <a:buChar char="•"/>
+              <a:defRPr sz="1800" kern="1200">
+                <a:solidFill>
+                  <a:schemeClr val="tx1"/>
+                </a:solidFill>
+                <a:latin typeface="+mn-lt"/>
+                <a:ea typeface="+mn-ea"/>
+                <a:cs typeface="+mn-cs"/>
+              </a:defRPr>
+            </a:lvl5pPr>
+            <a:lvl6pPr marL="2514600" indent="-228600" algn="l" defTabSz="914400" rtl="0" eaLnBrk="1" latinLnBrk="0" hangingPunct="1">
+              <a:lnSpc>
+                <a:spcPct val="90000"/>
+              </a:lnSpc>
+              <a:spcBef>
+                <a:spcPts val="500"/>
+              </a:spcBef>
+              <a:buFont typeface="Arial" panose="020B0604020202020204" pitchFamily="34" charset="0"/>
+              <a:buChar char="•"/>
+              <a:defRPr sz="1800" kern="1200">
+                <a:solidFill>
+                  <a:schemeClr val="tx1"/>
+                </a:solidFill>
+                <a:latin typeface="+mn-lt"/>
+                <a:ea typeface="+mn-ea"/>
+                <a:cs typeface="+mn-cs"/>
+              </a:defRPr>
+            </a:lvl6pPr>
+            <a:lvl7pPr marL="2971800" indent="-228600" algn="l" defTabSz="914400" rtl="0" eaLnBrk="1" latinLnBrk="0" hangingPunct="1">
+              <a:lnSpc>
+                <a:spcPct val="90000"/>
+              </a:lnSpc>
+              <a:spcBef>
+                <a:spcPts val="500"/>
+              </a:spcBef>
+              <a:buFont typeface="Arial" panose="020B0604020202020204" pitchFamily="34" charset="0"/>
+              <a:buChar char="•"/>
+              <a:defRPr sz="1800" kern="1200">
+                <a:solidFill>
+                  <a:schemeClr val="tx1"/>
+                </a:solidFill>
+                <a:latin typeface="+mn-lt"/>
+                <a:ea typeface="+mn-ea"/>
+                <a:cs typeface="+mn-cs"/>
+              </a:defRPr>
+            </a:lvl7pPr>
+            <a:lvl8pPr marL="3429000" indent="-228600" algn="l" defTabSz="914400" rtl="0" eaLnBrk="1" latinLnBrk="0" hangingPunct="1">
+              <a:lnSpc>
+                <a:spcPct val="90000"/>
+              </a:lnSpc>
+              <a:spcBef>
+                <a:spcPts val="500"/>
+              </a:spcBef>
+              <a:buFont typeface="Arial" panose="020B0604020202020204" pitchFamily="34" charset="0"/>
+              <a:buChar char="•"/>
+              <a:defRPr sz="1800" kern="1200">
+                <a:solidFill>
+                  <a:schemeClr val="tx1"/>
+                </a:solidFill>
+                <a:latin typeface="+mn-lt"/>
+                <a:ea typeface="+mn-ea"/>
+                <a:cs typeface="+mn-cs"/>
+              </a:defRPr>
+            </a:lvl8pPr>
+            <a:lvl9pPr marL="3886200" indent="-228600" algn="l" defTabSz="914400" rtl="0" eaLnBrk="1" latinLnBrk="0" hangingPunct="1">
+              <a:lnSpc>
+                <a:spcPct val="90000"/>
+              </a:lnSpc>
+              <a:spcBef>
+                <a:spcPts val="500"/>
+              </a:spcBef>
+              <a:buFont typeface="Arial" panose="020B0604020202020204" pitchFamily="34" charset="0"/>
+              <a:buChar char="•"/>
+              <a:defRPr sz="1800" kern="1200">
+                <a:solidFill>
+                  <a:schemeClr val="tx1"/>
+                </a:solidFill>
+                <a:latin typeface="+mn-lt"/>
+                <a:ea typeface="+mn-ea"/>
+                <a:cs typeface="+mn-cs"/>
+              </a:defRPr>
+            </a:lvl9pPr>
+          </a:lstStyle>
+          <a:p>
+            <a:pPr marL="0" indent="0" algn="r">
+              <a:spcBef>
+                <a:spcPts val="300"/>
+              </a:spcBef>
+              <a:buNone/>
+              <a:defRPr sz="1782"/>
+            </a:pPr>
+            <a:r>
+              <a:rPr lang="de-CH" sz="2800" dirty="0">
+                <a:latin typeface="+mj-lt"/>
+              </a:rPr>
+              <a:t>thomas.graf@swisscom.com</a:t>
+            </a:r>
+            <a:br>
+              <a:rPr lang="de-CH" sz="2800" dirty="0">
+                <a:latin typeface="+mj-lt"/>
+              </a:rPr>
+            </a:br>
+            <a:r>
+              <a:rPr lang="de-CH" sz="2800" dirty="0">
+                <a:latin typeface="+mj-lt"/>
+              </a:rPr>
+              <a:t>wanting.du@swisscom.com</a:t>
+            </a:r>
+          </a:p>
+          <a:p>
+            <a:pPr marL="0" indent="0" algn="r">
+              <a:spcBef>
+                <a:spcPts val="300"/>
+              </a:spcBef>
+              <a:buNone/>
+              <a:defRPr sz="1782"/>
+            </a:pPr>
+            <a:r>
+              <a:rPr lang="de-CH" sz="2800" dirty="0">
+                <a:latin typeface="+mj-lt"/>
+              </a:rPr>
+              <a:t>alex.huang-feng@insa-lyon.fr</a:t>
+            </a:r>
+          </a:p>
+          <a:p>
+            <a:pPr marL="0" indent="0" algn="r">
+              <a:spcBef>
+                <a:spcPts val="300"/>
+              </a:spcBef>
+              <a:buNone/>
+              <a:defRPr sz="1782"/>
+            </a:pPr>
+            <a:r>
+              <a:rPr lang="de-CH" sz="2800" dirty="0">
+                <a:latin typeface="+mj-lt"/>
+              </a:rPr>
+              <a:t>vincenzo.riccobene@huawei-partners.com</a:t>
+            </a:r>
+          </a:p>
+          <a:p>
+            <a:pPr marL="0" indent="0" algn="r">
+              <a:spcBef>
+                <a:spcPts val="300"/>
+              </a:spcBef>
+              <a:buNone/>
+              <a:defRPr sz="1782"/>
+            </a:pPr>
+            <a:r>
+              <a:rPr lang="de-CH" sz="2800" dirty="0">
+                <a:latin typeface="+mj-lt"/>
+              </a:rPr>
+              <a:t>antonio.roberto@huawei.com</a:t>
+            </a:r>
+          </a:p>
+          <a:p>
+            <a:pPr marL="0" indent="0" algn="r">
+              <a:spcBef>
+                <a:spcPts val="300"/>
+              </a:spcBef>
+              <a:buNone/>
+            </a:pPr>
+            <a:endParaRPr lang="de-CH" sz="2500" dirty="0">
+              <a:latin typeface="+mj-lt"/>
+            </a:endParaRPr>
+          </a:p>
+          <a:p>
+            <a:pPr marL="0" indent="0" algn="r">
+              <a:spcBef>
+                <a:spcPts val="300"/>
+              </a:spcBef>
+              <a:buNone/>
+            </a:pPr>
+            <a:r>
+              <a:rPr lang="de-CH" sz="2500" dirty="0">
+                <a:latin typeface="+mj-lt"/>
+              </a:rPr>
+              <a:t>13. </a:t>
+            </a:r>
+            <a:r>
+              <a:rPr lang="de-CH" sz="2500" dirty="0">
+                <a:latin typeface="+mj-lt"/>
+                <a:ea typeface="+mj-ea"/>
+                <a:cs typeface="+mj-cs"/>
+              </a:rPr>
+              <a:t>March </a:t>
+            </a:r>
+            <a:r>
+              <a:rPr lang="de-CH" sz="2500" dirty="0">
+                <a:latin typeface="+mj-lt"/>
+              </a:rPr>
+              <a:t>2024</a:t>
+            </a:r>
+          </a:p>
+          <a:p>
+            <a:pPr algn="r"/>
+            <a:endParaRPr lang="de-CH" sz="2200" dirty="0"/>
+          </a:p>
+        </p:txBody>
+      </p:sp>
+      <p:pic>
+        <p:nvPicPr>
+          <p:cNvPr id="6" name="Picture 5">
+            <a:extLst>
+              <a:ext uri="{FF2B5EF4-FFF2-40B4-BE49-F238E27FC236}">
+                <a16:creationId xmlns:a16="http://schemas.microsoft.com/office/drawing/2014/main" id="{D4F5E154-1C25-441B-90CF-A1443F6D1EF8}"/>
+              </a:ext>
+            </a:extLst>
+          </p:cNvPr>
+          <p:cNvPicPr>
+            <a:picLocks noChangeAspect="1"/>
+          </p:cNvPicPr>
+          <p:nvPr/>
+        </p:nvPicPr>
+        <p:blipFill>
+          <a:blip r:embed="rId2"/>
+          <a:stretch>
+            <a:fillRect/>
+          </a:stretch>
+        </p:blipFill>
+        <p:spPr>
+          <a:xfrm>
+            <a:off x="9713236" y="1230284"/>
+            <a:ext cx="2220143" cy="4019821"/>
+          </a:xfrm>
+          <a:prstGeom prst="rect">
+            <a:avLst/>
+          </a:prstGeom>
+        </p:spPr>
+      </p:pic>
+      <p:sp>
+        <p:nvSpPr>
+          <p:cNvPr id="8" name="Slide Number Placeholder 1">
+            <a:extLst>
+              <a:ext uri="{FF2B5EF4-FFF2-40B4-BE49-F238E27FC236}">
+                <a16:creationId xmlns:a16="http://schemas.microsoft.com/office/drawing/2014/main" id="{F03D7BF8-F90A-4F8C-8FCE-B1DB1DEC687A}"/>
+              </a:ext>
+            </a:extLst>
+          </p:cNvPr>
+          <p:cNvSpPr>
+            <a:spLocks noGrp="1"/>
+          </p:cNvSpPr>
+          <p:nvPr>
+            <p:ph type="sldNum" sz="quarter" idx="12"/>
+          </p:nvPr>
+        </p:nvSpPr>
+        <p:spPr>
+          <a:xfrm>
+            <a:off x="11587892" y="6361637"/>
+            <a:ext cx="414251" cy="365125"/>
+          </a:xfrm>
+        </p:spPr>
+        <p:txBody>
+          <a:bodyPr/>
+          <a:lstStyle/>
+          <a:p>
+            <a:fld id="{FC4AC485-25DE-431E-B345-9C0A15BB7F8A}" type="slidenum">
+              <a:rPr lang="de-CH" sz="1400" smtClean="0"/>
+              <a:t>21</a:t>
+            </a:fld>
+            <a:endParaRPr lang="de-CH" sz="1400" dirty="0"/>
+          </a:p>
+        </p:txBody>
+      </p:sp>
+    </p:spTree>
+    <p:extLst>
+      <p:ext uri="{BB962C8B-B14F-4D97-AF65-F5344CB8AC3E}">
+        <p14:creationId xmlns:p14="http://schemas.microsoft.com/office/powerpoint/2010/main" val="2617504443"/>
       </p:ext>
     </p:extLst>
   </p:cSld>

--- a/119/NMOP/draft-netana-nmop-network-anomaly-semantics-and-lifecycle.pptx
+++ b/119/NMOP/draft-netana-nmop-network-anomaly-semantics-and-lifecycle.pptx
@@ -135,6 +135,35 @@
 </p:presentation>
 </file>
 
+<file path=ppt/changesInfos/changesInfo1.xml><?xml version="1.0" encoding="utf-8"?>
+<pc:chgInfo xmlns:a="http://schemas.openxmlformats.org/drawingml/2006/main" xmlns:r="http://schemas.openxmlformats.org/officeDocument/2006/relationships" xmlns:ac="http://schemas.microsoft.com/office/drawing/2013/main/command" xmlns:pc="http://schemas.microsoft.com/office/powerpoint/2013/main/command">
+  <pc:docChgLst>
+    <pc:chgData name="Graf Thomas, INI-NET-VNC-HCS" userId="487bc3e3-9ce7-4cdd-b7b4-8899ea88d289" providerId="ADAL" clId="{A47D5A21-D820-4251-9DE3-0EE7A7287481}"/>
+    <pc:docChg chg="modSld">
+      <pc:chgData name="Graf Thomas, INI-NET-VNC-HCS" userId="487bc3e3-9ce7-4cdd-b7b4-8899ea88d289" providerId="ADAL" clId="{A47D5A21-D820-4251-9DE3-0EE7A7287481}" dt="2024-03-15T01:12:42.318" v="0" actId="108"/>
+      <pc:docMkLst>
+        <pc:docMk/>
+      </pc:docMkLst>
+      <pc:sldChg chg="modSp mod">
+        <pc:chgData name="Graf Thomas, INI-NET-VNC-HCS" userId="487bc3e3-9ce7-4cdd-b7b4-8899ea88d289" providerId="ADAL" clId="{A47D5A21-D820-4251-9DE3-0EE7A7287481}" dt="2024-03-15T01:12:42.318" v="0" actId="108"/>
+        <pc:sldMkLst>
+          <pc:docMk/>
+          <pc:sldMk cId="2617504443" sldId="2145706242"/>
+        </pc:sldMkLst>
+        <pc:spChg chg="mod">
+          <ac:chgData name="Graf Thomas, INI-NET-VNC-HCS" userId="487bc3e3-9ce7-4cdd-b7b4-8899ea88d289" providerId="ADAL" clId="{A47D5A21-D820-4251-9DE3-0EE7A7287481}" dt="2024-03-15T01:12:42.318" v="0" actId="108"/>
+          <ac:spMkLst>
+            <pc:docMk/>
+            <pc:sldMk cId="2617504443" sldId="2145706242"/>
+            <ac:spMk id="3" creationId="{29C0DFD4-432D-4B0C-93DF-790441DCF5B9}"/>
+          </ac:spMkLst>
+        </pc:spChg>
+      </pc:sldChg>
+    </pc:docChg>
+  </pc:docChgLst>
+</pc:chgInfo>
+</file>
+
 <file path=ppt/notesMasters/notesMaster1.xml><?xml version="1.0" encoding="utf-8"?>
 <p:notesMaster xmlns:a="http://schemas.openxmlformats.org/drawingml/2006/main" xmlns:r="http://schemas.openxmlformats.org/officeDocument/2006/relationships" xmlns:p="http://schemas.openxmlformats.org/presentationml/2006/main">
   <p:cSld>
@@ -217,7 +246,7 @@
           <a:p>
             <a:fld id="{E5E705E9-673F-4AC4-B29E-A7B26F3B8523}" type="datetimeFigureOut">
               <a:rPr lang="de-CH" smtClean="0"/>
-              <a:t>13.03.2024</a:t>
+              <a:t>15.03.2024</a:t>
             </a:fld>
             <a:endParaRPr lang="de-CH"/>
           </a:p>
@@ -888,7 +917,7 @@
           <a:p>
             <a:fld id="{9E9B238C-2335-4007-98C9-471C02CC43B6}" type="datetimeFigureOut">
               <a:rPr lang="de-CH" smtClean="0"/>
-              <a:t>13.03.2024</a:t>
+              <a:t>15.03.2024</a:t>
             </a:fld>
             <a:endParaRPr lang="de-CH"/>
           </a:p>
@@ -1088,7 +1117,7 @@
           <a:p>
             <a:fld id="{9E9B238C-2335-4007-98C9-471C02CC43B6}" type="datetimeFigureOut">
               <a:rPr lang="de-CH" smtClean="0"/>
-              <a:t>13.03.2024</a:t>
+              <a:t>15.03.2024</a:t>
             </a:fld>
             <a:endParaRPr lang="de-CH"/>
           </a:p>
@@ -1298,7 +1327,7 @@
           <a:p>
             <a:fld id="{9E9B238C-2335-4007-98C9-471C02CC43B6}" type="datetimeFigureOut">
               <a:rPr lang="de-CH" smtClean="0"/>
-              <a:t>13.03.2024</a:t>
+              <a:t>15.03.2024</a:t>
             </a:fld>
             <a:endParaRPr lang="de-CH"/>
           </a:p>
@@ -1727,7 +1756,7 @@
           <a:p>
             <a:fld id="{9E9B238C-2335-4007-98C9-471C02CC43B6}" type="datetimeFigureOut">
               <a:rPr lang="de-CH" smtClean="0"/>
-              <a:t>13.03.2024</a:t>
+              <a:t>15.03.2024</a:t>
             </a:fld>
             <a:endParaRPr lang="de-CH"/>
           </a:p>
@@ -2003,7 +2032,7 @@
           <a:p>
             <a:fld id="{9E9B238C-2335-4007-98C9-471C02CC43B6}" type="datetimeFigureOut">
               <a:rPr lang="de-CH" smtClean="0"/>
-              <a:t>13.03.2024</a:t>
+              <a:t>15.03.2024</a:t>
             </a:fld>
             <a:endParaRPr lang="de-CH"/>
           </a:p>
@@ -2271,7 +2300,7 @@
           <a:p>
             <a:fld id="{9E9B238C-2335-4007-98C9-471C02CC43B6}" type="datetimeFigureOut">
               <a:rPr lang="de-CH" smtClean="0"/>
-              <a:t>13.03.2024</a:t>
+              <a:t>15.03.2024</a:t>
             </a:fld>
             <a:endParaRPr lang="de-CH"/>
           </a:p>
@@ -2686,7 +2715,7 @@
           <a:p>
             <a:fld id="{9E9B238C-2335-4007-98C9-471C02CC43B6}" type="datetimeFigureOut">
               <a:rPr lang="de-CH" smtClean="0"/>
-              <a:t>13.03.2024</a:t>
+              <a:t>15.03.2024</a:t>
             </a:fld>
             <a:endParaRPr lang="de-CH"/>
           </a:p>
@@ -2828,7 +2857,7 @@
           <a:p>
             <a:fld id="{9E9B238C-2335-4007-98C9-471C02CC43B6}" type="datetimeFigureOut">
               <a:rPr lang="de-CH" smtClean="0"/>
-              <a:t>13.03.2024</a:t>
+              <a:t>15.03.2024</a:t>
             </a:fld>
             <a:endParaRPr lang="de-CH"/>
           </a:p>
@@ -2941,7 +2970,7 @@
           <a:p>
             <a:fld id="{9E9B238C-2335-4007-98C9-471C02CC43B6}" type="datetimeFigureOut">
               <a:rPr lang="de-CH" smtClean="0"/>
-              <a:t>13.03.2024</a:t>
+              <a:t>15.03.2024</a:t>
             </a:fld>
             <a:endParaRPr lang="de-CH"/>
           </a:p>
@@ -3254,7 +3283,7 @@
           <a:p>
             <a:fld id="{9E9B238C-2335-4007-98C9-471C02CC43B6}" type="datetimeFigureOut">
               <a:rPr lang="de-CH" smtClean="0"/>
-              <a:t>13.03.2024</a:t>
+              <a:t>15.03.2024</a:t>
             </a:fld>
             <a:endParaRPr lang="de-CH"/>
           </a:p>
@@ -3543,7 +3572,7 @@
           <a:p>
             <a:fld id="{9E9B238C-2335-4007-98C9-471C02CC43B6}" type="datetimeFigureOut">
               <a:rPr lang="de-CH" smtClean="0"/>
-              <a:t>13.03.2024</a:t>
+              <a:t>15.03.2024</a:t>
             </a:fld>
             <a:endParaRPr lang="de-CH"/>
           </a:p>
@@ -3786,7 +3815,7 @@
           <a:p>
             <a:fld id="{9E9B238C-2335-4007-98C9-471C02CC43B6}" type="datetimeFigureOut">
               <a:rPr lang="de-CH" smtClean="0"/>
-              <a:t>13.03.2024</a:t>
+              <a:t>15.03.2024</a:t>
             </a:fld>
             <a:endParaRPr lang="de-CH"/>
           </a:p>
@@ -14046,9 +14075,6 @@
           </a:p>
           <a:p>
             <a:pPr marL="0" indent="0">
-              <a:spcBef>
-                <a:spcPts val="300"/>
-              </a:spcBef>
               <a:buNone/>
             </a:pPr>
             <a:r>

--- a/119/NMOP/draft-netana-nmop-network-anomaly-semantics-and-lifecycle.pptx
+++ b/119/NMOP/draft-netana-nmop-network-anomaly-semantics-and-lifecycle.pptx
@@ -140,12 +140,42 @@
   <pc:docChgLst>
     <pc:chgData name="Graf Thomas, INI-NET-VNC-HCS" userId="487bc3e3-9ce7-4cdd-b7b4-8899ea88d289" providerId="ADAL" clId="{A47D5A21-D820-4251-9DE3-0EE7A7287481}"/>
     <pc:docChg chg="modSld">
-      <pc:chgData name="Graf Thomas, INI-NET-VNC-HCS" userId="487bc3e3-9ce7-4cdd-b7b4-8899ea88d289" providerId="ADAL" clId="{A47D5A21-D820-4251-9DE3-0EE7A7287481}" dt="2024-03-15T01:12:42.318" v="0" actId="108"/>
+      <pc:chgData name="Graf Thomas, INI-NET-VNC-HCS" userId="487bc3e3-9ce7-4cdd-b7b4-8899ea88d289" providerId="ADAL" clId="{A47D5A21-D820-4251-9DE3-0EE7A7287481}" dt="2024-03-15T23:42:14.935" v="3" actId="20577"/>
       <pc:docMkLst>
         <pc:docMk/>
       </pc:docMkLst>
       <pc:sldChg chg="modSp mod">
-        <pc:chgData name="Graf Thomas, INI-NET-VNC-HCS" userId="487bc3e3-9ce7-4cdd-b7b4-8899ea88d289" providerId="ADAL" clId="{A47D5A21-D820-4251-9DE3-0EE7A7287481}" dt="2024-03-15T01:12:42.318" v="0" actId="108"/>
+        <pc:chgData name="Graf Thomas, INI-NET-VNC-HCS" userId="487bc3e3-9ce7-4cdd-b7b4-8899ea88d289" providerId="ADAL" clId="{A47D5A21-D820-4251-9DE3-0EE7A7287481}" dt="2024-03-15T23:42:04.547" v="1" actId="20577"/>
+        <pc:sldMkLst>
+          <pc:docMk/>
+          <pc:sldMk cId="3578665336" sldId="1041"/>
+        </pc:sldMkLst>
+        <pc:spChg chg="mod">
+          <ac:chgData name="Graf Thomas, INI-NET-VNC-HCS" userId="487bc3e3-9ce7-4cdd-b7b4-8899ea88d289" providerId="ADAL" clId="{A47D5A21-D820-4251-9DE3-0EE7A7287481}" dt="2024-03-15T23:42:04.547" v="1" actId="20577"/>
+          <ac:spMkLst>
+            <pc:docMk/>
+            <pc:sldMk cId="3578665336" sldId="1041"/>
+            <ac:spMk id="6" creationId="{6CAA0765-1318-4A03-8F91-D3ECC43D8FA7}"/>
+          </ac:spMkLst>
+        </pc:spChg>
+      </pc:sldChg>
+      <pc:sldChg chg="modSp mod">
+        <pc:chgData name="Graf Thomas, INI-NET-VNC-HCS" userId="487bc3e3-9ce7-4cdd-b7b4-8899ea88d289" providerId="ADAL" clId="{A47D5A21-D820-4251-9DE3-0EE7A7287481}" dt="2024-03-15T23:42:11.394" v="2" actId="20577"/>
+        <pc:sldMkLst>
+          <pc:docMk/>
+          <pc:sldMk cId="2578889968" sldId="26415"/>
+        </pc:sldMkLst>
+        <pc:spChg chg="mod">
+          <ac:chgData name="Graf Thomas, INI-NET-VNC-HCS" userId="487bc3e3-9ce7-4cdd-b7b4-8899ea88d289" providerId="ADAL" clId="{A47D5A21-D820-4251-9DE3-0EE7A7287481}" dt="2024-03-15T23:42:11.394" v="2" actId="20577"/>
+          <ac:spMkLst>
+            <pc:docMk/>
+            <pc:sldMk cId="2578889968" sldId="26415"/>
+            <ac:spMk id="7" creationId="{BF6DCC5D-2508-4A9B-B734-C8C5147F93FB}"/>
+          </ac:spMkLst>
+        </pc:spChg>
+      </pc:sldChg>
+      <pc:sldChg chg="modSp mod">
+        <pc:chgData name="Graf Thomas, INI-NET-VNC-HCS" userId="487bc3e3-9ce7-4cdd-b7b4-8899ea88d289" providerId="ADAL" clId="{A47D5A21-D820-4251-9DE3-0EE7A7287481}" dt="2024-03-15T23:42:14.935" v="3" actId="20577"/>
         <pc:sldMkLst>
           <pc:docMk/>
           <pc:sldMk cId="2617504443" sldId="2145706242"/>
@@ -156,6 +186,14 @@
             <pc:docMk/>
             <pc:sldMk cId="2617504443" sldId="2145706242"/>
             <ac:spMk id="3" creationId="{29C0DFD4-432D-4B0C-93DF-790441DCF5B9}"/>
+          </ac:spMkLst>
+        </pc:spChg>
+        <pc:spChg chg="mod">
+          <ac:chgData name="Graf Thomas, INI-NET-VNC-HCS" userId="487bc3e3-9ce7-4cdd-b7b4-8899ea88d289" providerId="ADAL" clId="{A47D5A21-D820-4251-9DE3-0EE7A7287481}" dt="2024-03-15T23:42:14.935" v="3" actId="20577"/>
+          <ac:spMkLst>
+            <pc:docMk/>
+            <pc:sldMk cId="2617504443" sldId="2145706242"/>
+            <ac:spMk id="7" creationId="{BF6DCC5D-2508-4A9B-B734-C8C5147F93FB}"/>
           </ac:spMkLst>
         </pc:spChg>
       </pc:sldChg>
@@ -246,7 +284,7 @@
           <a:p>
             <a:fld id="{E5E705E9-673F-4AC4-B29E-A7B26F3B8523}" type="datetimeFigureOut">
               <a:rPr lang="de-CH" smtClean="0"/>
-              <a:t>15.03.2024</a:t>
+              <a:t>16.03.2024</a:t>
             </a:fld>
             <a:endParaRPr lang="de-CH"/>
           </a:p>
@@ -917,7 +955,7 @@
           <a:p>
             <a:fld id="{9E9B238C-2335-4007-98C9-471C02CC43B6}" type="datetimeFigureOut">
               <a:rPr lang="de-CH" smtClean="0"/>
-              <a:t>15.03.2024</a:t>
+              <a:t>16.03.2024</a:t>
             </a:fld>
             <a:endParaRPr lang="de-CH"/>
           </a:p>
@@ -1117,7 +1155,7 @@
           <a:p>
             <a:fld id="{9E9B238C-2335-4007-98C9-471C02CC43B6}" type="datetimeFigureOut">
               <a:rPr lang="de-CH" smtClean="0"/>
-              <a:t>15.03.2024</a:t>
+              <a:t>16.03.2024</a:t>
             </a:fld>
             <a:endParaRPr lang="de-CH"/>
           </a:p>
@@ -1327,7 +1365,7 @@
           <a:p>
             <a:fld id="{9E9B238C-2335-4007-98C9-471C02CC43B6}" type="datetimeFigureOut">
               <a:rPr lang="de-CH" smtClean="0"/>
-              <a:t>15.03.2024</a:t>
+              <a:t>16.03.2024</a:t>
             </a:fld>
             <a:endParaRPr lang="de-CH"/>
           </a:p>
@@ -1756,7 +1794,7 @@
           <a:p>
             <a:fld id="{9E9B238C-2335-4007-98C9-471C02CC43B6}" type="datetimeFigureOut">
               <a:rPr lang="de-CH" smtClean="0"/>
-              <a:t>15.03.2024</a:t>
+              <a:t>16.03.2024</a:t>
             </a:fld>
             <a:endParaRPr lang="de-CH"/>
           </a:p>
@@ -2032,7 +2070,7 @@
           <a:p>
             <a:fld id="{9E9B238C-2335-4007-98C9-471C02CC43B6}" type="datetimeFigureOut">
               <a:rPr lang="de-CH" smtClean="0"/>
-              <a:t>15.03.2024</a:t>
+              <a:t>16.03.2024</a:t>
             </a:fld>
             <a:endParaRPr lang="de-CH"/>
           </a:p>
@@ -2300,7 +2338,7 @@
           <a:p>
             <a:fld id="{9E9B238C-2335-4007-98C9-471C02CC43B6}" type="datetimeFigureOut">
               <a:rPr lang="de-CH" smtClean="0"/>
-              <a:t>15.03.2024</a:t>
+              <a:t>16.03.2024</a:t>
             </a:fld>
             <a:endParaRPr lang="de-CH"/>
           </a:p>
@@ -2715,7 +2753,7 @@
           <a:p>
             <a:fld id="{9E9B238C-2335-4007-98C9-471C02CC43B6}" type="datetimeFigureOut">
               <a:rPr lang="de-CH" smtClean="0"/>
-              <a:t>15.03.2024</a:t>
+              <a:t>16.03.2024</a:t>
             </a:fld>
             <a:endParaRPr lang="de-CH"/>
           </a:p>
@@ -2857,7 +2895,7 @@
           <a:p>
             <a:fld id="{9E9B238C-2335-4007-98C9-471C02CC43B6}" type="datetimeFigureOut">
               <a:rPr lang="de-CH" smtClean="0"/>
-              <a:t>15.03.2024</a:t>
+              <a:t>16.03.2024</a:t>
             </a:fld>
             <a:endParaRPr lang="de-CH"/>
           </a:p>
@@ -2970,7 +3008,7 @@
           <a:p>
             <a:fld id="{9E9B238C-2335-4007-98C9-471C02CC43B6}" type="datetimeFigureOut">
               <a:rPr lang="de-CH" smtClean="0"/>
-              <a:t>15.03.2024</a:t>
+              <a:t>16.03.2024</a:t>
             </a:fld>
             <a:endParaRPr lang="de-CH"/>
           </a:p>
@@ -3283,7 +3321,7 @@
           <a:p>
             <a:fld id="{9E9B238C-2335-4007-98C9-471C02CC43B6}" type="datetimeFigureOut">
               <a:rPr lang="de-CH" smtClean="0"/>
-              <a:t>15.03.2024</a:t>
+              <a:t>16.03.2024</a:t>
             </a:fld>
             <a:endParaRPr lang="de-CH"/>
           </a:p>
@@ -3572,7 +3610,7 @@
           <a:p>
             <a:fld id="{9E9B238C-2335-4007-98C9-471C02CC43B6}" type="datetimeFigureOut">
               <a:rPr lang="de-CH" smtClean="0"/>
-              <a:t>15.03.2024</a:t>
+              <a:t>16.03.2024</a:t>
             </a:fld>
             <a:endParaRPr lang="de-CH"/>
           </a:p>
@@ -3815,7 +3853,7 @@
           <a:p>
             <a:fld id="{9E9B238C-2335-4007-98C9-471C02CC43B6}" type="datetimeFigureOut">
               <a:rPr lang="de-CH" smtClean="0"/>
-              <a:t>15.03.2024</a:t>
+              <a:t>16.03.2024</a:t>
             </a:fld>
             <a:endParaRPr lang="de-CH"/>
           </a:p>
@@ -4728,7 +4766,7 @@
               <a:rPr lang="de-CH" sz="3800" dirty="0">
                 <a:latin typeface="+mj-lt"/>
               </a:rPr>
-              <a:t>13. </a:t>
+              <a:t>16. </a:t>
             </a:r>
             <a:r>
               <a:rPr lang="de-CH" sz="3800" dirty="0">
@@ -13770,7 +13808,7 @@
               <a:rPr lang="de-CH" sz="2500" dirty="0">
                 <a:latin typeface="+mj-lt"/>
               </a:rPr>
-              <a:t>13. </a:t>
+              <a:t>16. </a:t>
             </a:r>
             <a:r>
               <a:rPr lang="de-CH" sz="2500" dirty="0">
@@ -14383,7 +14421,7 @@
               <a:rPr lang="de-CH" sz="2500" dirty="0">
                 <a:latin typeface="+mj-lt"/>
               </a:rPr>
-              <a:t>13. </a:t>
+              <a:t>16. </a:t>
             </a:r>
             <a:r>
               <a:rPr lang="de-CH" sz="2500" dirty="0">
